--- a/Mihaly_Bogdan-Matei.pptx
+++ b/Mihaly_Bogdan-Matei.pptx
@@ -5,25 +5,18 @@
     <p:sldMasterId id="2147483648" r:id="rId1"/>
   </p:sldMasterIdLst>
   <p:notesMasterIdLst>
-    <p:notesMasterId r:id="rId18"/>
+    <p:notesMasterId r:id="rId11"/>
   </p:notesMasterIdLst>
   <p:sldIdLst>
     <p:sldId id="256" r:id="rId2"/>
-    <p:sldId id="257" r:id="rId3"/>
+    <p:sldId id="259" r:id="rId3"/>
     <p:sldId id="258" r:id="rId4"/>
-    <p:sldId id="259" r:id="rId5"/>
-    <p:sldId id="260" r:id="rId6"/>
-    <p:sldId id="261" r:id="rId7"/>
-    <p:sldId id="262" r:id="rId8"/>
-    <p:sldId id="263" r:id="rId9"/>
-    <p:sldId id="264" r:id="rId10"/>
-    <p:sldId id="265" r:id="rId11"/>
-    <p:sldId id="266" r:id="rId12"/>
-    <p:sldId id="267" r:id="rId13"/>
-    <p:sldId id="268" r:id="rId14"/>
-    <p:sldId id="269" r:id="rId15"/>
-    <p:sldId id="270" r:id="rId16"/>
-    <p:sldId id="271" r:id="rId17"/>
+    <p:sldId id="272" r:id="rId5"/>
+    <p:sldId id="273" r:id="rId6"/>
+    <p:sldId id="274" r:id="rId7"/>
+    <p:sldId id="275" r:id="rId8"/>
+    <p:sldId id="276" r:id="rId9"/>
+    <p:sldId id="271" r:id="rId10"/>
   </p:sldIdLst>
   <p:sldSz cx="12192000" cy="6858000"/>
   <p:notesSz cx="6858000" cy="9144000"/>
@@ -122,6 +115,11 @@
       </a:defRPr>
     </a:lvl9pPr>
   </p:defaultTextStyle>
+  <p:extLst>
+    <p:ext uri="{EFAFB233-063F-42B5-8137-9DF3F51BA10A}">
+      <p15:sldGuideLst xmlns:p15="http://schemas.microsoft.com/office/powerpoint/2012/main"/>
+    </p:ext>
+  </p:extLst>
 </p:presentation>
 </file>
 
@@ -207,7 +205,7 @@
           <a:p>
             <a:fld id="{CAB6408B-C718-4C56-9786-3BEFBD2E5973}" type="datetimeFigureOut">
               <a:rPr lang="en-US" smtClean="0"/>
-              <a:t>6/8/2024</a:t>
+              <a:t>6/21/2024</a:t>
             </a:fld>
             <a:endParaRPr lang="en-US"/>
           </a:p>
@@ -621,7 +619,7 @@
           <a:p>
             <a:fld id="{4FA5A385-0843-4FF4-972F-53A92C023AD8}" type="datetime1">
               <a:rPr lang="en-US" smtClean="0"/>
-              <a:t>6/8/2024</a:t>
+              <a:t>6/21/2024</a:t>
             </a:fld>
             <a:endParaRPr lang="en-US"/>
           </a:p>
@@ -819,7 +817,7 @@
           <a:p>
             <a:fld id="{D284471D-B916-4CDB-BA6E-DF0E31883223}" type="datetime1">
               <a:rPr lang="en-US" smtClean="0"/>
-              <a:t>6/8/2024</a:t>
+              <a:t>6/21/2024</a:t>
             </a:fld>
             <a:endParaRPr lang="en-US"/>
           </a:p>
@@ -1027,7 +1025,7 @@
           <a:p>
             <a:fld id="{92FADB33-1227-41A4-9985-0EB00A7C04DB}" type="datetime1">
               <a:rPr lang="en-US" smtClean="0"/>
-              <a:t>6/8/2024</a:t>
+              <a:t>6/21/2024</a:t>
             </a:fld>
             <a:endParaRPr lang="en-US"/>
           </a:p>
@@ -1225,7 +1223,7 @@
           <a:p>
             <a:fld id="{DB0B7143-00CC-4882-8F1D-6E4F10AE796F}" type="datetime1">
               <a:rPr lang="en-US" smtClean="0"/>
-              <a:t>6/8/2024</a:t>
+              <a:t>6/21/2024</a:t>
             </a:fld>
             <a:endParaRPr lang="en-US"/>
           </a:p>
@@ -1500,7 +1498,7 @@
           <a:p>
             <a:fld id="{C173C1BA-9C3C-4BB5-AAE1-5B62254F01F1}" type="datetime1">
               <a:rPr lang="en-US" smtClean="0"/>
-              <a:t>6/8/2024</a:t>
+              <a:t>6/21/2024</a:t>
             </a:fld>
             <a:endParaRPr lang="en-US"/>
           </a:p>
@@ -1765,7 +1763,7 @@
           <a:p>
             <a:fld id="{F9BBFF1A-FD82-4271-80F9-E7553321FDB2}" type="datetime1">
               <a:rPr lang="en-US" smtClean="0"/>
-              <a:t>6/8/2024</a:t>
+              <a:t>6/21/2024</a:t>
             </a:fld>
             <a:endParaRPr lang="en-US"/>
           </a:p>
@@ -2177,7 +2175,7 @@
           <a:p>
             <a:fld id="{125CEAC4-3850-4D08-85E5-EF71665C38F2}" type="datetime1">
               <a:rPr lang="en-US" smtClean="0"/>
-              <a:t>6/8/2024</a:t>
+              <a:t>6/21/2024</a:t>
             </a:fld>
             <a:endParaRPr lang="en-US"/>
           </a:p>
@@ -2318,7 +2316,7 @@
           <a:p>
             <a:fld id="{5C8313FD-8E79-4C25-9B5B-434753565F80}" type="datetime1">
               <a:rPr lang="en-US" smtClean="0"/>
-              <a:t>6/8/2024</a:t>
+              <a:t>6/21/2024</a:t>
             </a:fld>
             <a:endParaRPr lang="en-US"/>
           </a:p>
@@ -2431,7 +2429,7 @@
           <a:p>
             <a:fld id="{D8C9A120-6923-4607-B302-0F6A31DA0B6D}" type="datetime1">
               <a:rPr lang="en-US" smtClean="0"/>
-              <a:t>6/8/2024</a:t>
+              <a:t>6/21/2024</a:t>
             </a:fld>
             <a:endParaRPr lang="en-US"/>
           </a:p>
@@ -2742,7 +2740,7 @@
           <a:p>
             <a:fld id="{551A71E9-6E65-4C95-BA1E-27C40310E02F}" type="datetime1">
               <a:rPr lang="en-US" smtClean="0"/>
-              <a:t>6/8/2024</a:t>
+              <a:t>6/21/2024</a:t>
             </a:fld>
             <a:endParaRPr lang="en-US"/>
           </a:p>
@@ -3030,7 +3028,7 @@
           <a:p>
             <a:fld id="{3B45EF61-01C7-4E9B-8332-76BD3393F103}" type="datetime1">
               <a:rPr lang="en-US" smtClean="0"/>
-              <a:t>6/8/2024</a:t>
+              <a:t>6/21/2024</a:t>
             </a:fld>
             <a:endParaRPr lang="en-US"/>
           </a:p>
@@ -3271,7 +3269,7 @@
           <a:p>
             <a:fld id="{A2AC2938-28C5-41A1-AD8F-D3BA47B379FA}" type="datetime1">
               <a:rPr lang="en-US" smtClean="0"/>
-              <a:t>6/8/2024</a:t>
+              <a:t>6/21/2024</a:t>
             </a:fld>
             <a:endParaRPr lang="en-US"/>
           </a:p>
@@ -3707,8 +3705,8 @@
         </p:nvSpPr>
         <p:spPr>
           <a:xfrm>
-            <a:off x="1524000" y="1854201"/>
-            <a:ext cx="9144000" cy="1655762"/>
+            <a:off x="-1403927" y="1726553"/>
+            <a:ext cx="9144000" cy="1298448"/>
           </a:xfrm>
         </p:spPr>
         <p:txBody>
@@ -3812,8 +3810,8 @@
         </p:nvSpPr>
         <p:spPr>
           <a:xfrm>
-            <a:off x="1524000" y="3959352"/>
-            <a:ext cx="9144000" cy="1298448"/>
+            <a:off x="-1209773" y="3307773"/>
+            <a:ext cx="9144000" cy="1204976"/>
           </a:xfrm>
         </p:spPr>
         <p:txBody>
@@ -3839,12 +3837,8 @@
           </a:p>
           <a:p>
             <a:r>
-              <a:rPr lang="en-US" dirty="0"/>
-              <a:t>Cu </a:t>
-            </a:r>
-            <a:r>
               <a:rPr lang="en-US" dirty="0" err="1"/>
-              <a:t>ajutorul</a:t>
+              <a:t>Coordonator</a:t>
             </a:r>
             <a:r>
               <a:rPr lang="en-US" dirty="0"/>
@@ -3852,11 +3846,11 @@
             </a:r>
             <a:r>
               <a:rPr lang="en-US" dirty="0" err="1"/>
-              <a:t>profesorului</a:t>
+              <a:t>științific</a:t>
             </a:r>
             <a:r>
               <a:rPr lang="en-US" dirty="0"/>
-              <a:t> coordinator: </a:t>
+              <a:t>: </a:t>
             </a:r>
             <a:r>
               <a:rPr lang="en-US" dirty="0" err="1">
@@ -3917,10 +3911,10 @@
       </p:pic>
       <p:pic>
         <p:nvPicPr>
-          <p:cNvPr id="5" name="Imagine 5">
-            <a:extLst>
-              <a:ext uri="{FF2B5EF4-FFF2-40B4-BE49-F238E27FC236}">
-                <a16:creationId xmlns:a16="http://schemas.microsoft.com/office/drawing/2014/main" id="{5F6FF4FF-B898-22D5-F418-DA553F8862CA}"/>
+          <p:cNvPr id="7" name="Picture 6" descr="A red and black logo&#10;&#10;Description automatically generated">
+            <a:extLst>
+              <a:ext uri="{FF2B5EF4-FFF2-40B4-BE49-F238E27FC236}">
+                <a16:creationId xmlns:a16="http://schemas.microsoft.com/office/drawing/2014/main" id="{C479213F-752C-740B-93A8-61774AB61FCE}"/>
               </a:ext>
             </a:extLst>
           </p:cNvPr>
@@ -3943,8 +3937,8 @@
         </p:blipFill>
         <p:spPr>
           <a:xfrm>
-            <a:off x="9305577" y="0"/>
-            <a:ext cx="2610716" cy="1232258"/>
+            <a:off x="1120186" y="4292024"/>
+            <a:ext cx="3966463" cy="2231136"/>
           </a:xfrm>
           <a:prstGeom prst="rect">
             <a:avLst/>
@@ -3953,10 +3947,10 @@
       </p:pic>
       <p:pic>
         <p:nvPicPr>
-          <p:cNvPr id="7" name="Picture 6" descr="A red and black logo&#10;&#10;Description automatically generated">
-            <a:extLst>
-              <a:ext uri="{FF2B5EF4-FFF2-40B4-BE49-F238E27FC236}">
-                <a16:creationId xmlns:a16="http://schemas.microsoft.com/office/drawing/2014/main" id="{C479213F-752C-740B-93A8-61774AB61FCE}"/>
+          <p:cNvPr id="9" name="Picture 8" descr="A phone with a race car on it&#10;&#10;Description automatically generated">
+            <a:extLst>
+              <a:ext uri="{FF2B5EF4-FFF2-40B4-BE49-F238E27FC236}">
+                <a16:creationId xmlns:a16="http://schemas.microsoft.com/office/drawing/2014/main" id="{69F5D8CD-A535-7469-DA0B-682DFD4CBEEB}"/>
               </a:ext>
             </a:extLst>
           </p:cNvPr>
@@ -3979,8 +3973,60 @@
         </p:blipFill>
         <p:spPr>
           <a:xfrm>
-            <a:off x="4112768" y="4414152"/>
-            <a:ext cx="3966463" cy="2231136"/>
+            <a:off x="7205681" y="1234911"/>
+            <a:ext cx="3994117" cy="3994117"/>
+          </a:xfrm>
+          <a:prstGeom prst="round2DiagRect">
+            <a:avLst>
+              <a:gd name="adj1" fmla="val 16667"/>
+              <a:gd name="adj2" fmla="val 0"/>
+            </a:avLst>
+          </a:prstGeom>
+          <a:ln w="88900" cap="sq">
+            <a:solidFill>
+              <a:srgbClr val="FFFFFF"/>
+            </a:solidFill>
+            <a:miter lim="800000"/>
+          </a:ln>
+          <a:effectLst>
+            <a:outerShdw blurRad="254000" algn="tl" rotWithShape="0">
+              <a:srgbClr val="000000">
+                <a:alpha val="43000"/>
+              </a:srgbClr>
+            </a:outerShdw>
+          </a:effectLst>
+        </p:spPr>
+      </p:pic>
+      <p:pic>
+        <p:nvPicPr>
+          <p:cNvPr id="10" name="Imagine 6" descr="O imagine care conține text, Font, Albastru electric, captură de ecran&#10;&#10;Descriere generată automat">
+            <a:extLst>
+              <a:ext uri="{FF2B5EF4-FFF2-40B4-BE49-F238E27FC236}">
+                <a16:creationId xmlns:a16="http://schemas.microsoft.com/office/drawing/2014/main" id="{1E688276-4079-F0A8-1F10-CD5875A4EDC9}"/>
+              </a:ext>
+            </a:extLst>
+          </p:cNvPr>
+          <p:cNvPicPr>
+            <a:picLocks noChangeAspect="1"/>
+          </p:cNvPicPr>
+          <p:nvPr/>
+        </p:nvPicPr>
+        <p:blipFill>
+          <a:blip r:embed="rId5">
+            <a:extLst>
+              <a:ext uri="{28A0092B-C50C-407E-A947-70E740481C1C}">
+                <a14:useLocalDpi xmlns:a14="http://schemas.microsoft.com/office/drawing/2010/main" val="0"/>
+              </a:ext>
+            </a:extLst>
+          </a:blip>
+          <a:stretch>
+            <a:fillRect/>
+          </a:stretch>
+        </p:blipFill>
+        <p:spPr>
+          <a:xfrm>
+            <a:off x="9689982" y="191461"/>
+            <a:ext cx="2364858" cy="836445"/>
           </a:xfrm>
           <a:prstGeom prst="rect">
             <a:avLst/>
@@ -3991,2588 +4037,6 @@
     <p:extLst>
       <p:ext uri="{BB962C8B-B14F-4D97-AF65-F5344CB8AC3E}">
         <p14:creationId xmlns:p14="http://schemas.microsoft.com/office/powerpoint/2010/main" val="2999603888"/>
-      </p:ext>
-    </p:extLst>
-  </p:cSld>
-  <p:clrMapOvr>
-    <a:masterClrMapping/>
-  </p:clrMapOvr>
-</p:sld>
-</file>
-
-<file path=ppt/slides/slide10.xml><?xml version="1.0" encoding="utf-8"?>
-<p:sld xmlns:a="http://schemas.openxmlformats.org/drawingml/2006/main" xmlns:r="http://schemas.openxmlformats.org/officeDocument/2006/relationships" xmlns:p="http://schemas.openxmlformats.org/presentationml/2006/main">
-  <p:cSld>
-    <p:spTree>
-      <p:nvGrpSpPr>
-        <p:cNvPr id="1" name=""/>
-        <p:cNvGrpSpPr/>
-        <p:nvPr/>
-      </p:nvGrpSpPr>
-      <p:grpSpPr>
-        <a:xfrm>
-          <a:off x="0" y="0"/>
-          <a:ext cx="0" cy="0"/>
-          <a:chOff x="0" y="0"/>
-          <a:chExt cx="0" cy="0"/>
-        </a:xfrm>
-      </p:grpSpPr>
-      <p:sp>
-        <p:nvSpPr>
-          <p:cNvPr id="2" name="Title 1">
-            <a:extLst>
-              <a:ext uri="{FF2B5EF4-FFF2-40B4-BE49-F238E27FC236}">
-                <a16:creationId xmlns:a16="http://schemas.microsoft.com/office/drawing/2014/main" id="{6C0A599A-63F9-A2F1-D022-F897E38459E8}"/>
-              </a:ext>
-            </a:extLst>
-          </p:cNvPr>
-          <p:cNvSpPr>
-            <a:spLocks noGrp="1"/>
-          </p:cNvSpPr>
-          <p:nvPr>
-            <p:ph type="title"/>
-          </p:nvPr>
-        </p:nvSpPr>
-        <p:spPr/>
-        <p:txBody>
-          <a:bodyPr/>
-          <a:lstStyle/>
-          <a:p>
-            <a:r>
-              <a:rPr lang="en-US" dirty="0" err="1"/>
-              <a:t>Pagina</a:t>
-            </a:r>
-            <a:r>
-              <a:rPr lang="en-US" dirty="0"/>
-              <a:t> de </a:t>
-            </a:r>
-            <a:r>
-              <a:rPr lang="en-US" dirty="0" err="1"/>
-              <a:t>rezultate</a:t>
-            </a:r>
-            <a:r>
-              <a:rPr lang="en-US" dirty="0"/>
-              <a:t> </a:t>
-            </a:r>
-            <a:r>
-              <a:rPr lang="en-US" dirty="0" err="1"/>
-              <a:t>pentru</a:t>
-            </a:r>
-            <a:r>
-              <a:rPr lang="en-US" dirty="0"/>
-              <a:t> curse:</a:t>
-            </a:r>
-          </a:p>
-        </p:txBody>
-      </p:sp>
-      <p:sp>
-        <p:nvSpPr>
-          <p:cNvPr id="3" name="Content Placeholder 2">
-            <a:extLst>
-              <a:ext uri="{FF2B5EF4-FFF2-40B4-BE49-F238E27FC236}">
-                <a16:creationId xmlns:a16="http://schemas.microsoft.com/office/drawing/2014/main" id="{25229AEA-9361-3EE4-3BC9-219E9CE27C89}"/>
-              </a:ext>
-            </a:extLst>
-          </p:cNvPr>
-          <p:cNvSpPr>
-            <a:spLocks noGrp="1"/>
-          </p:cNvSpPr>
-          <p:nvPr>
-            <p:ph idx="1"/>
-          </p:nvPr>
-        </p:nvSpPr>
-        <p:spPr/>
-        <p:txBody>
-          <a:bodyPr/>
-          <a:lstStyle/>
-          <a:p>
-            <a:pPr marL="0" indent="0" algn="ctr">
-              <a:buNone/>
-            </a:pPr>
-            <a:r>
-              <a:rPr lang="ro-RO" dirty="0"/>
-              <a:t>Aceasta este disponibilă doar dacă întrecerea a avut loc, și se face din cadrul paginii dedicate circuitului respectiv</a:t>
-            </a:r>
-            <a:endParaRPr lang="en-US" dirty="0"/>
-          </a:p>
-        </p:txBody>
-      </p:sp>
-      <p:sp>
-        <p:nvSpPr>
-          <p:cNvPr id="4" name="Slide Number Placeholder 3">
-            <a:extLst>
-              <a:ext uri="{FF2B5EF4-FFF2-40B4-BE49-F238E27FC236}">
-                <a16:creationId xmlns:a16="http://schemas.microsoft.com/office/drawing/2014/main" id="{99214BA3-9818-E6A1-2E73-02ED6D0D14A7}"/>
-              </a:ext>
-            </a:extLst>
-          </p:cNvPr>
-          <p:cNvSpPr>
-            <a:spLocks noGrp="1"/>
-          </p:cNvSpPr>
-          <p:nvPr>
-            <p:ph type="sldNum" sz="quarter" idx="12"/>
-          </p:nvPr>
-        </p:nvSpPr>
-        <p:spPr/>
-        <p:txBody>
-          <a:bodyPr/>
-          <a:lstStyle/>
-          <a:p>
-            <a:fld id="{F8A5FA55-D9B8-4EF5-BE35-7AA8B0D8C041}" type="slidenum">
-              <a:rPr lang="en-US" smtClean="0"/>
-              <a:t>10</a:t>
-            </a:fld>
-            <a:endParaRPr lang="en-US"/>
-          </a:p>
-        </p:txBody>
-      </p:sp>
-      <p:pic>
-        <p:nvPicPr>
-          <p:cNvPr id="5" name="Picture 4">
-            <a:extLst>
-              <a:ext uri="{FF2B5EF4-FFF2-40B4-BE49-F238E27FC236}">
-                <a16:creationId xmlns:a16="http://schemas.microsoft.com/office/drawing/2014/main" id="{F4A46EA2-99E6-90C1-A341-8E8DEAA32C0D}"/>
-              </a:ext>
-            </a:extLst>
-          </p:cNvPr>
-          <p:cNvPicPr>
-            <a:picLocks noChangeAspect="1"/>
-          </p:cNvPicPr>
-          <p:nvPr/>
-        </p:nvPicPr>
-        <p:blipFill>
-          <a:blip r:embed="rId2" cstate="print">
-            <a:extLst>
-              <a:ext uri="{28A0092B-C50C-407E-A947-70E740481C1C}">
-                <a14:useLocalDpi xmlns:a14="http://schemas.microsoft.com/office/drawing/2010/main" val="0"/>
-              </a:ext>
-            </a:extLst>
-          </a:blip>
-          <a:srcRect/>
-          <a:stretch>
-            <a:fillRect/>
-          </a:stretch>
-        </p:blipFill>
-        <p:spPr bwMode="auto">
-          <a:xfrm>
-            <a:off x="941209" y="3184777"/>
-            <a:ext cx="914400" cy="2826088"/>
-          </a:xfrm>
-          <a:prstGeom prst="rect">
-            <a:avLst/>
-          </a:prstGeom>
-          <a:noFill/>
-          <a:ln>
-            <a:noFill/>
-          </a:ln>
-        </p:spPr>
-      </p:pic>
-      <p:pic>
-        <p:nvPicPr>
-          <p:cNvPr id="6" name="Picture 5">
-            <a:extLst>
-              <a:ext uri="{FF2B5EF4-FFF2-40B4-BE49-F238E27FC236}">
-                <a16:creationId xmlns:a16="http://schemas.microsoft.com/office/drawing/2014/main" id="{A4C986C6-C8F7-040A-1B2A-F81D95CD5461}"/>
-              </a:ext>
-            </a:extLst>
-          </p:cNvPr>
-          <p:cNvPicPr>
-            <a:picLocks noChangeAspect="1"/>
-          </p:cNvPicPr>
-          <p:nvPr/>
-        </p:nvPicPr>
-        <p:blipFill>
-          <a:blip r:embed="rId3" cstate="print">
-            <a:extLst>
-              <a:ext uri="{28A0092B-C50C-407E-A947-70E740481C1C}">
-                <a14:useLocalDpi xmlns:a14="http://schemas.microsoft.com/office/drawing/2010/main" val="0"/>
-              </a:ext>
-            </a:extLst>
-          </a:blip>
-          <a:srcRect/>
-          <a:stretch>
-            <a:fillRect/>
-          </a:stretch>
-        </p:blipFill>
-        <p:spPr bwMode="auto">
-          <a:xfrm>
-            <a:off x="3361352" y="3122129"/>
-            <a:ext cx="914400" cy="2888735"/>
-          </a:xfrm>
-          <a:prstGeom prst="rect">
-            <a:avLst/>
-          </a:prstGeom>
-          <a:noFill/>
-          <a:ln>
-            <a:noFill/>
-          </a:ln>
-        </p:spPr>
-      </p:pic>
-      <p:pic>
-        <p:nvPicPr>
-          <p:cNvPr id="7" name="Picture 6">
-            <a:extLst>
-              <a:ext uri="{FF2B5EF4-FFF2-40B4-BE49-F238E27FC236}">
-                <a16:creationId xmlns:a16="http://schemas.microsoft.com/office/drawing/2014/main" id="{986BECEC-61A0-348C-4D00-95EB96324FEF}"/>
-              </a:ext>
-            </a:extLst>
-          </p:cNvPr>
-          <p:cNvPicPr>
-            <a:picLocks noChangeAspect="1"/>
-          </p:cNvPicPr>
-          <p:nvPr/>
-        </p:nvPicPr>
-        <p:blipFill>
-          <a:blip r:embed="rId4" cstate="print">
-            <a:extLst>
-              <a:ext uri="{28A0092B-C50C-407E-A947-70E740481C1C}">
-                <a14:useLocalDpi xmlns:a14="http://schemas.microsoft.com/office/drawing/2010/main" val="0"/>
-              </a:ext>
-            </a:extLst>
-          </a:blip>
-          <a:srcRect/>
-          <a:stretch>
-            <a:fillRect/>
-          </a:stretch>
-        </p:blipFill>
-        <p:spPr bwMode="auto">
-          <a:xfrm>
-            <a:off x="6673035" y="3175017"/>
-            <a:ext cx="914400" cy="2832100"/>
-          </a:xfrm>
-          <a:prstGeom prst="rect">
-            <a:avLst/>
-          </a:prstGeom>
-          <a:noFill/>
-          <a:ln>
-            <a:noFill/>
-          </a:ln>
-        </p:spPr>
-      </p:pic>
-      <p:pic>
-        <p:nvPicPr>
-          <p:cNvPr id="8" name="Picture 7">
-            <a:extLst>
-              <a:ext uri="{FF2B5EF4-FFF2-40B4-BE49-F238E27FC236}">
-                <a16:creationId xmlns:a16="http://schemas.microsoft.com/office/drawing/2014/main" id="{5EE291C6-66B5-0D88-42E1-A7A93355A496}"/>
-              </a:ext>
-            </a:extLst>
-          </p:cNvPr>
-          <p:cNvPicPr>
-            <a:picLocks noChangeAspect="1"/>
-          </p:cNvPicPr>
-          <p:nvPr/>
-        </p:nvPicPr>
-        <p:blipFill>
-          <a:blip r:embed="rId5" cstate="print">
-            <a:extLst>
-              <a:ext uri="{28A0092B-C50C-407E-A947-70E740481C1C}">
-                <a14:useLocalDpi xmlns:a14="http://schemas.microsoft.com/office/drawing/2010/main" val="0"/>
-              </a:ext>
-            </a:extLst>
-          </a:blip>
-          <a:srcRect/>
-          <a:stretch>
-            <a:fillRect/>
-          </a:stretch>
-        </p:blipFill>
-        <p:spPr bwMode="auto">
-          <a:xfrm>
-            <a:off x="9717520" y="2957406"/>
-            <a:ext cx="1005840" cy="3117179"/>
-          </a:xfrm>
-          <a:prstGeom prst="rect">
-            <a:avLst/>
-          </a:prstGeom>
-          <a:noFill/>
-          <a:ln>
-            <a:noFill/>
-          </a:ln>
-        </p:spPr>
-      </p:pic>
-      <p:sp>
-        <p:nvSpPr>
-          <p:cNvPr id="9" name="TextBox 8">
-            <a:extLst>
-              <a:ext uri="{FF2B5EF4-FFF2-40B4-BE49-F238E27FC236}">
-                <a16:creationId xmlns:a16="http://schemas.microsoft.com/office/drawing/2014/main" id="{55F78143-CDB8-9777-BE7E-19FFB5C011A2}"/>
-              </a:ext>
-            </a:extLst>
-          </p:cNvPr>
-          <p:cNvSpPr txBox="1"/>
-          <p:nvPr/>
-        </p:nvSpPr>
-        <p:spPr>
-          <a:xfrm>
-            <a:off x="416346" y="6078333"/>
-            <a:ext cx="1964127" cy="369332"/>
-          </a:xfrm>
-          <a:prstGeom prst="rect">
-            <a:avLst/>
-          </a:prstGeom>
-          <a:noFill/>
-        </p:spPr>
-        <p:txBody>
-          <a:bodyPr wrap="none" rtlCol="0">
-            <a:spAutoFit/>
-          </a:bodyPr>
-          <a:lstStyle/>
-          <a:p>
-            <a:r>
-              <a:rPr lang="ro-RO" dirty="0"/>
-              <a:t>Rezultatele cursei</a:t>
-            </a:r>
-            <a:endParaRPr lang="en-US" dirty="0"/>
-          </a:p>
-        </p:txBody>
-      </p:sp>
-      <p:sp>
-        <p:nvSpPr>
-          <p:cNvPr id="10" name="TextBox 9">
-            <a:extLst>
-              <a:ext uri="{FF2B5EF4-FFF2-40B4-BE49-F238E27FC236}">
-                <a16:creationId xmlns:a16="http://schemas.microsoft.com/office/drawing/2014/main" id="{49750C4F-281E-CECE-BA8A-D7CA458D825E}"/>
-              </a:ext>
-            </a:extLst>
-          </p:cNvPr>
-          <p:cNvSpPr txBox="1"/>
-          <p:nvPr/>
-        </p:nvSpPr>
-        <p:spPr>
-          <a:xfrm>
-            <a:off x="2540202" y="6078333"/>
-            <a:ext cx="2470228" cy="369332"/>
-          </a:xfrm>
-          <a:prstGeom prst="rect">
-            <a:avLst/>
-          </a:prstGeom>
-          <a:noFill/>
-        </p:spPr>
-        <p:txBody>
-          <a:bodyPr wrap="none" rtlCol="0">
-            <a:spAutoFit/>
-          </a:bodyPr>
-          <a:lstStyle/>
-          <a:p>
-            <a:r>
-              <a:rPr lang="ro-RO" dirty="0"/>
-              <a:t>Rezultatele calificărilor</a:t>
-            </a:r>
-            <a:endParaRPr lang="en-US" dirty="0"/>
-          </a:p>
-        </p:txBody>
-      </p:sp>
-      <p:sp>
-        <p:nvSpPr>
-          <p:cNvPr id="11" name="TextBox 10">
-            <a:extLst>
-              <a:ext uri="{FF2B5EF4-FFF2-40B4-BE49-F238E27FC236}">
-                <a16:creationId xmlns:a16="http://schemas.microsoft.com/office/drawing/2014/main" id="{E6F3D8B2-CB32-3226-177D-A304D5DA7A12}"/>
-              </a:ext>
-            </a:extLst>
-          </p:cNvPr>
-          <p:cNvSpPr txBox="1"/>
-          <p:nvPr/>
-        </p:nvSpPr>
-        <p:spPr>
-          <a:xfrm>
-            <a:off x="5688110" y="6074585"/>
-            <a:ext cx="2884251" cy="369332"/>
-          </a:xfrm>
-          <a:prstGeom prst="rect">
-            <a:avLst/>
-          </a:prstGeom>
-          <a:noFill/>
-        </p:spPr>
-        <p:txBody>
-          <a:bodyPr wrap="none" rtlCol="0">
-            <a:spAutoFit/>
-          </a:bodyPr>
-          <a:lstStyle/>
-          <a:p>
-            <a:r>
-              <a:rPr lang="ro-RO" dirty="0"/>
-              <a:t>Rezultatele cursei de sprint</a:t>
-            </a:r>
-            <a:endParaRPr lang="en-US" dirty="0"/>
-          </a:p>
-        </p:txBody>
-      </p:sp>
-      <p:sp>
-        <p:nvSpPr>
-          <p:cNvPr id="12" name="TextBox 11">
-            <a:extLst>
-              <a:ext uri="{FF2B5EF4-FFF2-40B4-BE49-F238E27FC236}">
-                <a16:creationId xmlns:a16="http://schemas.microsoft.com/office/drawing/2014/main" id="{2DEED801-2305-94AA-4057-98566DD87E1A}"/>
-              </a:ext>
-            </a:extLst>
-          </p:cNvPr>
-          <p:cNvSpPr txBox="1"/>
-          <p:nvPr/>
-        </p:nvSpPr>
-        <p:spPr>
-          <a:xfrm>
-            <a:off x="8651100" y="6074585"/>
-            <a:ext cx="3138680" cy="369332"/>
-          </a:xfrm>
-          <a:prstGeom prst="rect">
-            <a:avLst/>
-          </a:prstGeom>
-          <a:noFill/>
-        </p:spPr>
-        <p:txBody>
-          <a:bodyPr wrap="none" rtlCol="0">
-            <a:spAutoFit/>
-          </a:bodyPr>
-          <a:lstStyle/>
-          <a:p>
-            <a:r>
-              <a:rPr lang="ro-RO" dirty="0"/>
-              <a:t>Rezultatele calificărilor sprint </a:t>
-            </a:r>
-            <a:endParaRPr lang="en-US" dirty="0"/>
-          </a:p>
-        </p:txBody>
-      </p:sp>
-    </p:spTree>
-    <p:extLst>
-      <p:ext uri="{BB962C8B-B14F-4D97-AF65-F5344CB8AC3E}">
-        <p14:creationId xmlns:p14="http://schemas.microsoft.com/office/powerpoint/2010/main" val="320588687"/>
-      </p:ext>
-    </p:extLst>
-  </p:cSld>
-  <p:clrMapOvr>
-    <a:masterClrMapping/>
-  </p:clrMapOvr>
-</p:sld>
-</file>
-
-<file path=ppt/slides/slide11.xml><?xml version="1.0" encoding="utf-8"?>
-<p:sld xmlns:a="http://schemas.openxmlformats.org/drawingml/2006/main" xmlns:r="http://schemas.openxmlformats.org/officeDocument/2006/relationships" xmlns:p="http://schemas.openxmlformats.org/presentationml/2006/main">
-  <p:cSld>
-    <p:spTree>
-      <p:nvGrpSpPr>
-        <p:cNvPr id="1" name=""/>
-        <p:cNvGrpSpPr/>
-        <p:nvPr/>
-      </p:nvGrpSpPr>
-      <p:grpSpPr>
-        <a:xfrm>
-          <a:off x="0" y="0"/>
-          <a:ext cx="0" cy="0"/>
-          <a:chOff x="0" y="0"/>
-          <a:chExt cx="0" cy="0"/>
-        </a:xfrm>
-      </p:grpSpPr>
-      <p:sp>
-        <p:nvSpPr>
-          <p:cNvPr id="2" name="Title 1">
-            <a:extLst>
-              <a:ext uri="{FF2B5EF4-FFF2-40B4-BE49-F238E27FC236}">
-                <a16:creationId xmlns:a16="http://schemas.microsoft.com/office/drawing/2014/main" id="{4EDFFE28-F2E1-91BF-3F0F-EA05CBCCDC90}"/>
-              </a:ext>
-            </a:extLst>
-          </p:cNvPr>
-          <p:cNvSpPr>
-            <a:spLocks noGrp="1"/>
-          </p:cNvSpPr>
-          <p:nvPr>
-            <p:ph type="title"/>
-          </p:nvPr>
-        </p:nvSpPr>
-        <p:spPr/>
-        <p:txBody>
-          <a:bodyPr/>
-          <a:lstStyle/>
-          <a:p>
-            <a:r>
-              <a:rPr lang="en-US" dirty="0" err="1"/>
-              <a:t>Pagina</a:t>
-            </a:r>
-            <a:r>
-              <a:rPr lang="en-US" dirty="0"/>
-              <a:t> de </a:t>
-            </a:r>
-            <a:r>
-              <a:rPr lang="en-US" dirty="0" err="1"/>
-              <a:t>statistici</a:t>
-            </a:r>
-            <a:r>
-              <a:rPr lang="en-US" dirty="0"/>
-              <a:t>:</a:t>
-            </a:r>
-          </a:p>
-        </p:txBody>
-      </p:sp>
-      <p:sp>
-        <p:nvSpPr>
-          <p:cNvPr id="3" name="Content Placeholder 2">
-            <a:extLst>
-              <a:ext uri="{FF2B5EF4-FFF2-40B4-BE49-F238E27FC236}">
-                <a16:creationId xmlns:a16="http://schemas.microsoft.com/office/drawing/2014/main" id="{22C7CB5C-C441-6DF4-CE87-73157DAB31AC}"/>
-              </a:ext>
-            </a:extLst>
-          </p:cNvPr>
-          <p:cNvSpPr>
-            <a:spLocks noGrp="1"/>
-          </p:cNvSpPr>
-          <p:nvPr>
-            <p:ph idx="1"/>
-          </p:nvPr>
-        </p:nvSpPr>
-        <p:spPr>
-          <a:xfrm>
-            <a:off x="838200" y="1517904"/>
-            <a:ext cx="10515600" cy="4659059"/>
-          </a:xfrm>
-        </p:spPr>
-        <p:txBody>
-          <a:bodyPr/>
-          <a:lstStyle/>
-          <a:p>
-            <a:pPr marL="0" indent="0" algn="ctr">
-              <a:buNone/>
-            </a:pPr>
-            <a:r>
-              <a:rPr lang="en-US" dirty="0" err="1"/>
-              <a:t>Aceasta</a:t>
-            </a:r>
-            <a:r>
-              <a:rPr lang="en-US" dirty="0"/>
-              <a:t> </a:t>
-            </a:r>
-            <a:r>
-              <a:rPr lang="ro-RO" dirty="0"/>
-              <a:t>are rolul de a prezenta diferite statistici putând compara 2 piloți sau 2 echipe în funcție de mai mulți factori cum ar fi punctele acumulate de-a lungul sezonului sau pozițile pe care au terminat fiecare cursă</a:t>
-            </a:r>
-            <a:endParaRPr lang="en-US" dirty="0"/>
-          </a:p>
-        </p:txBody>
-      </p:sp>
-      <p:sp>
-        <p:nvSpPr>
-          <p:cNvPr id="4" name="Slide Number Placeholder 3">
-            <a:extLst>
-              <a:ext uri="{FF2B5EF4-FFF2-40B4-BE49-F238E27FC236}">
-                <a16:creationId xmlns:a16="http://schemas.microsoft.com/office/drawing/2014/main" id="{9E5117DC-D42F-64BB-CA46-5D6BDC7949E2}"/>
-              </a:ext>
-            </a:extLst>
-          </p:cNvPr>
-          <p:cNvSpPr>
-            <a:spLocks noGrp="1"/>
-          </p:cNvSpPr>
-          <p:nvPr>
-            <p:ph type="sldNum" sz="quarter" idx="12"/>
-          </p:nvPr>
-        </p:nvSpPr>
-        <p:spPr/>
-        <p:txBody>
-          <a:bodyPr/>
-          <a:lstStyle/>
-          <a:p>
-            <a:fld id="{F8A5FA55-D9B8-4EF5-BE35-7AA8B0D8C041}" type="slidenum">
-              <a:rPr lang="en-US" smtClean="0"/>
-              <a:t>11</a:t>
-            </a:fld>
-            <a:endParaRPr lang="en-US"/>
-          </a:p>
-        </p:txBody>
-      </p:sp>
-      <p:pic>
-        <p:nvPicPr>
-          <p:cNvPr id="7" name="Picture 6">
-            <a:extLst>
-              <a:ext uri="{FF2B5EF4-FFF2-40B4-BE49-F238E27FC236}">
-                <a16:creationId xmlns:a16="http://schemas.microsoft.com/office/drawing/2014/main" id="{F1826641-EE98-077B-473C-320987B08CD0}"/>
-              </a:ext>
-            </a:extLst>
-          </p:cNvPr>
-          <p:cNvPicPr>
-            <a:picLocks noChangeAspect="1"/>
-          </p:cNvPicPr>
-          <p:nvPr/>
-        </p:nvPicPr>
-        <p:blipFill>
-          <a:blip r:embed="rId2" cstate="print">
-            <a:extLst>
-              <a:ext uri="{28A0092B-C50C-407E-A947-70E740481C1C}">
-                <a14:useLocalDpi xmlns:a14="http://schemas.microsoft.com/office/drawing/2010/main" val="0"/>
-              </a:ext>
-            </a:extLst>
-          </a:blip>
-          <a:srcRect/>
-          <a:stretch>
-            <a:fillRect/>
-          </a:stretch>
-        </p:blipFill>
-        <p:spPr bwMode="auto">
-          <a:xfrm>
-            <a:off x="838200" y="2843467"/>
-            <a:ext cx="1536192" cy="3241114"/>
-          </a:xfrm>
-          <a:prstGeom prst="rect">
-            <a:avLst/>
-          </a:prstGeom>
-          <a:noFill/>
-          <a:ln>
-            <a:noFill/>
-          </a:ln>
-        </p:spPr>
-      </p:pic>
-      <p:sp>
-        <p:nvSpPr>
-          <p:cNvPr id="9" name="TextBox 8">
-            <a:extLst>
-              <a:ext uri="{FF2B5EF4-FFF2-40B4-BE49-F238E27FC236}">
-                <a16:creationId xmlns:a16="http://schemas.microsoft.com/office/drawing/2014/main" id="{8BFEA1AE-708A-F07C-13E0-3204B9D48367}"/>
-              </a:ext>
-            </a:extLst>
-          </p:cNvPr>
-          <p:cNvSpPr txBox="1"/>
-          <p:nvPr/>
-        </p:nvSpPr>
-        <p:spPr>
-          <a:xfrm>
-            <a:off x="416346" y="6078333"/>
-            <a:ext cx="2246192" cy="369332"/>
-          </a:xfrm>
-          <a:prstGeom prst="rect">
-            <a:avLst/>
-          </a:prstGeom>
-          <a:noFill/>
-        </p:spPr>
-        <p:txBody>
-          <a:bodyPr wrap="none" rtlCol="0">
-            <a:spAutoFit/>
-          </a:bodyPr>
-          <a:lstStyle/>
-          <a:p>
-            <a:r>
-              <a:rPr lang="ro-RO" dirty="0"/>
-              <a:t>Points% pentru piloți</a:t>
-            </a:r>
-            <a:endParaRPr lang="en-US" dirty="0"/>
-          </a:p>
-        </p:txBody>
-      </p:sp>
-      <p:pic>
-        <p:nvPicPr>
-          <p:cNvPr id="10" name="Picture 9">
-            <a:extLst>
-              <a:ext uri="{FF2B5EF4-FFF2-40B4-BE49-F238E27FC236}">
-                <a16:creationId xmlns:a16="http://schemas.microsoft.com/office/drawing/2014/main" id="{4B664CD3-5B42-3895-99EC-2B8C84733AA2}"/>
-              </a:ext>
-            </a:extLst>
-          </p:cNvPr>
-          <p:cNvPicPr>
-            <a:picLocks noChangeAspect="1"/>
-          </p:cNvPicPr>
-          <p:nvPr/>
-        </p:nvPicPr>
-        <p:blipFill>
-          <a:blip r:embed="rId3" cstate="print">
-            <a:extLst>
-              <a:ext uri="{28A0092B-C50C-407E-A947-70E740481C1C}">
-                <a14:useLocalDpi xmlns:a14="http://schemas.microsoft.com/office/drawing/2010/main" val="0"/>
-              </a:ext>
-            </a:extLst>
-          </a:blip>
-          <a:srcRect/>
-          <a:stretch>
-            <a:fillRect/>
-          </a:stretch>
-        </p:blipFill>
-        <p:spPr bwMode="auto">
-          <a:xfrm>
-            <a:off x="3403160" y="2843467"/>
-            <a:ext cx="1536192" cy="3241114"/>
-          </a:xfrm>
-          <a:prstGeom prst="rect">
-            <a:avLst/>
-          </a:prstGeom>
-          <a:noFill/>
-          <a:ln>
-            <a:noFill/>
-          </a:ln>
-        </p:spPr>
-      </p:pic>
-      <p:sp>
-        <p:nvSpPr>
-          <p:cNvPr id="11" name="TextBox 10">
-            <a:extLst>
-              <a:ext uri="{FF2B5EF4-FFF2-40B4-BE49-F238E27FC236}">
-                <a16:creationId xmlns:a16="http://schemas.microsoft.com/office/drawing/2014/main" id="{18E150CC-C8E2-B5B5-15D5-EC48227F3BC9}"/>
-              </a:ext>
-            </a:extLst>
-          </p:cNvPr>
-          <p:cNvSpPr txBox="1"/>
-          <p:nvPr/>
-        </p:nvSpPr>
-        <p:spPr>
-          <a:xfrm>
-            <a:off x="2662538" y="6066451"/>
-            <a:ext cx="3029997" cy="369332"/>
-          </a:xfrm>
-          <a:prstGeom prst="rect">
-            <a:avLst/>
-          </a:prstGeom>
-          <a:noFill/>
-        </p:spPr>
-        <p:txBody>
-          <a:bodyPr wrap="none" rtlCol="0">
-            <a:spAutoFit/>
-          </a:bodyPr>
-          <a:lstStyle/>
-          <a:p>
-            <a:r>
-              <a:rPr lang="ro-RO" dirty="0"/>
-              <a:t>Points Evolution pentru piloți</a:t>
-            </a:r>
-            <a:endParaRPr lang="en-US" dirty="0"/>
-          </a:p>
-        </p:txBody>
-      </p:sp>
-      <p:pic>
-        <p:nvPicPr>
-          <p:cNvPr id="12" name="Picture 11">
-            <a:extLst>
-              <a:ext uri="{FF2B5EF4-FFF2-40B4-BE49-F238E27FC236}">
-                <a16:creationId xmlns:a16="http://schemas.microsoft.com/office/drawing/2014/main" id="{770D45AA-C9B3-4981-0F8B-E13C22340001}"/>
-              </a:ext>
-            </a:extLst>
-          </p:cNvPr>
-          <p:cNvPicPr>
-            <a:picLocks noChangeAspect="1"/>
-          </p:cNvPicPr>
-          <p:nvPr/>
-        </p:nvPicPr>
-        <p:blipFill>
-          <a:blip r:embed="rId4" cstate="print">
-            <a:extLst>
-              <a:ext uri="{28A0092B-C50C-407E-A947-70E740481C1C}">
-                <a14:useLocalDpi xmlns:a14="http://schemas.microsoft.com/office/drawing/2010/main" val="0"/>
-              </a:ext>
-            </a:extLst>
-          </a:blip>
-          <a:srcRect/>
-          <a:stretch>
-            <a:fillRect/>
-          </a:stretch>
-        </p:blipFill>
-        <p:spPr bwMode="auto">
-          <a:xfrm>
-            <a:off x="7261065" y="2843467"/>
-            <a:ext cx="1536192" cy="3245180"/>
-          </a:xfrm>
-          <a:prstGeom prst="rect">
-            <a:avLst/>
-          </a:prstGeom>
-          <a:noFill/>
-          <a:ln>
-            <a:noFill/>
-          </a:ln>
-        </p:spPr>
-      </p:pic>
-      <p:sp>
-        <p:nvSpPr>
-          <p:cNvPr id="15" name="TextBox 14">
-            <a:extLst>
-              <a:ext uri="{FF2B5EF4-FFF2-40B4-BE49-F238E27FC236}">
-                <a16:creationId xmlns:a16="http://schemas.microsoft.com/office/drawing/2014/main" id="{36C338D2-4BDE-F983-E815-C86557651626}"/>
-              </a:ext>
-            </a:extLst>
-          </p:cNvPr>
-          <p:cNvSpPr txBox="1"/>
-          <p:nvPr/>
-        </p:nvSpPr>
-        <p:spPr>
-          <a:xfrm>
-            <a:off x="6730388" y="6091848"/>
-            <a:ext cx="2422523" cy="369332"/>
-          </a:xfrm>
-          <a:prstGeom prst="rect">
-            <a:avLst/>
-          </a:prstGeom>
-          <a:noFill/>
-        </p:spPr>
-        <p:txBody>
-          <a:bodyPr wrap="none" rtlCol="0">
-            <a:spAutoFit/>
-          </a:bodyPr>
-          <a:lstStyle/>
-          <a:p>
-            <a:r>
-              <a:rPr lang="ro-RO" dirty="0"/>
-              <a:t>Points% pentru echipe</a:t>
-            </a:r>
-            <a:endParaRPr lang="en-US" dirty="0"/>
-          </a:p>
-        </p:txBody>
-      </p:sp>
-      <p:pic>
-        <p:nvPicPr>
-          <p:cNvPr id="16" name="Picture 15">
-            <a:extLst>
-              <a:ext uri="{FF2B5EF4-FFF2-40B4-BE49-F238E27FC236}">
-                <a16:creationId xmlns:a16="http://schemas.microsoft.com/office/drawing/2014/main" id="{EB6467E7-A976-8A5B-A725-497AF5D288B4}"/>
-              </a:ext>
-            </a:extLst>
-          </p:cNvPr>
-          <p:cNvPicPr>
-            <a:picLocks noChangeAspect="1"/>
-          </p:cNvPicPr>
-          <p:nvPr/>
-        </p:nvPicPr>
-        <p:blipFill>
-          <a:blip r:embed="rId5" cstate="print">
-            <a:extLst>
-              <a:ext uri="{28A0092B-C50C-407E-A947-70E740481C1C}">
-                <a14:useLocalDpi xmlns:a14="http://schemas.microsoft.com/office/drawing/2010/main" val="0"/>
-              </a:ext>
-            </a:extLst>
-          </a:blip>
-          <a:srcRect/>
-          <a:stretch>
-            <a:fillRect/>
-          </a:stretch>
-        </p:blipFill>
-        <p:spPr bwMode="auto">
-          <a:xfrm>
-            <a:off x="9817608" y="2846668"/>
-            <a:ext cx="1536192" cy="3245180"/>
-          </a:xfrm>
-          <a:prstGeom prst="rect">
-            <a:avLst/>
-          </a:prstGeom>
-          <a:noFill/>
-          <a:ln>
-            <a:noFill/>
-          </a:ln>
-        </p:spPr>
-      </p:pic>
-      <p:sp>
-        <p:nvSpPr>
-          <p:cNvPr id="17" name="TextBox 16">
-            <a:extLst>
-              <a:ext uri="{FF2B5EF4-FFF2-40B4-BE49-F238E27FC236}">
-                <a16:creationId xmlns:a16="http://schemas.microsoft.com/office/drawing/2014/main" id="{D4C5D5B0-2EE0-D076-4DD2-1CFD999C2ADC}"/>
-              </a:ext>
-            </a:extLst>
-          </p:cNvPr>
-          <p:cNvSpPr txBox="1"/>
-          <p:nvPr/>
-        </p:nvSpPr>
-        <p:spPr>
-          <a:xfrm>
-            <a:off x="9673435" y="6112617"/>
-            <a:ext cx="1824538" cy="646331"/>
-          </a:xfrm>
-          <a:prstGeom prst="rect">
-            <a:avLst/>
-          </a:prstGeom>
-          <a:noFill/>
-        </p:spPr>
-        <p:txBody>
-          <a:bodyPr wrap="none" rtlCol="0">
-            <a:spAutoFit/>
-          </a:bodyPr>
-          <a:lstStyle/>
-          <a:p>
-            <a:r>
-              <a:rPr lang="ro-RO" dirty="0"/>
-              <a:t>Points Evolution </a:t>
-            </a:r>
-          </a:p>
-          <a:p>
-            <a:r>
-              <a:rPr lang="ro-RO" dirty="0"/>
-              <a:t>pentru echipe</a:t>
-            </a:r>
-            <a:endParaRPr lang="en-US" dirty="0"/>
-          </a:p>
-        </p:txBody>
-      </p:sp>
-    </p:spTree>
-    <p:extLst>
-      <p:ext uri="{BB962C8B-B14F-4D97-AF65-F5344CB8AC3E}">
-        <p14:creationId xmlns:p14="http://schemas.microsoft.com/office/powerpoint/2010/main" val="733618037"/>
-      </p:ext>
-    </p:extLst>
-  </p:cSld>
-  <p:clrMapOvr>
-    <a:masterClrMapping/>
-  </p:clrMapOvr>
-</p:sld>
-</file>
-
-<file path=ppt/slides/slide12.xml><?xml version="1.0" encoding="utf-8"?>
-<p:sld xmlns:a="http://schemas.openxmlformats.org/drawingml/2006/main" xmlns:r="http://schemas.openxmlformats.org/officeDocument/2006/relationships" xmlns:p="http://schemas.openxmlformats.org/presentationml/2006/main">
-  <p:cSld>
-    <p:spTree>
-      <p:nvGrpSpPr>
-        <p:cNvPr id="1" name=""/>
-        <p:cNvGrpSpPr/>
-        <p:nvPr/>
-      </p:nvGrpSpPr>
-      <p:grpSpPr>
-        <a:xfrm>
-          <a:off x="0" y="0"/>
-          <a:ext cx="0" cy="0"/>
-          <a:chOff x="0" y="0"/>
-          <a:chExt cx="0" cy="0"/>
-        </a:xfrm>
-      </p:grpSpPr>
-      <p:sp>
-        <p:nvSpPr>
-          <p:cNvPr id="2" name="Title 1">
-            <a:extLst>
-              <a:ext uri="{FF2B5EF4-FFF2-40B4-BE49-F238E27FC236}">
-                <a16:creationId xmlns:a16="http://schemas.microsoft.com/office/drawing/2014/main" id="{5D3D879F-6FB7-AED3-843F-7823B2544DFB}"/>
-              </a:ext>
-            </a:extLst>
-          </p:cNvPr>
-          <p:cNvSpPr>
-            <a:spLocks noGrp="1"/>
-          </p:cNvSpPr>
-          <p:nvPr>
-            <p:ph type="title"/>
-          </p:nvPr>
-        </p:nvSpPr>
-        <p:spPr/>
-        <p:txBody>
-          <a:bodyPr/>
-          <a:lstStyle/>
-          <a:p>
-            <a:r>
-              <a:rPr lang="ro-RO" dirty="0"/>
-              <a:t>Programul de colectare a datelor</a:t>
-            </a:r>
-            <a:r>
-              <a:rPr lang="en-US" dirty="0"/>
-              <a:t>:</a:t>
-            </a:r>
-          </a:p>
-        </p:txBody>
-      </p:sp>
-      <p:sp>
-        <p:nvSpPr>
-          <p:cNvPr id="3" name="Content Placeholder 2">
-            <a:extLst>
-              <a:ext uri="{FF2B5EF4-FFF2-40B4-BE49-F238E27FC236}">
-                <a16:creationId xmlns:a16="http://schemas.microsoft.com/office/drawing/2014/main" id="{45F3CCC2-0EDD-C472-2285-3E13A21AAF57}"/>
-              </a:ext>
-            </a:extLst>
-          </p:cNvPr>
-          <p:cNvSpPr>
-            <a:spLocks noGrp="1"/>
-          </p:cNvSpPr>
-          <p:nvPr>
-            <p:ph idx="1"/>
-          </p:nvPr>
-        </p:nvSpPr>
-        <p:spPr>
-          <a:xfrm>
-            <a:off x="838200" y="1453896"/>
-            <a:ext cx="10515600" cy="4723067"/>
-          </a:xfrm>
-        </p:spPr>
-        <p:txBody>
-          <a:bodyPr>
-            <a:normAutofit/>
-          </a:bodyPr>
-          <a:lstStyle/>
-          <a:p>
-            <a:pPr marL="0" indent="0" algn="ctr">
-              <a:buNone/>
-            </a:pPr>
-            <a:r>
-              <a:rPr lang="en-US" sz="2700" dirty="0" err="1"/>
-              <a:t>Programul</a:t>
-            </a:r>
-            <a:r>
-              <a:rPr lang="en-US" sz="2700" dirty="0"/>
-              <a:t> </a:t>
-            </a:r>
-            <a:r>
-              <a:rPr lang="en-US" sz="2700" dirty="0" err="1"/>
-              <a:t>este</a:t>
-            </a:r>
-            <a:r>
-              <a:rPr lang="en-US" sz="2700" dirty="0"/>
-              <a:t> </a:t>
-            </a:r>
-            <a:r>
-              <a:rPr lang="en-US" sz="2700" dirty="0" err="1"/>
-              <a:t>realizat</a:t>
-            </a:r>
-            <a:r>
-              <a:rPr lang="en-US" sz="2700" dirty="0"/>
-              <a:t> </a:t>
-            </a:r>
-            <a:r>
-              <a:rPr lang="ro-RO" sz="2700" dirty="0"/>
-              <a:t>în </a:t>
-            </a:r>
-            <a:r>
-              <a:rPr lang="en-US" sz="2700" dirty="0"/>
-              <a:t>P</a:t>
-            </a:r>
-            <a:r>
-              <a:rPr lang="ro-RO" sz="2700" dirty="0"/>
-              <a:t>ython și colectează date de site-ul oficial Formula1 prin accesarea paginilor de pe care se dorește extragerea de informații, și prin intermediul tagurilor prezente în pagină</a:t>
-            </a:r>
-            <a:endParaRPr lang="en-US" sz="2700" dirty="0"/>
-          </a:p>
-        </p:txBody>
-      </p:sp>
-      <p:sp>
-        <p:nvSpPr>
-          <p:cNvPr id="4" name="Slide Number Placeholder 3">
-            <a:extLst>
-              <a:ext uri="{FF2B5EF4-FFF2-40B4-BE49-F238E27FC236}">
-                <a16:creationId xmlns:a16="http://schemas.microsoft.com/office/drawing/2014/main" id="{F0701009-1ECF-3CFC-FAFD-C42891D53DC7}"/>
-              </a:ext>
-            </a:extLst>
-          </p:cNvPr>
-          <p:cNvSpPr>
-            <a:spLocks noGrp="1"/>
-          </p:cNvSpPr>
-          <p:nvPr>
-            <p:ph type="sldNum" sz="quarter" idx="12"/>
-          </p:nvPr>
-        </p:nvSpPr>
-        <p:spPr/>
-        <p:txBody>
-          <a:bodyPr/>
-          <a:lstStyle/>
-          <a:p>
-            <a:fld id="{F8A5FA55-D9B8-4EF5-BE35-7AA8B0D8C041}" type="slidenum">
-              <a:rPr lang="en-US" smtClean="0"/>
-              <a:t>12</a:t>
-            </a:fld>
-            <a:endParaRPr lang="en-US"/>
-          </a:p>
-        </p:txBody>
-      </p:sp>
-      <p:pic>
-        <p:nvPicPr>
-          <p:cNvPr id="5" name="Picture 4" descr="A screenshot of a computer&#10;&#10;Description automatically generated">
-            <a:extLst>
-              <a:ext uri="{FF2B5EF4-FFF2-40B4-BE49-F238E27FC236}">
-                <a16:creationId xmlns:a16="http://schemas.microsoft.com/office/drawing/2014/main" id="{5EE390A0-F4A1-95A1-6CA6-0FBE48A63A54}"/>
-              </a:ext>
-            </a:extLst>
-          </p:cNvPr>
-          <p:cNvPicPr>
-            <a:picLocks noChangeAspect="1"/>
-          </p:cNvPicPr>
-          <p:nvPr/>
-        </p:nvPicPr>
-        <p:blipFill>
-          <a:blip r:embed="rId2" cstate="print">
-            <a:extLst>
-              <a:ext uri="{28A0092B-C50C-407E-A947-70E740481C1C}">
-                <a14:useLocalDpi xmlns:a14="http://schemas.microsoft.com/office/drawing/2010/main" val="0"/>
-              </a:ext>
-            </a:extLst>
-          </a:blip>
-          <a:stretch>
-            <a:fillRect/>
-          </a:stretch>
-        </p:blipFill>
-        <p:spPr>
-          <a:xfrm>
-            <a:off x="495410" y="3637217"/>
-            <a:ext cx="4572000" cy="2087390"/>
-          </a:xfrm>
-          <a:prstGeom prst="rect">
-            <a:avLst/>
-          </a:prstGeom>
-        </p:spPr>
-      </p:pic>
-      <p:sp>
-        <p:nvSpPr>
-          <p:cNvPr id="6" name="TextBox 5">
-            <a:extLst>
-              <a:ext uri="{FF2B5EF4-FFF2-40B4-BE49-F238E27FC236}">
-                <a16:creationId xmlns:a16="http://schemas.microsoft.com/office/drawing/2014/main" id="{9C626C2A-82D0-2412-D9F1-4415396ADA17}"/>
-              </a:ext>
-            </a:extLst>
-          </p:cNvPr>
-          <p:cNvSpPr txBox="1"/>
-          <p:nvPr/>
-        </p:nvSpPr>
-        <p:spPr>
-          <a:xfrm>
-            <a:off x="1030898" y="5853709"/>
-            <a:ext cx="3501023" cy="369332"/>
-          </a:xfrm>
-          <a:prstGeom prst="rect">
-            <a:avLst/>
-          </a:prstGeom>
-          <a:noFill/>
-        </p:spPr>
-        <p:txBody>
-          <a:bodyPr wrap="none" rtlCol="0">
-            <a:spAutoFit/>
-          </a:bodyPr>
-          <a:lstStyle/>
-          <a:p>
-            <a:r>
-              <a:rPr lang="ro-RO" dirty="0"/>
-              <a:t>Extragerea rezultatelor unei curse</a:t>
-            </a:r>
-            <a:endParaRPr lang="en-US" dirty="0"/>
-          </a:p>
-        </p:txBody>
-      </p:sp>
-      <p:pic>
-        <p:nvPicPr>
-          <p:cNvPr id="7" name="Picture 6" descr="A screenshot of a computer&#10;&#10;Description automatically generated">
-            <a:extLst>
-              <a:ext uri="{FF2B5EF4-FFF2-40B4-BE49-F238E27FC236}">
-                <a16:creationId xmlns:a16="http://schemas.microsoft.com/office/drawing/2014/main" id="{9EA50BF4-8E4E-A086-F9AF-8D25EC1433C7}"/>
-              </a:ext>
-            </a:extLst>
-          </p:cNvPr>
-          <p:cNvPicPr>
-            <a:picLocks noChangeAspect="1"/>
-          </p:cNvPicPr>
-          <p:nvPr/>
-        </p:nvPicPr>
-        <p:blipFill>
-          <a:blip r:embed="rId3" cstate="print">
-            <a:extLst>
-              <a:ext uri="{28A0092B-C50C-407E-A947-70E740481C1C}">
-                <a14:useLocalDpi xmlns:a14="http://schemas.microsoft.com/office/drawing/2010/main" val="0"/>
-              </a:ext>
-            </a:extLst>
-          </a:blip>
-          <a:stretch>
-            <a:fillRect/>
-          </a:stretch>
-        </p:blipFill>
-        <p:spPr>
-          <a:xfrm>
-            <a:off x="6781800" y="3637217"/>
-            <a:ext cx="4572000" cy="2090615"/>
-          </a:xfrm>
-          <a:prstGeom prst="rect">
-            <a:avLst/>
-          </a:prstGeom>
-        </p:spPr>
-      </p:pic>
-      <p:sp>
-        <p:nvSpPr>
-          <p:cNvPr id="8" name="TextBox 7">
-            <a:extLst>
-              <a:ext uri="{FF2B5EF4-FFF2-40B4-BE49-F238E27FC236}">
-                <a16:creationId xmlns:a16="http://schemas.microsoft.com/office/drawing/2014/main" id="{F265DE4B-8258-A83B-ADBF-FA647F7B3646}"/>
-              </a:ext>
-            </a:extLst>
-          </p:cNvPr>
-          <p:cNvSpPr txBox="1"/>
-          <p:nvPr/>
-        </p:nvSpPr>
-        <p:spPr>
-          <a:xfrm>
-            <a:off x="7306933" y="5907219"/>
-            <a:ext cx="3521733" cy="369332"/>
-          </a:xfrm>
-          <a:prstGeom prst="rect">
-            <a:avLst/>
-          </a:prstGeom>
-          <a:noFill/>
-        </p:spPr>
-        <p:txBody>
-          <a:bodyPr wrap="none" rtlCol="0">
-            <a:spAutoFit/>
-          </a:bodyPr>
-          <a:lstStyle/>
-          <a:p>
-            <a:r>
-              <a:rPr lang="ro-RO" dirty="0"/>
-              <a:t>Extragerea datelor despre un pilot</a:t>
-            </a:r>
-            <a:endParaRPr lang="en-US" dirty="0"/>
-          </a:p>
-        </p:txBody>
-      </p:sp>
-    </p:spTree>
-    <p:extLst>
-      <p:ext uri="{BB962C8B-B14F-4D97-AF65-F5344CB8AC3E}">
-        <p14:creationId xmlns:p14="http://schemas.microsoft.com/office/powerpoint/2010/main" val="1278397713"/>
-      </p:ext>
-    </p:extLst>
-  </p:cSld>
-  <p:clrMapOvr>
-    <a:masterClrMapping/>
-  </p:clrMapOvr>
-</p:sld>
-</file>
-
-<file path=ppt/slides/slide13.xml><?xml version="1.0" encoding="utf-8"?>
-<p:sld xmlns:a="http://schemas.openxmlformats.org/drawingml/2006/main" xmlns:r="http://schemas.openxmlformats.org/officeDocument/2006/relationships" xmlns:p="http://schemas.openxmlformats.org/presentationml/2006/main">
-  <p:cSld>
-    <p:spTree>
-      <p:nvGrpSpPr>
-        <p:cNvPr id="1" name=""/>
-        <p:cNvGrpSpPr/>
-        <p:nvPr/>
-      </p:nvGrpSpPr>
-      <p:grpSpPr>
-        <a:xfrm>
-          <a:off x="0" y="0"/>
-          <a:ext cx="0" cy="0"/>
-          <a:chOff x="0" y="0"/>
-          <a:chExt cx="0" cy="0"/>
-        </a:xfrm>
-      </p:grpSpPr>
-      <p:sp>
-        <p:nvSpPr>
-          <p:cNvPr id="2" name="Title 1">
-            <a:extLst>
-              <a:ext uri="{FF2B5EF4-FFF2-40B4-BE49-F238E27FC236}">
-                <a16:creationId xmlns:a16="http://schemas.microsoft.com/office/drawing/2014/main" id="{33F65354-C57C-69AD-EB4D-622661F72F4E}"/>
-              </a:ext>
-            </a:extLst>
-          </p:cNvPr>
-          <p:cNvSpPr>
-            <a:spLocks noGrp="1"/>
-          </p:cNvSpPr>
-          <p:nvPr>
-            <p:ph type="title"/>
-          </p:nvPr>
-        </p:nvSpPr>
-        <p:spPr/>
-        <p:txBody>
-          <a:bodyPr>
-            <a:normAutofit/>
-          </a:bodyPr>
-          <a:lstStyle/>
-          <a:p>
-            <a:r>
-              <a:rPr lang="en-US" sz="3200" dirty="0" err="1"/>
-              <a:t>Programul</a:t>
-            </a:r>
-            <a:r>
-              <a:rPr lang="en-US" sz="3200" dirty="0"/>
-              <a:t> de </a:t>
-            </a:r>
-            <a:r>
-              <a:rPr lang="en-US" sz="3200" dirty="0" err="1"/>
-              <a:t>trimitere</a:t>
-            </a:r>
-            <a:r>
-              <a:rPr lang="en-US" sz="3200" dirty="0"/>
-              <a:t> a </a:t>
-            </a:r>
-            <a:r>
-              <a:rPr lang="en-US" sz="3200" dirty="0" err="1"/>
-              <a:t>mailurilor</a:t>
-            </a:r>
-            <a:r>
-              <a:rPr lang="en-US" sz="3200" dirty="0"/>
-              <a:t> </a:t>
-            </a:r>
-            <a:r>
-              <a:rPr lang="ro-RO" sz="3200" dirty="0"/>
-              <a:t>și calculare a predicției</a:t>
-            </a:r>
-            <a:r>
-              <a:rPr lang="en-US" sz="3200" dirty="0"/>
-              <a:t>:</a:t>
-            </a:r>
-          </a:p>
-        </p:txBody>
-      </p:sp>
-      <p:sp>
-        <p:nvSpPr>
-          <p:cNvPr id="3" name="Content Placeholder 2">
-            <a:extLst>
-              <a:ext uri="{FF2B5EF4-FFF2-40B4-BE49-F238E27FC236}">
-                <a16:creationId xmlns:a16="http://schemas.microsoft.com/office/drawing/2014/main" id="{79DECB1D-2782-D6BC-F8EF-D78F6636F3AD}"/>
-              </a:ext>
-            </a:extLst>
-          </p:cNvPr>
-          <p:cNvSpPr>
-            <a:spLocks noGrp="1"/>
-          </p:cNvSpPr>
-          <p:nvPr>
-            <p:ph sz="half" idx="1"/>
-          </p:nvPr>
-        </p:nvSpPr>
-        <p:spPr>
-          <a:xfrm>
-            <a:off x="838200" y="1453896"/>
-            <a:ext cx="10515600" cy="4723067"/>
-          </a:xfrm>
-        </p:spPr>
-        <p:txBody>
-          <a:bodyPr>
-            <a:normAutofit/>
-          </a:bodyPr>
-          <a:lstStyle/>
-          <a:p>
-            <a:pPr marL="0" indent="0" algn="ctr">
-              <a:buNone/>
-            </a:pPr>
-            <a:r>
-              <a:rPr lang="en-US" sz="2500" dirty="0" err="1"/>
-              <a:t>Acesta</a:t>
-            </a:r>
-            <a:r>
-              <a:rPr lang="en-US" sz="2500" dirty="0"/>
-              <a:t> </a:t>
-            </a:r>
-            <a:r>
-              <a:rPr lang="en-US" sz="2500" dirty="0" err="1"/>
-              <a:t>este</a:t>
-            </a:r>
-            <a:r>
-              <a:rPr lang="en-US" sz="2500" dirty="0"/>
-              <a:t> </a:t>
-            </a:r>
-            <a:r>
-              <a:rPr lang="en-US" sz="2500" dirty="0" err="1"/>
-              <a:t>realizat</a:t>
-            </a:r>
-            <a:r>
-              <a:rPr lang="en-US" sz="2500" dirty="0"/>
-              <a:t> </a:t>
-            </a:r>
-            <a:r>
-              <a:rPr lang="ro-RO" sz="2500" dirty="0"/>
-              <a:t>în C# și are 2 roluri. Primul este de notificare a utilizatorilor prin intermediul e-mailului despre rezultatele cursei. Al 2-lea este calculare a unei predicți pentru următoarea cursă.</a:t>
-            </a:r>
-          </a:p>
-          <a:p>
-            <a:pPr marL="0" indent="0" algn="ctr">
-              <a:buNone/>
-            </a:pPr>
-            <a:endParaRPr lang="ro-RO" sz="2500" dirty="0"/>
-          </a:p>
-        </p:txBody>
-      </p:sp>
-      <p:sp>
-        <p:nvSpPr>
-          <p:cNvPr id="5" name="Slide Number Placeholder 4">
-            <a:extLst>
-              <a:ext uri="{FF2B5EF4-FFF2-40B4-BE49-F238E27FC236}">
-                <a16:creationId xmlns:a16="http://schemas.microsoft.com/office/drawing/2014/main" id="{4C2D4B2A-81CE-B881-AE3A-74D7D846DB7D}"/>
-              </a:ext>
-            </a:extLst>
-          </p:cNvPr>
-          <p:cNvSpPr>
-            <a:spLocks noGrp="1"/>
-          </p:cNvSpPr>
-          <p:nvPr>
-            <p:ph type="sldNum" sz="quarter" idx="12"/>
-          </p:nvPr>
-        </p:nvSpPr>
-        <p:spPr/>
-        <p:txBody>
-          <a:bodyPr/>
-          <a:lstStyle/>
-          <a:p>
-            <a:fld id="{F8A5FA55-D9B8-4EF5-BE35-7AA8B0D8C041}" type="slidenum">
-              <a:rPr lang="en-US" smtClean="0"/>
-              <a:t>13</a:t>
-            </a:fld>
-            <a:endParaRPr lang="en-US"/>
-          </a:p>
-        </p:txBody>
-      </p:sp>
-      <p:pic>
-        <p:nvPicPr>
-          <p:cNvPr id="7" name="Picture 6">
-            <a:extLst>
-              <a:ext uri="{FF2B5EF4-FFF2-40B4-BE49-F238E27FC236}">
-                <a16:creationId xmlns:a16="http://schemas.microsoft.com/office/drawing/2014/main" id="{FA0D293B-1E00-A8EE-98EC-CF665BA7E518}"/>
-              </a:ext>
-            </a:extLst>
-          </p:cNvPr>
-          <p:cNvPicPr>
-            <a:picLocks noChangeAspect="1"/>
-          </p:cNvPicPr>
-          <p:nvPr/>
-        </p:nvPicPr>
-        <p:blipFill>
-          <a:blip r:embed="rId2"/>
-          <a:stretch>
-            <a:fillRect/>
-          </a:stretch>
-        </p:blipFill>
-        <p:spPr>
-          <a:xfrm>
-            <a:off x="3168987" y="2670402"/>
-            <a:ext cx="5854024" cy="3595619"/>
-          </a:xfrm>
-          <a:prstGeom prst="rect">
-            <a:avLst/>
-          </a:prstGeom>
-        </p:spPr>
-      </p:pic>
-      <p:sp>
-        <p:nvSpPr>
-          <p:cNvPr id="8" name="TextBox 7">
-            <a:extLst>
-              <a:ext uri="{FF2B5EF4-FFF2-40B4-BE49-F238E27FC236}">
-                <a16:creationId xmlns:a16="http://schemas.microsoft.com/office/drawing/2014/main" id="{A6AFB648-B083-D776-DD06-E30D9ECB0FE2}"/>
-              </a:ext>
-            </a:extLst>
-          </p:cNvPr>
-          <p:cNvSpPr txBox="1"/>
-          <p:nvPr/>
-        </p:nvSpPr>
-        <p:spPr>
-          <a:xfrm>
-            <a:off x="3588839" y="6357620"/>
-            <a:ext cx="5014321" cy="369332"/>
-          </a:xfrm>
-          <a:prstGeom prst="rect">
-            <a:avLst/>
-          </a:prstGeom>
-          <a:noFill/>
-        </p:spPr>
-        <p:txBody>
-          <a:bodyPr wrap="none" rtlCol="0">
-            <a:spAutoFit/>
-          </a:bodyPr>
-          <a:lstStyle/>
-          <a:p>
-            <a:r>
-              <a:rPr lang="ro-RO" dirty="0"/>
-              <a:t>e-mail trimis la utilizatori după cursa din Monaco</a:t>
-            </a:r>
-            <a:endParaRPr lang="en-US" dirty="0"/>
-          </a:p>
-        </p:txBody>
-      </p:sp>
-    </p:spTree>
-    <p:extLst>
-      <p:ext uri="{BB962C8B-B14F-4D97-AF65-F5344CB8AC3E}">
-        <p14:creationId xmlns:p14="http://schemas.microsoft.com/office/powerpoint/2010/main" val="226678981"/>
-      </p:ext>
-    </p:extLst>
-  </p:cSld>
-  <p:clrMapOvr>
-    <a:masterClrMapping/>
-  </p:clrMapOvr>
-</p:sld>
-</file>
-
-<file path=ppt/slides/slide14.xml><?xml version="1.0" encoding="utf-8"?>
-<p:sld xmlns:a="http://schemas.openxmlformats.org/drawingml/2006/main" xmlns:r="http://schemas.openxmlformats.org/officeDocument/2006/relationships" xmlns:p="http://schemas.openxmlformats.org/presentationml/2006/main">
-  <p:cSld>
-    <p:spTree>
-      <p:nvGrpSpPr>
-        <p:cNvPr id="1" name=""/>
-        <p:cNvGrpSpPr/>
-        <p:nvPr/>
-      </p:nvGrpSpPr>
-      <p:grpSpPr>
-        <a:xfrm>
-          <a:off x="0" y="0"/>
-          <a:ext cx="0" cy="0"/>
-          <a:chOff x="0" y="0"/>
-          <a:chExt cx="0" cy="0"/>
-        </a:xfrm>
-      </p:grpSpPr>
-      <p:sp>
-        <p:nvSpPr>
-          <p:cNvPr id="2" name="Title 1">
-            <a:extLst>
-              <a:ext uri="{FF2B5EF4-FFF2-40B4-BE49-F238E27FC236}">
-                <a16:creationId xmlns:a16="http://schemas.microsoft.com/office/drawing/2014/main" id="{C5EBFDD0-7DF3-ACB8-3D40-93EC418A8859}"/>
-              </a:ext>
-            </a:extLst>
-          </p:cNvPr>
-          <p:cNvSpPr>
-            <a:spLocks noGrp="1"/>
-          </p:cNvSpPr>
-          <p:nvPr>
-            <p:ph type="title"/>
-          </p:nvPr>
-        </p:nvSpPr>
-        <p:spPr/>
-        <p:txBody>
-          <a:bodyPr/>
-          <a:lstStyle/>
-          <a:p>
-            <a:r>
-              <a:rPr lang="en-US" dirty="0" err="1"/>
-              <a:t>Structura</a:t>
-            </a:r>
-            <a:r>
-              <a:rPr lang="en-US" dirty="0"/>
-              <a:t> </a:t>
-            </a:r>
-            <a:r>
-              <a:rPr lang="en-US" dirty="0" err="1"/>
-              <a:t>bazei</a:t>
-            </a:r>
-            <a:r>
-              <a:rPr lang="en-US" dirty="0"/>
-              <a:t> de date:</a:t>
-            </a:r>
-          </a:p>
-        </p:txBody>
-      </p:sp>
-      <p:sp>
-        <p:nvSpPr>
-          <p:cNvPr id="3" name="Content Placeholder 2">
-            <a:extLst>
-              <a:ext uri="{FF2B5EF4-FFF2-40B4-BE49-F238E27FC236}">
-                <a16:creationId xmlns:a16="http://schemas.microsoft.com/office/drawing/2014/main" id="{77187175-2B31-31B1-1ADF-C8719FC3F428}"/>
-              </a:ext>
-            </a:extLst>
-          </p:cNvPr>
-          <p:cNvSpPr>
-            <a:spLocks noGrp="1"/>
-          </p:cNvSpPr>
-          <p:nvPr>
-            <p:ph idx="1"/>
-          </p:nvPr>
-        </p:nvSpPr>
-        <p:spPr>
-          <a:xfrm>
-            <a:off x="838200" y="1490472"/>
-            <a:ext cx="10515600" cy="4686491"/>
-          </a:xfrm>
-        </p:spPr>
-        <p:txBody>
-          <a:bodyPr/>
-          <a:lstStyle/>
-          <a:p>
-            <a:pPr marL="0" indent="0" algn="ctr">
-              <a:buNone/>
-            </a:pPr>
-            <a:r>
-              <a:rPr lang="en-US" dirty="0" err="1"/>
-              <a:t>Pentru</a:t>
-            </a:r>
-            <a:r>
-              <a:rPr lang="en-US" dirty="0"/>
-              <a:t> </a:t>
-            </a:r>
-            <a:r>
-              <a:rPr lang="en-US" dirty="0" err="1"/>
-              <a:t>baza</a:t>
-            </a:r>
-            <a:r>
-              <a:rPr lang="en-US" dirty="0"/>
-              <a:t> de date s-a </a:t>
-            </a:r>
-            <a:r>
-              <a:rPr lang="en-US" dirty="0" err="1"/>
-              <a:t>folosit</a:t>
-            </a:r>
-            <a:r>
-              <a:rPr lang="en-US" dirty="0"/>
-              <a:t> Firebase. </a:t>
-            </a:r>
-            <a:r>
-              <a:rPr lang="ro-RO" dirty="0"/>
-              <a:t>În cadrul acesteia se regăsesc mai multe noduri care prezintă diverse informați despre utilizatori, circuite, piloți și echipe</a:t>
-            </a:r>
-            <a:endParaRPr lang="en-US" dirty="0"/>
-          </a:p>
-        </p:txBody>
-      </p:sp>
-      <p:sp>
-        <p:nvSpPr>
-          <p:cNvPr id="4" name="Slide Number Placeholder 3">
-            <a:extLst>
-              <a:ext uri="{FF2B5EF4-FFF2-40B4-BE49-F238E27FC236}">
-                <a16:creationId xmlns:a16="http://schemas.microsoft.com/office/drawing/2014/main" id="{77D0A42F-0684-13DB-0AB2-281B90D5A31D}"/>
-              </a:ext>
-            </a:extLst>
-          </p:cNvPr>
-          <p:cNvSpPr>
-            <a:spLocks noGrp="1"/>
-          </p:cNvSpPr>
-          <p:nvPr>
-            <p:ph type="sldNum" sz="quarter" idx="12"/>
-          </p:nvPr>
-        </p:nvSpPr>
-        <p:spPr/>
-        <p:txBody>
-          <a:bodyPr/>
-          <a:lstStyle/>
-          <a:p>
-            <a:fld id="{F8A5FA55-D9B8-4EF5-BE35-7AA8B0D8C041}" type="slidenum">
-              <a:rPr lang="en-US" smtClean="0"/>
-              <a:t>14</a:t>
-            </a:fld>
-            <a:endParaRPr lang="en-US"/>
-          </a:p>
-        </p:txBody>
-      </p:sp>
-      <p:pic>
-        <p:nvPicPr>
-          <p:cNvPr id="6" name="Picture 5">
-            <a:extLst>
-              <a:ext uri="{FF2B5EF4-FFF2-40B4-BE49-F238E27FC236}">
-                <a16:creationId xmlns:a16="http://schemas.microsoft.com/office/drawing/2014/main" id="{9D90A9B4-DAF7-E018-476B-5F22A511FEA0}"/>
-              </a:ext>
-            </a:extLst>
-          </p:cNvPr>
-          <p:cNvPicPr>
-            <a:picLocks noChangeAspect="1"/>
-          </p:cNvPicPr>
-          <p:nvPr/>
-        </p:nvPicPr>
-        <p:blipFill>
-          <a:blip r:embed="rId2"/>
-          <a:stretch>
-            <a:fillRect/>
-          </a:stretch>
-        </p:blipFill>
-        <p:spPr>
-          <a:xfrm>
-            <a:off x="425015" y="3311701"/>
-            <a:ext cx="2399933" cy="2495930"/>
-          </a:xfrm>
-          <a:prstGeom prst="rect">
-            <a:avLst/>
-          </a:prstGeom>
-        </p:spPr>
-      </p:pic>
-      <p:sp>
-        <p:nvSpPr>
-          <p:cNvPr id="7" name="TextBox 6">
-            <a:extLst>
-              <a:ext uri="{FF2B5EF4-FFF2-40B4-BE49-F238E27FC236}">
-                <a16:creationId xmlns:a16="http://schemas.microsoft.com/office/drawing/2014/main" id="{029AF4A1-8121-FD0D-4652-9D40EB6CCA15}"/>
-              </a:ext>
-            </a:extLst>
-          </p:cNvPr>
-          <p:cNvSpPr txBox="1"/>
-          <p:nvPr/>
-        </p:nvSpPr>
-        <p:spPr>
-          <a:xfrm>
-            <a:off x="437861" y="5987018"/>
-            <a:ext cx="2374240" cy="369332"/>
-          </a:xfrm>
-          <a:prstGeom prst="rect">
-            <a:avLst/>
-          </a:prstGeom>
-          <a:noFill/>
-        </p:spPr>
-        <p:txBody>
-          <a:bodyPr wrap="none" rtlCol="0">
-            <a:spAutoFit/>
-          </a:bodyPr>
-          <a:lstStyle/>
-          <a:p>
-            <a:r>
-              <a:rPr lang="ro-RO" dirty="0"/>
-              <a:t>Date despre un circuit</a:t>
-            </a:r>
-            <a:endParaRPr lang="en-US" dirty="0"/>
-          </a:p>
-        </p:txBody>
-      </p:sp>
-      <p:pic>
-        <p:nvPicPr>
-          <p:cNvPr id="9" name="Picture 8">
-            <a:extLst>
-              <a:ext uri="{FF2B5EF4-FFF2-40B4-BE49-F238E27FC236}">
-                <a16:creationId xmlns:a16="http://schemas.microsoft.com/office/drawing/2014/main" id="{13B69535-53D8-856F-898E-B13064B2DAB4}"/>
-              </a:ext>
-            </a:extLst>
-          </p:cNvPr>
-          <p:cNvPicPr>
-            <a:picLocks noChangeAspect="1"/>
-          </p:cNvPicPr>
-          <p:nvPr/>
-        </p:nvPicPr>
-        <p:blipFill>
-          <a:blip r:embed="rId3"/>
-          <a:stretch>
-            <a:fillRect/>
-          </a:stretch>
-        </p:blipFill>
-        <p:spPr>
-          <a:xfrm>
-            <a:off x="3654430" y="3212507"/>
-            <a:ext cx="2094098" cy="2694317"/>
-          </a:xfrm>
-          <a:prstGeom prst="rect">
-            <a:avLst/>
-          </a:prstGeom>
-        </p:spPr>
-      </p:pic>
-      <p:sp>
-        <p:nvSpPr>
-          <p:cNvPr id="10" name="TextBox 9">
-            <a:extLst>
-              <a:ext uri="{FF2B5EF4-FFF2-40B4-BE49-F238E27FC236}">
-                <a16:creationId xmlns:a16="http://schemas.microsoft.com/office/drawing/2014/main" id="{7C26B158-6F98-5D0F-F249-BAC3B2D14A5E}"/>
-              </a:ext>
-            </a:extLst>
-          </p:cNvPr>
-          <p:cNvSpPr txBox="1"/>
-          <p:nvPr/>
-        </p:nvSpPr>
-        <p:spPr>
-          <a:xfrm>
-            <a:off x="3606564" y="5987018"/>
-            <a:ext cx="2189830" cy="369332"/>
-          </a:xfrm>
-          <a:prstGeom prst="rect">
-            <a:avLst/>
-          </a:prstGeom>
-          <a:noFill/>
-        </p:spPr>
-        <p:txBody>
-          <a:bodyPr wrap="none" rtlCol="0">
-            <a:spAutoFit/>
-          </a:bodyPr>
-          <a:lstStyle/>
-          <a:p>
-            <a:r>
-              <a:rPr lang="ro-RO" dirty="0"/>
-              <a:t>Date despre un pilot</a:t>
-            </a:r>
-            <a:endParaRPr lang="en-US" dirty="0"/>
-          </a:p>
-        </p:txBody>
-      </p:sp>
-      <p:pic>
-        <p:nvPicPr>
-          <p:cNvPr id="12" name="Picture 11">
-            <a:extLst>
-              <a:ext uri="{FF2B5EF4-FFF2-40B4-BE49-F238E27FC236}">
-                <a16:creationId xmlns:a16="http://schemas.microsoft.com/office/drawing/2014/main" id="{F09C8911-0F0D-30A1-E943-B98E9CB61CD1}"/>
-              </a:ext>
-            </a:extLst>
-          </p:cNvPr>
-          <p:cNvPicPr>
-            <a:picLocks noChangeAspect="1"/>
-          </p:cNvPicPr>
-          <p:nvPr/>
-        </p:nvPicPr>
-        <p:blipFill>
-          <a:blip r:embed="rId4"/>
-          <a:stretch>
-            <a:fillRect/>
-          </a:stretch>
-        </p:blipFill>
-        <p:spPr>
-          <a:xfrm>
-            <a:off x="6578010" y="3212507"/>
-            <a:ext cx="2213469" cy="2651735"/>
-          </a:xfrm>
-          <a:prstGeom prst="rect">
-            <a:avLst/>
-          </a:prstGeom>
-        </p:spPr>
-      </p:pic>
-      <p:sp>
-        <p:nvSpPr>
-          <p:cNvPr id="13" name="TextBox 12">
-            <a:extLst>
-              <a:ext uri="{FF2B5EF4-FFF2-40B4-BE49-F238E27FC236}">
-                <a16:creationId xmlns:a16="http://schemas.microsoft.com/office/drawing/2014/main" id="{84C0247E-9B74-D47A-EAD9-884879FCF5CF}"/>
-              </a:ext>
-            </a:extLst>
-          </p:cNvPr>
-          <p:cNvSpPr txBox="1"/>
-          <p:nvPr/>
-        </p:nvSpPr>
-        <p:spPr>
-          <a:xfrm>
-            <a:off x="6497453" y="5963992"/>
-            <a:ext cx="2294026" cy="369332"/>
-          </a:xfrm>
-          <a:prstGeom prst="rect">
-            <a:avLst/>
-          </a:prstGeom>
-          <a:noFill/>
-        </p:spPr>
-        <p:txBody>
-          <a:bodyPr wrap="none" rtlCol="0">
-            <a:spAutoFit/>
-          </a:bodyPr>
-          <a:lstStyle/>
-          <a:p>
-            <a:r>
-              <a:rPr lang="ro-RO" dirty="0"/>
-              <a:t>Date despre o echipă</a:t>
-            </a:r>
-            <a:endParaRPr lang="en-US" dirty="0"/>
-          </a:p>
-        </p:txBody>
-      </p:sp>
-      <p:pic>
-        <p:nvPicPr>
-          <p:cNvPr id="15" name="Picture 14">
-            <a:extLst>
-              <a:ext uri="{FF2B5EF4-FFF2-40B4-BE49-F238E27FC236}">
-                <a16:creationId xmlns:a16="http://schemas.microsoft.com/office/drawing/2014/main" id="{693CD550-B24C-1E78-C8EF-2570AAA8625A}"/>
-              </a:ext>
-            </a:extLst>
-          </p:cNvPr>
-          <p:cNvPicPr>
-            <a:picLocks noChangeAspect="1"/>
-          </p:cNvPicPr>
-          <p:nvPr/>
-        </p:nvPicPr>
-        <p:blipFill>
-          <a:blip r:embed="rId5"/>
-          <a:stretch>
-            <a:fillRect/>
-          </a:stretch>
-        </p:blipFill>
-        <p:spPr>
-          <a:xfrm>
-            <a:off x="9620961" y="3429000"/>
-            <a:ext cx="2389643" cy="2378631"/>
-          </a:xfrm>
-          <a:prstGeom prst="rect">
-            <a:avLst/>
-          </a:prstGeom>
-        </p:spPr>
-      </p:pic>
-      <p:sp>
-        <p:nvSpPr>
-          <p:cNvPr id="16" name="TextBox 15">
-            <a:extLst>
-              <a:ext uri="{FF2B5EF4-FFF2-40B4-BE49-F238E27FC236}">
-                <a16:creationId xmlns:a16="http://schemas.microsoft.com/office/drawing/2014/main" id="{E31CA933-2772-A58B-A29D-92A43745668E}"/>
-              </a:ext>
-            </a:extLst>
-          </p:cNvPr>
-          <p:cNvSpPr txBox="1"/>
-          <p:nvPr/>
-        </p:nvSpPr>
-        <p:spPr>
-          <a:xfrm>
-            <a:off x="9508244" y="5906824"/>
-            <a:ext cx="2615075" cy="369332"/>
-          </a:xfrm>
-          <a:prstGeom prst="rect">
-            <a:avLst/>
-          </a:prstGeom>
-          <a:noFill/>
-        </p:spPr>
-        <p:txBody>
-          <a:bodyPr wrap="none" rtlCol="0">
-            <a:spAutoFit/>
-          </a:bodyPr>
-          <a:lstStyle/>
-          <a:p>
-            <a:r>
-              <a:rPr lang="ro-RO" dirty="0"/>
-              <a:t>Date despre un utilizator</a:t>
-            </a:r>
-            <a:endParaRPr lang="en-US" dirty="0"/>
-          </a:p>
-        </p:txBody>
-      </p:sp>
-    </p:spTree>
-    <p:extLst>
-      <p:ext uri="{BB962C8B-B14F-4D97-AF65-F5344CB8AC3E}">
-        <p14:creationId xmlns:p14="http://schemas.microsoft.com/office/powerpoint/2010/main" val="3123462336"/>
-      </p:ext>
-    </p:extLst>
-  </p:cSld>
-  <p:clrMapOvr>
-    <a:masterClrMapping/>
-  </p:clrMapOvr>
-</p:sld>
-</file>
-
-<file path=ppt/slides/slide15.xml><?xml version="1.0" encoding="utf-8"?>
-<p:sld xmlns:a="http://schemas.openxmlformats.org/drawingml/2006/main" xmlns:r="http://schemas.openxmlformats.org/officeDocument/2006/relationships" xmlns:p="http://schemas.openxmlformats.org/presentationml/2006/main">
-  <p:cSld>
-    <p:spTree>
-      <p:nvGrpSpPr>
-        <p:cNvPr id="1" name=""/>
-        <p:cNvGrpSpPr/>
-        <p:nvPr/>
-      </p:nvGrpSpPr>
-      <p:grpSpPr>
-        <a:xfrm>
-          <a:off x="0" y="0"/>
-          <a:ext cx="0" cy="0"/>
-          <a:chOff x="0" y="0"/>
-          <a:chExt cx="0" cy="0"/>
-        </a:xfrm>
-      </p:grpSpPr>
-      <p:sp>
-        <p:nvSpPr>
-          <p:cNvPr id="2" name="Title 1">
-            <a:extLst>
-              <a:ext uri="{FF2B5EF4-FFF2-40B4-BE49-F238E27FC236}">
-                <a16:creationId xmlns:a16="http://schemas.microsoft.com/office/drawing/2014/main" id="{01B93332-48FF-120C-F8E1-D790B1108E00}"/>
-              </a:ext>
-            </a:extLst>
-          </p:cNvPr>
-          <p:cNvSpPr>
-            <a:spLocks noGrp="1"/>
-          </p:cNvSpPr>
-          <p:nvPr>
-            <p:ph type="title"/>
-          </p:nvPr>
-        </p:nvSpPr>
-        <p:spPr/>
-        <p:txBody>
-          <a:bodyPr/>
-          <a:lstStyle/>
-          <a:p>
-            <a:r>
-              <a:rPr lang="en-US" dirty="0" err="1"/>
-              <a:t>Concluzie</a:t>
-            </a:r>
-            <a:r>
-              <a:rPr lang="en-US" dirty="0"/>
-              <a:t> </a:t>
-            </a:r>
-            <a:r>
-              <a:rPr lang="ro-RO" dirty="0"/>
-              <a:t>și direcții de dezvoltare</a:t>
-            </a:r>
-            <a:r>
-              <a:rPr lang="en-US" dirty="0"/>
-              <a:t>:</a:t>
-            </a:r>
-          </a:p>
-        </p:txBody>
-      </p:sp>
-      <p:sp>
-        <p:nvSpPr>
-          <p:cNvPr id="3" name="Content Placeholder 2">
-            <a:extLst>
-              <a:ext uri="{FF2B5EF4-FFF2-40B4-BE49-F238E27FC236}">
-                <a16:creationId xmlns:a16="http://schemas.microsoft.com/office/drawing/2014/main" id="{F0CFC6C5-DB16-7AC7-D9FC-3F2774898DED}"/>
-              </a:ext>
-            </a:extLst>
-          </p:cNvPr>
-          <p:cNvSpPr>
-            <a:spLocks noGrp="1"/>
-          </p:cNvSpPr>
-          <p:nvPr>
-            <p:ph idx="1"/>
-          </p:nvPr>
-        </p:nvSpPr>
-        <p:spPr>
-          <a:xfrm>
-            <a:off x="838200" y="1591056"/>
-            <a:ext cx="10515600" cy="4585907"/>
-          </a:xfrm>
-        </p:spPr>
-        <p:txBody>
-          <a:bodyPr>
-            <a:normAutofit/>
-          </a:bodyPr>
-          <a:lstStyle/>
-          <a:p>
-            <a:pPr marL="0" indent="0" algn="ctr">
-              <a:buNone/>
-            </a:pPr>
-            <a:r>
-              <a:rPr lang="en-US" sz="2000" dirty="0" err="1"/>
-              <a:t>În</a:t>
-            </a:r>
-            <a:r>
-              <a:rPr lang="en-US" sz="2000" dirty="0"/>
-              <a:t> </a:t>
-            </a:r>
-            <a:r>
-              <a:rPr lang="en-US" sz="2000" dirty="0" err="1"/>
-              <a:t>ansamblu</a:t>
-            </a:r>
-            <a:r>
-              <a:rPr lang="en-US" sz="2000" dirty="0"/>
-              <a:t>, </a:t>
-            </a:r>
-            <a:r>
-              <a:rPr lang="en-US" sz="2000" dirty="0" err="1"/>
-              <a:t>aplicația</a:t>
-            </a:r>
-            <a:r>
-              <a:rPr lang="en-US" sz="2000" dirty="0"/>
-              <a:t> </a:t>
-            </a:r>
-            <a:r>
-              <a:rPr lang="en-US" sz="2000" dirty="0" err="1"/>
-              <a:t>oferă</a:t>
-            </a:r>
-            <a:r>
-              <a:rPr lang="en-US" sz="2000" dirty="0"/>
-              <a:t> o </a:t>
-            </a:r>
-            <a:r>
-              <a:rPr lang="en-US" sz="2000" dirty="0" err="1"/>
-              <a:t>experiență</a:t>
-            </a:r>
-            <a:r>
-              <a:rPr lang="en-US" sz="2000" dirty="0"/>
-              <a:t> </a:t>
-            </a:r>
-            <a:r>
-              <a:rPr lang="en-US" sz="2000" dirty="0" err="1"/>
-              <a:t>captivantă</a:t>
-            </a:r>
-            <a:r>
-              <a:rPr lang="en-US" sz="2000" dirty="0"/>
-              <a:t> </a:t>
-            </a:r>
-            <a:r>
-              <a:rPr lang="en-US" sz="2000" dirty="0" err="1"/>
-              <a:t>și</a:t>
-            </a:r>
-            <a:r>
-              <a:rPr lang="en-US" sz="2000" dirty="0"/>
-              <a:t> </a:t>
-            </a:r>
-            <a:r>
-              <a:rPr lang="en-US" sz="2000" dirty="0" err="1"/>
-              <a:t>informativă</a:t>
-            </a:r>
-            <a:r>
-              <a:rPr lang="en-US" sz="2000" dirty="0"/>
-              <a:t> </a:t>
-            </a:r>
-            <a:r>
-              <a:rPr lang="en-US" sz="2000" dirty="0" err="1"/>
-              <a:t>pentru</a:t>
-            </a:r>
-            <a:r>
-              <a:rPr lang="en-US" sz="2000" dirty="0"/>
-              <a:t> </a:t>
-            </a:r>
-            <a:r>
-              <a:rPr lang="en-US" sz="2000" dirty="0" err="1"/>
-              <a:t>pasionații</a:t>
-            </a:r>
-            <a:r>
-              <a:rPr lang="en-US" sz="2000" dirty="0"/>
-              <a:t> de Formula 1, </a:t>
-            </a:r>
-            <a:r>
-              <a:rPr lang="en-US" sz="2000" dirty="0" err="1"/>
-              <a:t>acoperind</a:t>
-            </a:r>
-            <a:r>
-              <a:rPr lang="en-US" sz="2000" dirty="0"/>
-              <a:t> o </a:t>
-            </a:r>
-            <a:r>
-              <a:rPr lang="en-US" sz="2000" dirty="0" err="1"/>
-              <a:t>gamă</a:t>
-            </a:r>
-            <a:r>
-              <a:rPr lang="en-US" sz="2000" dirty="0"/>
-              <a:t> </a:t>
-            </a:r>
-            <a:r>
-              <a:rPr lang="en-US" sz="2000" dirty="0" err="1"/>
-              <a:t>largă</a:t>
-            </a:r>
-            <a:r>
-              <a:rPr lang="en-US" sz="2000" dirty="0"/>
-              <a:t> de </a:t>
-            </a:r>
-            <a:r>
-              <a:rPr lang="en-US" sz="2000" dirty="0" err="1"/>
-              <a:t>funcționalități</a:t>
-            </a:r>
-            <a:r>
-              <a:rPr lang="en-US" sz="2000" dirty="0"/>
-              <a:t> </a:t>
-            </a:r>
-            <a:r>
-              <a:rPr lang="en-US" sz="2000" dirty="0" err="1"/>
-              <a:t>și</a:t>
-            </a:r>
-            <a:r>
-              <a:rPr lang="en-US" sz="2000" dirty="0"/>
-              <a:t> </a:t>
-            </a:r>
-            <a:r>
-              <a:rPr lang="en-US" sz="2000" dirty="0" err="1"/>
-              <a:t>informații</a:t>
-            </a:r>
-            <a:r>
-              <a:rPr lang="en-US" sz="2000" dirty="0"/>
-              <a:t> </a:t>
-            </a:r>
-            <a:r>
-              <a:rPr lang="en-US" sz="2000" dirty="0" err="1"/>
-              <a:t>relevante</a:t>
-            </a:r>
-            <a:r>
-              <a:rPr lang="en-US" sz="2000" dirty="0"/>
-              <a:t>. </a:t>
-            </a:r>
-            <a:r>
-              <a:rPr lang="en-US" sz="2000" dirty="0" err="1"/>
-              <a:t>Prin</a:t>
-            </a:r>
-            <a:r>
-              <a:rPr lang="en-US" sz="2000" dirty="0"/>
-              <a:t> </a:t>
-            </a:r>
-            <a:r>
-              <a:rPr lang="en-US" sz="2000" dirty="0" err="1"/>
-              <a:t>intermediul</a:t>
-            </a:r>
-            <a:r>
-              <a:rPr lang="en-US" sz="2000" dirty="0"/>
-              <a:t> </a:t>
-            </a:r>
-            <a:r>
-              <a:rPr lang="en-US" sz="2000" dirty="0" err="1"/>
-              <a:t>său</a:t>
-            </a:r>
-            <a:r>
-              <a:rPr lang="en-US" sz="2000" dirty="0"/>
-              <a:t>, </a:t>
-            </a:r>
-            <a:r>
-              <a:rPr lang="en-US" sz="2000" dirty="0" err="1"/>
-              <a:t>utilizatorii</a:t>
-            </a:r>
-            <a:r>
-              <a:rPr lang="en-US" sz="2000" dirty="0"/>
-              <a:t> pot </a:t>
-            </a:r>
-            <a:r>
-              <a:rPr lang="en-US" sz="2000" dirty="0" err="1"/>
-              <a:t>explora</a:t>
-            </a:r>
-            <a:r>
-              <a:rPr lang="en-US" sz="2000" dirty="0"/>
-              <a:t> </a:t>
-            </a:r>
-            <a:r>
-              <a:rPr lang="en-US" sz="2000" dirty="0" err="1"/>
-              <a:t>detaliile</a:t>
-            </a:r>
-            <a:r>
-              <a:rPr lang="en-US" sz="2000" dirty="0"/>
-              <a:t> </a:t>
-            </a:r>
-            <a:r>
-              <a:rPr lang="en-US" sz="2000" dirty="0" err="1"/>
-              <a:t>fiecărui</a:t>
-            </a:r>
-            <a:r>
-              <a:rPr lang="en-US" sz="2000" dirty="0"/>
-              <a:t> aspect al </a:t>
-            </a:r>
-            <a:r>
-              <a:rPr lang="en-US" sz="2000" dirty="0" err="1"/>
-              <a:t>acestui</a:t>
-            </a:r>
-            <a:r>
-              <a:rPr lang="en-US" sz="2000" dirty="0"/>
-              <a:t> sport, de la </a:t>
-            </a:r>
-            <a:r>
-              <a:rPr lang="en-US" sz="2000" dirty="0" err="1"/>
-              <a:t>performanțele</a:t>
-            </a:r>
-            <a:r>
-              <a:rPr lang="en-US" sz="2000" dirty="0"/>
-              <a:t> </a:t>
-            </a:r>
-            <a:r>
-              <a:rPr lang="en-US" sz="2000" dirty="0" err="1"/>
-              <a:t>piloților</a:t>
-            </a:r>
-            <a:r>
-              <a:rPr lang="en-US" sz="2000" dirty="0"/>
-              <a:t> </a:t>
-            </a:r>
-            <a:r>
-              <a:rPr lang="en-US" sz="2000" dirty="0" err="1"/>
-              <a:t>și</a:t>
-            </a:r>
-            <a:r>
-              <a:rPr lang="en-US" sz="2000" dirty="0"/>
-              <a:t> </a:t>
-            </a:r>
-            <a:r>
-              <a:rPr lang="en-US" sz="2000" dirty="0" err="1"/>
-              <a:t>echipelor</a:t>
-            </a:r>
-            <a:r>
-              <a:rPr lang="en-US" sz="2000" dirty="0"/>
-              <a:t> </a:t>
-            </a:r>
-            <a:r>
-              <a:rPr lang="en-US" sz="2000" dirty="0" err="1"/>
-              <a:t>până</a:t>
-            </a:r>
-            <a:r>
-              <a:rPr lang="en-US" sz="2000" dirty="0"/>
-              <a:t> la </a:t>
-            </a:r>
-            <a:r>
-              <a:rPr lang="en-US" sz="2000" dirty="0" err="1"/>
-              <a:t>analiza</a:t>
-            </a:r>
-            <a:r>
-              <a:rPr lang="en-US" sz="2000" dirty="0"/>
-              <a:t> </a:t>
-            </a:r>
-            <a:r>
-              <a:rPr lang="en-US" sz="2000" dirty="0" err="1"/>
-              <a:t>circuitelor</a:t>
-            </a:r>
-            <a:r>
-              <a:rPr lang="en-US" sz="2000" dirty="0"/>
-              <a:t> </a:t>
-            </a:r>
-            <a:r>
-              <a:rPr lang="en-US" sz="2000" dirty="0" err="1"/>
-              <a:t>și</a:t>
-            </a:r>
-            <a:r>
-              <a:rPr lang="en-US" sz="2000" dirty="0"/>
-              <a:t> a </a:t>
-            </a:r>
-            <a:r>
-              <a:rPr lang="en-US" sz="2000" dirty="0" err="1"/>
-              <a:t>sesiunilor</a:t>
-            </a:r>
-            <a:r>
-              <a:rPr lang="en-US" sz="2000" dirty="0"/>
-              <a:t> de </a:t>
-            </a:r>
-            <a:r>
-              <a:rPr lang="en-US" sz="2000" dirty="0" err="1"/>
-              <a:t>calificare</a:t>
-            </a:r>
-            <a:r>
-              <a:rPr lang="en-US" sz="2000" dirty="0"/>
-              <a:t>.</a:t>
-            </a:r>
-          </a:p>
-          <a:p>
-            <a:pPr marL="0" indent="0" algn="ctr">
-              <a:buNone/>
-            </a:pPr>
-            <a:endParaRPr lang="en-US" sz="2000" dirty="0"/>
-          </a:p>
-          <a:p>
-            <a:pPr marL="0" indent="0" algn="just">
-              <a:buNone/>
-            </a:pPr>
-            <a:r>
-              <a:rPr lang="en-US" sz="2000" dirty="0"/>
-              <a:t>Se pot </a:t>
-            </a:r>
-            <a:r>
-              <a:rPr lang="en-US" sz="2000" dirty="0" err="1"/>
-              <a:t>aduce</a:t>
-            </a:r>
-            <a:r>
-              <a:rPr lang="en-US" sz="2000" dirty="0"/>
-              <a:t> </a:t>
-            </a:r>
-            <a:r>
-              <a:rPr lang="ro-RO" sz="2000" dirty="0"/>
-              <a:t>îmbunătățiri aplicației privind</a:t>
-            </a:r>
-            <a:r>
-              <a:rPr lang="en-US" sz="2000" dirty="0"/>
-              <a:t>: </a:t>
-            </a:r>
-          </a:p>
-          <a:p>
-            <a:pPr algn="just"/>
-            <a:r>
-              <a:rPr lang="en-US" sz="2000" dirty="0" err="1"/>
-              <a:t>Extinderea</a:t>
-            </a:r>
-            <a:r>
-              <a:rPr lang="en-US" sz="2000" dirty="0"/>
-              <a:t> </a:t>
-            </a:r>
-            <a:r>
-              <a:rPr lang="en-US" sz="2000" dirty="0" err="1"/>
-              <a:t>funcționalității</a:t>
-            </a:r>
-            <a:r>
-              <a:rPr lang="en-US" sz="2000" dirty="0"/>
-              <a:t> de </a:t>
-            </a:r>
-            <a:r>
-              <a:rPr lang="en-US" sz="2000" dirty="0" err="1"/>
-              <a:t>analiză</a:t>
-            </a:r>
-            <a:r>
-              <a:rPr lang="en-US" sz="2000" dirty="0"/>
-              <a:t> </a:t>
-            </a:r>
-            <a:r>
-              <a:rPr lang="en-US" sz="2000" dirty="0" err="1"/>
-              <a:t>și</a:t>
-            </a:r>
-            <a:r>
-              <a:rPr lang="en-US" sz="2000" dirty="0"/>
-              <a:t> </a:t>
-            </a:r>
-            <a:r>
-              <a:rPr lang="en-US" sz="2000" dirty="0" err="1"/>
-              <a:t>statistică</a:t>
-            </a:r>
-            <a:endParaRPr lang="en-US" sz="2000" dirty="0"/>
-          </a:p>
-          <a:p>
-            <a:pPr algn="just"/>
-            <a:r>
-              <a:rPr lang="en-US" sz="2000" dirty="0" err="1"/>
-              <a:t>Optimizare</a:t>
-            </a:r>
-            <a:r>
-              <a:rPr lang="en-US" sz="2000" dirty="0"/>
-              <a:t> </a:t>
-            </a:r>
-            <a:r>
-              <a:rPr lang="en-US" sz="2000" dirty="0" err="1"/>
-              <a:t>pentru</a:t>
-            </a:r>
-            <a:r>
-              <a:rPr lang="en-US" sz="2000" dirty="0"/>
-              <a:t> </a:t>
-            </a:r>
-            <a:r>
-              <a:rPr lang="en-US" sz="2000" dirty="0" err="1"/>
-              <a:t>mai</a:t>
-            </a:r>
-            <a:r>
-              <a:rPr lang="en-US" sz="2000" dirty="0"/>
-              <a:t> </a:t>
-            </a:r>
-            <a:r>
-              <a:rPr lang="en-US" sz="2000" dirty="0" err="1"/>
-              <a:t>multe</a:t>
-            </a:r>
-            <a:r>
-              <a:rPr lang="en-US" sz="2000" dirty="0"/>
-              <a:t> </a:t>
-            </a:r>
-            <a:r>
-              <a:rPr lang="en-US" sz="2000" dirty="0" err="1"/>
-              <a:t>platforme</a:t>
-            </a:r>
-            <a:endParaRPr lang="en-US" sz="2000" dirty="0"/>
-          </a:p>
-          <a:p>
-            <a:pPr algn="just"/>
-            <a:r>
-              <a:rPr lang="en-US" sz="2000" dirty="0" err="1"/>
-              <a:t>Adăugarea</a:t>
-            </a:r>
-            <a:r>
-              <a:rPr lang="en-US" sz="2000" dirty="0"/>
-              <a:t> </a:t>
-            </a:r>
-            <a:r>
-              <a:rPr lang="en-US" sz="2000" dirty="0" err="1"/>
-              <a:t>seriilor</a:t>
-            </a:r>
-            <a:r>
-              <a:rPr lang="en-US" sz="2000" dirty="0"/>
-              <a:t> </a:t>
-            </a:r>
-            <a:r>
-              <a:rPr lang="en-US" sz="2000" dirty="0" err="1"/>
-              <a:t>suport</a:t>
-            </a:r>
-            <a:r>
-              <a:rPr lang="en-US" sz="2000" dirty="0"/>
-              <a:t> </a:t>
-            </a:r>
-            <a:r>
-              <a:rPr lang="ro-RO" sz="2000" dirty="0"/>
-              <a:t>și a altor competiții de tip motorsport</a:t>
-            </a:r>
-          </a:p>
-          <a:p>
-            <a:pPr algn="just"/>
-            <a:r>
-              <a:rPr lang="en-US" sz="2000" dirty="0" err="1"/>
-              <a:t>Interacțiune</a:t>
-            </a:r>
-            <a:r>
-              <a:rPr lang="en-US" sz="2000" dirty="0"/>
-              <a:t> social</a:t>
-            </a:r>
-            <a:endParaRPr lang="ro-RO" sz="2000" dirty="0"/>
-          </a:p>
-          <a:p>
-            <a:pPr algn="just"/>
-            <a:r>
-              <a:rPr lang="en-US" sz="2000" dirty="0"/>
-              <a:t>Live Timing </a:t>
-            </a:r>
-            <a:r>
-              <a:rPr lang="en-US" sz="2000" dirty="0" err="1"/>
-              <a:t>și</a:t>
-            </a:r>
-            <a:r>
-              <a:rPr lang="en-US" sz="2000" dirty="0"/>
-              <a:t> </a:t>
-            </a:r>
-            <a:r>
-              <a:rPr lang="en-US" sz="2000" dirty="0" err="1"/>
-              <a:t>Telemetrie</a:t>
-            </a:r>
-            <a:endParaRPr lang="ro-RO" sz="2000" dirty="0"/>
-          </a:p>
-          <a:p>
-            <a:pPr algn="just"/>
-            <a:r>
-              <a:rPr lang="en-US" sz="2000" dirty="0"/>
-              <a:t>Streaming Video </a:t>
-            </a:r>
-            <a:r>
-              <a:rPr lang="en-US" sz="2000" dirty="0" err="1"/>
-              <a:t>și</a:t>
-            </a:r>
-            <a:r>
-              <a:rPr lang="en-US" sz="2000" dirty="0"/>
-              <a:t> Highlights</a:t>
-            </a:r>
-          </a:p>
-        </p:txBody>
-      </p:sp>
-      <p:sp>
-        <p:nvSpPr>
-          <p:cNvPr id="4" name="Slide Number Placeholder 3">
-            <a:extLst>
-              <a:ext uri="{FF2B5EF4-FFF2-40B4-BE49-F238E27FC236}">
-                <a16:creationId xmlns:a16="http://schemas.microsoft.com/office/drawing/2014/main" id="{F1E77697-8F50-EF41-06AF-E351D08DAEA9}"/>
-              </a:ext>
-            </a:extLst>
-          </p:cNvPr>
-          <p:cNvSpPr>
-            <a:spLocks noGrp="1"/>
-          </p:cNvSpPr>
-          <p:nvPr>
-            <p:ph type="sldNum" sz="quarter" idx="12"/>
-          </p:nvPr>
-        </p:nvSpPr>
-        <p:spPr/>
-        <p:txBody>
-          <a:bodyPr/>
-          <a:lstStyle/>
-          <a:p>
-            <a:fld id="{F8A5FA55-D9B8-4EF5-BE35-7AA8B0D8C041}" type="slidenum">
-              <a:rPr lang="en-US" smtClean="0"/>
-              <a:t>15</a:t>
-            </a:fld>
-            <a:endParaRPr lang="en-US"/>
-          </a:p>
-        </p:txBody>
-      </p:sp>
-    </p:spTree>
-    <p:extLst>
-      <p:ext uri="{BB962C8B-B14F-4D97-AF65-F5344CB8AC3E}">
-        <p14:creationId xmlns:p14="http://schemas.microsoft.com/office/powerpoint/2010/main" val="628652841"/>
-      </p:ext>
-    </p:extLst>
-  </p:cSld>
-  <p:clrMapOvr>
-    <a:masterClrMapping/>
-  </p:clrMapOvr>
-</p:sld>
-</file>
-
-<file path=ppt/slides/slide16.xml><?xml version="1.0" encoding="utf-8"?>
-<p:sld xmlns:a="http://schemas.openxmlformats.org/drawingml/2006/main" xmlns:r="http://schemas.openxmlformats.org/officeDocument/2006/relationships" xmlns:p="http://schemas.openxmlformats.org/presentationml/2006/main">
-  <p:cSld>
-    <p:spTree>
-      <p:nvGrpSpPr>
-        <p:cNvPr id="1" name=""/>
-        <p:cNvGrpSpPr/>
-        <p:nvPr/>
-      </p:nvGrpSpPr>
-      <p:grpSpPr>
-        <a:xfrm>
-          <a:off x="0" y="0"/>
-          <a:ext cx="0" cy="0"/>
-          <a:chOff x="0" y="0"/>
-          <a:chExt cx="0" cy="0"/>
-        </a:xfrm>
-      </p:grpSpPr>
-      <p:sp>
-        <p:nvSpPr>
-          <p:cNvPr id="2" name="Title 1">
-            <a:extLst>
-              <a:ext uri="{FF2B5EF4-FFF2-40B4-BE49-F238E27FC236}">
-                <a16:creationId xmlns:a16="http://schemas.microsoft.com/office/drawing/2014/main" id="{AB36C50B-E881-241D-9DE1-89337FB5A373}"/>
-              </a:ext>
-            </a:extLst>
-          </p:cNvPr>
-          <p:cNvSpPr>
-            <a:spLocks noGrp="1"/>
-          </p:cNvSpPr>
-          <p:nvPr>
-            <p:ph type="title"/>
-          </p:nvPr>
-        </p:nvSpPr>
-        <p:spPr>
-          <a:xfrm>
-            <a:off x="838200" y="365125"/>
-            <a:ext cx="10515600" cy="6063107"/>
-          </a:xfrm>
-        </p:spPr>
-        <p:txBody>
-          <a:bodyPr/>
-          <a:lstStyle/>
-          <a:p>
-            <a:pPr algn="ctr"/>
-            <a:r>
-              <a:rPr lang="ro-RO" sz="4400" dirty="0"/>
-              <a:t>Vă mulțumesc pentru atenție!</a:t>
-            </a:r>
-            <a:endParaRPr lang="en-US" dirty="0"/>
-          </a:p>
-        </p:txBody>
-      </p:sp>
-      <p:sp>
-        <p:nvSpPr>
-          <p:cNvPr id="3" name="Slide Number Placeholder 2">
-            <a:extLst>
-              <a:ext uri="{FF2B5EF4-FFF2-40B4-BE49-F238E27FC236}">
-                <a16:creationId xmlns:a16="http://schemas.microsoft.com/office/drawing/2014/main" id="{D43935DF-10BC-250C-D7B0-C1643F86932D}"/>
-              </a:ext>
-            </a:extLst>
-          </p:cNvPr>
-          <p:cNvSpPr>
-            <a:spLocks noGrp="1"/>
-          </p:cNvSpPr>
-          <p:nvPr>
-            <p:ph type="sldNum" sz="quarter" idx="12"/>
-          </p:nvPr>
-        </p:nvSpPr>
-        <p:spPr/>
-        <p:txBody>
-          <a:bodyPr/>
-          <a:lstStyle/>
-          <a:p>
-            <a:fld id="{F8A5FA55-D9B8-4EF5-BE35-7AA8B0D8C041}" type="slidenum">
-              <a:rPr lang="en-US" smtClean="0"/>
-              <a:t>16</a:t>
-            </a:fld>
-            <a:endParaRPr lang="en-US"/>
-          </a:p>
-        </p:txBody>
-      </p:sp>
-    </p:spTree>
-    <p:extLst>
-      <p:ext uri="{BB962C8B-B14F-4D97-AF65-F5344CB8AC3E}">
-        <p14:creationId xmlns:p14="http://schemas.microsoft.com/office/powerpoint/2010/main" val="3797409576"/>
       </p:ext>
     </p:extLst>
   </p:cSld>
@@ -6604,7 +4068,7 @@
           <p:cNvPr id="2" name="Title 1">
             <a:extLst>
               <a:ext uri="{FF2B5EF4-FFF2-40B4-BE49-F238E27FC236}">
-                <a16:creationId xmlns:a16="http://schemas.microsoft.com/office/drawing/2014/main" id="{7499EA08-352F-0DE3-0FE2-792D14C7CE8C}"/>
+                <a16:creationId xmlns:a16="http://schemas.microsoft.com/office/drawing/2014/main" id="{72769F16-B6CD-95F8-F142-D0DBE3D697B0}"/>
               </a:ext>
             </a:extLst>
           </p:cNvPr>
@@ -6615,376 +4079,69 @@
             <p:ph type="title"/>
           </p:nvPr>
         </p:nvSpPr>
-        <p:spPr>
-          <a:xfrm>
-            <a:off x="838200" y="365125"/>
-            <a:ext cx="10515600" cy="723011"/>
-          </a:xfrm>
-        </p:spPr>
+        <p:spPr/>
         <p:txBody>
           <a:bodyPr/>
           <a:lstStyle/>
           <a:p>
+            <a:pPr algn="ctr"/>
             <a:r>
               <a:rPr lang="en-US" dirty="0" err="1"/>
-              <a:t>Cuprins</a:t>
+              <a:t>Obiectivul</a:t>
             </a:r>
             <a:r>
               <a:rPr lang="en-US" dirty="0"/>
-              <a:t>:</a:t>
-            </a:r>
-          </a:p>
-        </p:txBody>
-      </p:sp>
-      <p:sp>
-        <p:nvSpPr>
-          <p:cNvPr id="3" name="Content Placeholder 2">
-            <a:extLst>
-              <a:ext uri="{FF2B5EF4-FFF2-40B4-BE49-F238E27FC236}">
-                <a16:creationId xmlns:a16="http://schemas.microsoft.com/office/drawing/2014/main" id="{42E2C647-D1E6-9FBB-B21F-3FBAD0E0F5AE}"/>
-              </a:ext>
-            </a:extLst>
-          </p:cNvPr>
-          <p:cNvSpPr>
-            <a:spLocks noGrp="1"/>
-          </p:cNvSpPr>
+              <a:t> </a:t>
+            </a:r>
+            <a:r>
+              <a:rPr lang="en-US" dirty="0" err="1"/>
+              <a:t>proiectului</a:t>
+            </a:r>
+            <a:endParaRPr lang="en-US" dirty="0"/>
+          </a:p>
+        </p:txBody>
+      </p:sp>
+      <p:pic>
+        <p:nvPicPr>
+          <p:cNvPr id="7" name="Content Placeholder 6" descr="A black and white logo&#10;&#10;Description automatically generated">
+            <a:extLst>
+              <a:ext uri="{FF2B5EF4-FFF2-40B4-BE49-F238E27FC236}">
+                <a16:creationId xmlns:a16="http://schemas.microsoft.com/office/drawing/2014/main" id="{BFEC2F59-82B8-952C-93AD-6FB02A0D8745}"/>
+              </a:ext>
+            </a:extLst>
+          </p:cNvPr>
+          <p:cNvPicPr>
+            <a:picLocks noGrp="1" noChangeAspect="1"/>
+          </p:cNvPicPr>
           <p:nvPr>
             <p:ph idx="1"/>
           </p:nvPr>
-        </p:nvSpPr>
-        <p:spPr>
-          <a:xfrm>
-            <a:off x="838200" y="1088136"/>
-            <a:ext cx="10515600" cy="5088827"/>
-          </a:xfrm>
-        </p:spPr>
-        <p:txBody>
-          <a:bodyPr>
-            <a:normAutofit fontScale="85000" lnSpcReduction="20000"/>
-          </a:bodyPr>
-          <a:lstStyle/>
-          <a:p>
-            <a:r>
-              <a:rPr lang="en-US" dirty="0"/>
-              <a:t>Slide 3: </a:t>
-            </a:r>
-            <a:r>
-              <a:rPr lang="en-US" dirty="0" err="1"/>
-              <a:t>Tehnologii</a:t>
-            </a:r>
-            <a:r>
-              <a:rPr lang="en-US" dirty="0"/>
-              <a:t> </a:t>
-            </a:r>
-            <a:r>
-              <a:rPr lang="en-US" dirty="0" err="1"/>
-              <a:t>folosite</a:t>
-            </a:r>
-            <a:endParaRPr lang="en-US" dirty="0"/>
-          </a:p>
-          <a:p>
-            <a:r>
-              <a:rPr lang="en-US" dirty="0"/>
-              <a:t>Slide 4: </a:t>
-            </a:r>
-            <a:r>
-              <a:rPr lang="en-US" dirty="0" err="1"/>
-              <a:t>Obiectivul</a:t>
-            </a:r>
-            <a:r>
-              <a:rPr lang="en-US" dirty="0"/>
-              <a:t> </a:t>
-            </a:r>
-            <a:r>
-              <a:rPr lang="en-US" dirty="0" err="1"/>
-              <a:t>proiectului</a:t>
-            </a:r>
-            <a:endParaRPr lang="en-US" dirty="0"/>
-          </a:p>
-          <a:p>
-            <a:r>
-              <a:rPr lang="en-US" dirty="0"/>
-              <a:t>Slide 5: </a:t>
-            </a:r>
-            <a:r>
-              <a:rPr lang="en-US" dirty="0" err="1"/>
-              <a:t>Pagina</a:t>
-            </a:r>
-            <a:r>
-              <a:rPr lang="en-US" dirty="0"/>
-              <a:t> de </a:t>
-            </a:r>
-            <a:r>
-              <a:rPr lang="en-US" dirty="0" err="1"/>
-              <a:t>logare</a:t>
-            </a:r>
-            <a:r>
-              <a:rPr lang="en-US" dirty="0"/>
-              <a:t> </a:t>
-            </a:r>
-            <a:r>
-              <a:rPr lang="ro-RO" dirty="0"/>
-              <a:t>și înregistrare</a:t>
-            </a:r>
-          </a:p>
-          <a:p>
-            <a:r>
-              <a:rPr lang="ro-RO" dirty="0"/>
-              <a:t>Slide 6</a:t>
-            </a:r>
-            <a:r>
-              <a:rPr lang="en-US" dirty="0"/>
-              <a:t>: </a:t>
-            </a:r>
-            <a:r>
-              <a:rPr lang="ro-RO" dirty="0"/>
-              <a:t>Pagina de favorit și predicția pentru următoarea cursă</a:t>
-            </a:r>
-          </a:p>
-          <a:p>
-            <a:r>
-              <a:rPr lang="ro-RO" dirty="0"/>
-              <a:t>Slide 7</a:t>
-            </a:r>
-            <a:r>
-              <a:rPr lang="en-US" dirty="0"/>
-              <a:t>: </a:t>
-            </a:r>
-            <a:r>
-              <a:rPr lang="en-US" dirty="0" err="1"/>
-              <a:t>Pagina</a:t>
-            </a:r>
-            <a:r>
-              <a:rPr lang="en-US" dirty="0"/>
-              <a:t> </a:t>
-            </a:r>
-            <a:r>
-              <a:rPr lang="en-US" dirty="0" err="1"/>
-              <a:t>pilo</a:t>
-            </a:r>
-            <a:r>
-              <a:rPr lang="ro-RO" dirty="0"/>
-              <a:t>ților</a:t>
-            </a:r>
-          </a:p>
-          <a:p>
-            <a:r>
-              <a:rPr lang="ro-RO" dirty="0"/>
-              <a:t>Slide 8</a:t>
-            </a:r>
-            <a:r>
-              <a:rPr lang="en-US" dirty="0"/>
-              <a:t>: </a:t>
-            </a:r>
-            <a:r>
-              <a:rPr lang="en-US" dirty="0" err="1"/>
-              <a:t>Pagina</a:t>
-            </a:r>
-            <a:r>
-              <a:rPr lang="en-US" dirty="0"/>
-              <a:t> </a:t>
-            </a:r>
-            <a:r>
-              <a:rPr lang="en-US" dirty="0" err="1"/>
-              <a:t>echipelor</a:t>
-            </a:r>
-            <a:endParaRPr lang="en-US" dirty="0"/>
-          </a:p>
-          <a:p>
-            <a:r>
-              <a:rPr lang="en-US" dirty="0"/>
-              <a:t>Slide 9: </a:t>
-            </a:r>
-            <a:r>
-              <a:rPr lang="en-US" dirty="0" err="1"/>
-              <a:t>Pagina</a:t>
-            </a:r>
-            <a:r>
-              <a:rPr lang="en-US" dirty="0"/>
-              <a:t> calendar</a:t>
-            </a:r>
-            <a:r>
-              <a:rPr lang="ro-RO" dirty="0"/>
-              <a:t> și circuitele</a:t>
-            </a:r>
-            <a:endParaRPr lang="en-US" dirty="0"/>
-          </a:p>
-          <a:p>
-            <a:r>
-              <a:rPr lang="en-US" dirty="0"/>
-              <a:t>Slide 10: </a:t>
-            </a:r>
-            <a:r>
-              <a:rPr lang="en-US" dirty="0" err="1"/>
-              <a:t>Pagina</a:t>
-            </a:r>
-            <a:r>
-              <a:rPr lang="en-US" dirty="0"/>
-              <a:t> de </a:t>
-            </a:r>
-            <a:r>
-              <a:rPr lang="en-US" dirty="0" err="1"/>
-              <a:t>rezultate</a:t>
-            </a:r>
-            <a:r>
-              <a:rPr lang="en-US" dirty="0"/>
-              <a:t> </a:t>
-            </a:r>
-            <a:r>
-              <a:rPr lang="en-US" dirty="0" err="1"/>
-              <a:t>pentru</a:t>
-            </a:r>
-            <a:r>
-              <a:rPr lang="en-US" dirty="0"/>
-              <a:t> curse</a:t>
-            </a:r>
-            <a:endParaRPr lang="ro-RO" dirty="0"/>
-          </a:p>
-          <a:p>
-            <a:r>
-              <a:rPr lang="ro-RO" dirty="0"/>
-              <a:t>Slide 1</a:t>
-            </a:r>
-            <a:r>
-              <a:rPr lang="en-US" dirty="0"/>
-              <a:t>1: </a:t>
-            </a:r>
-            <a:r>
-              <a:rPr lang="en-US" dirty="0" err="1"/>
-              <a:t>Pagina</a:t>
-            </a:r>
-            <a:r>
-              <a:rPr lang="en-US" dirty="0"/>
-              <a:t> de </a:t>
-            </a:r>
-            <a:r>
-              <a:rPr lang="en-US" dirty="0" err="1"/>
-              <a:t>statistici</a:t>
-            </a:r>
-            <a:endParaRPr lang="en-US" dirty="0"/>
-          </a:p>
-          <a:p>
-            <a:r>
-              <a:rPr lang="en-US" dirty="0"/>
-              <a:t>Slide 12: </a:t>
-            </a:r>
-            <a:r>
-              <a:rPr lang="en-US" dirty="0" err="1"/>
-              <a:t>Programul</a:t>
-            </a:r>
-            <a:r>
-              <a:rPr lang="en-US" dirty="0"/>
-              <a:t> de </a:t>
-            </a:r>
-            <a:r>
-              <a:rPr lang="en-US" dirty="0" err="1"/>
-              <a:t>colectare</a:t>
-            </a:r>
-            <a:r>
-              <a:rPr lang="en-US" dirty="0"/>
-              <a:t> a </a:t>
-            </a:r>
-            <a:r>
-              <a:rPr lang="en-US" dirty="0" err="1"/>
-              <a:t>datelor</a:t>
-            </a:r>
-            <a:endParaRPr lang="en-US" dirty="0"/>
-          </a:p>
-          <a:p>
-            <a:r>
-              <a:rPr lang="en-US" dirty="0"/>
-              <a:t>Slide 13: </a:t>
-            </a:r>
-            <a:r>
-              <a:rPr lang="en-US" dirty="0" err="1"/>
-              <a:t>Programul</a:t>
-            </a:r>
-            <a:r>
-              <a:rPr lang="en-US" dirty="0"/>
-              <a:t> de </a:t>
-            </a:r>
-            <a:r>
-              <a:rPr lang="en-US" dirty="0" err="1"/>
-              <a:t>trimitere</a:t>
-            </a:r>
-            <a:r>
-              <a:rPr lang="en-US" dirty="0"/>
-              <a:t> a </a:t>
-            </a:r>
-            <a:r>
-              <a:rPr lang="en-US" dirty="0" err="1"/>
-              <a:t>mailurilor</a:t>
-            </a:r>
-            <a:r>
-              <a:rPr lang="en-US" dirty="0"/>
-              <a:t> </a:t>
-            </a:r>
-            <a:r>
-              <a:rPr lang="ro-RO" dirty="0"/>
-              <a:t>și calculare a predicției</a:t>
-            </a:r>
-          </a:p>
-          <a:p>
-            <a:r>
-              <a:rPr lang="ro-RO" dirty="0"/>
-              <a:t>Slide 14</a:t>
-            </a:r>
-            <a:r>
-              <a:rPr lang="en-US" dirty="0"/>
-              <a:t>: </a:t>
-            </a:r>
-            <a:r>
-              <a:rPr lang="en-US" dirty="0" err="1"/>
-              <a:t>Structura</a:t>
-            </a:r>
-            <a:r>
-              <a:rPr lang="en-US" dirty="0"/>
-              <a:t> </a:t>
-            </a:r>
-            <a:r>
-              <a:rPr lang="en-US" dirty="0" err="1"/>
-              <a:t>bazei</a:t>
-            </a:r>
-            <a:r>
-              <a:rPr lang="en-US" dirty="0"/>
-              <a:t> de date</a:t>
-            </a:r>
-            <a:endParaRPr lang="ro-RO" dirty="0"/>
-          </a:p>
-          <a:p>
-            <a:r>
-              <a:rPr lang="ro-RO" dirty="0"/>
-              <a:t>Slide 1</a:t>
-            </a:r>
-            <a:r>
-              <a:rPr lang="en-US" dirty="0"/>
-              <a:t>5: </a:t>
-            </a:r>
-            <a:r>
-              <a:rPr lang="en-US" dirty="0" err="1"/>
-              <a:t>Concluzie</a:t>
-            </a:r>
-            <a:r>
-              <a:rPr lang="en-US" dirty="0"/>
-              <a:t> </a:t>
-            </a:r>
-            <a:r>
-              <a:rPr lang="ro-RO" dirty="0"/>
-              <a:t>și direcții de dezvoltare</a:t>
-            </a:r>
-            <a:r>
-              <a:rPr lang="en-US" dirty="0"/>
-              <a:t> </a:t>
-            </a:r>
-          </a:p>
-        </p:txBody>
-      </p:sp>
+        </p:nvPicPr>
+        <p:blipFill>
+          <a:blip r:embed="rId2">
+            <a:extLst>
+              <a:ext uri="{28A0092B-C50C-407E-A947-70E740481C1C}">
+                <a14:useLocalDpi xmlns:a14="http://schemas.microsoft.com/office/drawing/2010/main" val="0"/>
+              </a:ext>
+            </a:extLst>
+          </a:blip>
+          <a:stretch>
+            <a:fillRect/>
+          </a:stretch>
+        </p:blipFill>
+        <p:spPr>
+          <a:xfrm>
+            <a:off x="1286123" y="1787952"/>
+            <a:ext cx="1104251" cy="1104251"/>
+          </a:xfrm>
+        </p:spPr>
+      </p:pic>
       <p:sp>
         <p:nvSpPr>
           <p:cNvPr id="4" name="Slide Number Placeholder 3">
             <a:extLst>
               <a:ext uri="{FF2B5EF4-FFF2-40B4-BE49-F238E27FC236}">
-                <a16:creationId xmlns:a16="http://schemas.microsoft.com/office/drawing/2014/main" id="{37722D1C-9264-5086-883C-F8A76E026654}"/>
+                <a16:creationId xmlns:a16="http://schemas.microsoft.com/office/drawing/2014/main" id="{B26B082C-B54D-8AD9-12C3-59F8E77C66C6}"/>
               </a:ext>
             </a:extLst>
           </p:cNvPr>
@@ -7008,10 +4165,402 @@
           </a:p>
         </p:txBody>
       </p:sp>
+      <p:pic>
+        <p:nvPicPr>
+          <p:cNvPr id="5" name="Imagine 6" descr="O imagine care conține text, Font, Albastru electric, captură de ecran&#10;&#10;Descriere generată automat">
+            <a:extLst>
+              <a:ext uri="{FF2B5EF4-FFF2-40B4-BE49-F238E27FC236}">
+                <a16:creationId xmlns:a16="http://schemas.microsoft.com/office/drawing/2014/main" id="{D8D6ACCF-5DCE-1962-6D79-1CE3E7C2306B}"/>
+              </a:ext>
+            </a:extLst>
+          </p:cNvPr>
+          <p:cNvPicPr>
+            <a:picLocks noChangeAspect="1"/>
+          </p:cNvPicPr>
+          <p:nvPr/>
+        </p:nvPicPr>
+        <p:blipFill>
+          <a:blip r:embed="rId3">
+            <a:extLst>
+              <a:ext uri="{28A0092B-C50C-407E-A947-70E740481C1C}">
+                <a14:useLocalDpi xmlns:a14="http://schemas.microsoft.com/office/drawing/2010/main" val="0"/>
+              </a:ext>
+            </a:extLst>
+          </a:blip>
+          <a:stretch>
+            <a:fillRect/>
+          </a:stretch>
+        </p:blipFill>
+        <p:spPr>
+          <a:xfrm>
+            <a:off x="9689982" y="191461"/>
+            <a:ext cx="2364858" cy="836445"/>
+          </a:xfrm>
+          <a:prstGeom prst="rect">
+            <a:avLst/>
+          </a:prstGeom>
+        </p:spPr>
+      </p:pic>
+      <p:sp>
+        <p:nvSpPr>
+          <p:cNvPr id="8" name="TextBox 7">
+            <a:extLst>
+              <a:ext uri="{FF2B5EF4-FFF2-40B4-BE49-F238E27FC236}">
+                <a16:creationId xmlns:a16="http://schemas.microsoft.com/office/drawing/2014/main" id="{C1586DC9-AFEB-8AC3-48A1-F8DE20F5BD06}"/>
+              </a:ext>
+            </a:extLst>
+          </p:cNvPr>
+          <p:cNvSpPr txBox="1"/>
+          <p:nvPr/>
+        </p:nvSpPr>
+        <p:spPr>
+          <a:xfrm>
+            <a:off x="2456134" y="2177325"/>
+            <a:ext cx="1778051" cy="400110"/>
+          </a:xfrm>
+          <a:prstGeom prst="rect">
+            <a:avLst/>
+          </a:prstGeom>
+          <a:noFill/>
+        </p:spPr>
+        <p:txBody>
+          <a:bodyPr wrap="none" rtlCol="0">
+            <a:spAutoFit/>
+          </a:bodyPr>
+          <a:lstStyle/>
+          <a:p>
+            <a:r>
+              <a:rPr lang="ro-RO" sz="2000" dirty="0">
+                <a:latin typeface="Bahnschrift" panose="020B0502040204020203" pitchFamily="34" charset="0"/>
+              </a:rPr>
+              <a:t>Personalizare</a:t>
+            </a:r>
+            <a:endParaRPr lang="en-US" sz="2000" dirty="0">
+              <a:latin typeface="Bahnschrift" panose="020B0502040204020203" pitchFamily="34" charset="0"/>
+            </a:endParaRPr>
+          </a:p>
+        </p:txBody>
+      </p:sp>
+      <p:pic>
+        <p:nvPicPr>
+          <p:cNvPr id="10" name="Picture 9" descr="A black and white illustration of a question mark inside a crystal ball&#10;&#10;Description automatically generated">
+            <a:extLst>
+              <a:ext uri="{FF2B5EF4-FFF2-40B4-BE49-F238E27FC236}">
+                <a16:creationId xmlns:a16="http://schemas.microsoft.com/office/drawing/2014/main" id="{32BF9D28-42A0-47AF-E792-13072F445178}"/>
+              </a:ext>
+            </a:extLst>
+          </p:cNvPr>
+          <p:cNvPicPr>
+            <a:picLocks noChangeAspect="1"/>
+          </p:cNvPicPr>
+          <p:nvPr/>
+        </p:nvPicPr>
+        <p:blipFill>
+          <a:blip r:embed="rId4">
+            <a:extLst>
+              <a:ext uri="{28A0092B-C50C-407E-A947-70E740481C1C}">
+                <a14:useLocalDpi xmlns:a14="http://schemas.microsoft.com/office/drawing/2010/main" val="0"/>
+              </a:ext>
+            </a:extLst>
+          </a:blip>
+          <a:stretch>
+            <a:fillRect/>
+          </a:stretch>
+        </p:blipFill>
+        <p:spPr>
+          <a:xfrm>
+            <a:off x="1286123" y="4710545"/>
+            <a:ext cx="1106424" cy="1106424"/>
+          </a:xfrm>
+          <a:prstGeom prst="rect">
+            <a:avLst/>
+          </a:prstGeom>
+        </p:spPr>
+      </p:pic>
+      <p:sp>
+        <p:nvSpPr>
+          <p:cNvPr id="11" name="TextBox 10">
+            <a:extLst>
+              <a:ext uri="{FF2B5EF4-FFF2-40B4-BE49-F238E27FC236}">
+                <a16:creationId xmlns:a16="http://schemas.microsoft.com/office/drawing/2014/main" id="{1F464DFE-07F5-3683-AEA8-DD52337329E3}"/>
+              </a:ext>
+            </a:extLst>
+          </p:cNvPr>
+          <p:cNvSpPr txBox="1"/>
+          <p:nvPr/>
+        </p:nvSpPr>
+        <p:spPr>
+          <a:xfrm>
+            <a:off x="2456134" y="5078182"/>
+            <a:ext cx="1199367" cy="400110"/>
+          </a:xfrm>
+          <a:prstGeom prst="rect">
+            <a:avLst/>
+          </a:prstGeom>
+          <a:noFill/>
+        </p:spPr>
+        <p:txBody>
+          <a:bodyPr wrap="none" rtlCol="0">
+            <a:spAutoFit/>
+          </a:bodyPr>
+          <a:lstStyle/>
+          <a:p>
+            <a:r>
+              <a:rPr lang="ro-RO" sz="2000" dirty="0">
+                <a:latin typeface="Bahnschrift" panose="020B0502040204020203" pitchFamily="34" charset="0"/>
+              </a:rPr>
+              <a:t>Predicție</a:t>
+            </a:r>
+            <a:endParaRPr lang="en-US" dirty="0">
+              <a:latin typeface="Bahnschrift" panose="020B0502040204020203" pitchFamily="34" charset="0"/>
+            </a:endParaRPr>
+          </a:p>
+        </p:txBody>
+      </p:sp>
+      <p:pic>
+        <p:nvPicPr>
+          <p:cNvPr id="13" name="Picture 12" descr="A black and white graphic with a pie chart and arrow&#10;&#10;Description automatically generated">
+            <a:extLst>
+              <a:ext uri="{FF2B5EF4-FFF2-40B4-BE49-F238E27FC236}">
+                <a16:creationId xmlns:a16="http://schemas.microsoft.com/office/drawing/2014/main" id="{584A8045-C427-5CDC-6054-21B5D0E822AD}"/>
+              </a:ext>
+            </a:extLst>
+          </p:cNvPr>
+          <p:cNvPicPr>
+            <a:picLocks noChangeAspect="1"/>
+          </p:cNvPicPr>
+          <p:nvPr/>
+        </p:nvPicPr>
+        <p:blipFill>
+          <a:blip r:embed="rId5">
+            <a:extLst>
+              <a:ext uri="{28A0092B-C50C-407E-A947-70E740481C1C}">
+                <a14:useLocalDpi xmlns:a14="http://schemas.microsoft.com/office/drawing/2010/main" val="0"/>
+              </a:ext>
+            </a:extLst>
+          </a:blip>
+          <a:stretch>
+            <a:fillRect/>
+          </a:stretch>
+        </p:blipFill>
+        <p:spPr>
+          <a:xfrm>
+            <a:off x="4989576" y="3129678"/>
+            <a:ext cx="1106424" cy="1106424"/>
+          </a:xfrm>
+          <a:prstGeom prst="rect">
+            <a:avLst/>
+          </a:prstGeom>
+        </p:spPr>
+      </p:pic>
+      <p:sp>
+        <p:nvSpPr>
+          <p:cNvPr id="14" name="TextBox 13">
+            <a:extLst>
+              <a:ext uri="{FF2B5EF4-FFF2-40B4-BE49-F238E27FC236}">
+                <a16:creationId xmlns:a16="http://schemas.microsoft.com/office/drawing/2014/main" id="{CD9651AF-D082-213E-60E0-F8EF91BD87CF}"/>
+              </a:ext>
+            </a:extLst>
+          </p:cNvPr>
+          <p:cNvSpPr txBox="1"/>
+          <p:nvPr/>
+        </p:nvSpPr>
+        <p:spPr>
+          <a:xfrm>
+            <a:off x="6096000" y="3498224"/>
+            <a:ext cx="3332964" cy="400110"/>
+          </a:xfrm>
+          <a:prstGeom prst="rect">
+            <a:avLst/>
+          </a:prstGeom>
+          <a:noFill/>
+        </p:spPr>
+        <p:txBody>
+          <a:bodyPr wrap="none" rtlCol="0">
+            <a:spAutoFit/>
+          </a:bodyPr>
+          <a:lstStyle/>
+          <a:p>
+            <a:r>
+              <a:rPr lang="ro-RO" sz="2000" dirty="0">
+                <a:latin typeface="Bahnschrift" panose="020B0502040204020203" pitchFamily="34" charset="0"/>
+              </a:rPr>
+              <a:t>Vizualizare date actualizate</a:t>
+            </a:r>
+            <a:endParaRPr lang="en-US" sz="2000" dirty="0">
+              <a:latin typeface="Bahnschrift" panose="020B0502040204020203" pitchFamily="34" charset="0"/>
+            </a:endParaRPr>
+          </a:p>
+        </p:txBody>
+      </p:sp>
+      <p:pic>
+        <p:nvPicPr>
+          <p:cNvPr id="16" name="Picture 15" descr="A black and white logo of a mechanical arm&#10;&#10;Description automatically generated">
+            <a:extLst>
+              <a:ext uri="{FF2B5EF4-FFF2-40B4-BE49-F238E27FC236}">
+                <a16:creationId xmlns:a16="http://schemas.microsoft.com/office/drawing/2014/main" id="{D07DB681-BB6B-5E0B-466E-04AA0593B478}"/>
+              </a:ext>
+            </a:extLst>
+          </p:cNvPr>
+          <p:cNvPicPr>
+            <a:picLocks noChangeAspect="1"/>
+          </p:cNvPicPr>
+          <p:nvPr/>
+        </p:nvPicPr>
+        <p:blipFill>
+          <a:blip r:embed="rId6">
+            <a:extLst>
+              <a:ext uri="{28A0092B-C50C-407E-A947-70E740481C1C}">
+                <a14:useLocalDpi xmlns:a14="http://schemas.microsoft.com/office/drawing/2010/main" val="0"/>
+              </a:ext>
+            </a:extLst>
+          </a:blip>
+          <a:stretch>
+            <a:fillRect/>
+          </a:stretch>
+        </p:blipFill>
+        <p:spPr>
+          <a:xfrm>
+            <a:off x="8445506" y="1824502"/>
+            <a:ext cx="1106424" cy="1106424"/>
+          </a:xfrm>
+          <a:prstGeom prst="rect">
+            <a:avLst/>
+          </a:prstGeom>
+        </p:spPr>
+      </p:pic>
+      <p:sp>
+        <p:nvSpPr>
+          <p:cNvPr id="17" name="TextBox 16">
+            <a:extLst>
+              <a:ext uri="{FF2B5EF4-FFF2-40B4-BE49-F238E27FC236}">
+                <a16:creationId xmlns:a16="http://schemas.microsoft.com/office/drawing/2014/main" id="{3D3B269A-D1E7-5C9B-AAE7-59A0CBAEBF64}"/>
+              </a:ext>
+            </a:extLst>
+          </p:cNvPr>
+          <p:cNvSpPr txBox="1"/>
+          <p:nvPr/>
+        </p:nvSpPr>
+        <p:spPr>
+          <a:xfrm>
+            <a:off x="9551930" y="2191815"/>
+            <a:ext cx="1728358" cy="400110"/>
+          </a:xfrm>
+          <a:prstGeom prst="rect">
+            <a:avLst/>
+          </a:prstGeom>
+          <a:noFill/>
+        </p:spPr>
+        <p:txBody>
+          <a:bodyPr wrap="none" rtlCol="0">
+            <a:spAutoFit/>
+          </a:bodyPr>
+          <a:lstStyle/>
+          <a:p>
+            <a:r>
+              <a:rPr lang="ro-RO" sz="2000" dirty="0">
+                <a:latin typeface="Bahnschrift" panose="020B0502040204020203" pitchFamily="34" charset="0"/>
+              </a:rPr>
+              <a:t>Automatizare</a:t>
+            </a:r>
+            <a:endParaRPr lang="en-US" sz="2000" dirty="0">
+              <a:latin typeface="Bahnschrift" panose="020B0502040204020203" pitchFamily="34" charset="0"/>
+            </a:endParaRPr>
+          </a:p>
+        </p:txBody>
+      </p:sp>
+      <p:pic>
+        <p:nvPicPr>
+          <p:cNvPr id="19" name="Picture 18" descr="A white and black envelope with a paper on it&#10;&#10;Description automatically generated">
+            <a:extLst>
+              <a:ext uri="{FF2B5EF4-FFF2-40B4-BE49-F238E27FC236}">
+                <a16:creationId xmlns:a16="http://schemas.microsoft.com/office/drawing/2014/main" id="{D120C687-6E52-66E3-736F-7E982053BFC0}"/>
+              </a:ext>
+            </a:extLst>
+          </p:cNvPr>
+          <p:cNvPicPr>
+            <a:picLocks noChangeAspect="1"/>
+          </p:cNvPicPr>
+          <p:nvPr/>
+        </p:nvPicPr>
+        <p:blipFill>
+          <a:blip r:embed="rId7">
+            <a:extLst>
+              <a:ext uri="{28A0092B-C50C-407E-A947-70E740481C1C}">
+                <a14:useLocalDpi xmlns:a14="http://schemas.microsoft.com/office/drawing/2010/main" val="0"/>
+              </a:ext>
+            </a:extLst>
+          </a:blip>
+          <a:stretch>
+            <a:fillRect/>
+          </a:stretch>
+        </p:blipFill>
+        <p:spPr>
+          <a:xfrm>
+            <a:off x="8445506" y="4699429"/>
+            <a:ext cx="1106424" cy="1106424"/>
+          </a:xfrm>
+          <a:prstGeom prst="rect">
+            <a:avLst/>
+          </a:prstGeom>
+        </p:spPr>
+      </p:pic>
+      <p:sp>
+        <p:nvSpPr>
+          <p:cNvPr id="20" name="TextBox 19">
+            <a:extLst>
+              <a:ext uri="{FF2B5EF4-FFF2-40B4-BE49-F238E27FC236}">
+                <a16:creationId xmlns:a16="http://schemas.microsoft.com/office/drawing/2014/main" id="{C380F2BD-4139-2C24-ACF5-FF5BFEBF266C}"/>
+              </a:ext>
+            </a:extLst>
+          </p:cNvPr>
+          <p:cNvSpPr txBox="1"/>
+          <p:nvPr/>
+        </p:nvSpPr>
+        <p:spPr>
+          <a:xfrm>
+            <a:off x="9689982" y="5078182"/>
+            <a:ext cx="2116285" cy="400110"/>
+          </a:xfrm>
+          <a:prstGeom prst="rect">
+            <a:avLst/>
+          </a:prstGeom>
+          <a:noFill/>
+        </p:spPr>
+        <p:txBody>
+          <a:bodyPr wrap="none" rtlCol="0">
+            <a:spAutoFit/>
+          </a:bodyPr>
+          <a:lstStyle/>
+          <a:p>
+            <a:r>
+              <a:rPr lang="ro-RO" dirty="0">
+                <a:latin typeface="Bahnschrift" panose="020B0502040204020203" pitchFamily="34" charset="0"/>
+              </a:rPr>
+              <a:t>Notificări</a:t>
+            </a:r>
+            <a:r>
+              <a:rPr lang="ro-RO" dirty="0"/>
+              <a:t> </a:t>
+            </a:r>
+            <a:r>
+              <a:rPr lang="ro-RO" sz="2000" dirty="0">
+                <a:latin typeface="Bahnschrift" panose="020B0502040204020203" pitchFamily="34" charset="0"/>
+              </a:rPr>
+              <a:t>prin</a:t>
+            </a:r>
+            <a:r>
+              <a:rPr lang="ro-RO" dirty="0"/>
+              <a:t> mail</a:t>
+            </a:r>
+            <a:endParaRPr lang="en-US" dirty="0"/>
+          </a:p>
+        </p:txBody>
+      </p:sp>
     </p:spTree>
     <p:extLst>
       <p:ext uri="{BB962C8B-B14F-4D97-AF65-F5344CB8AC3E}">
-        <p14:creationId xmlns:p14="http://schemas.microsoft.com/office/powerpoint/2010/main" val="547318183"/>
+        <p14:creationId xmlns:p14="http://schemas.microsoft.com/office/powerpoint/2010/main" val="1582652312"/>
       </p:ext>
     </p:extLst>
   </p:cSld>
@@ -7059,6 +4608,7 @@
           <a:bodyPr/>
           <a:lstStyle/>
           <a:p>
+            <a:pPr algn="ctr"/>
             <a:r>
               <a:rPr lang="en-US" dirty="0" err="1"/>
               <a:t>Tehnologii</a:t>
@@ -7071,10 +4621,7 @@
               <a:rPr lang="en-US" dirty="0" err="1"/>
               <a:t>folosite</a:t>
             </a:r>
-            <a:r>
-              <a:rPr lang="en-US" dirty="0"/>
-              <a:t>:</a:t>
-            </a:r>
+            <a:endParaRPr lang="en-US" dirty="0"/>
           </a:p>
         </p:txBody>
       </p:sp>
@@ -7103,7 +4650,9 @@
               <a:buNone/>
             </a:pPr>
             <a:r>
-              <a:rPr lang="en-US" dirty="0"/>
+              <a:rPr lang="en-US" dirty="0">
+                <a:latin typeface="Bahnschrift" panose="020B0502040204020203" pitchFamily="34" charset="0"/>
+              </a:rPr>
               <a:t>Python</a:t>
             </a:r>
           </a:p>
@@ -7200,7 +4749,7 @@
         <p:spPr>
           <a:xfrm>
             <a:off x="5267279" y="1825625"/>
-            <a:ext cx="1657441" cy="584775"/>
+            <a:ext cx="1707519" cy="584775"/>
           </a:xfrm>
           <a:prstGeom prst="rect">
             <a:avLst/>
@@ -7214,7 +4763,9 @@
           <a:lstStyle/>
           <a:p>
             <a:r>
-              <a:rPr lang="en-US" sz="3200" dirty="0"/>
+              <a:rPr lang="en-US" sz="3200" dirty="0">
+                <a:latin typeface="Bahnschrift" panose="020B0502040204020203" pitchFamily="34" charset="0"/>
+              </a:rPr>
               <a:t>Xamarin</a:t>
             </a:r>
           </a:p>
@@ -7275,8 +4826,8 @@
         </p:nvSpPr>
         <p:spPr>
           <a:xfrm>
-            <a:off x="9222636" y="1887180"/>
-            <a:ext cx="1519128" cy="523220"/>
+            <a:off x="9222635" y="1887180"/>
+            <a:ext cx="1599351" cy="523220"/>
           </a:xfrm>
           <a:prstGeom prst="rect">
             <a:avLst/>
@@ -7290,7 +4841,9 @@
           <a:lstStyle/>
           <a:p>
             <a:r>
-              <a:rPr lang="en-US" sz="2800" dirty="0"/>
+              <a:rPr lang="en-US" sz="2800" dirty="0">
+                <a:latin typeface="Bahnschrift" panose="020B0502040204020203" pitchFamily="34" charset="0"/>
+              </a:rPr>
               <a:t>Firebase</a:t>
             </a:r>
           </a:p>
@@ -7494,6 +5047,42 @@
           </a:p>
         </p:txBody>
       </p:sp>
+      <p:pic>
+        <p:nvPicPr>
+          <p:cNvPr id="5" name="Imagine 6" descr="O imagine care conține text, Font, Albastru electric, captură de ecran&#10;&#10;Descriere generată automat">
+            <a:extLst>
+              <a:ext uri="{FF2B5EF4-FFF2-40B4-BE49-F238E27FC236}">
+                <a16:creationId xmlns:a16="http://schemas.microsoft.com/office/drawing/2014/main" id="{D0056270-905C-AABC-8112-50CFCA0CA091}"/>
+              </a:ext>
+            </a:extLst>
+          </p:cNvPr>
+          <p:cNvPicPr>
+            <a:picLocks noChangeAspect="1"/>
+          </p:cNvPicPr>
+          <p:nvPr/>
+        </p:nvPicPr>
+        <p:blipFill>
+          <a:blip r:embed="rId7">
+            <a:extLst>
+              <a:ext uri="{28A0092B-C50C-407E-A947-70E740481C1C}">
+                <a14:useLocalDpi xmlns:a14="http://schemas.microsoft.com/office/drawing/2010/main" val="0"/>
+              </a:ext>
+            </a:extLst>
+          </a:blip>
+          <a:stretch>
+            <a:fillRect/>
+          </a:stretch>
+        </p:blipFill>
+        <p:spPr>
+          <a:xfrm>
+            <a:off x="9689982" y="191461"/>
+            <a:ext cx="2364858" cy="836445"/>
+          </a:xfrm>
+          <a:prstGeom prst="rect">
+            <a:avLst/>
+          </a:prstGeom>
+        </p:spPr>
+      </p:pic>
     </p:spTree>
     <p:extLst>
       <p:ext uri="{BB962C8B-B14F-4D97-AF65-F5344CB8AC3E}">
@@ -7529,7 +5118,7 @@
           <p:cNvPr id="2" name="Title 1">
             <a:extLst>
               <a:ext uri="{FF2B5EF4-FFF2-40B4-BE49-F238E27FC236}">
-                <a16:creationId xmlns:a16="http://schemas.microsoft.com/office/drawing/2014/main" id="{72769F16-B6CD-95F8-F142-D0DBE3D697B0}"/>
+                <a16:creationId xmlns:a16="http://schemas.microsoft.com/office/drawing/2014/main" id="{91FB8D3B-A274-3110-3A60-1204E4272720}"/>
               </a:ext>
             </a:extLst>
           </p:cNvPr>
@@ -7545,9 +5134,10 @@
           <a:bodyPr/>
           <a:lstStyle/>
           <a:p>
+            <a:pPr algn="ctr"/>
             <a:r>
               <a:rPr lang="en-US" dirty="0" err="1"/>
-              <a:t>Obiectivul</a:t>
+              <a:t>Arhitectura</a:t>
             </a:r>
             <a:r>
               <a:rPr lang="en-US" dirty="0"/>
@@ -7555,610 +5145,78 @@
             </a:r>
             <a:r>
               <a:rPr lang="en-US" dirty="0" err="1"/>
-              <a:t>proiectului</a:t>
-            </a:r>
-            <a:r>
-              <a:rPr lang="en-US" dirty="0"/>
-              <a:t>:</a:t>
-            </a:r>
-          </a:p>
-        </p:txBody>
-      </p:sp>
-      <p:sp>
-        <p:nvSpPr>
-          <p:cNvPr id="3" name="Content Placeholder 2">
-            <a:extLst>
-              <a:ext uri="{FF2B5EF4-FFF2-40B4-BE49-F238E27FC236}">
-                <a16:creationId xmlns:a16="http://schemas.microsoft.com/office/drawing/2014/main" id="{4E2DEEDD-A09F-DB65-7876-1CA31A93769F}"/>
-              </a:ext>
-            </a:extLst>
-          </p:cNvPr>
-          <p:cNvSpPr>
-            <a:spLocks noGrp="1"/>
-          </p:cNvSpPr>
+              <a:t>sistemului</a:t>
+            </a:r>
+            <a:endParaRPr lang="en-US" dirty="0"/>
+          </a:p>
+        </p:txBody>
+      </p:sp>
+      <p:pic>
+        <p:nvPicPr>
+          <p:cNvPr id="10" name="Content Placeholder 9" descr="A black and white circular object&#10;&#10;Description automatically generated">
+            <a:extLst>
+              <a:ext uri="{FF2B5EF4-FFF2-40B4-BE49-F238E27FC236}">
+                <a16:creationId xmlns:a16="http://schemas.microsoft.com/office/drawing/2014/main" id="{6C9D0574-1E40-0082-C251-A5B1A9CDE71E}"/>
+              </a:ext>
+            </a:extLst>
+          </p:cNvPr>
+          <p:cNvPicPr>
+            <a:picLocks noGrp="1" noChangeAspect="1"/>
+          </p:cNvPicPr>
           <p:nvPr>
             <p:ph idx="1"/>
           </p:nvPr>
-        </p:nvSpPr>
-        <p:spPr/>
-        <p:txBody>
-          <a:bodyPr>
-            <a:normAutofit/>
-          </a:bodyPr>
-          <a:lstStyle/>
-          <a:p>
-            <a:r>
-              <a:rPr lang="en-US" sz="2400" dirty="0" err="1">
-                <a:effectLst/>
-                <a:ea typeface="Times New Roman" panose="02020603050405020304" pitchFamily="18" charset="0"/>
-                <a:cs typeface="Arial" panose="020B0604020202020204" pitchFamily="34" charset="0"/>
-              </a:rPr>
-              <a:t>În</a:t>
-            </a:r>
-            <a:r>
-              <a:rPr lang="en-US" sz="2400" dirty="0">
-                <a:effectLst/>
-                <a:ea typeface="Times New Roman" panose="02020603050405020304" pitchFamily="18" charset="0"/>
-                <a:cs typeface="Arial" panose="020B0604020202020204" pitchFamily="34" charset="0"/>
-              </a:rPr>
-              <a:t> </a:t>
-            </a:r>
-            <a:r>
-              <a:rPr lang="en-US" sz="2400" dirty="0" err="1">
-                <a:effectLst/>
-                <a:ea typeface="Times New Roman" panose="02020603050405020304" pitchFamily="18" charset="0"/>
-                <a:cs typeface="Arial" panose="020B0604020202020204" pitchFamily="34" charset="0"/>
-              </a:rPr>
-              <a:t>cadrul</a:t>
-            </a:r>
-            <a:r>
-              <a:rPr lang="en-US" sz="2400" dirty="0">
-                <a:effectLst/>
-                <a:ea typeface="Times New Roman" panose="02020603050405020304" pitchFamily="18" charset="0"/>
-                <a:cs typeface="Arial" panose="020B0604020202020204" pitchFamily="34" charset="0"/>
-              </a:rPr>
-              <a:t> </a:t>
-            </a:r>
-            <a:r>
-              <a:rPr lang="en-US" sz="2400" dirty="0" err="1">
-                <a:effectLst/>
-                <a:ea typeface="Times New Roman" panose="02020603050405020304" pitchFamily="18" charset="0"/>
-                <a:cs typeface="Arial" panose="020B0604020202020204" pitchFamily="34" charset="0"/>
-              </a:rPr>
-              <a:t>acestui</a:t>
-            </a:r>
-            <a:r>
-              <a:rPr lang="en-US" sz="2400" dirty="0">
-                <a:effectLst/>
-                <a:ea typeface="Times New Roman" panose="02020603050405020304" pitchFamily="18" charset="0"/>
-                <a:cs typeface="Arial" panose="020B0604020202020204" pitchFamily="34" charset="0"/>
-              </a:rPr>
-              <a:t> </a:t>
-            </a:r>
-            <a:r>
-              <a:rPr lang="en-US" sz="2400" dirty="0" err="1">
-                <a:effectLst/>
-                <a:ea typeface="Times New Roman" panose="02020603050405020304" pitchFamily="18" charset="0"/>
-                <a:cs typeface="Arial" panose="020B0604020202020204" pitchFamily="34" charset="0"/>
-              </a:rPr>
-              <a:t>proiect</a:t>
-            </a:r>
-            <a:r>
-              <a:rPr lang="en-US" sz="2400" dirty="0">
-                <a:effectLst/>
-                <a:ea typeface="Times New Roman" panose="02020603050405020304" pitchFamily="18" charset="0"/>
-                <a:cs typeface="Arial" panose="020B0604020202020204" pitchFamily="34" charset="0"/>
-              </a:rPr>
-              <a:t> se </a:t>
-            </a:r>
-            <a:r>
-              <a:rPr lang="en-US" sz="2400" dirty="0" err="1">
-                <a:effectLst/>
-                <a:ea typeface="Times New Roman" panose="02020603050405020304" pitchFamily="18" charset="0"/>
-                <a:cs typeface="Arial" panose="020B0604020202020204" pitchFamily="34" charset="0"/>
-              </a:rPr>
-              <a:t>urmărește</a:t>
-            </a:r>
-            <a:r>
-              <a:rPr lang="en-US" sz="2400" dirty="0">
-                <a:effectLst/>
-                <a:ea typeface="Times New Roman" panose="02020603050405020304" pitchFamily="18" charset="0"/>
-                <a:cs typeface="Arial" panose="020B0604020202020204" pitchFamily="34" charset="0"/>
-              </a:rPr>
-              <a:t> </a:t>
-            </a:r>
-            <a:r>
-              <a:rPr lang="en-US" sz="2400" dirty="0" err="1">
-                <a:effectLst/>
-                <a:ea typeface="Times New Roman" panose="02020603050405020304" pitchFamily="18" charset="0"/>
-                <a:cs typeface="Arial" panose="020B0604020202020204" pitchFamily="34" charset="0"/>
-              </a:rPr>
-              <a:t>realizarea</a:t>
-            </a:r>
-            <a:r>
-              <a:rPr lang="en-US" sz="2400" dirty="0">
-                <a:effectLst/>
-                <a:ea typeface="Times New Roman" panose="02020603050405020304" pitchFamily="18" charset="0"/>
-                <a:cs typeface="Arial" panose="020B0604020202020204" pitchFamily="34" charset="0"/>
-              </a:rPr>
-              <a:t> </a:t>
-            </a:r>
-            <a:r>
-              <a:rPr lang="en-US" sz="2400" dirty="0" err="1">
-                <a:effectLst/>
-                <a:ea typeface="Times New Roman" panose="02020603050405020304" pitchFamily="18" charset="0"/>
-                <a:cs typeface="Arial" panose="020B0604020202020204" pitchFamily="34" charset="0"/>
-              </a:rPr>
-              <a:t>unei</a:t>
-            </a:r>
-            <a:r>
-              <a:rPr lang="en-US" sz="2400" dirty="0">
-                <a:effectLst/>
-                <a:ea typeface="Times New Roman" panose="02020603050405020304" pitchFamily="18" charset="0"/>
-                <a:cs typeface="Arial" panose="020B0604020202020204" pitchFamily="34" charset="0"/>
-              </a:rPr>
-              <a:t> </a:t>
-            </a:r>
-            <a:r>
-              <a:rPr lang="en-US" sz="2400" dirty="0" err="1">
-                <a:effectLst/>
-                <a:ea typeface="Times New Roman" panose="02020603050405020304" pitchFamily="18" charset="0"/>
-                <a:cs typeface="Arial" panose="020B0604020202020204" pitchFamily="34" charset="0"/>
-              </a:rPr>
-              <a:t>aplicații</a:t>
-            </a:r>
-            <a:r>
-              <a:rPr lang="en-US" sz="2400" dirty="0">
-                <a:effectLst/>
-                <a:ea typeface="Times New Roman" panose="02020603050405020304" pitchFamily="18" charset="0"/>
-                <a:cs typeface="Arial" panose="020B0604020202020204" pitchFamily="34" charset="0"/>
-              </a:rPr>
-              <a:t> software </a:t>
-            </a:r>
-            <a:r>
-              <a:rPr lang="en-US" sz="2400" dirty="0" err="1">
-                <a:effectLst/>
-                <a:ea typeface="Times New Roman" panose="02020603050405020304" pitchFamily="18" charset="0"/>
-                <a:cs typeface="Arial" panose="020B0604020202020204" pitchFamily="34" charset="0"/>
-              </a:rPr>
-              <a:t>proiectată</a:t>
-            </a:r>
-            <a:r>
-              <a:rPr lang="en-US" sz="2400" dirty="0">
-                <a:effectLst/>
-                <a:ea typeface="Times New Roman" panose="02020603050405020304" pitchFamily="18" charset="0"/>
-                <a:cs typeface="Arial" panose="020B0604020202020204" pitchFamily="34" charset="0"/>
-              </a:rPr>
-              <a:t> </a:t>
-            </a:r>
-            <a:r>
-              <a:rPr lang="en-US" sz="2400" dirty="0" err="1">
-                <a:effectLst/>
-                <a:ea typeface="Times New Roman" panose="02020603050405020304" pitchFamily="18" charset="0"/>
-                <a:cs typeface="Arial" panose="020B0604020202020204" pitchFamily="34" charset="0"/>
-              </a:rPr>
-              <a:t>pentru</a:t>
-            </a:r>
-            <a:r>
-              <a:rPr lang="en-US" sz="2400" dirty="0">
-                <a:effectLst/>
-                <a:ea typeface="Times New Roman" panose="02020603050405020304" pitchFamily="18" charset="0"/>
-                <a:cs typeface="Arial" panose="020B0604020202020204" pitchFamily="34" charset="0"/>
-              </a:rPr>
-              <a:t> a </a:t>
-            </a:r>
-            <a:r>
-              <a:rPr lang="en-US" sz="2400" dirty="0" err="1">
-                <a:effectLst/>
-                <a:ea typeface="Times New Roman" panose="02020603050405020304" pitchFamily="18" charset="0"/>
-                <a:cs typeface="Arial" panose="020B0604020202020204" pitchFamily="34" charset="0"/>
-              </a:rPr>
-              <a:t>rula</a:t>
-            </a:r>
-            <a:r>
-              <a:rPr lang="en-US" sz="2400" dirty="0">
-                <a:effectLst/>
-                <a:ea typeface="Times New Roman" panose="02020603050405020304" pitchFamily="18" charset="0"/>
-                <a:cs typeface="Arial" panose="020B0604020202020204" pitchFamily="34" charset="0"/>
-              </a:rPr>
-              <a:t> pe smartphone-</a:t>
-            </a:r>
-            <a:r>
-              <a:rPr lang="en-US" sz="2400" dirty="0" err="1">
-                <a:effectLst/>
-                <a:ea typeface="Times New Roman" panose="02020603050405020304" pitchFamily="18" charset="0"/>
-                <a:cs typeface="Arial" panose="020B0604020202020204" pitchFamily="34" charset="0"/>
-              </a:rPr>
-              <a:t>uri</a:t>
-            </a:r>
-            <a:r>
-              <a:rPr lang="en-US" sz="2400" dirty="0">
-                <a:effectLst/>
-                <a:ea typeface="Times New Roman" panose="02020603050405020304" pitchFamily="18" charset="0"/>
-                <a:cs typeface="Arial" panose="020B0604020202020204" pitchFamily="34" charset="0"/>
-              </a:rPr>
-              <a:t> care </a:t>
-            </a:r>
-            <a:r>
-              <a:rPr lang="en-US" sz="2400" dirty="0" err="1">
-                <a:effectLst/>
-                <a:ea typeface="Times New Roman" panose="02020603050405020304" pitchFamily="18" charset="0"/>
-                <a:cs typeface="Arial" panose="020B0604020202020204" pitchFamily="34" charset="0"/>
-              </a:rPr>
-              <a:t>utilizează</a:t>
-            </a:r>
-            <a:r>
-              <a:rPr lang="en-US" sz="2400" dirty="0">
-                <a:effectLst/>
-                <a:ea typeface="Times New Roman" panose="02020603050405020304" pitchFamily="18" charset="0"/>
-                <a:cs typeface="Arial" panose="020B0604020202020204" pitchFamily="34" charset="0"/>
-              </a:rPr>
-              <a:t> ca </a:t>
-            </a:r>
-            <a:r>
-              <a:rPr lang="en-US" sz="2400" dirty="0" err="1">
-                <a:effectLst/>
-                <a:ea typeface="Times New Roman" panose="02020603050405020304" pitchFamily="18" charset="0"/>
-                <a:cs typeface="Arial" panose="020B0604020202020204" pitchFamily="34" charset="0"/>
-              </a:rPr>
-              <a:t>sistem</a:t>
-            </a:r>
-            <a:r>
-              <a:rPr lang="en-US" sz="2400" dirty="0">
-                <a:effectLst/>
-                <a:ea typeface="Times New Roman" panose="02020603050405020304" pitchFamily="18" charset="0"/>
-                <a:cs typeface="Arial" panose="020B0604020202020204" pitchFamily="34" charset="0"/>
-              </a:rPr>
-              <a:t> de </a:t>
-            </a:r>
-            <a:r>
-              <a:rPr lang="en-US" sz="2400" dirty="0" err="1">
-                <a:effectLst/>
-                <a:ea typeface="Times New Roman" panose="02020603050405020304" pitchFamily="18" charset="0"/>
-                <a:cs typeface="Arial" panose="020B0604020202020204" pitchFamily="34" charset="0"/>
-              </a:rPr>
-              <a:t>operare</a:t>
-            </a:r>
-            <a:r>
-              <a:rPr lang="en-US" sz="2400" dirty="0">
-                <a:effectLst/>
-                <a:ea typeface="Times New Roman" panose="02020603050405020304" pitchFamily="18" charset="0"/>
-                <a:cs typeface="Arial" panose="020B0604020202020204" pitchFamily="34" charset="0"/>
-              </a:rPr>
-              <a:t> Android </a:t>
-            </a:r>
-            <a:r>
-              <a:rPr lang="en-US" sz="2400" dirty="0" err="1">
-                <a:effectLst/>
-                <a:ea typeface="Times New Roman" panose="02020603050405020304" pitchFamily="18" charset="0"/>
-                <a:cs typeface="Arial" panose="020B0604020202020204" pitchFamily="34" charset="0"/>
-              </a:rPr>
-              <a:t>și</a:t>
-            </a:r>
-            <a:r>
-              <a:rPr lang="en-US" sz="2400" dirty="0">
-                <a:effectLst/>
-                <a:ea typeface="Times New Roman" panose="02020603050405020304" pitchFamily="18" charset="0"/>
-                <a:cs typeface="Arial" panose="020B0604020202020204" pitchFamily="34" charset="0"/>
-              </a:rPr>
-              <a:t> care </a:t>
-            </a:r>
-            <a:r>
-              <a:rPr lang="en-US" sz="2400" dirty="0" err="1">
-                <a:effectLst/>
-                <a:ea typeface="Times New Roman" panose="02020603050405020304" pitchFamily="18" charset="0"/>
-                <a:cs typeface="Arial" panose="020B0604020202020204" pitchFamily="34" charset="0"/>
-              </a:rPr>
-              <a:t>să</a:t>
-            </a:r>
-            <a:r>
-              <a:rPr lang="en-US" sz="2400" dirty="0">
-                <a:effectLst/>
-                <a:ea typeface="Times New Roman" panose="02020603050405020304" pitchFamily="18" charset="0"/>
-                <a:cs typeface="Arial" panose="020B0604020202020204" pitchFamily="34" charset="0"/>
-              </a:rPr>
-              <a:t> </a:t>
-            </a:r>
-            <a:r>
-              <a:rPr lang="en-US" sz="2400" dirty="0" err="1">
-                <a:effectLst/>
-                <a:ea typeface="Times New Roman" panose="02020603050405020304" pitchFamily="18" charset="0"/>
-                <a:cs typeface="Arial" panose="020B0604020202020204" pitchFamily="34" charset="0"/>
-              </a:rPr>
-              <a:t>permită</a:t>
-            </a:r>
-            <a:r>
-              <a:rPr lang="en-US" sz="2400" dirty="0">
-                <a:effectLst/>
-                <a:ea typeface="Times New Roman" panose="02020603050405020304" pitchFamily="18" charset="0"/>
-                <a:cs typeface="Arial" panose="020B0604020202020204" pitchFamily="34" charset="0"/>
-              </a:rPr>
-              <a:t> </a:t>
-            </a:r>
-            <a:r>
-              <a:rPr lang="en-US" sz="2400" dirty="0" err="1">
-                <a:effectLst/>
-                <a:ea typeface="Times New Roman" panose="02020603050405020304" pitchFamily="18" charset="0"/>
-                <a:cs typeface="Arial" panose="020B0604020202020204" pitchFamily="34" charset="0"/>
-              </a:rPr>
-              <a:t>utilizatorului</a:t>
-            </a:r>
-            <a:r>
-              <a:rPr lang="en-US" sz="2400" dirty="0">
-                <a:effectLst/>
-                <a:ea typeface="Times New Roman" panose="02020603050405020304" pitchFamily="18" charset="0"/>
-                <a:cs typeface="Arial" panose="020B0604020202020204" pitchFamily="34" charset="0"/>
-              </a:rPr>
-              <a:t> </a:t>
-            </a:r>
-            <a:r>
-              <a:rPr lang="en-US" sz="2400" dirty="0" err="1">
-                <a:effectLst/>
-                <a:ea typeface="Times New Roman" panose="02020603050405020304" pitchFamily="18" charset="0"/>
-                <a:cs typeface="Arial" panose="020B0604020202020204" pitchFamily="34" charset="0"/>
-              </a:rPr>
-              <a:t>vizualizarea</a:t>
-            </a:r>
-            <a:r>
-              <a:rPr lang="en-US" sz="2400" dirty="0">
-                <a:effectLst/>
-                <a:ea typeface="Times New Roman" panose="02020603050405020304" pitchFamily="18" charset="0"/>
-                <a:cs typeface="Arial" panose="020B0604020202020204" pitchFamily="34" charset="0"/>
-              </a:rPr>
-              <a:t> </a:t>
-            </a:r>
-            <a:r>
-              <a:rPr lang="en-US" sz="2400" dirty="0" err="1">
-                <a:effectLst/>
-                <a:ea typeface="Times New Roman" panose="02020603050405020304" pitchFamily="18" charset="0"/>
-                <a:cs typeface="Arial" panose="020B0604020202020204" pitchFamily="34" charset="0"/>
-              </a:rPr>
-              <a:t>datelor</a:t>
-            </a:r>
-            <a:r>
-              <a:rPr lang="en-US" sz="2400" dirty="0">
-                <a:effectLst/>
-                <a:ea typeface="Times New Roman" panose="02020603050405020304" pitchFamily="18" charset="0"/>
-                <a:cs typeface="Arial" panose="020B0604020202020204" pitchFamily="34" charset="0"/>
-              </a:rPr>
-              <a:t> </a:t>
-            </a:r>
-            <a:r>
-              <a:rPr lang="en-US" sz="2400" dirty="0" err="1">
-                <a:effectLst/>
-                <a:ea typeface="Times New Roman" panose="02020603050405020304" pitchFamily="18" charset="0"/>
-                <a:cs typeface="Arial" panose="020B0604020202020204" pitchFamily="34" charset="0"/>
-              </a:rPr>
-              <a:t>despre</a:t>
-            </a:r>
-            <a:r>
-              <a:rPr lang="en-US" sz="2400" dirty="0">
-                <a:effectLst/>
-                <a:ea typeface="Times New Roman" panose="02020603050405020304" pitchFamily="18" charset="0"/>
-                <a:cs typeface="Arial" panose="020B0604020202020204" pitchFamily="34" charset="0"/>
-              </a:rPr>
-              <a:t> </a:t>
-            </a:r>
-            <a:r>
-              <a:rPr lang="en-US" sz="2400" dirty="0" err="1">
-                <a:effectLst/>
-                <a:ea typeface="Times New Roman" panose="02020603050405020304" pitchFamily="18" charset="0"/>
-                <a:cs typeface="Arial" panose="020B0604020202020204" pitchFamily="34" charset="0"/>
-              </a:rPr>
-              <a:t>piloți</a:t>
-            </a:r>
-            <a:r>
-              <a:rPr lang="en-US" sz="2400" dirty="0">
-                <a:effectLst/>
-                <a:ea typeface="Times New Roman" panose="02020603050405020304" pitchFamily="18" charset="0"/>
-                <a:cs typeface="Arial" panose="020B0604020202020204" pitchFamily="34" charset="0"/>
-              </a:rPr>
-              <a:t> </a:t>
-            </a:r>
-            <a:r>
-              <a:rPr lang="en-US" sz="2400" dirty="0" err="1">
-                <a:effectLst/>
-                <a:ea typeface="Times New Roman" panose="02020603050405020304" pitchFamily="18" charset="0"/>
-                <a:cs typeface="Arial" panose="020B0604020202020204" pitchFamily="34" charset="0"/>
-              </a:rPr>
-              <a:t>și</a:t>
-            </a:r>
-            <a:r>
-              <a:rPr lang="en-US" sz="2400" dirty="0">
-                <a:effectLst/>
-                <a:ea typeface="Times New Roman" panose="02020603050405020304" pitchFamily="18" charset="0"/>
-                <a:cs typeface="Arial" panose="020B0604020202020204" pitchFamily="34" charset="0"/>
-              </a:rPr>
-              <a:t> </a:t>
-            </a:r>
-            <a:r>
-              <a:rPr lang="en-US" sz="2400" dirty="0" err="1">
-                <a:effectLst/>
-                <a:ea typeface="Times New Roman" panose="02020603050405020304" pitchFamily="18" charset="0"/>
-                <a:cs typeface="Arial" panose="020B0604020202020204" pitchFamily="34" charset="0"/>
-              </a:rPr>
-              <a:t>echipe</a:t>
-            </a:r>
-            <a:r>
-              <a:rPr lang="en-US" sz="2400" dirty="0">
-                <a:effectLst/>
-                <a:ea typeface="Times New Roman" panose="02020603050405020304" pitchFamily="18" charset="0"/>
-                <a:cs typeface="Arial" panose="020B0604020202020204" pitchFamily="34" charset="0"/>
-              </a:rPr>
-              <a:t>, cu date </a:t>
-            </a:r>
-            <a:r>
-              <a:rPr lang="en-US" sz="2400" dirty="0" err="1">
-                <a:effectLst/>
-                <a:ea typeface="Times New Roman" panose="02020603050405020304" pitchFamily="18" charset="0"/>
-                <a:cs typeface="Arial" panose="020B0604020202020204" pitchFamily="34" charset="0"/>
-              </a:rPr>
-              <a:t>actualizate</a:t>
-            </a:r>
-            <a:r>
-              <a:rPr lang="en-US" sz="2400" dirty="0">
-                <a:effectLst/>
-                <a:ea typeface="Times New Roman" panose="02020603050405020304" pitchFamily="18" charset="0"/>
-                <a:cs typeface="Arial" panose="020B0604020202020204" pitchFamily="34" charset="0"/>
-              </a:rPr>
-              <a:t> </a:t>
-            </a:r>
-            <a:r>
-              <a:rPr lang="en-US" sz="2400" dirty="0" err="1">
-                <a:effectLst/>
-                <a:ea typeface="Times New Roman" panose="02020603050405020304" pitchFamily="18" charset="0"/>
-                <a:cs typeface="Arial" panose="020B0604020202020204" pitchFamily="34" charset="0"/>
-              </a:rPr>
-              <a:t>după</a:t>
-            </a:r>
-            <a:r>
-              <a:rPr lang="en-US" sz="2400" dirty="0">
-                <a:effectLst/>
-                <a:ea typeface="Times New Roman" panose="02020603050405020304" pitchFamily="18" charset="0"/>
-                <a:cs typeface="Arial" panose="020B0604020202020204" pitchFamily="34" charset="0"/>
-              </a:rPr>
-              <a:t> </a:t>
-            </a:r>
-            <a:r>
-              <a:rPr lang="en-US" sz="2400" dirty="0" err="1">
-                <a:effectLst/>
-                <a:ea typeface="Times New Roman" panose="02020603050405020304" pitchFamily="18" charset="0"/>
-                <a:cs typeface="Arial" panose="020B0604020202020204" pitchFamily="34" charset="0"/>
-              </a:rPr>
-              <a:t>fiecare</a:t>
-            </a:r>
-            <a:r>
-              <a:rPr lang="en-US" sz="2400" dirty="0">
-                <a:effectLst/>
-                <a:ea typeface="Times New Roman" panose="02020603050405020304" pitchFamily="18" charset="0"/>
-                <a:cs typeface="Arial" panose="020B0604020202020204" pitchFamily="34" charset="0"/>
-              </a:rPr>
-              <a:t> </a:t>
-            </a:r>
-            <a:r>
-              <a:rPr lang="en-US" sz="2400" dirty="0" err="1">
-                <a:effectLst/>
-                <a:ea typeface="Times New Roman" panose="02020603050405020304" pitchFamily="18" charset="0"/>
-                <a:cs typeface="Arial" panose="020B0604020202020204" pitchFamily="34" charset="0"/>
-              </a:rPr>
-              <a:t>cursă</a:t>
-            </a:r>
-            <a:r>
-              <a:rPr lang="en-US" sz="2400" dirty="0">
-                <a:effectLst/>
-                <a:ea typeface="Times New Roman" panose="02020603050405020304" pitchFamily="18" charset="0"/>
-                <a:cs typeface="Arial" panose="020B0604020202020204" pitchFamily="34" charset="0"/>
-              </a:rPr>
-              <a:t>.</a:t>
-            </a:r>
-            <a:endParaRPr lang="en-US" sz="2400" dirty="0">
-              <a:effectLst/>
-              <a:ea typeface="Times New Roman" panose="02020603050405020304" pitchFamily="18" charset="0"/>
-              <a:cs typeface="Times New Roman" panose="02020603050405020304" pitchFamily="18" charset="0"/>
-            </a:endParaRPr>
-          </a:p>
-          <a:p>
-            <a:r>
-              <a:rPr lang="en-US" sz="2400" dirty="0"/>
-              <a:t>O </a:t>
-            </a:r>
-            <a:r>
-              <a:rPr lang="en-US" sz="2400" dirty="0" err="1"/>
-              <a:t>experiență</a:t>
-            </a:r>
-            <a:r>
-              <a:rPr lang="en-US" sz="2400" dirty="0"/>
-              <a:t> </a:t>
-            </a:r>
-            <a:r>
-              <a:rPr lang="en-US" sz="2400" dirty="0" err="1"/>
-              <a:t>personalizată</a:t>
-            </a:r>
-            <a:r>
-              <a:rPr lang="en-US" sz="2400" dirty="0"/>
-              <a:t> </a:t>
-            </a:r>
-            <a:r>
-              <a:rPr lang="en-US" sz="2400" dirty="0" err="1"/>
-              <a:t>bazată</a:t>
-            </a:r>
-            <a:r>
-              <a:rPr lang="en-US" sz="2400" dirty="0"/>
-              <a:t> pe </a:t>
-            </a:r>
-            <a:r>
-              <a:rPr lang="en-US" sz="2400" dirty="0" err="1"/>
-              <a:t>preferințele</a:t>
-            </a:r>
-            <a:r>
-              <a:rPr lang="en-US" sz="2400" dirty="0"/>
-              <a:t> </a:t>
-            </a:r>
-            <a:r>
-              <a:rPr lang="en-US" sz="2400" dirty="0" err="1"/>
-              <a:t>fiecărui</a:t>
-            </a:r>
-            <a:r>
-              <a:rPr lang="en-US" sz="2400" dirty="0"/>
-              <a:t> </a:t>
-            </a:r>
-            <a:r>
-              <a:rPr lang="en-US" sz="2400" dirty="0" err="1"/>
-              <a:t>utilizator</a:t>
-            </a:r>
-            <a:r>
-              <a:rPr lang="en-US" sz="2400" dirty="0"/>
-              <a:t> </a:t>
-            </a:r>
-            <a:r>
-              <a:rPr lang="en-US" sz="2400" dirty="0" err="1"/>
-              <a:t>pentru</a:t>
-            </a:r>
-            <a:r>
-              <a:rPr lang="en-US" sz="2400" dirty="0"/>
-              <a:t> o </a:t>
-            </a:r>
-            <a:r>
-              <a:rPr lang="en-US" sz="2400" dirty="0" err="1"/>
-              <a:t>utilizare</a:t>
-            </a:r>
-            <a:r>
-              <a:rPr lang="en-US" sz="2400" dirty="0"/>
-              <a:t> </a:t>
-            </a:r>
-            <a:r>
-              <a:rPr lang="en-US" sz="2400" dirty="0" err="1"/>
-              <a:t>optimizată</a:t>
-            </a:r>
-            <a:r>
-              <a:rPr lang="en-US" sz="2400" dirty="0"/>
-              <a:t> a </a:t>
-            </a:r>
-            <a:r>
-              <a:rPr lang="en-US" sz="2400" dirty="0" err="1"/>
-              <a:t>aplicației</a:t>
-            </a:r>
-            <a:r>
-              <a:rPr lang="en-US" sz="2400" dirty="0"/>
-              <a:t>.</a:t>
-            </a:r>
-            <a:endParaRPr lang="ro-RO" sz="2400" dirty="0"/>
-          </a:p>
-          <a:p>
-            <a:r>
-              <a:rPr lang="ro-RO" sz="2400" dirty="0"/>
-              <a:t>Trimiterea de notificări prin e-mail la sfârșitul fiecărui weekend de curse, incluzând rezultatele competiției și clasamentele generale ale piloților și constructorilor</a:t>
-            </a:r>
-            <a:endParaRPr lang="en-US" sz="2400" dirty="0"/>
-          </a:p>
-        </p:txBody>
-      </p:sp>
+        </p:nvPicPr>
+        <p:blipFill>
+          <a:blip r:embed="rId2">
+            <a:extLst>
+              <a:ext uri="{BEBA8EAE-BF5A-486C-A8C5-ECC9F3942E4B}">
+                <a14:imgProps xmlns:a14="http://schemas.microsoft.com/office/drawing/2010/main">
+                  <a14:imgLayer r:embed="rId3">
+                    <a14:imgEffect>
+                      <a14:backgroundRemoval t="1437" b="89943" l="8333" r="89943">
+                        <a14:foregroundMark x1="48563" y1="26437" x2="48563" y2="26437"/>
+                        <a14:foregroundMark x1="62356" y1="7471" x2="41092" y2="2011"/>
+                        <a14:foregroundMark x1="41092" y1="2011" x2="37931" y2="3448"/>
+                        <a14:foregroundMark x1="54941" y1="61248" x2="59483" y2="62069"/>
+                        <a14:foregroundMark x1="8621" y1="52874" x2="15915" y2="54193"/>
+                        <a14:foregroundMark x1="59483" y1="62069" x2="76724" y2="61782"/>
+                        <a14:foregroundMark x1="76724" y1="61782" x2="88218" y2="55460"/>
+                        <a14:foregroundMark x1="10057" y1="37356" x2="52299" y2="47126"/>
+                        <a14:foregroundMark x1="52299" y1="47126" x2="71264" y2="46264"/>
+                        <a14:foregroundMark x1="71264" y1="46264" x2="87069" y2="38506"/>
+                        <a14:foregroundMark x1="87069" y1="38506" x2="88793" y2="36207"/>
+                        <a14:foregroundMark x1="8333" y1="77011" x2="59483" y2="83621"/>
+                        <a14:foregroundMark x1="59483" y1="83621" x2="83621" y2="80172"/>
+                        <a14:foregroundMark x1="83621" y1="80172" x2="88218" y2="76437"/>
+                        <a14:backgroundMark x1="17241" y1="52299" x2="57184" y2="58046"/>
+                      </a14:backgroundRemoval>
+                    </a14:imgEffect>
+                  </a14:imgLayer>
+                </a14:imgProps>
+              </a:ext>
+              <a:ext uri="{28A0092B-C50C-407E-A947-70E740481C1C}">
+                <a14:useLocalDpi xmlns:a14="http://schemas.microsoft.com/office/drawing/2010/main" val="0"/>
+              </a:ext>
+            </a:extLst>
+          </a:blip>
+          <a:stretch>
+            <a:fillRect/>
+          </a:stretch>
+        </p:blipFill>
+        <p:spPr>
+          <a:xfrm>
+            <a:off x="5529816" y="3481874"/>
+            <a:ext cx="1132364" cy="1132364"/>
+          </a:xfrm>
+        </p:spPr>
+      </p:pic>
       <p:sp>
         <p:nvSpPr>
           <p:cNvPr id="4" name="Slide Number Placeholder 3">
             <a:extLst>
               <a:ext uri="{FF2B5EF4-FFF2-40B4-BE49-F238E27FC236}">
-                <a16:creationId xmlns:a16="http://schemas.microsoft.com/office/drawing/2014/main" id="{B26B082C-B54D-8AD9-12C3-59F8E77C66C6}"/>
+                <a16:creationId xmlns:a16="http://schemas.microsoft.com/office/drawing/2014/main" id="{DB99366A-1B9E-6F52-534F-5857C6B440BB}"/>
               </a:ext>
             </a:extLst>
           </p:cNvPr>
@@ -8182,10 +5240,772 @@
           </a:p>
         </p:txBody>
       </p:sp>
+      <p:pic>
+        <p:nvPicPr>
+          <p:cNvPr id="11" name="Picture 10" descr="A red and black logo&#10;&#10;Description automatically generated">
+            <a:extLst>
+              <a:ext uri="{FF2B5EF4-FFF2-40B4-BE49-F238E27FC236}">
+                <a16:creationId xmlns:a16="http://schemas.microsoft.com/office/drawing/2014/main" id="{252A6C8F-76E0-6C74-D2E6-1C87A95161CA}"/>
+              </a:ext>
+            </a:extLst>
+          </p:cNvPr>
+          <p:cNvPicPr>
+            <a:picLocks noChangeAspect="1"/>
+          </p:cNvPicPr>
+          <p:nvPr/>
+        </p:nvPicPr>
+        <p:blipFill>
+          <a:blip r:embed="rId4">
+            <a:extLst>
+              <a:ext uri="{28A0092B-C50C-407E-A947-70E740481C1C}">
+                <a14:useLocalDpi xmlns:a14="http://schemas.microsoft.com/office/drawing/2010/main" val="0"/>
+              </a:ext>
+            </a:extLst>
+          </a:blip>
+          <a:stretch>
+            <a:fillRect/>
+          </a:stretch>
+        </p:blipFill>
+        <p:spPr>
+          <a:xfrm>
+            <a:off x="5132091" y="1148490"/>
+            <a:ext cx="1927813" cy="1084395"/>
+          </a:xfrm>
+          <a:prstGeom prst="rect">
+            <a:avLst/>
+          </a:prstGeom>
+        </p:spPr>
+      </p:pic>
+      <p:pic>
+        <p:nvPicPr>
+          <p:cNvPr id="13" name="Picture 12" descr="A black background with a black square&#10;&#10;Description automatically generated with medium confidence">
+            <a:extLst>
+              <a:ext uri="{FF2B5EF4-FFF2-40B4-BE49-F238E27FC236}">
+                <a16:creationId xmlns:a16="http://schemas.microsoft.com/office/drawing/2014/main" id="{E7E4DA84-518B-56EE-19A6-E84A19B651DD}"/>
+              </a:ext>
+            </a:extLst>
+          </p:cNvPr>
+          <p:cNvPicPr>
+            <a:picLocks noChangeAspect="1"/>
+          </p:cNvPicPr>
+          <p:nvPr/>
+        </p:nvPicPr>
+        <p:blipFill>
+          <a:blip r:embed="rId5">
+            <a:extLst>
+              <a:ext uri="{28A0092B-C50C-407E-A947-70E740481C1C}">
+                <a14:useLocalDpi xmlns:a14="http://schemas.microsoft.com/office/drawing/2010/main" val="0"/>
+              </a:ext>
+            </a:extLst>
+          </a:blip>
+          <a:stretch>
+            <a:fillRect/>
+          </a:stretch>
+        </p:blipFill>
+        <p:spPr>
+          <a:xfrm>
+            <a:off x="838200" y="3164828"/>
+            <a:ext cx="1766455" cy="1766455"/>
+          </a:xfrm>
+          <a:prstGeom prst="rect">
+            <a:avLst/>
+          </a:prstGeom>
+        </p:spPr>
+      </p:pic>
+      <p:pic>
+        <p:nvPicPr>
+          <p:cNvPr id="15" name="Picture 14" descr="A black background with a black square&#10;&#10;Description automatically generated with medium confidence">
+            <a:extLst>
+              <a:ext uri="{FF2B5EF4-FFF2-40B4-BE49-F238E27FC236}">
+                <a16:creationId xmlns:a16="http://schemas.microsoft.com/office/drawing/2014/main" id="{8DAE69DC-157B-1FF9-D6D4-D1F9ED3ECCAE}"/>
+              </a:ext>
+            </a:extLst>
+          </p:cNvPr>
+          <p:cNvPicPr>
+            <a:picLocks noChangeAspect="1"/>
+          </p:cNvPicPr>
+          <p:nvPr/>
+        </p:nvPicPr>
+        <p:blipFill>
+          <a:blip r:embed="rId6">
+            <a:extLst>
+              <a:ext uri="{28A0092B-C50C-407E-A947-70E740481C1C}">
+                <a14:useLocalDpi xmlns:a14="http://schemas.microsoft.com/office/drawing/2010/main" val="0"/>
+              </a:ext>
+            </a:extLst>
+          </a:blip>
+          <a:stretch>
+            <a:fillRect/>
+          </a:stretch>
+        </p:blipFill>
+        <p:spPr>
+          <a:xfrm>
+            <a:off x="9587345" y="3140291"/>
+            <a:ext cx="1766455" cy="1766455"/>
+          </a:xfrm>
+          <a:prstGeom prst="rect">
+            <a:avLst/>
+          </a:prstGeom>
+        </p:spPr>
+      </p:pic>
+      <p:pic>
+        <p:nvPicPr>
+          <p:cNvPr id="17" name="Picture 16" descr="A black and white image of a crystal ball&#10;&#10;Description automatically generated">
+            <a:extLst>
+              <a:ext uri="{FF2B5EF4-FFF2-40B4-BE49-F238E27FC236}">
+                <a16:creationId xmlns:a16="http://schemas.microsoft.com/office/drawing/2014/main" id="{0ACD89AE-FB41-3AF4-A83D-D17BFDEDC5F4}"/>
+              </a:ext>
+            </a:extLst>
+          </p:cNvPr>
+          <p:cNvPicPr>
+            <a:picLocks noChangeAspect="1"/>
+          </p:cNvPicPr>
+          <p:nvPr/>
+        </p:nvPicPr>
+        <p:blipFill>
+          <a:blip r:embed="rId7">
+            <a:extLst>
+              <a:ext uri="{BEBA8EAE-BF5A-486C-A8C5-ECC9F3942E4B}">
+                <a14:imgProps xmlns:a14="http://schemas.microsoft.com/office/drawing/2010/main">
+                  <a14:imgLayer r:embed="rId8">
+                    <a14:imgEffect>
+                      <a14:backgroundRemoval t="10000" b="90000" l="10000" r="90000">
+                        <a14:foregroundMark x1="51556" y1="62667" x2="51556" y2="62667"/>
+                        <a14:foregroundMark x1="58667" y1="41333" x2="58667" y2="41333"/>
+                        <a14:foregroundMark x1="60889" y1="32000" x2="60889" y2="32000"/>
+                        <a14:foregroundMark x1="43111" y1="32889" x2="43111" y2="32889"/>
+                      </a14:backgroundRemoval>
+                    </a14:imgEffect>
+                  </a14:imgLayer>
+                </a14:imgProps>
+              </a:ext>
+              <a:ext uri="{28A0092B-C50C-407E-A947-70E740481C1C}">
+                <a14:useLocalDpi xmlns:a14="http://schemas.microsoft.com/office/drawing/2010/main" val="0"/>
+              </a:ext>
+            </a:extLst>
+          </a:blip>
+          <a:stretch>
+            <a:fillRect/>
+          </a:stretch>
+        </p:blipFill>
+        <p:spPr>
+          <a:xfrm>
+            <a:off x="5279915" y="5288210"/>
+            <a:ext cx="1632166" cy="1632166"/>
+          </a:xfrm>
+          <a:prstGeom prst="rect">
+            <a:avLst/>
+          </a:prstGeom>
+        </p:spPr>
+      </p:pic>
+      <p:cxnSp>
+        <p:nvCxnSpPr>
+          <p:cNvPr id="19" name="Straight Arrow Connector 18">
+            <a:extLst>
+              <a:ext uri="{FF2B5EF4-FFF2-40B4-BE49-F238E27FC236}">
+                <a16:creationId xmlns:a16="http://schemas.microsoft.com/office/drawing/2014/main" id="{8DD16ADF-F78D-5602-1D01-9294CAE8CA53}"/>
+              </a:ext>
+            </a:extLst>
+          </p:cNvPr>
+          <p:cNvCxnSpPr>
+            <a:cxnSpLocks/>
+          </p:cNvCxnSpPr>
+          <p:nvPr/>
+        </p:nvCxnSpPr>
+        <p:spPr>
+          <a:xfrm flipH="1">
+            <a:off x="2267712" y="3639312"/>
+            <a:ext cx="3012203" cy="0"/>
+          </a:xfrm>
+          <a:prstGeom prst="straightConnector1">
+            <a:avLst/>
+          </a:prstGeom>
+          <a:ln w="38100">
+            <a:solidFill>
+              <a:schemeClr val="tx1"/>
+            </a:solidFill>
+            <a:tailEnd type="triangle"/>
+          </a:ln>
+        </p:spPr>
+        <p:style>
+          <a:lnRef idx="2">
+            <a:schemeClr val="accent1"/>
+          </a:lnRef>
+          <a:fillRef idx="0">
+            <a:schemeClr val="accent1"/>
+          </a:fillRef>
+          <a:effectRef idx="1">
+            <a:schemeClr val="accent1"/>
+          </a:effectRef>
+          <a:fontRef idx="minor">
+            <a:schemeClr val="tx1"/>
+          </a:fontRef>
+        </p:style>
+      </p:cxnSp>
+      <p:cxnSp>
+        <p:nvCxnSpPr>
+          <p:cNvPr id="21" name="Straight Arrow Connector 20">
+            <a:extLst>
+              <a:ext uri="{FF2B5EF4-FFF2-40B4-BE49-F238E27FC236}">
+                <a16:creationId xmlns:a16="http://schemas.microsoft.com/office/drawing/2014/main" id="{1D722C55-529B-DA85-9BFB-79F3FDA0FBC1}"/>
+              </a:ext>
+            </a:extLst>
+          </p:cNvPr>
+          <p:cNvCxnSpPr>
+            <a:cxnSpLocks/>
+          </p:cNvCxnSpPr>
+          <p:nvPr/>
+        </p:nvCxnSpPr>
+        <p:spPr>
+          <a:xfrm>
+            <a:off x="2267712" y="4462272"/>
+            <a:ext cx="3012203" cy="0"/>
+          </a:xfrm>
+          <a:prstGeom prst="straightConnector1">
+            <a:avLst/>
+          </a:prstGeom>
+          <a:ln w="38100">
+            <a:solidFill>
+              <a:schemeClr val="tx1"/>
+            </a:solidFill>
+            <a:tailEnd type="triangle"/>
+          </a:ln>
+        </p:spPr>
+        <p:style>
+          <a:lnRef idx="2">
+            <a:schemeClr val="accent1"/>
+          </a:lnRef>
+          <a:fillRef idx="0">
+            <a:schemeClr val="accent1"/>
+          </a:fillRef>
+          <a:effectRef idx="1">
+            <a:schemeClr val="accent1"/>
+          </a:effectRef>
+          <a:fontRef idx="minor">
+            <a:schemeClr val="tx1"/>
+          </a:fontRef>
+        </p:style>
+      </p:cxnSp>
+      <p:cxnSp>
+        <p:nvCxnSpPr>
+          <p:cNvPr id="26" name="Straight Arrow Connector 25">
+            <a:extLst>
+              <a:ext uri="{FF2B5EF4-FFF2-40B4-BE49-F238E27FC236}">
+                <a16:creationId xmlns:a16="http://schemas.microsoft.com/office/drawing/2014/main" id="{9CE3FD31-FD2C-2799-D5A3-2E98F70CDA34}"/>
+              </a:ext>
+            </a:extLst>
+          </p:cNvPr>
+          <p:cNvCxnSpPr>
+            <a:cxnSpLocks/>
+          </p:cNvCxnSpPr>
+          <p:nvPr/>
+        </p:nvCxnSpPr>
+        <p:spPr>
+          <a:xfrm>
+            <a:off x="6095997" y="2232885"/>
+            <a:ext cx="0" cy="875729"/>
+          </a:xfrm>
+          <a:prstGeom prst="straightConnector1">
+            <a:avLst/>
+          </a:prstGeom>
+          <a:ln w="38100">
+            <a:solidFill>
+              <a:schemeClr val="tx1"/>
+            </a:solidFill>
+            <a:tailEnd type="triangle"/>
+          </a:ln>
+        </p:spPr>
+        <p:style>
+          <a:lnRef idx="2">
+            <a:schemeClr val="accent1"/>
+          </a:lnRef>
+          <a:fillRef idx="0">
+            <a:schemeClr val="accent1"/>
+          </a:fillRef>
+          <a:effectRef idx="1">
+            <a:schemeClr val="accent1"/>
+          </a:effectRef>
+          <a:fontRef idx="minor">
+            <a:schemeClr val="tx1"/>
+          </a:fontRef>
+        </p:style>
+      </p:cxnSp>
+      <p:cxnSp>
+        <p:nvCxnSpPr>
+          <p:cNvPr id="28" name="Straight Arrow Connector 27">
+            <a:extLst>
+              <a:ext uri="{FF2B5EF4-FFF2-40B4-BE49-F238E27FC236}">
+                <a16:creationId xmlns:a16="http://schemas.microsoft.com/office/drawing/2014/main" id="{9CF0FAA5-A736-89AB-E09F-D7105B9126BC}"/>
+              </a:ext>
+            </a:extLst>
+          </p:cNvPr>
+          <p:cNvCxnSpPr>
+            <a:cxnSpLocks/>
+          </p:cNvCxnSpPr>
+          <p:nvPr/>
+        </p:nvCxnSpPr>
+        <p:spPr>
+          <a:xfrm>
+            <a:off x="5818629" y="4614238"/>
+            <a:ext cx="0" cy="875729"/>
+          </a:xfrm>
+          <a:prstGeom prst="straightConnector1">
+            <a:avLst/>
+          </a:prstGeom>
+          <a:ln w="38100">
+            <a:solidFill>
+              <a:schemeClr val="tx1"/>
+            </a:solidFill>
+            <a:tailEnd type="triangle"/>
+          </a:ln>
+        </p:spPr>
+        <p:style>
+          <a:lnRef idx="2">
+            <a:schemeClr val="accent1"/>
+          </a:lnRef>
+          <a:fillRef idx="0">
+            <a:schemeClr val="accent1"/>
+          </a:fillRef>
+          <a:effectRef idx="1">
+            <a:schemeClr val="accent1"/>
+          </a:effectRef>
+          <a:fontRef idx="minor">
+            <a:schemeClr val="tx1"/>
+          </a:fontRef>
+        </p:style>
+      </p:cxnSp>
+      <p:cxnSp>
+        <p:nvCxnSpPr>
+          <p:cNvPr id="29" name="Straight Arrow Connector 28">
+            <a:extLst>
+              <a:ext uri="{FF2B5EF4-FFF2-40B4-BE49-F238E27FC236}">
+                <a16:creationId xmlns:a16="http://schemas.microsoft.com/office/drawing/2014/main" id="{1C5AC982-4F0D-85AD-98DD-9706CB57F13C}"/>
+              </a:ext>
+            </a:extLst>
+          </p:cNvPr>
+          <p:cNvCxnSpPr>
+            <a:cxnSpLocks/>
+          </p:cNvCxnSpPr>
+          <p:nvPr/>
+        </p:nvCxnSpPr>
+        <p:spPr>
+          <a:xfrm flipV="1">
+            <a:off x="6400797" y="4614238"/>
+            <a:ext cx="0" cy="875729"/>
+          </a:xfrm>
+          <a:prstGeom prst="straightConnector1">
+            <a:avLst/>
+          </a:prstGeom>
+          <a:ln w="38100">
+            <a:solidFill>
+              <a:schemeClr val="tx1"/>
+            </a:solidFill>
+            <a:tailEnd type="triangle"/>
+          </a:ln>
+        </p:spPr>
+        <p:style>
+          <a:lnRef idx="2">
+            <a:schemeClr val="accent1"/>
+          </a:lnRef>
+          <a:fillRef idx="0">
+            <a:schemeClr val="accent1"/>
+          </a:fillRef>
+          <a:effectRef idx="1">
+            <a:schemeClr val="accent1"/>
+          </a:effectRef>
+          <a:fontRef idx="minor">
+            <a:schemeClr val="tx1"/>
+          </a:fontRef>
+        </p:style>
+      </p:cxnSp>
+      <p:cxnSp>
+        <p:nvCxnSpPr>
+          <p:cNvPr id="34" name="Straight Arrow Connector 33">
+            <a:extLst>
+              <a:ext uri="{FF2B5EF4-FFF2-40B4-BE49-F238E27FC236}">
+                <a16:creationId xmlns:a16="http://schemas.microsoft.com/office/drawing/2014/main" id="{A4BADF0F-DC93-4E7E-C480-AC65C3BD45DE}"/>
+              </a:ext>
+            </a:extLst>
+          </p:cNvPr>
+          <p:cNvCxnSpPr>
+            <a:cxnSpLocks/>
+            <a:stCxn id="10" idx="3"/>
+            <a:endCxn id="15" idx="1"/>
+          </p:cNvCxnSpPr>
+          <p:nvPr/>
+        </p:nvCxnSpPr>
+        <p:spPr>
+          <a:xfrm flipV="1">
+            <a:off x="6662180" y="4023519"/>
+            <a:ext cx="2925165" cy="24537"/>
+          </a:xfrm>
+          <a:prstGeom prst="straightConnector1">
+            <a:avLst/>
+          </a:prstGeom>
+          <a:ln w="38100">
+            <a:solidFill>
+              <a:schemeClr val="tx1"/>
+            </a:solidFill>
+            <a:tailEnd type="triangle"/>
+          </a:ln>
+        </p:spPr>
+        <p:style>
+          <a:lnRef idx="2">
+            <a:schemeClr val="accent1"/>
+          </a:lnRef>
+          <a:fillRef idx="0">
+            <a:schemeClr val="accent1"/>
+          </a:fillRef>
+          <a:effectRef idx="1">
+            <a:schemeClr val="accent1"/>
+          </a:effectRef>
+          <a:fontRef idx="minor">
+            <a:schemeClr val="tx1"/>
+          </a:fontRef>
+        </p:style>
+      </p:cxnSp>
+      <p:sp>
+        <p:nvSpPr>
+          <p:cNvPr id="39" name="TextBox 38">
+            <a:extLst>
+              <a:ext uri="{FF2B5EF4-FFF2-40B4-BE49-F238E27FC236}">
+                <a16:creationId xmlns:a16="http://schemas.microsoft.com/office/drawing/2014/main" id="{084B66FE-5DF5-65F4-3934-4A0753D5D43B}"/>
+              </a:ext>
+            </a:extLst>
+          </p:cNvPr>
+          <p:cNvSpPr txBox="1"/>
+          <p:nvPr/>
+        </p:nvSpPr>
+        <p:spPr>
+          <a:xfrm>
+            <a:off x="2652137" y="2976396"/>
+            <a:ext cx="2395726" cy="646331"/>
+          </a:xfrm>
+          <a:prstGeom prst="rect">
+            <a:avLst/>
+          </a:prstGeom>
+          <a:noFill/>
+        </p:spPr>
+        <p:txBody>
+          <a:bodyPr wrap="square" rtlCol="0">
+            <a:spAutoFit/>
+          </a:bodyPr>
+          <a:lstStyle/>
+          <a:p>
+            <a:pPr algn="ctr"/>
+            <a:r>
+              <a:rPr lang="en-US" dirty="0">
+                <a:latin typeface="Bahnschrift" panose="020B0502040204020203" pitchFamily="34" charset="0"/>
+              </a:rPr>
+              <a:t>Date legate de F1 </a:t>
+            </a:r>
+            <a:r>
+              <a:rPr lang="en-US" dirty="0" err="1">
+                <a:latin typeface="Bahnschrift" panose="020B0502040204020203" pitchFamily="34" charset="0"/>
+              </a:rPr>
+              <a:t>sau</a:t>
+            </a:r>
+            <a:r>
+              <a:rPr lang="en-US" dirty="0">
+                <a:latin typeface="Bahnschrift" panose="020B0502040204020203" pitchFamily="34" charset="0"/>
+              </a:rPr>
+              <a:t> </a:t>
+            </a:r>
+            <a:r>
+              <a:rPr lang="en-US" dirty="0" err="1">
+                <a:latin typeface="Bahnschrift" panose="020B0502040204020203" pitchFamily="34" charset="0"/>
+              </a:rPr>
+              <a:t>utilizatori</a:t>
+            </a:r>
+            <a:endParaRPr lang="en-US" dirty="0">
+              <a:latin typeface="Bahnschrift" panose="020B0502040204020203" pitchFamily="34" charset="0"/>
+            </a:endParaRPr>
+          </a:p>
+        </p:txBody>
+      </p:sp>
+      <p:sp>
+        <p:nvSpPr>
+          <p:cNvPr id="40" name="TextBox 39">
+            <a:extLst>
+              <a:ext uri="{FF2B5EF4-FFF2-40B4-BE49-F238E27FC236}">
+                <a16:creationId xmlns:a16="http://schemas.microsoft.com/office/drawing/2014/main" id="{9A592164-215C-4123-3C24-A14FB430522D}"/>
+              </a:ext>
+            </a:extLst>
+          </p:cNvPr>
+          <p:cNvSpPr txBox="1"/>
+          <p:nvPr/>
+        </p:nvSpPr>
+        <p:spPr>
+          <a:xfrm>
+            <a:off x="2897014" y="3815941"/>
+            <a:ext cx="1905971" cy="646331"/>
+          </a:xfrm>
+          <a:prstGeom prst="rect">
+            <a:avLst/>
+          </a:prstGeom>
+          <a:noFill/>
+        </p:spPr>
+        <p:txBody>
+          <a:bodyPr wrap="square" rtlCol="0">
+            <a:spAutoFit/>
+          </a:bodyPr>
+          <a:lstStyle/>
+          <a:p>
+            <a:pPr algn="ctr"/>
+            <a:r>
+              <a:rPr lang="en-US" dirty="0" err="1">
+                <a:latin typeface="Bahnschrift" panose="020B0502040204020203" pitchFamily="34" charset="0"/>
+              </a:rPr>
+              <a:t>Salvare</a:t>
+            </a:r>
+            <a:r>
+              <a:rPr lang="en-US" dirty="0">
+                <a:latin typeface="Bahnschrift" panose="020B0502040204020203" pitchFamily="34" charset="0"/>
+              </a:rPr>
+              <a:t> </a:t>
+            </a:r>
+            <a:r>
+              <a:rPr lang="en-US" dirty="0" err="1">
+                <a:latin typeface="Bahnschrift" panose="020B0502040204020203" pitchFamily="34" charset="0"/>
+              </a:rPr>
+              <a:t>utilizator</a:t>
+            </a:r>
+            <a:r>
+              <a:rPr lang="en-US" dirty="0">
+                <a:latin typeface="Bahnschrift" panose="020B0502040204020203" pitchFamily="34" charset="0"/>
+              </a:rPr>
+              <a:t> </a:t>
+            </a:r>
+            <a:r>
+              <a:rPr lang="en-US" dirty="0" err="1">
+                <a:latin typeface="Bahnschrift" panose="020B0502040204020203" pitchFamily="34" charset="0"/>
+              </a:rPr>
+              <a:t>nou</a:t>
+            </a:r>
+            <a:endParaRPr lang="en-US" dirty="0">
+              <a:latin typeface="Bahnschrift" panose="020B0502040204020203" pitchFamily="34" charset="0"/>
+            </a:endParaRPr>
+          </a:p>
+        </p:txBody>
+      </p:sp>
+      <p:sp>
+        <p:nvSpPr>
+          <p:cNvPr id="41" name="TextBox 40">
+            <a:extLst>
+              <a:ext uri="{FF2B5EF4-FFF2-40B4-BE49-F238E27FC236}">
+                <a16:creationId xmlns:a16="http://schemas.microsoft.com/office/drawing/2014/main" id="{79C78B88-01D2-BD91-F0EC-A6526ED29C8B}"/>
+              </a:ext>
+            </a:extLst>
+          </p:cNvPr>
+          <p:cNvSpPr txBox="1"/>
+          <p:nvPr/>
+        </p:nvSpPr>
+        <p:spPr>
+          <a:xfrm>
+            <a:off x="6400797" y="2486262"/>
+            <a:ext cx="1715534" cy="369332"/>
+          </a:xfrm>
+          <a:prstGeom prst="rect">
+            <a:avLst/>
+          </a:prstGeom>
+          <a:noFill/>
+        </p:spPr>
+        <p:txBody>
+          <a:bodyPr wrap="none" rtlCol="0">
+            <a:spAutoFit/>
+          </a:bodyPr>
+          <a:lstStyle/>
+          <a:p>
+            <a:r>
+              <a:rPr lang="en-US" dirty="0" err="1">
+                <a:latin typeface="Bahnschrift" panose="020B0502040204020203" pitchFamily="34" charset="0"/>
+              </a:rPr>
+              <a:t>Extragere</a:t>
+            </a:r>
+            <a:r>
+              <a:rPr lang="en-US" dirty="0">
+                <a:latin typeface="Bahnschrift" panose="020B0502040204020203" pitchFamily="34" charset="0"/>
+              </a:rPr>
+              <a:t> date</a:t>
+            </a:r>
+          </a:p>
+        </p:txBody>
+      </p:sp>
+      <p:sp>
+        <p:nvSpPr>
+          <p:cNvPr id="42" name="TextBox 41">
+            <a:extLst>
+              <a:ext uri="{FF2B5EF4-FFF2-40B4-BE49-F238E27FC236}">
+                <a16:creationId xmlns:a16="http://schemas.microsoft.com/office/drawing/2014/main" id="{04B94DD0-B401-8378-FBC3-5E60B87BC959}"/>
+              </a:ext>
+            </a:extLst>
+          </p:cNvPr>
+          <p:cNvSpPr txBox="1"/>
+          <p:nvPr/>
+        </p:nvSpPr>
+        <p:spPr>
+          <a:xfrm>
+            <a:off x="3912658" y="4882001"/>
+            <a:ext cx="1939955" cy="369332"/>
+          </a:xfrm>
+          <a:prstGeom prst="rect">
+            <a:avLst/>
+          </a:prstGeom>
+          <a:noFill/>
+        </p:spPr>
+        <p:txBody>
+          <a:bodyPr wrap="none" rtlCol="0">
+            <a:spAutoFit/>
+          </a:bodyPr>
+          <a:lstStyle/>
+          <a:p>
+            <a:r>
+              <a:rPr lang="en-US" dirty="0">
+                <a:latin typeface="Bahnschrift" panose="020B0502040204020203" pitchFamily="34" charset="0"/>
+              </a:rPr>
+              <a:t>Date legate de F1</a:t>
+            </a:r>
+          </a:p>
+        </p:txBody>
+      </p:sp>
+      <p:sp>
+        <p:nvSpPr>
+          <p:cNvPr id="43" name="TextBox 42">
+            <a:extLst>
+              <a:ext uri="{FF2B5EF4-FFF2-40B4-BE49-F238E27FC236}">
+                <a16:creationId xmlns:a16="http://schemas.microsoft.com/office/drawing/2014/main" id="{15DC892A-6AC4-BFE5-7D80-539ED0D4B170}"/>
+              </a:ext>
+            </a:extLst>
+          </p:cNvPr>
+          <p:cNvSpPr txBox="1"/>
+          <p:nvPr/>
+        </p:nvSpPr>
+        <p:spPr>
+          <a:xfrm>
+            <a:off x="6487130" y="4887563"/>
+            <a:ext cx="1938351" cy="369332"/>
+          </a:xfrm>
+          <a:prstGeom prst="rect">
+            <a:avLst/>
+          </a:prstGeom>
+          <a:noFill/>
+        </p:spPr>
+        <p:txBody>
+          <a:bodyPr wrap="none" rtlCol="0">
+            <a:spAutoFit/>
+          </a:bodyPr>
+          <a:lstStyle/>
+          <a:p>
+            <a:r>
+              <a:rPr lang="en-US" dirty="0" err="1">
+                <a:latin typeface="Bahnschrift" panose="020B0502040204020203" pitchFamily="34" charset="0"/>
+              </a:rPr>
+              <a:t>Salvare</a:t>
+            </a:r>
+            <a:r>
+              <a:rPr lang="en-US" dirty="0">
+                <a:latin typeface="Bahnschrift" panose="020B0502040204020203" pitchFamily="34" charset="0"/>
+              </a:rPr>
+              <a:t> </a:t>
+            </a:r>
+            <a:r>
+              <a:rPr lang="en-US" dirty="0" err="1">
+                <a:latin typeface="Bahnschrift" panose="020B0502040204020203" pitchFamily="34" charset="0"/>
+              </a:rPr>
+              <a:t>predic</a:t>
+            </a:r>
+            <a:r>
+              <a:rPr lang="ro-RO" dirty="0">
+                <a:latin typeface="Bahnschrift" panose="020B0502040204020203" pitchFamily="34" charset="0"/>
+              </a:rPr>
+              <a:t>ție</a:t>
+            </a:r>
+            <a:endParaRPr lang="en-US" dirty="0">
+              <a:latin typeface="Bahnschrift" panose="020B0502040204020203" pitchFamily="34" charset="0"/>
+            </a:endParaRPr>
+          </a:p>
+        </p:txBody>
+      </p:sp>
+      <p:sp>
+        <p:nvSpPr>
+          <p:cNvPr id="44" name="TextBox 43">
+            <a:extLst>
+              <a:ext uri="{FF2B5EF4-FFF2-40B4-BE49-F238E27FC236}">
+                <a16:creationId xmlns:a16="http://schemas.microsoft.com/office/drawing/2014/main" id="{117822F3-20E1-72D3-76E2-0AC76CDA030B}"/>
+              </a:ext>
+            </a:extLst>
+          </p:cNvPr>
+          <p:cNvSpPr txBox="1"/>
+          <p:nvPr/>
+        </p:nvSpPr>
+        <p:spPr>
+          <a:xfrm>
+            <a:off x="7283090" y="3548750"/>
+            <a:ext cx="1624163" cy="369332"/>
+          </a:xfrm>
+          <a:prstGeom prst="rect">
+            <a:avLst/>
+          </a:prstGeom>
+          <a:noFill/>
+        </p:spPr>
+        <p:txBody>
+          <a:bodyPr wrap="none" rtlCol="0">
+            <a:spAutoFit/>
+          </a:bodyPr>
+          <a:lstStyle/>
+          <a:p>
+            <a:r>
+              <a:rPr lang="ro-RO" dirty="0">
+                <a:latin typeface="Bahnschrift" panose="020B0502040204020203" pitchFamily="34" charset="0"/>
+              </a:rPr>
+              <a:t>Trimitere mail</a:t>
+            </a:r>
+            <a:endParaRPr lang="en-US" dirty="0">
+              <a:latin typeface="Bahnschrift" panose="020B0502040204020203" pitchFamily="34" charset="0"/>
+            </a:endParaRPr>
+          </a:p>
+        </p:txBody>
+      </p:sp>
+      <p:pic>
+        <p:nvPicPr>
+          <p:cNvPr id="45" name="Imagine 6" descr="O imagine care conține text, Font, Albastru electric, captură de ecran&#10;&#10;Descriere generată automat">
+            <a:extLst>
+              <a:ext uri="{FF2B5EF4-FFF2-40B4-BE49-F238E27FC236}">
+                <a16:creationId xmlns:a16="http://schemas.microsoft.com/office/drawing/2014/main" id="{4CD57790-662E-5908-75D0-1D646F6F8AA5}"/>
+              </a:ext>
+            </a:extLst>
+          </p:cNvPr>
+          <p:cNvPicPr>
+            <a:picLocks noChangeAspect="1"/>
+          </p:cNvPicPr>
+          <p:nvPr/>
+        </p:nvPicPr>
+        <p:blipFill>
+          <a:blip r:embed="rId9">
+            <a:extLst>
+              <a:ext uri="{28A0092B-C50C-407E-A947-70E740481C1C}">
+                <a14:useLocalDpi xmlns:a14="http://schemas.microsoft.com/office/drawing/2010/main" val="0"/>
+              </a:ext>
+            </a:extLst>
+          </a:blip>
+          <a:stretch>
+            <a:fillRect/>
+          </a:stretch>
+        </p:blipFill>
+        <p:spPr>
+          <a:xfrm>
+            <a:off x="9689982" y="191461"/>
+            <a:ext cx="2364858" cy="836445"/>
+          </a:xfrm>
+          <a:prstGeom prst="rect">
+            <a:avLst/>
+          </a:prstGeom>
+        </p:spPr>
+      </p:pic>
     </p:spTree>
     <p:extLst>
       <p:ext uri="{BB962C8B-B14F-4D97-AF65-F5344CB8AC3E}">
-        <p14:creationId xmlns:p14="http://schemas.microsoft.com/office/powerpoint/2010/main" val="1582652312"/>
+        <p14:creationId xmlns:p14="http://schemas.microsoft.com/office/powerpoint/2010/main" val="1718790551"/>
       </p:ext>
     </p:extLst>
   </p:cSld>
@@ -8217,7 +6037,7 @@
           <p:cNvPr id="2" name="Title 1">
             <a:extLst>
               <a:ext uri="{FF2B5EF4-FFF2-40B4-BE49-F238E27FC236}">
-                <a16:creationId xmlns:a16="http://schemas.microsoft.com/office/drawing/2014/main" id="{1CCBEBA6-45F5-875D-6C9A-5E63D6BBAE4A}"/>
+                <a16:creationId xmlns:a16="http://schemas.microsoft.com/office/drawing/2014/main" id="{2A8A90D0-118E-4A81-E721-F30FB3D4E107}"/>
               </a:ext>
             </a:extLst>
           </p:cNvPr>
@@ -8233,258 +6053,56 @@
           <a:bodyPr/>
           <a:lstStyle/>
           <a:p>
-            <a:r>
-              <a:rPr lang="en-US" dirty="0" err="1"/>
-              <a:t>Pagina</a:t>
-            </a:r>
-            <a:r>
-              <a:rPr lang="en-US" dirty="0"/>
-              <a:t> de </a:t>
-            </a:r>
-            <a:r>
-              <a:rPr lang="en-US" dirty="0" err="1"/>
-              <a:t>logare</a:t>
-            </a:r>
-            <a:r>
-              <a:rPr lang="en-US" dirty="0"/>
-              <a:t> </a:t>
-            </a:r>
+            <a:pPr algn="ctr"/>
             <a:r>
               <a:rPr lang="ro-RO" dirty="0"/>
-              <a:t>și înregistrare</a:t>
-            </a:r>
-            <a:r>
-              <a:rPr lang="en-US" dirty="0"/>
-              <a:t>:</a:t>
-            </a:r>
-          </a:p>
-        </p:txBody>
-      </p:sp>
-      <p:sp>
-        <p:nvSpPr>
-          <p:cNvPr id="3" name="Content Placeholder 2">
-            <a:extLst>
-              <a:ext uri="{FF2B5EF4-FFF2-40B4-BE49-F238E27FC236}">
-                <a16:creationId xmlns:a16="http://schemas.microsoft.com/office/drawing/2014/main" id="{7ABFAB5F-E6CD-2503-01B5-0586E1B18C1A}"/>
-              </a:ext>
-            </a:extLst>
-          </p:cNvPr>
-          <p:cNvSpPr>
-            <a:spLocks noGrp="1"/>
-          </p:cNvSpPr>
+              <a:t>Arhitectura aplicației</a:t>
+            </a:r>
+            <a:endParaRPr lang="en-US" dirty="0"/>
+          </a:p>
+        </p:txBody>
+      </p:sp>
+      <p:pic>
+        <p:nvPicPr>
+          <p:cNvPr id="6" name="Content Placeholder 5" descr="A black silhouette of a person&#10;&#10;Description automatically generated">
+            <a:extLst>
+              <a:ext uri="{FF2B5EF4-FFF2-40B4-BE49-F238E27FC236}">
+                <a16:creationId xmlns:a16="http://schemas.microsoft.com/office/drawing/2014/main" id="{C430D8A3-1A59-9255-790D-13BC790BA222}"/>
+              </a:ext>
+            </a:extLst>
+          </p:cNvPr>
+          <p:cNvPicPr>
+            <a:picLocks noGrp="1" noChangeAspect="1"/>
+          </p:cNvPicPr>
           <p:nvPr>
             <p:ph idx="1"/>
           </p:nvPr>
-        </p:nvSpPr>
-        <p:spPr/>
-        <p:txBody>
-          <a:bodyPr/>
-          <a:lstStyle/>
-          <a:p>
-            <a:pPr marL="0" indent="0" algn="ctr">
-              <a:buNone/>
-            </a:pPr>
-            <a:r>
-              <a:rPr lang="en-US" dirty="0" err="1"/>
-              <a:t>Utilizatorul</a:t>
-            </a:r>
-            <a:r>
-              <a:rPr lang="en-US" dirty="0"/>
-              <a:t> </a:t>
-            </a:r>
-            <a:r>
-              <a:rPr lang="en-US" dirty="0" err="1"/>
-              <a:t>va</a:t>
-            </a:r>
-            <a:r>
-              <a:rPr lang="en-US" dirty="0"/>
-              <a:t> </a:t>
-            </a:r>
-            <a:r>
-              <a:rPr lang="en-US" dirty="0" err="1"/>
-              <a:t>trebui</a:t>
-            </a:r>
-            <a:r>
-              <a:rPr lang="en-US" dirty="0"/>
-              <a:t> </a:t>
-            </a:r>
-            <a:r>
-              <a:rPr lang="en-US" dirty="0" err="1"/>
-              <a:t>să</a:t>
-            </a:r>
-            <a:r>
-              <a:rPr lang="en-US" dirty="0"/>
-              <a:t> se </a:t>
-            </a:r>
-            <a:r>
-              <a:rPr lang="en-US" dirty="0" err="1"/>
-              <a:t>autentifice</a:t>
-            </a:r>
-            <a:r>
-              <a:rPr lang="en-US" dirty="0"/>
-              <a:t> cu </a:t>
-            </a:r>
-            <a:r>
-              <a:rPr lang="en-US" dirty="0" err="1"/>
-              <a:t>contul</a:t>
-            </a:r>
-            <a:r>
-              <a:rPr lang="en-US" dirty="0"/>
-              <a:t> </a:t>
-            </a:r>
-            <a:r>
-              <a:rPr lang="en-US" dirty="0" err="1"/>
-              <a:t>creat</a:t>
-            </a:r>
-            <a:r>
-              <a:rPr lang="en-US" dirty="0"/>
-              <a:t> </a:t>
-            </a:r>
-            <a:r>
-              <a:rPr lang="en-US" dirty="0" err="1"/>
-              <a:t>utilizând</a:t>
-            </a:r>
-            <a:r>
-              <a:rPr lang="en-US" dirty="0"/>
-              <a:t> </a:t>
-            </a:r>
-            <a:r>
-              <a:rPr lang="en-US" dirty="0" err="1"/>
-              <a:t>adresa</a:t>
-            </a:r>
-            <a:r>
-              <a:rPr lang="en-US" dirty="0"/>
-              <a:t> </a:t>
-            </a:r>
-            <a:r>
-              <a:rPr lang="en-US" dirty="0" err="1"/>
-              <a:t>sa</a:t>
-            </a:r>
-            <a:r>
-              <a:rPr lang="en-US" dirty="0"/>
-              <a:t> de e-mail. </a:t>
-            </a:r>
-            <a:r>
-              <a:rPr lang="en-US" dirty="0" err="1"/>
-              <a:t>În</a:t>
-            </a:r>
-            <a:r>
-              <a:rPr lang="en-US" dirty="0"/>
-              <a:t> </a:t>
-            </a:r>
-            <a:r>
-              <a:rPr lang="en-US" dirty="0" err="1"/>
-              <a:t>cazul</a:t>
-            </a:r>
-            <a:r>
-              <a:rPr lang="en-US" dirty="0"/>
-              <a:t> </a:t>
-            </a:r>
-            <a:r>
-              <a:rPr lang="en-US" dirty="0" err="1"/>
-              <a:t>în</a:t>
-            </a:r>
-            <a:r>
-              <a:rPr lang="en-US" dirty="0"/>
-              <a:t> care nu are </a:t>
-            </a:r>
-            <a:r>
-              <a:rPr lang="en-US" dirty="0" err="1"/>
-              <a:t>deja</a:t>
-            </a:r>
-            <a:r>
-              <a:rPr lang="en-US" dirty="0"/>
-              <a:t> un </a:t>
-            </a:r>
-            <a:r>
-              <a:rPr lang="en-US" dirty="0" err="1"/>
-              <a:t>cont</a:t>
-            </a:r>
-            <a:r>
-              <a:rPr lang="en-US" dirty="0"/>
-              <a:t>, </a:t>
-            </a:r>
-            <a:r>
-              <a:rPr lang="en-US" dirty="0" err="1"/>
-              <a:t>va</a:t>
-            </a:r>
-            <a:r>
-              <a:rPr lang="en-US" dirty="0"/>
-              <a:t> </a:t>
-            </a:r>
-            <a:r>
-              <a:rPr lang="en-US" dirty="0" err="1"/>
-              <a:t>trebui</a:t>
-            </a:r>
-            <a:r>
-              <a:rPr lang="en-US" dirty="0"/>
-              <a:t> </a:t>
-            </a:r>
-            <a:r>
-              <a:rPr lang="en-US" dirty="0" err="1"/>
-              <a:t>să</a:t>
-            </a:r>
-            <a:r>
-              <a:rPr lang="en-US" dirty="0"/>
-              <a:t> </a:t>
-            </a:r>
-            <a:r>
-              <a:rPr lang="en-US" dirty="0" err="1"/>
-              <a:t>acceseze</a:t>
-            </a:r>
-            <a:r>
-              <a:rPr lang="en-US" dirty="0"/>
-              <a:t> </a:t>
-            </a:r>
-            <a:r>
-              <a:rPr lang="en-US" dirty="0" err="1"/>
-              <a:t>pagina</a:t>
-            </a:r>
-            <a:r>
-              <a:rPr lang="en-US" dirty="0"/>
-              <a:t> de </a:t>
-            </a:r>
-            <a:r>
-              <a:rPr lang="en-US" dirty="0" err="1"/>
-              <a:t>înregistrare</a:t>
-            </a:r>
-            <a:r>
-              <a:rPr lang="en-US" dirty="0"/>
-              <a:t> </a:t>
-            </a:r>
-            <a:r>
-              <a:rPr lang="en-US" dirty="0" err="1"/>
-              <a:t>pentru</a:t>
-            </a:r>
-            <a:r>
-              <a:rPr lang="en-US" dirty="0"/>
-              <a:t> a </a:t>
-            </a:r>
-            <a:r>
-              <a:rPr lang="en-US" dirty="0" err="1"/>
-              <a:t>crea</a:t>
-            </a:r>
-            <a:r>
-              <a:rPr lang="en-US" dirty="0"/>
-              <a:t> </a:t>
-            </a:r>
-            <a:r>
-              <a:rPr lang="en-US" dirty="0" err="1"/>
-              <a:t>unul</a:t>
-            </a:r>
-            <a:r>
-              <a:rPr lang="en-US" dirty="0"/>
-              <a:t>.</a:t>
-            </a:r>
-          </a:p>
-        </p:txBody>
-      </p:sp>
+        </p:nvPicPr>
+        <p:blipFill>
+          <a:blip r:embed="rId2">
+            <a:extLst>
+              <a:ext uri="{28A0092B-C50C-407E-A947-70E740481C1C}">
+                <a14:useLocalDpi xmlns:a14="http://schemas.microsoft.com/office/drawing/2010/main" val="0"/>
+              </a:ext>
+            </a:extLst>
+          </a:blip>
+          <a:stretch>
+            <a:fillRect/>
+          </a:stretch>
+        </p:blipFill>
+        <p:spPr>
+          <a:xfrm>
+            <a:off x="319653" y="2910453"/>
+            <a:ext cx="1037094" cy="1037094"/>
+          </a:xfrm>
+        </p:spPr>
+      </p:pic>
       <p:sp>
         <p:nvSpPr>
           <p:cNvPr id="4" name="Slide Number Placeholder 3">
             <a:extLst>
               <a:ext uri="{FF2B5EF4-FFF2-40B4-BE49-F238E27FC236}">
-                <a16:creationId xmlns:a16="http://schemas.microsoft.com/office/drawing/2014/main" id="{0861C5A4-3C21-BF65-1AED-863FB28D0B9D}"/>
+                <a16:creationId xmlns:a16="http://schemas.microsoft.com/office/drawing/2014/main" id="{57DD50C3-E250-D1BB-5D67-DB208F744EA5}"/>
               </a:ext>
             </a:extLst>
           </p:cNvPr>
@@ -8510,10 +6128,10 @@
       </p:sp>
       <p:pic>
         <p:nvPicPr>
-          <p:cNvPr id="6" name="Picture 5" descr="A screenshot of a phone&#10;&#10;Description automatically generated">
-            <a:extLst>
-              <a:ext uri="{FF2B5EF4-FFF2-40B4-BE49-F238E27FC236}">
-                <a16:creationId xmlns:a16="http://schemas.microsoft.com/office/drawing/2014/main" id="{D4B6A9DF-CD1B-768E-5C30-B661705E0260}"/>
+          <p:cNvPr id="7" name="Imagine 6" descr="O imagine care conține text, Font, Albastru electric, captură de ecran&#10;&#10;Descriere generată automat">
+            <a:extLst>
+              <a:ext uri="{FF2B5EF4-FFF2-40B4-BE49-F238E27FC236}">
+                <a16:creationId xmlns:a16="http://schemas.microsoft.com/office/drawing/2014/main" id="{E6EE6E2A-2CC7-49D5-91B6-3226522F0D05}"/>
               </a:ext>
             </a:extLst>
           </p:cNvPr>
@@ -8523,7 +6141,7 @@
           <p:nvPr/>
         </p:nvPicPr>
         <p:blipFill>
-          <a:blip r:embed="rId2">
+          <a:blip r:embed="rId3">
             <a:extLst>
               <a:ext uri="{28A0092B-C50C-407E-A947-70E740481C1C}">
                 <a14:useLocalDpi xmlns:a14="http://schemas.microsoft.com/office/drawing/2010/main" val="0"/>
@@ -8536,71 +6154,40 @@
         </p:blipFill>
         <p:spPr>
           <a:xfrm>
-            <a:off x="8697253" y="3002593"/>
-            <a:ext cx="1532152" cy="3320473"/>
+            <a:off x="9689982" y="191461"/>
+            <a:ext cx="2364858" cy="836445"/>
           </a:xfrm>
           <a:prstGeom prst="rect">
             <a:avLst/>
           </a:prstGeom>
         </p:spPr>
       </p:pic>
-      <p:pic>
-        <p:nvPicPr>
-          <p:cNvPr id="8" name="Picture 7" descr="A screenshot of a phone&#10;&#10;Description automatically generated">
-            <a:extLst>
-              <a:ext uri="{FF2B5EF4-FFF2-40B4-BE49-F238E27FC236}">
-                <a16:creationId xmlns:a16="http://schemas.microsoft.com/office/drawing/2014/main" id="{77853E75-EAE8-967C-CA49-3A47105AC476}"/>
-              </a:ext>
-            </a:extLst>
-          </p:cNvPr>
-          <p:cNvPicPr>
-            <a:picLocks noChangeAspect="1"/>
-          </p:cNvPicPr>
-          <p:nvPr/>
-        </p:nvPicPr>
-        <p:blipFill>
-          <a:blip r:embed="rId3">
-            <a:extLst>
-              <a:ext uri="{28A0092B-C50C-407E-A947-70E740481C1C}">
-                <a14:useLocalDpi xmlns:a14="http://schemas.microsoft.com/office/drawing/2010/main" val="0"/>
-              </a:ext>
-            </a:extLst>
-          </a:blip>
-          <a:stretch>
-            <a:fillRect/>
-          </a:stretch>
-        </p:blipFill>
-        <p:spPr>
-          <a:xfrm>
-            <a:off x="1807147" y="3041118"/>
-            <a:ext cx="1536192" cy="3243424"/>
+      <p:sp>
+        <p:nvSpPr>
+          <p:cNvPr id="8" name="TextBox 7">
+            <a:extLst>
+              <a:ext uri="{FF2B5EF4-FFF2-40B4-BE49-F238E27FC236}">
+                <a16:creationId xmlns:a16="http://schemas.microsoft.com/office/drawing/2014/main" id="{1EA1FB07-D381-25A7-E815-53F3C7A26332}"/>
+              </a:ext>
+            </a:extLst>
+          </p:cNvPr>
+          <p:cNvSpPr txBox="1"/>
+          <p:nvPr/>
+        </p:nvSpPr>
+        <p:spPr>
+          <a:xfrm>
+            <a:off x="2134941" y="5769864"/>
+            <a:ext cx="2313647" cy="369332"/>
           </a:xfrm>
           <a:prstGeom prst="rect">
             <a:avLst/>
           </a:prstGeom>
-        </p:spPr>
-      </p:pic>
-      <p:sp>
-        <p:nvSpPr>
-          <p:cNvPr id="9" name="TextBox 8">
-            <a:extLst>
-              <a:ext uri="{FF2B5EF4-FFF2-40B4-BE49-F238E27FC236}">
-                <a16:creationId xmlns:a16="http://schemas.microsoft.com/office/drawing/2014/main" id="{6621C5E7-0250-D133-3295-3A69FCAB18BF}"/>
-              </a:ext>
-            </a:extLst>
-          </p:cNvPr>
-          <p:cNvSpPr txBox="1"/>
-          <p:nvPr/>
-        </p:nvSpPr>
-        <p:spPr>
-          <a:xfrm>
-            <a:off x="1670059" y="6352143"/>
-            <a:ext cx="1810367" cy="369332"/>
-          </a:xfrm>
-          <a:prstGeom prst="rect">
-            <a:avLst/>
-          </a:prstGeom>
           <a:noFill/>
+          <a:ln>
+            <a:solidFill>
+              <a:schemeClr val="tx1"/>
+            </a:solidFill>
+          </a:ln>
         </p:spPr>
         <p:txBody>
           <a:bodyPr wrap="none" rtlCol="0">
@@ -8610,7 +6197,7 @@
           <a:p>
             <a:r>
               <a:rPr lang="ro-RO" dirty="0"/>
-              <a:t>Pagina de logare</a:t>
+              <a:t>Pagina de înregistrare</a:t>
             </a:r>
             <a:endParaRPr lang="en-US" dirty="0"/>
           </a:p>
@@ -8618,10 +6205,10 @@
       </p:sp>
       <p:sp>
         <p:nvSpPr>
-          <p:cNvPr id="10" name="TextBox 9">
-            <a:extLst>
-              <a:ext uri="{FF2B5EF4-FFF2-40B4-BE49-F238E27FC236}">
-                <a16:creationId xmlns:a16="http://schemas.microsoft.com/office/drawing/2014/main" id="{388CD457-F323-9A0D-2A35-C7359D660841}"/>
+          <p:cNvPr id="9" name="TextBox 8">
+            <a:extLst>
+              <a:ext uri="{FF2B5EF4-FFF2-40B4-BE49-F238E27FC236}">
+                <a16:creationId xmlns:a16="http://schemas.microsoft.com/office/drawing/2014/main" id="{FA8D9701-9427-3E75-3177-8F01895AA47F}"/>
               </a:ext>
             </a:extLst>
           </p:cNvPr>
@@ -8630,13 +6217,18 @@
         </p:nvSpPr>
         <p:spPr>
           <a:xfrm>
-            <a:off x="8306505" y="6352143"/>
-            <a:ext cx="2313647" cy="369332"/>
+            <a:off x="2454370" y="3244334"/>
+            <a:ext cx="1810367" cy="369332"/>
           </a:xfrm>
           <a:prstGeom prst="rect">
             <a:avLst/>
           </a:prstGeom>
           <a:noFill/>
+          <a:ln>
+            <a:solidFill>
+              <a:schemeClr val="tx1"/>
+            </a:solidFill>
+          </a:ln>
         </p:spPr>
         <p:txBody>
           <a:bodyPr wrap="none" rtlCol="0">
@@ -8646,16 +6238,1094 @@
           <a:p>
             <a:r>
               <a:rPr lang="ro-RO" dirty="0"/>
-              <a:t>Pagina de înregistrare</a:t>
+              <a:t>Pagina de logare</a:t>
             </a:r>
             <a:endParaRPr lang="en-US" dirty="0"/>
           </a:p>
         </p:txBody>
       </p:sp>
+      <p:sp>
+        <p:nvSpPr>
+          <p:cNvPr id="10" name="TextBox 9">
+            <a:extLst>
+              <a:ext uri="{FF2B5EF4-FFF2-40B4-BE49-F238E27FC236}">
+                <a16:creationId xmlns:a16="http://schemas.microsoft.com/office/drawing/2014/main" id="{49E26AF8-EC46-1905-E847-86662AF21038}"/>
+              </a:ext>
+            </a:extLst>
+          </p:cNvPr>
+          <p:cNvSpPr txBox="1"/>
+          <p:nvPr/>
+        </p:nvSpPr>
+        <p:spPr>
+          <a:xfrm>
+            <a:off x="296000" y="3947547"/>
+            <a:ext cx="1084399" cy="369332"/>
+          </a:xfrm>
+          <a:prstGeom prst="rect">
+            <a:avLst/>
+          </a:prstGeom>
+          <a:noFill/>
+        </p:spPr>
+        <p:txBody>
+          <a:bodyPr wrap="none" rtlCol="0">
+            <a:spAutoFit/>
+          </a:bodyPr>
+          <a:lstStyle/>
+          <a:p>
+            <a:r>
+              <a:rPr lang="ro-RO" dirty="0"/>
+              <a:t>Utilizator</a:t>
+            </a:r>
+            <a:endParaRPr lang="en-US" dirty="0"/>
+          </a:p>
+        </p:txBody>
+      </p:sp>
+      <p:cxnSp>
+        <p:nvCxnSpPr>
+          <p:cNvPr id="12" name="Straight Arrow Connector 11">
+            <a:extLst>
+              <a:ext uri="{FF2B5EF4-FFF2-40B4-BE49-F238E27FC236}">
+                <a16:creationId xmlns:a16="http://schemas.microsoft.com/office/drawing/2014/main" id="{D7BFAB2F-2D4C-F215-4A23-6715F5CA397C}"/>
+              </a:ext>
+            </a:extLst>
+          </p:cNvPr>
+          <p:cNvCxnSpPr>
+            <a:cxnSpLocks/>
+            <a:stCxn id="10" idx="3"/>
+            <a:endCxn id="8" idx="1"/>
+          </p:cNvCxnSpPr>
+          <p:nvPr/>
+        </p:nvCxnSpPr>
+        <p:spPr>
+          <a:xfrm>
+            <a:off x="1380399" y="4132213"/>
+            <a:ext cx="754542" cy="1822317"/>
+          </a:xfrm>
+          <a:prstGeom prst="straightConnector1">
+            <a:avLst/>
+          </a:prstGeom>
+          <a:ln w="38100">
+            <a:solidFill>
+              <a:schemeClr val="tx1"/>
+            </a:solidFill>
+            <a:tailEnd type="triangle"/>
+          </a:ln>
+        </p:spPr>
+        <p:style>
+          <a:lnRef idx="2">
+            <a:schemeClr val="accent1"/>
+          </a:lnRef>
+          <a:fillRef idx="0">
+            <a:schemeClr val="accent1"/>
+          </a:fillRef>
+          <a:effectRef idx="1">
+            <a:schemeClr val="accent1"/>
+          </a:effectRef>
+          <a:fontRef idx="minor">
+            <a:schemeClr val="tx1"/>
+          </a:fontRef>
+        </p:style>
+      </p:cxnSp>
+      <p:sp>
+        <p:nvSpPr>
+          <p:cNvPr id="16" name="TextBox 15">
+            <a:extLst>
+              <a:ext uri="{FF2B5EF4-FFF2-40B4-BE49-F238E27FC236}">
+                <a16:creationId xmlns:a16="http://schemas.microsoft.com/office/drawing/2014/main" id="{BD443A13-FCB7-B5F4-7358-470CA2A9BBDC}"/>
+              </a:ext>
+            </a:extLst>
+          </p:cNvPr>
+          <p:cNvSpPr txBox="1"/>
+          <p:nvPr/>
+        </p:nvSpPr>
+        <p:spPr>
+          <a:xfrm>
+            <a:off x="192024" y="5025200"/>
+            <a:ext cx="1497067" cy="646331"/>
+          </a:xfrm>
+          <a:prstGeom prst="rect">
+            <a:avLst/>
+          </a:prstGeom>
+          <a:noFill/>
+        </p:spPr>
+        <p:txBody>
+          <a:bodyPr wrap="square" rtlCol="0">
+            <a:spAutoFit/>
+          </a:bodyPr>
+          <a:lstStyle/>
+          <a:p>
+            <a:pPr algn="ctr"/>
+            <a:r>
+              <a:rPr lang="ro-RO" dirty="0"/>
+              <a:t>Completare formular</a:t>
+            </a:r>
+            <a:endParaRPr lang="en-US" dirty="0"/>
+          </a:p>
+        </p:txBody>
+      </p:sp>
+      <p:sp>
+        <p:nvSpPr>
+          <p:cNvPr id="18" name="TextBox 17">
+            <a:extLst>
+              <a:ext uri="{FF2B5EF4-FFF2-40B4-BE49-F238E27FC236}">
+                <a16:creationId xmlns:a16="http://schemas.microsoft.com/office/drawing/2014/main" id="{39371AA6-6921-1457-9EA7-1B0F0A6A0E14}"/>
+              </a:ext>
+            </a:extLst>
+          </p:cNvPr>
+          <p:cNvSpPr txBox="1"/>
+          <p:nvPr/>
+        </p:nvSpPr>
+        <p:spPr>
+          <a:xfrm>
+            <a:off x="1157024" y="2753975"/>
+            <a:ext cx="1497067" cy="646331"/>
+          </a:xfrm>
+          <a:prstGeom prst="rect">
+            <a:avLst/>
+          </a:prstGeom>
+          <a:noFill/>
+        </p:spPr>
+        <p:txBody>
+          <a:bodyPr wrap="square" rtlCol="0">
+            <a:spAutoFit/>
+          </a:bodyPr>
+          <a:lstStyle/>
+          <a:p>
+            <a:pPr algn="ctr"/>
+            <a:r>
+              <a:rPr lang="ro-RO" dirty="0"/>
+              <a:t>Completare</a:t>
+            </a:r>
+          </a:p>
+          <a:p>
+            <a:pPr algn="ctr"/>
+            <a:r>
+              <a:rPr lang="ro-RO" dirty="0"/>
+              <a:t>date</a:t>
+            </a:r>
+            <a:endParaRPr lang="en-US" dirty="0"/>
+          </a:p>
+        </p:txBody>
+      </p:sp>
+      <p:cxnSp>
+        <p:nvCxnSpPr>
+          <p:cNvPr id="19" name="Straight Arrow Connector 18">
+            <a:extLst>
+              <a:ext uri="{FF2B5EF4-FFF2-40B4-BE49-F238E27FC236}">
+                <a16:creationId xmlns:a16="http://schemas.microsoft.com/office/drawing/2014/main" id="{36EACDB9-9DD9-9AEE-9636-826EABB6F3DD}"/>
+              </a:ext>
+            </a:extLst>
+          </p:cNvPr>
+          <p:cNvCxnSpPr>
+            <a:cxnSpLocks/>
+            <a:stCxn id="6" idx="3"/>
+            <a:endCxn id="9" idx="1"/>
+          </p:cNvCxnSpPr>
+          <p:nvPr/>
+        </p:nvCxnSpPr>
+        <p:spPr>
+          <a:xfrm>
+            <a:off x="1356747" y="3429000"/>
+            <a:ext cx="1097623" cy="0"/>
+          </a:xfrm>
+          <a:prstGeom prst="straightConnector1">
+            <a:avLst/>
+          </a:prstGeom>
+          <a:ln w="38100">
+            <a:solidFill>
+              <a:schemeClr val="tx1"/>
+            </a:solidFill>
+            <a:tailEnd type="triangle"/>
+          </a:ln>
+        </p:spPr>
+        <p:style>
+          <a:lnRef idx="2">
+            <a:schemeClr val="accent1"/>
+          </a:lnRef>
+          <a:fillRef idx="0">
+            <a:schemeClr val="accent1"/>
+          </a:fillRef>
+          <a:effectRef idx="1">
+            <a:schemeClr val="accent1"/>
+          </a:effectRef>
+          <a:fontRef idx="minor">
+            <a:schemeClr val="tx1"/>
+          </a:fontRef>
+        </p:style>
+      </p:cxnSp>
+      <p:sp>
+        <p:nvSpPr>
+          <p:cNvPr id="27" name="TextBox 26">
+            <a:extLst>
+              <a:ext uri="{FF2B5EF4-FFF2-40B4-BE49-F238E27FC236}">
+                <a16:creationId xmlns:a16="http://schemas.microsoft.com/office/drawing/2014/main" id="{C6E14676-8722-D5E8-7B1A-EF3AA399D476}"/>
+              </a:ext>
+            </a:extLst>
+          </p:cNvPr>
+          <p:cNvSpPr txBox="1"/>
+          <p:nvPr/>
+        </p:nvSpPr>
+        <p:spPr>
+          <a:xfrm>
+            <a:off x="5526333" y="1570863"/>
+            <a:ext cx="2244845" cy="369332"/>
+          </a:xfrm>
+          <a:prstGeom prst="rect">
+            <a:avLst/>
+          </a:prstGeom>
+          <a:noFill/>
+          <a:ln>
+            <a:solidFill>
+              <a:schemeClr val="tx1"/>
+            </a:solidFill>
+          </a:ln>
+        </p:spPr>
+        <p:txBody>
+          <a:bodyPr wrap="none" rtlCol="0">
+            <a:spAutoFit/>
+          </a:bodyPr>
+          <a:lstStyle/>
+          <a:p>
+            <a:r>
+              <a:rPr lang="ro-RO" dirty="0"/>
+              <a:t>Pagină personalizată</a:t>
+            </a:r>
+            <a:endParaRPr lang="en-US" dirty="0"/>
+          </a:p>
+        </p:txBody>
+      </p:sp>
+      <p:sp>
+        <p:nvSpPr>
+          <p:cNvPr id="28" name="TextBox 27">
+            <a:extLst>
+              <a:ext uri="{FF2B5EF4-FFF2-40B4-BE49-F238E27FC236}">
+                <a16:creationId xmlns:a16="http://schemas.microsoft.com/office/drawing/2014/main" id="{21C251F2-6967-7A47-1D97-CE28BBF5E112}"/>
+              </a:ext>
+            </a:extLst>
+          </p:cNvPr>
+          <p:cNvSpPr txBox="1"/>
+          <p:nvPr/>
+        </p:nvSpPr>
+        <p:spPr>
+          <a:xfrm>
+            <a:off x="5542803" y="2394108"/>
+            <a:ext cx="1830950" cy="369332"/>
+          </a:xfrm>
+          <a:prstGeom prst="rect">
+            <a:avLst/>
+          </a:prstGeom>
+          <a:noFill/>
+          <a:ln>
+            <a:solidFill>
+              <a:schemeClr val="tx1"/>
+            </a:solidFill>
+          </a:ln>
+        </p:spPr>
+        <p:txBody>
+          <a:bodyPr wrap="none" rtlCol="0">
+            <a:spAutoFit/>
+          </a:bodyPr>
+          <a:lstStyle/>
+          <a:p>
+            <a:r>
+              <a:rPr lang="ro-RO" dirty="0"/>
+              <a:t>Clasament piloți</a:t>
+            </a:r>
+            <a:endParaRPr lang="en-US" dirty="0"/>
+          </a:p>
+        </p:txBody>
+      </p:sp>
+      <p:sp>
+        <p:nvSpPr>
+          <p:cNvPr id="29" name="TextBox 28">
+            <a:extLst>
+              <a:ext uri="{FF2B5EF4-FFF2-40B4-BE49-F238E27FC236}">
+                <a16:creationId xmlns:a16="http://schemas.microsoft.com/office/drawing/2014/main" id="{5656351D-16BA-3C7A-AE71-97A0EA464B2E}"/>
+              </a:ext>
+            </a:extLst>
+          </p:cNvPr>
+          <p:cNvSpPr txBox="1"/>
+          <p:nvPr/>
+        </p:nvSpPr>
+        <p:spPr>
+          <a:xfrm>
+            <a:off x="5542803" y="3215640"/>
+            <a:ext cx="2007281" cy="369332"/>
+          </a:xfrm>
+          <a:prstGeom prst="rect">
+            <a:avLst/>
+          </a:prstGeom>
+          <a:noFill/>
+          <a:ln>
+            <a:solidFill>
+              <a:schemeClr val="tx1"/>
+            </a:solidFill>
+          </a:ln>
+        </p:spPr>
+        <p:txBody>
+          <a:bodyPr wrap="none" rtlCol="0">
+            <a:spAutoFit/>
+          </a:bodyPr>
+          <a:lstStyle/>
+          <a:p>
+            <a:r>
+              <a:rPr lang="ro-RO" dirty="0"/>
+              <a:t>Clasament echipe</a:t>
+            </a:r>
+            <a:endParaRPr lang="en-US" dirty="0"/>
+          </a:p>
+        </p:txBody>
+      </p:sp>
+      <p:sp>
+        <p:nvSpPr>
+          <p:cNvPr id="30" name="TextBox 29">
+            <a:extLst>
+              <a:ext uri="{FF2B5EF4-FFF2-40B4-BE49-F238E27FC236}">
+                <a16:creationId xmlns:a16="http://schemas.microsoft.com/office/drawing/2014/main" id="{5BBFC715-DCF5-9072-595E-F302AB849920}"/>
+              </a:ext>
+            </a:extLst>
+          </p:cNvPr>
+          <p:cNvSpPr txBox="1"/>
+          <p:nvPr/>
+        </p:nvSpPr>
+        <p:spPr>
+          <a:xfrm>
+            <a:off x="5643697" y="4035460"/>
+            <a:ext cx="1106393" cy="369332"/>
+          </a:xfrm>
+          <a:prstGeom prst="rect">
+            <a:avLst/>
+          </a:prstGeom>
+          <a:noFill/>
+          <a:ln>
+            <a:solidFill>
+              <a:schemeClr val="tx1"/>
+            </a:solidFill>
+          </a:ln>
+        </p:spPr>
+        <p:txBody>
+          <a:bodyPr wrap="none" rtlCol="0">
+            <a:spAutoFit/>
+          </a:bodyPr>
+          <a:lstStyle/>
+          <a:p>
+            <a:r>
+              <a:rPr lang="ro-RO" dirty="0"/>
+              <a:t>Calendar</a:t>
+            </a:r>
+            <a:endParaRPr lang="en-US" dirty="0"/>
+          </a:p>
+        </p:txBody>
+      </p:sp>
+      <p:sp>
+        <p:nvSpPr>
+          <p:cNvPr id="31" name="TextBox 30">
+            <a:extLst>
+              <a:ext uri="{FF2B5EF4-FFF2-40B4-BE49-F238E27FC236}">
+                <a16:creationId xmlns:a16="http://schemas.microsoft.com/office/drawing/2014/main" id="{549AE801-F102-CBA2-8CF7-169D65A6F766}"/>
+              </a:ext>
+            </a:extLst>
+          </p:cNvPr>
+          <p:cNvSpPr txBox="1"/>
+          <p:nvPr/>
+        </p:nvSpPr>
+        <p:spPr>
+          <a:xfrm>
+            <a:off x="5542803" y="4858705"/>
+            <a:ext cx="2345001" cy="369332"/>
+          </a:xfrm>
+          <a:prstGeom prst="rect">
+            <a:avLst/>
+          </a:prstGeom>
+          <a:noFill/>
+          <a:ln>
+            <a:solidFill>
+              <a:schemeClr val="tx1"/>
+            </a:solidFill>
+          </a:ln>
+        </p:spPr>
+        <p:txBody>
+          <a:bodyPr wrap="none" rtlCol="0">
+            <a:spAutoFit/>
+          </a:bodyPr>
+          <a:lstStyle/>
+          <a:p>
+            <a:r>
+              <a:rPr lang="ro-RO" dirty="0"/>
+              <a:t>Statistici piloți/echipe</a:t>
+            </a:r>
+            <a:endParaRPr lang="en-US" dirty="0"/>
+          </a:p>
+        </p:txBody>
+      </p:sp>
+      <p:cxnSp>
+        <p:nvCxnSpPr>
+          <p:cNvPr id="32" name="Straight Arrow Connector 31">
+            <a:extLst>
+              <a:ext uri="{FF2B5EF4-FFF2-40B4-BE49-F238E27FC236}">
+                <a16:creationId xmlns:a16="http://schemas.microsoft.com/office/drawing/2014/main" id="{DE75AE6B-EB35-484C-7E67-DCB6EF12CA57}"/>
+              </a:ext>
+            </a:extLst>
+          </p:cNvPr>
+          <p:cNvCxnSpPr>
+            <a:cxnSpLocks/>
+            <a:stCxn id="9" idx="3"/>
+            <a:endCxn id="27" idx="1"/>
+          </p:cNvCxnSpPr>
+          <p:nvPr/>
+        </p:nvCxnSpPr>
+        <p:spPr>
+          <a:xfrm flipV="1">
+            <a:off x="4264737" y="1755529"/>
+            <a:ext cx="1261596" cy="1673471"/>
+          </a:xfrm>
+          <a:prstGeom prst="straightConnector1">
+            <a:avLst/>
+          </a:prstGeom>
+          <a:ln w="38100">
+            <a:solidFill>
+              <a:schemeClr val="tx1"/>
+            </a:solidFill>
+            <a:tailEnd type="triangle"/>
+          </a:ln>
+        </p:spPr>
+        <p:style>
+          <a:lnRef idx="2">
+            <a:schemeClr val="accent1"/>
+          </a:lnRef>
+          <a:fillRef idx="0">
+            <a:schemeClr val="accent1"/>
+          </a:fillRef>
+          <a:effectRef idx="1">
+            <a:schemeClr val="accent1"/>
+          </a:effectRef>
+          <a:fontRef idx="minor">
+            <a:schemeClr val="tx1"/>
+          </a:fontRef>
+        </p:style>
+      </p:cxnSp>
+      <p:cxnSp>
+        <p:nvCxnSpPr>
+          <p:cNvPr id="36" name="Straight Arrow Connector 35">
+            <a:extLst>
+              <a:ext uri="{FF2B5EF4-FFF2-40B4-BE49-F238E27FC236}">
+                <a16:creationId xmlns:a16="http://schemas.microsoft.com/office/drawing/2014/main" id="{6C9941EB-1920-E29E-1548-45A32C1F0357}"/>
+              </a:ext>
+            </a:extLst>
+          </p:cNvPr>
+          <p:cNvCxnSpPr>
+            <a:cxnSpLocks/>
+            <a:stCxn id="9" idx="3"/>
+            <a:endCxn id="28" idx="1"/>
+          </p:cNvCxnSpPr>
+          <p:nvPr/>
+        </p:nvCxnSpPr>
+        <p:spPr>
+          <a:xfrm flipV="1">
+            <a:off x="4264737" y="2578774"/>
+            <a:ext cx="1278066" cy="850226"/>
+          </a:xfrm>
+          <a:prstGeom prst="straightConnector1">
+            <a:avLst/>
+          </a:prstGeom>
+          <a:ln w="38100">
+            <a:solidFill>
+              <a:schemeClr val="tx1"/>
+            </a:solidFill>
+            <a:tailEnd type="triangle"/>
+          </a:ln>
+        </p:spPr>
+        <p:style>
+          <a:lnRef idx="2">
+            <a:schemeClr val="accent1"/>
+          </a:lnRef>
+          <a:fillRef idx="0">
+            <a:schemeClr val="accent1"/>
+          </a:fillRef>
+          <a:effectRef idx="1">
+            <a:schemeClr val="accent1"/>
+          </a:effectRef>
+          <a:fontRef idx="minor">
+            <a:schemeClr val="tx1"/>
+          </a:fontRef>
+        </p:style>
+      </p:cxnSp>
+      <p:cxnSp>
+        <p:nvCxnSpPr>
+          <p:cNvPr id="39" name="Straight Arrow Connector 38">
+            <a:extLst>
+              <a:ext uri="{FF2B5EF4-FFF2-40B4-BE49-F238E27FC236}">
+                <a16:creationId xmlns:a16="http://schemas.microsoft.com/office/drawing/2014/main" id="{21BFD960-D500-E6D2-393F-FC669797476B}"/>
+              </a:ext>
+            </a:extLst>
+          </p:cNvPr>
+          <p:cNvCxnSpPr>
+            <a:cxnSpLocks/>
+            <a:stCxn id="9" idx="3"/>
+            <a:endCxn id="29" idx="1"/>
+          </p:cNvCxnSpPr>
+          <p:nvPr/>
+        </p:nvCxnSpPr>
+        <p:spPr>
+          <a:xfrm flipV="1">
+            <a:off x="4264737" y="3400306"/>
+            <a:ext cx="1278066" cy="28694"/>
+          </a:xfrm>
+          <a:prstGeom prst="straightConnector1">
+            <a:avLst/>
+          </a:prstGeom>
+          <a:ln w="38100">
+            <a:solidFill>
+              <a:schemeClr val="tx1"/>
+            </a:solidFill>
+            <a:tailEnd type="triangle"/>
+          </a:ln>
+        </p:spPr>
+        <p:style>
+          <a:lnRef idx="2">
+            <a:schemeClr val="accent1"/>
+          </a:lnRef>
+          <a:fillRef idx="0">
+            <a:schemeClr val="accent1"/>
+          </a:fillRef>
+          <a:effectRef idx="1">
+            <a:schemeClr val="accent1"/>
+          </a:effectRef>
+          <a:fontRef idx="minor">
+            <a:schemeClr val="tx1"/>
+          </a:fontRef>
+        </p:style>
+      </p:cxnSp>
+      <p:cxnSp>
+        <p:nvCxnSpPr>
+          <p:cNvPr id="42" name="Straight Arrow Connector 41">
+            <a:extLst>
+              <a:ext uri="{FF2B5EF4-FFF2-40B4-BE49-F238E27FC236}">
+                <a16:creationId xmlns:a16="http://schemas.microsoft.com/office/drawing/2014/main" id="{61B399A4-6BCC-C5C3-35EA-EC92E8BA86AB}"/>
+              </a:ext>
+            </a:extLst>
+          </p:cNvPr>
+          <p:cNvCxnSpPr>
+            <a:cxnSpLocks/>
+            <a:stCxn id="9" idx="3"/>
+            <a:endCxn id="30" idx="1"/>
+          </p:cNvCxnSpPr>
+          <p:nvPr/>
+        </p:nvCxnSpPr>
+        <p:spPr>
+          <a:xfrm>
+            <a:off x="4264737" y="3429000"/>
+            <a:ext cx="1378960" cy="791126"/>
+          </a:xfrm>
+          <a:prstGeom prst="straightConnector1">
+            <a:avLst/>
+          </a:prstGeom>
+          <a:ln w="38100">
+            <a:solidFill>
+              <a:schemeClr val="tx1"/>
+            </a:solidFill>
+            <a:tailEnd type="triangle"/>
+          </a:ln>
+        </p:spPr>
+        <p:style>
+          <a:lnRef idx="2">
+            <a:schemeClr val="accent1"/>
+          </a:lnRef>
+          <a:fillRef idx="0">
+            <a:schemeClr val="accent1"/>
+          </a:fillRef>
+          <a:effectRef idx="1">
+            <a:schemeClr val="accent1"/>
+          </a:effectRef>
+          <a:fontRef idx="minor">
+            <a:schemeClr val="tx1"/>
+          </a:fontRef>
+        </p:style>
+      </p:cxnSp>
+      <p:cxnSp>
+        <p:nvCxnSpPr>
+          <p:cNvPr id="45" name="Straight Arrow Connector 44">
+            <a:extLst>
+              <a:ext uri="{FF2B5EF4-FFF2-40B4-BE49-F238E27FC236}">
+                <a16:creationId xmlns:a16="http://schemas.microsoft.com/office/drawing/2014/main" id="{4A1DF932-9B0A-E079-3F30-5067426F76C0}"/>
+              </a:ext>
+            </a:extLst>
+          </p:cNvPr>
+          <p:cNvCxnSpPr>
+            <a:cxnSpLocks/>
+            <a:stCxn id="9" idx="3"/>
+            <a:endCxn id="31" idx="1"/>
+          </p:cNvCxnSpPr>
+          <p:nvPr/>
+        </p:nvCxnSpPr>
+        <p:spPr>
+          <a:xfrm>
+            <a:off x="4264737" y="3429000"/>
+            <a:ext cx="1278066" cy="1614371"/>
+          </a:xfrm>
+          <a:prstGeom prst="straightConnector1">
+            <a:avLst/>
+          </a:prstGeom>
+          <a:ln w="38100">
+            <a:solidFill>
+              <a:schemeClr val="tx1"/>
+            </a:solidFill>
+            <a:tailEnd type="triangle"/>
+          </a:ln>
+        </p:spPr>
+        <p:style>
+          <a:lnRef idx="2">
+            <a:schemeClr val="accent1"/>
+          </a:lnRef>
+          <a:fillRef idx="0">
+            <a:schemeClr val="accent1"/>
+          </a:fillRef>
+          <a:effectRef idx="1">
+            <a:schemeClr val="accent1"/>
+          </a:effectRef>
+          <a:fontRef idx="minor">
+            <a:schemeClr val="tx1"/>
+          </a:fontRef>
+        </p:style>
+      </p:cxnSp>
+      <p:sp>
+        <p:nvSpPr>
+          <p:cNvPr id="48" name="TextBox 47">
+            <a:extLst>
+              <a:ext uri="{FF2B5EF4-FFF2-40B4-BE49-F238E27FC236}">
+                <a16:creationId xmlns:a16="http://schemas.microsoft.com/office/drawing/2014/main" id="{F57A335D-4983-BA20-1604-151DD807A17C}"/>
+              </a:ext>
+            </a:extLst>
+          </p:cNvPr>
+          <p:cNvSpPr txBox="1"/>
+          <p:nvPr/>
+        </p:nvSpPr>
+        <p:spPr>
+          <a:xfrm>
+            <a:off x="8814939" y="1571935"/>
+            <a:ext cx="2889381" cy="369332"/>
+          </a:xfrm>
+          <a:prstGeom prst="rect">
+            <a:avLst/>
+          </a:prstGeom>
+          <a:noFill/>
+          <a:ln>
+            <a:solidFill>
+              <a:schemeClr val="tx1"/>
+            </a:solidFill>
+          </a:ln>
+        </p:spPr>
+        <p:txBody>
+          <a:bodyPr wrap="none" rtlCol="0">
+            <a:spAutoFit/>
+          </a:bodyPr>
+          <a:lstStyle/>
+          <a:p>
+            <a:r>
+              <a:rPr lang="ro-RO" dirty="0"/>
+              <a:t>Predicție următoarea cursă</a:t>
+            </a:r>
+            <a:endParaRPr lang="en-US" dirty="0"/>
+          </a:p>
+        </p:txBody>
+      </p:sp>
+      <p:cxnSp>
+        <p:nvCxnSpPr>
+          <p:cNvPr id="49" name="Straight Arrow Connector 48">
+            <a:extLst>
+              <a:ext uri="{FF2B5EF4-FFF2-40B4-BE49-F238E27FC236}">
+                <a16:creationId xmlns:a16="http://schemas.microsoft.com/office/drawing/2014/main" id="{D63CAFEA-DB5B-5842-9C3C-05D34C32C32F}"/>
+              </a:ext>
+            </a:extLst>
+          </p:cNvPr>
+          <p:cNvCxnSpPr>
+            <a:cxnSpLocks/>
+            <a:stCxn id="27" idx="3"/>
+            <a:endCxn id="48" idx="1"/>
+          </p:cNvCxnSpPr>
+          <p:nvPr/>
+        </p:nvCxnSpPr>
+        <p:spPr>
+          <a:xfrm>
+            <a:off x="7771178" y="1755529"/>
+            <a:ext cx="1043761" cy="1072"/>
+          </a:xfrm>
+          <a:prstGeom prst="straightConnector1">
+            <a:avLst/>
+          </a:prstGeom>
+          <a:ln w="38100">
+            <a:solidFill>
+              <a:schemeClr val="tx1"/>
+            </a:solidFill>
+            <a:tailEnd type="triangle"/>
+          </a:ln>
+        </p:spPr>
+        <p:style>
+          <a:lnRef idx="2">
+            <a:schemeClr val="accent1"/>
+          </a:lnRef>
+          <a:fillRef idx="0">
+            <a:schemeClr val="accent1"/>
+          </a:fillRef>
+          <a:effectRef idx="1">
+            <a:schemeClr val="accent1"/>
+          </a:effectRef>
+          <a:fontRef idx="minor">
+            <a:schemeClr val="tx1"/>
+          </a:fontRef>
+        </p:style>
+      </p:cxnSp>
+      <p:sp>
+        <p:nvSpPr>
+          <p:cNvPr id="53" name="TextBox 52">
+            <a:extLst>
+              <a:ext uri="{FF2B5EF4-FFF2-40B4-BE49-F238E27FC236}">
+                <a16:creationId xmlns:a16="http://schemas.microsoft.com/office/drawing/2014/main" id="{379A834C-A98E-F173-4DCD-25B2AFDB070C}"/>
+              </a:ext>
+            </a:extLst>
+          </p:cNvPr>
+          <p:cNvSpPr txBox="1"/>
+          <p:nvPr/>
+        </p:nvSpPr>
+        <p:spPr>
+          <a:xfrm>
+            <a:off x="8814938" y="2394108"/>
+            <a:ext cx="3182538" cy="369332"/>
+          </a:xfrm>
+          <a:prstGeom prst="rect">
+            <a:avLst/>
+          </a:prstGeom>
+          <a:noFill/>
+          <a:ln>
+            <a:solidFill>
+              <a:schemeClr val="tx1"/>
+            </a:solidFill>
+          </a:ln>
+        </p:spPr>
+        <p:txBody>
+          <a:bodyPr wrap="none" rtlCol="0">
+            <a:spAutoFit/>
+          </a:bodyPr>
+          <a:lstStyle/>
+          <a:p>
+            <a:r>
+              <a:rPr lang="ro-RO" dirty="0"/>
+              <a:t>Pagină individuală pentru pilot</a:t>
+            </a:r>
+            <a:endParaRPr lang="en-US" dirty="0"/>
+          </a:p>
+        </p:txBody>
+      </p:sp>
+      <p:cxnSp>
+        <p:nvCxnSpPr>
+          <p:cNvPr id="54" name="Straight Arrow Connector 53">
+            <a:extLst>
+              <a:ext uri="{FF2B5EF4-FFF2-40B4-BE49-F238E27FC236}">
+                <a16:creationId xmlns:a16="http://schemas.microsoft.com/office/drawing/2014/main" id="{7824CC11-8EEF-9648-34AE-F49D9649F60C}"/>
+              </a:ext>
+            </a:extLst>
+          </p:cNvPr>
+          <p:cNvCxnSpPr>
+            <a:cxnSpLocks/>
+            <a:endCxn id="53" idx="1"/>
+          </p:cNvCxnSpPr>
+          <p:nvPr/>
+        </p:nvCxnSpPr>
+        <p:spPr>
+          <a:xfrm flipV="1">
+            <a:off x="7390223" y="2578774"/>
+            <a:ext cx="1424715" cy="13490"/>
+          </a:xfrm>
+          <a:prstGeom prst="straightConnector1">
+            <a:avLst/>
+          </a:prstGeom>
+          <a:ln w="38100">
+            <a:solidFill>
+              <a:schemeClr val="tx1"/>
+            </a:solidFill>
+            <a:tailEnd type="triangle"/>
+          </a:ln>
+        </p:spPr>
+        <p:style>
+          <a:lnRef idx="2">
+            <a:schemeClr val="accent1"/>
+          </a:lnRef>
+          <a:fillRef idx="0">
+            <a:schemeClr val="accent1"/>
+          </a:fillRef>
+          <a:effectRef idx="1">
+            <a:schemeClr val="accent1"/>
+          </a:effectRef>
+          <a:fontRef idx="minor">
+            <a:schemeClr val="tx1"/>
+          </a:fontRef>
+        </p:style>
+      </p:cxnSp>
+      <p:sp>
+        <p:nvSpPr>
+          <p:cNvPr id="56" name="TextBox 55">
+            <a:extLst>
+              <a:ext uri="{FF2B5EF4-FFF2-40B4-BE49-F238E27FC236}">
+                <a16:creationId xmlns:a16="http://schemas.microsoft.com/office/drawing/2014/main" id="{8469602D-B8E3-CD15-D0A5-932BC87E1955}"/>
+              </a:ext>
+            </a:extLst>
+          </p:cNvPr>
+          <p:cNvSpPr txBox="1"/>
+          <p:nvPr/>
+        </p:nvSpPr>
+        <p:spPr>
+          <a:xfrm>
+            <a:off x="8698720" y="3203399"/>
+            <a:ext cx="3414974" cy="369332"/>
+          </a:xfrm>
+          <a:prstGeom prst="rect">
+            <a:avLst/>
+          </a:prstGeom>
+          <a:noFill/>
+          <a:ln>
+            <a:solidFill>
+              <a:schemeClr val="tx1"/>
+            </a:solidFill>
+          </a:ln>
+        </p:spPr>
+        <p:txBody>
+          <a:bodyPr wrap="none" rtlCol="0">
+            <a:spAutoFit/>
+          </a:bodyPr>
+          <a:lstStyle/>
+          <a:p>
+            <a:r>
+              <a:rPr lang="ro-RO" dirty="0"/>
+              <a:t>Pagină individuală pentru echipă</a:t>
+            </a:r>
+            <a:endParaRPr lang="en-US" dirty="0"/>
+          </a:p>
+        </p:txBody>
+      </p:sp>
+      <p:cxnSp>
+        <p:nvCxnSpPr>
+          <p:cNvPr id="57" name="Straight Arrow Connector 56">
+            <a:extLst>
+              <a:ext uri="{FF2B5EF4-FFF2-40B4-BE49-F238E27FC236}">
+                <a16:creationId xmlns:a16="http://schemas.microsoft.com/office/drawing/2014/main" id="{798CEF39-C908-6BCE-5239-868563670162}"/>
+              </a:ext>
+            </a:extLst>
+          </p:cNvPr>
+          <p:cNvCxnSpPr>
+            <a:cxnSpLocks/>
+            <a:stCxn id="29" idx="3"/>
+            <a:endCxn id="56" idx="1"/>
+          </p:cNvCxnSpPr>
+          <p:nvPr/>
+        </p:nvCxnSpPr>
+        <p:spPr>
+          <a:xfrm flipV="1">
+            <a:off x="7550084" y="3388065"/>
+            <a:ext cx="1148636" cy="12241"/>
+          </a:xfrm>
+          <a:prstGeom prst="straightConnector1">
+            <a:avLst/>
+          </a:prstGeom>
+          <a:ln w="38100">
+            <a:solidFill>
+              <a:schemeClr val="tx1"/>
+            </a:solidFill>
+            <a:tailEnd type="triangle"/>
+          </a:ln>
+        </p:spPr>
+        <p:style>
+          <a:lnRef idx="2">
+            <a:schemeClr val="accent1"/>
+          </a:lnRef>
+          <a:fillRef idx="0">
+            <a:schemeClr val="accent1"/>
+          </a:fillRef>
+          <a:effectRef idx="1">
+            <a:schemeClr val="accent1"/>
+          </a:effectRef>
+          <a:fontRef idx="minor">
+            <a:schemeClr val="tx1"/>
+          </a:fontRef>
+        </p:style>
+      </p:cxnSp>
+      <p:sp>
+        <p:nvSpPr>
+          <p:cNvPr id="60" name="TextBox 59">
+            <a:extLst>
+              <a:ext uri="{FF2B5EF4-FFF2-40B4-BE49-F238E27FC236}">
+                <a16:creationId xmlns:a16="http://schemas.microsoft.com/office/drawing/2014/main" id="{94FB560E-B483-1AB1-C9F3-A6B2C09CB851}"/>
+              </a:ext>
+            </a:extLst>
+          </p:cNvPr>
+          <p:cNvSpPr txBox="1"/>
+          <p:nvPr/>
+        </p:nvSpPr>
+        <p:spPr>
+          <a:xfrm>
+            <a:off x="7447696" y="4035460"/>
+            <a:ext cx="1821653" cy="369332"/>
+          </a:xfrm>
+          <a:prstGeom prst="rect">
+            <a:avLst/>
+          </a:prstGeom>
+          <a:noFill/>
+          <a:ln>
+            <a:solidFill>
+              <a:schemeClr val="tx1"/>
+            </a:solidFill>
+          </a:ln>
+        </p:spPr>
+        <p:txBody>
+          <a:bodyPr wrap="none" rtlCol="0">
+            <a:spAutoFit/>
+          </a:bodyPr>
+          <a:lstStyle/>
+          <a:p>
+            <a:r>
+              <a:rPr lang="ro-RO" dirty="0"/>
+              <a:t>Informații circuit</a:t>
+            </a:r>
+            <a:endParaRPr lang="en-US" dirty="0"/>
+          </a:p>
+        </p:txBody>
+      </p:sp>
+      <p:cxnSp>
+        <p:nvCxnSpPr>
+          <p:cNvPr id="61" name="Straight Arrow Connector 60">
+            <a:extLst>
+              <a:ext uri="{FF2B5EF4-FFF2-40B4-BE49-F238E27FC236}">
+                <a16:creationId xmlns:a16="http://schemas.microsoft.com/office/drawing/2014/main" id="{67555D6A-2060-3CC6-09B9-BAB358E3F8A3}"/>
+              </a:ext>
+            </a:extLst>
+          </p:cNvPr>
+          <p:cNvCxnSpPr>
+            <a:cxnSpLocks/>
+            <a:stCxn id="30" idx="3"/>
+            <a:endCxn id="60" idx="1"/>
+          </p:cNvCxnSpPr>
+          <p:nvPr/>
+        </p:nvCxnSpPr>
+        <p:spPr>
+          <a:xfrm>
+            <a:off x="6750090" y="4220126"/>
+            <a:ext cx="697606" cy="0"/>
+          </a:xfrm>
+          <a:prstGeom prst="straightConnector1">
+            <a:avLst/>
+          </a:prstGeom>
+          <a:ln w="38100">
+            <a:solidFill>
+              <a:schemeClr val="tx1"/>
+            </a:solidFill>
+            <a:tailEnd type="triangle"/>
+          </a:ln>
+        </p:spPr>
+        <p:style>
+          <a:lnRef idx="2">
+            <a:schemeClr val="accent1"/>
+          </a:lnRef>
+          <a:fillRef idx="0">
+            <a:schemeClr val="accent1"/>
+          </a:fillRef>
+          <a:effectRef idx="1">
+            <a:schemeClr val="accent1"/>
+          </a:effectRef>
+          <a:fontRef idx="minor">
+            <a:schemeClr val="tx1"/>
+          </a:fontRef>
+        </p:style>
+      </p:cxnSp>
+      <p:sp>
+        <p:nvSpPr>
+          <p:cNvPr id="64" name="TextBox 63">
+            <a:extLst>
+              <a:ext uri="{FF2B5EF4-FFF2-40B4-BE49-F238E27FC236}">
+                <a16:creationId xmlns:a16="http://schemas.microsoft.com/office/drawing/2014/main" id="{0D221E8E-0622-9E1E-1741-564630E4229A}"/>
+              </a:ext>
+            </a:extLst>
+          </p:cNvPr>
+          <p:cNvSpPr txBox="1"/>
+          <p:nvPr/>
+        </p:nvSpPr>
+        <p:spPr>
+          <a:xfrm>
+            <a:off x="10026458" y="4035460"/>
+            <a:ext cx="1891223" cy="369332"/>
+          </a:xfrm>
+          <a:prstGeom prst="rect">
+            <a:avLst/>
+          </a:prstGeom>
+          <a:noFill/>
+          <a:ln>
+            <a:solidFill>
+              <a:schemeClr val="tx1"/>
+            </a:solidFill>
+          </a:ln>
+        </p:spPr>
+        <p:txBody>
+          <a:bodyPr wrap="none" rtlCol="0">
+            <a:spAutoFit/>
+          </a:bodyPr>
+          <a:lstStyle/>
+          <a:p>
+            <a:r>
+              <a:rPr lang="ro-RO" dirty="0"/>
+              <a:t>Clasament cursă</a:t>
+            </a:r>
+            <a:endParaRPr lang="en-US" dirty="0"/>
+          </a:p>
+        </p:txBody>
+      </p:sp>
+      <p:cxnSp>
+        <p:nvCxnSpPr>
+          <p:cNvPr id="65" name="Straight Arrow Connector 64">
+            <a:extLst>
+              <a:ext uri="{FF2B5EF4-FFF2-40B4-BE49-F238E27FC236}">
+                <a16:creationId xmlns:a16="http://schemas.microsoft.com/office/drawing/2014/main" id="{FC0F15E0-7053-3370-9BCF-44F44CE45E44}"/>
+              </a:ext>
+            </a:extLst>
+          </p:cNvPr>
+          <p:cNvCxnSpPr>
+            <a:cxnSpLocks/>
+            <a:stCxn id="60" idx="3"/>
+            <a:endCxn id="64" idx="1"/>
+          </p:cNvCxnSpPr>
+          <p:nvPr/>
+        </p:nvCxnSpPr>
+        <p:spPr>
+          <a:xfrm>
+            <a:off x="9269349" y="4220126"/>
+            <a:ext cx="757109" cy="0"/>
+          </a:xfrm>
+          <a:prstGeom prst="straightConnector1">
+            <a:avLst/>
+          </a:prstGeom>
+          <a:ln w="38100">
+            <a:solidFill>
+              <a:schemeClr val="tx1"/>
+            </a:solidFill>
+            <a:tailEnd type="triangle"/>
+          </a:ln>
+        </p:spPr>
+        <p:style>
+          <a:lnRef idx="2">
+            <a:schemeClr val="accent1"/>
+          </a:lnRef>
+          <a:fillRef idx="0">
+            <a:schemeClr val="accent1"/>
+          </a:fillRef>
+          <a:effectRef idx="1">
+            <a:schemeClr val="accent1"/>
+          </a:effectRef>
+          <a:fontRef idx="minor">
+            <a:schemeClr val="tx1"/>
+          </a:fontRef>
+        </p:style>
+      </p:cxnSp>
     </p:spTree>
     <p:extLst>
       <p:ext uri="{BB962C8B-B14F-4D97-AF65-F5344CB8AC3E}">
-        <p14:creationId xmlns:p14="http://schemas.microsoft.com/office/powerpoint/2010/main" val="1186013767"/>
+        <p14:creationId xmlns:p14="http://schemas.microsoft.com/office/powerpoint/2010/main" val="2613755489"/>
       </p:ext>
     </p:extLst>
   </p:cSld>
@@ -8687,7 +7357,7 @@
           <p:cNvPr id="2" name="Title 1">
             <a:extLst>
               <a:ext uri="{FF2B5EF4-FFF2-40B4-BE49-F238E27FC236}">
-                <a16:creationId xmlns:a16="http://schemas.microsoft.com/office/drawing/2014/main" id="{22469044-2173-3FCA-0E9B-2E2F1CE8CA58}"/>
+                <a16:creationId xmlns:a16="http://schemas.microsoft.com/office/drawing/2014/main" id="{AFE94E7D-5531-6E50-92AD-54A0C4CFC071}"/>
               </a:ext>
             </a:extLst>
           </p:cNvPr>
@@ -8700,19 +7370,15 @@
         </p:nvSpPr>
         <p:spPr/>
         <p:txBody>
-          <a:bodyPr>
-            <a:normAutofit/>
-          </a:bodyPr>
-          <a:lstStyle/>
-          <a:p>
+          <a:bodyPr/>
+          <a:lstStyle/>
+          <a:p>
+            <a:pPr algn="ctr"/>
             <a:r>
               <a:rPr lang="ro-RO" dirty="0"/>
-              <a:t>Pagina de favorit și predicția pentru următoarea cursă</a:t>
-            </a:r>
-            <a:r>
-              <a:rPr lang="en-US" dirty="0"/>
-              <a:t>:</a:t>
-            </a:r>
+              <a:t>Formatul mailului</a:t>
+            </a:r>
+            <a:endParaRPr lang="en-US" dirty="0"/>
           </a:p>
         </p:txBody>
       </p:sp>
@@ -8721,7 +7387,7 @@
           <p:cNvPr id="3" name="Content Placeholder 2">
             <a:extLst>
               <a:ext uri="{FF2B5EF4-FFF2-40B4-BE49-F238E27FC236}">
-                <a16:creationId xmlns:a16="http://schemas.microsoft.com/office/drawing/2014/main" id="{CDE26A43-A47E-344D-2A9F-DB145C7AAB6F}"/>
+                <a16:creationId xmlns:a16="http://schemas.microsoft.com/office/drawing/2014/main" id="{5B20770A-05DD-5619-2C32-C6F598F449C2}"/>
               </a:ext>
             </a:extLst>
           </p:cNvPr>
@@ -8737,18 +7403,50 @@
           <a:bodyPr/>
           <a:lstStyle/>
           <a:p>
-            <a:pPr marL="0" indent="0" algn="ctr">
+            <a:pPr marL="0" indent="0">
               <a:buNone/>
             </a:pPr>
             <a:r>
+              <a:rPr lang="ro-RO" dirty="0"/>
+              <a:t>Subiect</a:t>
+            </a:r>
+            <a:r>
               <a:rPr lang="en-US" dirty="0"/>
-              <a:t>Dup</a:t>
+              <a:t>: </a:t>
+            </a:r>
+            <a:r>
+              <a:rPr lang="en-US" dirty="0" err="1"/>
+              <a:t>numele</a:t>
+            </a:r>
+            <a:r>
+              <a:rPr lang="en-US" dirty="0"/>
+              <a:t> </a:t>
+            </a:r>
+            <a:r>
+              <a:rPr lang="en-US" dirty="0" err="1"/>
+              <a:t>cursei</a:t>
+            </a:r>
+            <a:r>
+              <a:rPr lang="en-US" dirty="0"/>
+              <a:t> + R</a:t>
             </a:r>
             <a:r>
               <a:rPr lang="ro-RO" dirty="0"/>
-              <a:t>ă ce logarea a fost efectuată cu succes, utilizatorul va fi îndrumat către pagina de favorit, de unde va putea accesa și predicția pentru următoarea cursă.</a:t>
-            </a:r>
-            <a:endParaRPr lang="en-US" dirty="0"/>
+              <a:t>esults</a:t>
+            </a:r>
+          </a:p>
+          <a:p>
+            <a:pPr marL="0" indent="0">
+              <a:buNone/>
+            </a:pPr>
+            <a:r>
+              <a:rPr lang="en-US" dirty="0" err="1"/>
+              <a:t>Corpul</a:t>
+            </a:r>
+            <a:r>
+              <a:rPr lang="en-US" dirty="0"/>
+              <a:t>:</a:t>
+            </a:r>
           </a:p>
         </p:txBody>
       </p:sp>
@@ -8757,7 +7455,7 @@
           <p:cNvPr id="4" name="Slide Number Placeholder 3">
             <a:extLst>
               <a:ext uri="{FF2B5EF4-FFF2-40B4-BE49-F238E27FC236}">
-                <a16:creationId xmlns:a16="http://schemas.microsoft.com/office/drawing/2014/main" id="{7F04B1C2-17AD-AABB-C9D8-C5C2291B71E3}"/>
+                <a16:creationId xmlns:a16="http://schemas.microsoft.com/office/drawing/2014/main" id="{95D202F6-4E9C-2F83-561A-0FF7276512CD}"/>
               </a:ext>
             </a:extLst>
           </p:cNvPr>
@@ -8783,10 +7481,10 @@
       </p:sp>
       <p:pic>
         <p:nvPicPr>
-          <p:cNvPr id="6" name="Picture 5" descr="A screenshot of a cell phone&#10;&#10;Description automatically generated">
-            <a:extLst>
-              <a:ext uri="{FF2B5EF4-FFF2-40B4-BE49-F238E27FC236}">
-                <a16:creationId xmlns:a16="http://schemas.microsoft.com/office/drawing/2014/main" id="{5955B5BA-3F73-DB19-16D3-D52651D14B6A}"/>
+          <p:cNvPr id="8" name="Picture 7">
+            <a:extLst>
+              <a:ext uri="{FF2B5EF4-FFF2-40B4-BE49-F238E27FC236}">
+                <a16:creationId xmlns:a16="http://schemas.microsoft.com/office/drawing/2014/main" id="{A19EB6AC-21B3-F625-933F-B1177B82EE7F}"/>
               </a:ext>
             </a:extLst>
           </p:cNvPr>
@@ -8796,7 +7494,235 @@
           <p:nvPr/>
         </p:nvPicPr>
         <p:blipFill>
-          <a:blip r:embed="rId2">
+          <a:blip r:embed="rId2"/>
+          <a:stretch>
+            <a:fillRect/>
+          </a:stretch>
+        </p:blipFill>
+        <p:spPr>
+          <a:xfrm>
+            <a:off x="6299229" y="1890689"/>
+            <a:ext cx="1571844" cy="333422"/>
+          </a:xfrm>
+          <a:prstGeom prst="rect">
+            <a:avLst/>
+          </a:prstGeom>
+        </p:spPr>
+      </p:pic>
+      <p:pic>
+        <p:nvPicPr>
+          <p:cNvPr id="10" name="Picture 9">
+            <a:extLst>
+              <a:ext uri="{FF2B5EF4-FFF2-40B4-BE49-F238E27FC236}">
+                <a16:creationId xmlns:a16="http://schemas.microsoft.com/office/drawing/2014/main" id="{D2EA3272-2B81-5923-A25C-F68F66E983A2}"/>
+              </a:ext>
+            </a:extLst>
+          </p:cNvPr>
+          <p:cNvPicPr>
+            <a:picLocks noChangeAspect="1"/>
+          </p:cNvPicPr>
+          <p:nvPr/>
+        </p:nvPicPr>
+        <p:blipFill>
+          <a:blip r:embed="rId3"/>
+          <a:stretch>
+            <a:fillRect/>
+          </a:stretch>
+        </p:blipFill>
+        <p:spPr>
+          <a:xfrm>
+            <a:off x="838200" y="2930320"/>
+            <a:ext cx="1374972" cy="2722986"/>
+          </a:xfrm>
+          <a:prstGeom prst="rect">
+            <a:avLst/>
+          </a:prstGeom>
+        </p:spPr>
+      </p:pic>
+      <p:sp>
+        <p:nvSpPr>
+          <p:cNvPr id="11" name="TextBox 10">
+            <a:extLst>
+              <a:ext uri="{FF2B5EF4-FFF2-40B4-BE49-F238E27FC236}">
+                <a16:creationId xmlns:a16="http://schemas.microsoft.com/office/drawing/2014/main" id="{97368E99-2515-CAD7-6245-2F13A147BB61}"/>
+              </a:ext>
+            </a:extLst>
+          </p:cNvPr>
+          <p:cNvSpPr txBox="1"/>
+          <p:nvPr/>
+        </p:nvSpPr>
+        <p:spPr>
+          <a:xfrm>
+            <a:off x="459849" y="5807631"/>
+            <a:ext cx="2131674" cy="369332"/>
+          </a:xfrm>
+          <a:prstGeom prst="rect">
+            <a:avLst/>
+          </a:prstGeom>
+          <a:noFill/>
+        </p:spPr>
+        <p:txBody>
+          <a:bodyPr wrap="none" rtlCol="0">
+            <a:spAutoFit/>
+          </a:bodyPr>
+          <a:lstStyle/>
+          <a:p>
+            <a:r>
+              <a:rPr lang="ro-RO" dirty="0"/>
+              <a:t>Clasamentul cursei</a:t>
+            </a:r>
+            <a:endParaRPr lang="en-US" dirty="0"/>
+          </a:p>
+        </p:txBody>
+      </p:sp>
+      <p:pic>
+        <p:nvPicPr>
+          <p:cNvPr id="13" name="Picture 12">
+            <a:extLst>
+              <a:ext uri="{FF2B5EF4-FFF2-40B4-BE49-F238E27FC236}">
+                <a16:creationId xmlns:a16="http://schemas.microsoft.com/office/drawing/2014/main" id="{CB97CAD3-4E93-6E86-5575-6F901B0CA7C3}"/>
+              </a:ext>
+            </a:extLst>
+          </p:cNvPr>
+          <p:cNvPicPr>
+            <a:picLocks noChangeAspect="1"/>
+          </p:cNvPicPr>
+          <p:nvPr/>
+        </p:nvPicPr>
+        <p:blipFill>
+          <a:blip r:embed="rId4"/>
+          <a:stretch>
+            <a:fillRect/>
+          </a:stretch>
+        </p:blipFill>
+        <p:spPr>
+          <a:xfrm>
+            <a:off x="5364534" y="2838081"/>
+            <a:ext cx="1462932" cy="2724912"/>
+          </a:xfrm>
+          <a:prstGeom prst="rect">
+            <a:avLst/>
+          </a:prstGeom>
+        </p:spPr>
+      </p:pic>
+      <p:sp>
+        <p:nvSpPr>
+          <p:cNvPr id="14" name="TextBox 13">
+            <a:extLst>
+              <a:ext uri="{FF2B5EF4-FFF2-40B4-BE49-F238E27FC236}">
+                <a16:creationId xmlns:a16="http://schemas.microsoft.com/office/drawing/2014/main" id="{DCB92C4A-1DA2-7AD0-65CB-20D0D735572B}"/>
+              </a:ext>
+            </a:extLst>
+          </p:cNvPr>
+          <p:cNvSpPr txBox="1"/>
+          <p:nvPr/>
+        </p:nvSpPr>
+        <p:spPr>
+          <a:xfrm>
+            <a:off x="4955303" y="5807631"/>
+            <a:ext cx="2281394" cy="369332"/>
+          </a:xfrm>
+          <a:prstGeom prst="rect">
+            <a:avLst/>
+          </a:prstGeom>
+          <a:noFill/>
+        </p:spPr>
+        <p:txBody>
+          <a:bodyPr wrap="none" rtlCol="0">
+            <a:spAutoFit/>
+          </a:bodyPr>
+          <a:lstStyle/>
+          <a:p>
+            <a:r>
+              <a:rPr lang="ro-RO" dirty="0"/>
+              <a:t>Clasamentul piloților</a:t>
+            </a:r>
+            <a:endParaRPr lang="en-US" dirty="0"/>
+          </a:p>
+        </p:txBody>
+      </p:sp>
+      <p:pic>
+        <p:nvPicPr>
+          <p:cNvPr id="16" name="Picture 15">
+            <a:extLst>
+              <a:ext uri="{FF2B5EF4-FFF2-40B4-BE49-F238E27FC236}">
+                <a16:creationId xmlns:a16="http://schemas.microsoft.com/office/drawing/2014/main" id="{6ABB3971-2885-5826-3CC3-111BD002E780}"/>
+              </a:ext>
+            </a:extLst>
+          </p:cNvPr>
+          <p:cNvPicPr>
+            <a:picLocks noChangeAspect="1"/>
+          </p:cNvPicPr>
+          <p:nvPr/>
+        </p:nvPicPr>
+        <p:blipFill>
+          <a:blip r:embed="rId5"/>
+          <a:stretch>
+            <a:fillRect/>
+          </a:stretch>
+        </p:blipFill>
+        <p:spPr>
+          <a:xfrm>
+            <a:off x="9083353" y="3162977"/>
+            <a:ext cx="1790950" cy="1676634"/>
+          </a:xfrm>
+          <a:prstGeom prst="rect">
+            <a:avLst/>
+          </a:prstGeom>
+        </p:spPr>
+      </p:pic>
+      <p:sp>
+        <p:nvSpPr>
+          <p:cNvPr id="17" name="TextBox 16">
+            <a:extLst>
+              <a:ext uri="{FF2B5EF4-FFF2-40B4-BE49-F238E27FC236}">
+                <a16:creationId xmlns:a16="http://schemas.microsoft.com/office/drawing/2014/main" id="{9F1EFCB9-37F8-838D-B0CA-106B33590505}"/>
+              </a:ext>
+            </a:extLst>
+          </p:cNvPr>
+          <p:cNvSpPr txBox="1"/>
+          <p:nvPr/>
+        </p:nvSpPr>
+        <p:spPr>
+          <a:xfrm>
+            <a:off x="8749966" y="5796353"/>
+            <a:ext cx="2457724" cy="369332"/>
+          </a:xfrm>
+          <a:prstGeom prst="rect">
+            <a:avLst/>
+          </a:prstGeom>
+          <a:noFill/>
+        </p:spPr>
+        <p:txBody>
+          <a:bodyPr wrap="none" rtlCol="0">
+            <a:spAutoFit/>
+          </a:bodyPr>
+          <a:lstStyle/>
+          <a:p>
+            <a:r>
+              <a:rPr lang="ro-RO" dirty="0"/>
+              <a:t>Clasamentul echipelor</a:t>
+            </a:r>
+            <a:endParaRPr lang="en-US" dirty="0"/>
+          </a:p>
+        </p:txBody>
+      </p:sp>
+      <p:pic>
+        <p:nvPicPr>
+          <p:cNvPr id="18" name="Imagine 6" descr="O imagine care conține text, Font, Albastru electric, captură de ecran&#10;&#10;Descriere generată automat">
+            <a:extLst>
+              <a:ext uri="{FF2B5EF4-FFF2-40B4-BE49-F238E27FC236}">
+                <a16:creationId xmlns:a16="http://schemas.microsoft.com/office/drawing/2014/main" id="{53BCAD26-B4FF-3CA6-A703-1C05151A3B6A}"/>
+              </a:ext>
+            </a:extLst>
+          </p:cNvPr>
+          <p:cNvPicPr>
+            <a:picLocks noChangeAspect="1"/>
+          </p:cNvPicPr>
+          <p:nvPr/>
+        </p:nvPicPr>
+        <p:blipFill>
+          <a:blip r:embed="rId6">
             <a:extLst>
               <a:ext uri="{28A0092B-C50C-407E-A947-70E740481C1C}">
                 <a14:useLocalDpi xmlns:a14="http://schemas.microsoft.com/office/drawing/2010/main" val="0"/>
@@ -8809,126 +7735,18 @@
         </p:blipFill>
         <p:spPr>
           <a:xfrm>
-            <a:off x="1807146" y="3068476"/>
-            <a:ext cx="1536192" cy="3243424"/>
+            <a:off x="9689982" y="191461"/>
+            <a:ext cx="2364858" cy="836445"/>
           </a:xfrm>
           <a:prstGeom prst="rect">
             <a:avLst/>
           </a:prstGeom>
         </p:spPr>
       </p:pic>
-      <p:sp>
-        <p:nvSpPr>
-          <p:cNvPr id="7" name="TextBox 6">
-            <a:extLst>
-              <a:ext uri="{FF2B5EF4-FFF2-40B4-BE49-F238E27FC236}">
-                <a16:creationId xmlns:a16="http://schemas.microsoft.com/office/drawing/2014/main" id="{B7385C7C-340B-540E-14D5-B7FEF2237D99}"/>
-              </a:ext>
-            </a:extLst>
-          </p:cNvPr>
-          <p:cNvSpPr txBox="1"/>
-          <p:nvPr/>
-        </p:nvSpPr>
-        <p:spPr>
-          <a:xfrm>
-            <a:off x="1666307" y="6352143"/>
-            <a:ext cx="1817870" cy="369332"/>
-          </a:xfrm>
-          <a:prstGeom prst="rect">
-            <a:avLst/>
-          </a:prstGeom>
-          <a:noFill/>
-        </p:spPr>
-        <p:txBody>
-          <a:bodyPr wrap="none" rtlCol="0">
-            <a:spAutoFit/>
-          </a:bodyPr>
-          <a:lstStyle/>
-          <a:p>
-            <a:r>
-              <a:rPr lang="ro-RO" dirty="0"/>
-              <a:t>Pagina de favorit</a:t>
-            </a:r>
-            <a:endParaRPr lang="en-US" dirty="0"/>
-          </a:p>
-        </p:txBody>
-      </p:sp>
-      <p:pic>
-        <p:nvPicPr>
-          <p:cNvPr id="9" name="Picture 8" descr="A screenshot of a phone&#10;&#10;Description automatically generated">
-            <a:extLst>
-              <a:ext uri="{FF2B5EF4-FFF2-40B4-BE49-F238E27FC236}">
-                <a16:creationId xmlns:a16="http://schemas.microsoft.com/office/drawing/2014/main" id="{26BC186D-5253-C4C1-18EB-6766CD132F59}"/>
-              </a:ext>
-            </a:extLst>
-          </p:cNvPr>
-          <p:cNvPicPr>
-            <a:picLocks noChangeAspect="1"/>
-          </p:cNvPicPr>
-          <p:nvPr/>
-        </p:nvPicPr>
-        <p:blipFill>
-          <a:blip r:embed="rId3">
-            <a:extLst>
-              <a:ext uri="{28A0092B-C50C-407E-A947-70E740481C1C}">
-                <a14:useLocalDpi xmlns:a14="http://schemas.microsoft.com/office/drawing/2010/main" val="0"/>
-              </a:ext>
-            </a:extLst>
-          </a:blip>
-          <a:stretch>
-            <a:fillRect/>
-          </a:stretch>
-        </p:blipFill>
-        <p:spPr>
-          <a:xfrm>
-            <a:off x="9078376" y="2961903"/>
-            <a:ext cx="1041618" cy="3217442"/>
-          </a:xfrm>
-          <a:prstGeom prst="rect">
-            <a:avLst/>
-          </a:prstGeom>
-        </p:spPr>
-      </p:pic>
-      <p:sp>
-        <p:nvSpPr>
-          <p:cNvPr id="10" name="TextBox 9">
-            <a:extLst>
-              <a:ext uri="{FF2B5EF4-FFF2-40B4-BE49-F238E27FC236}">
-                <a16:creationId xmlns:a16="http://schemas.microsoft.com/office/drawing/2014/main" id="{FE4A963F-E30B-944D-5864-0412C5A70D2C}"/>
-              </a:ext>
-            </a:extLst>
-          </p:cNvPr>
-          <p:cNvSpPr txBox="1"/>
-          <p:nvPr/>
-        </p:nvSpPr>
-        <p:spPr>
-          <a:xfrm>
-            <a:off x="7801032" y="6176963"/>
-            <a:ext cx="3596306" cy="369332"/>
-          </a:xfrm>
-          <a:prstGeom prst="rect">
-            <a:avLst/>
-          </a:prstGeom>
-          <a:noFill/>
-        </p:spPr>
-        <p:txBody>
-          <a:bodyPr wrap="none" rtlCol="0">
-            <a:spAutoFit/>
-          </a:bodyPr>
-          <a:lstStyle/>
-          <a:p>
-            <a:r>
-              <a:rPr lang="ro-RO" dirty="0"/>
-              <a:t>Predicția pentru următoarea cursă</a:t>
-            </a:r>
-            <a:endParaRPr lang="en-US" dirty="0"/>
-          </a:p>
-        </p:txBody>
-      </p:sp>
     </p:spTree>
     <p:extLst>
       <p:ext uri="{BB962C8B-B14F-4D97-AF65-F5344CB8AC3E}">
-        <p14:creationId xmlns:p14="http://schemas.microsoft.com/office/powerpoint/2010/main" val="2130807110"/>
+        <p14:creationId xmlns:p14="http://schemas.microsoft.com/office/powerpoint/2010/main" val="1041115633"/>
       </p:ext>
     </p:extLst>
   </p:cSld>
@@ -8960,7 +7778,7 @@
           <p:cNvPr id="2" name="Title 1">
             <a:extLst>
               <a:ext uri="{FF2B5EF4-FFF2-40B4-BE49-F238E27FC236}">
-                <a16:creationId xmlns:a16="http://schemas.microsoft.com/office/drawing/2014/main" id="{6EDAA935-4B70-34D3-9AE8-D52723779C85}"/>
+                <a16:creationId xmlns:a16="http://schemas.microsoft.com/office/drawing/2014/main" id="{3939EFD6-D87D-5C6A-4E39-794FD9899E81}"/>
               </a:ext>
             </a:extLst>
           </p:cNvPr>
@@ -8976,56 +7794,10 @@
           <a:bodyPr/>
           <a:lstStyle/>
           <a:p>
-            <a:r>
-              <a:rPr lang="en-US" dirty="0" err="1"/>
-              <a:t>Pagina</a:t>
-            </a:r>
-            <a:r>
-              <a:rPr lang="en-US" dirty="0"/>
-              <a:t> </a:t>
-            </a:r>
-            <a:r>
-              <a:rPr lang="en-US" dirty="0" err="1"/>
-              <a:t>pilo</a:t>
-            </a:r>
+            <a:pPr algn="ctr"/>
             <a:r>
               <a:rPr lang="ro-RO" dirty="0"/>
-              <a:t>ților</a:t>
-            </a:r>
-            <a:r>
-              <a:rPr lang="en-US" dirty="0"/>
-              <a:t>:</a:t>
-            </a:r>
-          </a:p>
-        </p:txBody>
-      </p:sp>
-      <p:sp>
-        <p:nvSpPr>
-          <p:cNvPr id="3" name="Content Placeholder 2">
-            <a:extLst>
-              <a:ext uri="{FF2B5EF4-FFF2-40B4-BE49-F238E27FC236}">
-                <a16:creationId xmlns:a16="http://schemas.microsoft.com/office/drawing/2014/main" id="{5F59CEC3-8FC5-AC21-7F0B-50FF804F35CC}"/>
-              </a:ext>
-            </a:extLst>
-          </p:cNvPr>
-          <p:cNvSpPr>
-            <a:spLocks noGrp="1"/>
-          </p:cNvSpPr>
-          <p:nvPr>
-            <p:ph idx="1"/>
-          </p:nvPr>
-        </p:nvSpPr>
-        <p:spPr/>
-        <p:txBody>
-          <a:bodyPr/>
-          <a:lstStyle/>
-          <a:p>
-            <a:pPr marL="0" indent="0" algn="ctr">
-              <a:buNone/>
-            </a:pPr>
-            <a:r>
-              <a:rPr lang="ro-RO" dirty="0"/>
-              <a:t>Clasamentul piloților, iar dacă utilizatorul dorește să afle informații suplimentare despre un anumit sportiv, poate face acest lucru prin apăsarea liniei corespunzătoare pilotului respectiv.</a:t>
+              <a:t>Baza de date</a:t>
             </a:r>
             <a:endParaRPr lang="en-US" dirty="0"/>
           </a:p>
@@ -9036,7 +7808,7 @@
           <p:cNvPr id="4" name="Slide Number Placeholder 3">
             <a:extLst>
               <a:ext uri="{FF2B5EF4-FFF2-40B4-BE49-F238E27FC236}">
-                <a16:creationId xmlns:a16="http://schemas.microsoft.com/office/drawing/2014/main" id="{BB6CA10B-B821-B002-4D8D-29DCF0C29424}"/>
+                <a16:creationId xmlns:a16="http://schemas.microsoft.com/office/drawing/2014/main" id="{23613E33-FFBF-D969-D43A-1C396053F587}"/>
               </a:ext>
             </a:extLst>
           </p:cNvPr>
@@ -9060,12 +7832,1024 @@
           </a:p>
         </p:txBody>
       </p:sp>
+      <p:sp>
+        <p:nvSpPr>
+          <p:cNvPr id="8" name="TextBox 7">
+            <a:extLst>
+              <a:ext uri="{FF2B5EF4-FFF2-40B4-BE49-F238E27FC236}">
+                <a16:creationId xmlns:a16="http://schemas.microsoft.com/office/drawing/2014/main" id="{0F91FF69-43BB-9769-78A4-18FECBDCB1E3}"/>
+              </a:ext>
+            </a:extLst>
+          </p:cNvPr>
+          <p:cNvSpPr txBox="1"/>
+          <p:nvPr/>
+        </p:nvSpPr>
+        <p:spPr>
+          <a:xfrm>
+            <a:off x="2761813" y="2283410"/>
+            <a:ext cx="1332661" cy="369332"/>
+          </a:xfrm>
+          <a:prstGeom prst="rect">
+            <a:avLst/>
+          </a:prstGeom>
+          <a:noFill/>
+          <a:ln>
+            <a:solidFill>
+              <a:schemeClr val="tx1"/>
+            </a:solidFill>
+          </a:ln>
+        </p:spPr>
+        <p:txBody>
+          <a:bodyPr wrap="square" rtlCol="0">
+            <a:spAutoFit/>
+          </a:bodyPr>
+          <a:lstStyle/>
+          <a:p>
+            <a:pPr algn="ctr"/>
+            <a:r>
+              <a:rPr lang="ro-RO" dirty="0">
+                <a:latin typeface="Bahnschrift" panose="020B0502040204020203" pitchFamily="34" charset="0"/>
+              </a:rPr>
+              <a:t>Circuits</a:t>
+            </a:r>
+            <a:endParaRPr lang="en-US" dirty="0">
+              <a:latin typeface="Bahnschrift" panose="020B0502040204020203" pitchFamily="34" charset="0"/>
+            </a:endParaRPr>
+          </a:p>
+        </p:txBody>
+      </p:sp>
+      <p:cxnSp>
+        <p:nvCxnSpPr>
+          <p:cNvPr id="9" name="Straight Arrow Connector 8">
+            <a:extLst>
+              <a:ext uri="{FF2B5EF4-FFF2-40B4-BE49-F238E27FC236}">
+                <a16:creationId xmlns:a16="http://schemas.microsoft.com/office/drawing/2014/main" id="{6C4316D7-CB0E-C50B-34CD-F3CB2BFFC402}"/>
+              </a:ext>
+            </a:extLst>
+          </p:cNvPr>
+          <p:cNvCxnSpPr>
+            <a:cxnSpLocks/>
+            <a:stCxn id="8" idx="3"/>
+            <a:endCxn id="10" idx="1"/>
+          </p:cNvCxnSpPr>
+          <p:nvPr/>
+        </p:nvCxnSpPr>
+        <p:spPr>
+          <a:xfrm>
+            <a:off x="4094474" y="2468076"/>
+            <a:ext cx="815853" cy="0"/>
+          </a:xfrm>
+          <a:prstGeom prst="straightConnector1">
+            <a:avLst/>
+          </a:prstGeom>
+          <a:ln w="38100">
+            <a:solidFill>
+              <a:schemeClr val="tx1"/>
+            </a:solidFill>
+            <a:tailEnd type="triangle"/>
+          </a:ln>
+        </p:spPr>
+        <p:style>
+          <a:lnRef idx="2">
+            <a:schemeClr val="accent1"/>
+          </a:lnRef>
+          <a:fillRef idx="0">
+            <a:schemeClr val="accent1"/>
+          </a:fillRef>
+          <a:effectRef idx="1">
+            <a:schemeClr val="accent1"/>
+          </a:effectRef>
+          <a:fontRef idx="minor">
+            <a:schemeClr val="tx1"/>
+          </a:fontRef>
+        </p:style>
+      </p:cxnSp>
+      <p:sp>
+        <p:nvSpPr>
+          <p:cNvPr id="10" name="TextBox 9">
+            <a:extLst>
+              <a:ext uri="{FF2B5EF4-FFF2-40B4-BE49-F238E27FC236}">
+                <a16:creationId xmlns:a16="http://schemas.microsoft.com/office/drawing/2014/main" id="{E77DF1B0-124C-D2CF-DBC0-6645796E5FD3}"/>
+              </a:ext>
+            </a:extLst>
+          </p:cNvPr>
+          <p:cNvSpPr txBox="1"/>
+          <p:nvPr/>
+        </p:nvSpPr>
+        <p:spPr>
+          <a:xfrm>
+            <a:off x="4910327" y="2283410"/>
+            <a:ext cx="493433" cy="369332"/>
+          </a:xfrm>
+          <a:prstGeom prst="rect">
+            <a:avLst/>
+          </a:prstGeom>
+          <a:noFill/>
+          <a:ln>
+            <a:solidFill>
+              <a:schemeClr val="tx1"/>
+            </a:solidFill>
+          </a:ln>
+        </p:spPr>
+        <p:txBody>
+          <a:bodyPr wrap="square" rtlCol="0">
+            <a:spAutoFit/>
+          </a:bodyPr>
+          <a:lstStyle/>
+          <a:p>
+            <a:pPr algn="ctr"/>
+            <a:r>
+              <a:rPr lang="ro-RO" dirty="0">
+                <a:latin typeface="Bahnschrift" panose="020B0502040204020203" pitchFamily="34" charset="0"/>
+              </a:rPr>
+              <a:t>An</a:t>
+            </a:r>
+            <a:endParaRPr lang="en-US" dirty="0">
+              <a:latin typeface="Bahnschrift" panose="020B0502040204020203" pitchFamily="34" charset="0"/>
+            </a:endParaRPr>
+          </a:p>
+        </p:txBody>
+      </p:sp>
+      <p:cxnSp>
+        <p:nvCxnSpPr>
+          <p:cNvPr id="15" name="Straight Arrow Connector 14">
+            <a:extLst>
+              <a:ext uri="{FF2B5EF4-FFF2-40B4-BE49-F238E27FC236}">
+                <a16:creationId xmlns:a16="http://schemas.microsoft.com/office/drawing/2014/main" id="{3DB3DBC1-0B59-400E-5519-5D479B764DD7}"/>
+              </a:ext>
+            </a:extLst>
+          </p:cNvPr>
+          <p:cNvCxnSpPr>
+            <a:cxnSpLocks/>
+            <a:stCxn id="10" idx="3"/>
+            <a:endCxn id="16" idx="1"/>
+          </p:cNvCxnSpPr>
+          <p:nvPr/>
+        </p:nvCxnSpPr>
+        <p:spPr>
+          <a:xfrm flipV="1">
+            <a:off x="5403760" y="2463054"/>
+            <a:ext cx="1384480" cy="5022"/>
+          </a:xfrm>
+          <a:prstGeom prst="straightConnector1">
+            <a:avLst/>
+          </a:prstGeom>
+          <a:ln w="38100">
+            <a:solidFill>
+              <a:schemeClr val="tx1"/>
+            </a:solidFill>
+            <a:tailEnd type="triangle"/>
+          </a:ln>
+        </p:spPr>
+        <p:style>
+          <a:lnRef idx="2">
+            <a:schemeClr val="accent1"/>
+          </a:lnRef>
+          <a:fillRef idx="0">
+            <a:schemeClr val="accent1"/>
+          </a:fillRef>
+          <a:effectRef idx="1">
+            <a:schemeClr val="accent1"/>
+          </a:effectRef>
+          <a:fontRef idx="minor">
+            <a:schemeClr val="tx1"/>
+          </a:fontRef>
+        </p:style>
+      </p:cxnSp>
+      <p:sp>
+        <p:nvSpPr>
+          <p:cNvPr id="16" name="TextBox 15">
+            <a:extLst>
+              <a:ext uri="{FF2B5EF4-FFF2-40B4-BE49-F238E27FC236}">
+                <a16:creationId xmlns:a16="http://schemas.microsoft.com/office/drawing/2014/main" id="{D8601003-58A2-B6D7-4F5F-1846B67373FF}"/>
+              </a:ext>
+            </a:extLst>
+          </p:cNvPr>
+          <p:cNvSpPr txBox="1"/>
+          <p:nvPr/>
+        </p:nvSpPr>
+        <p:spPr>
+          <a:xfrm>
+            <a:off x="6788240" y="2278388"/>
+            <a:ext cx="792480" cy="369332"/>
+          </a:xfrm>
+          <a:prstGeom prst="rect">
+            <a:avLst/>
+          </a:prstGeom>
+          <a:noFill/>
+          <a:ln>
+            <a:solidFill>
+              <a:schemeClr val="tx1"/>
+            </a:solidFill>
+          </a:ln>
+        </p:spPr>
+        <p:txBody>
+          <a:bodyPr wrap="square" rtlCol="0">
+            <a:spAutoFit/>
+          </a:bodyPr>
+          <a:lstStyle/>
+          <a:p>
+            <a:pPr algn="ctr"/>
+            <a:r>
+              <a:rPr lang="ro-RO" dirty="0">
+                <a:latin typeface="Bahnschrift" panose="020B0502040204020203" pitchFamily="34" charset="0"/>
+              </a:rPr>
+              <a:t>Cursa</a:t>
+            </a:r>
+            <a:endParaRPr lang="en-US" dirty="0">
+              <a:latin typeface="Bahnschrift" panose="020B0502040204020203" pitchFamily="34" charset="0"/>
+            </a:endParaRPr>
+          </a:p>
+        </p:txBody>
+      </p:sp>
+      <p:cxnSp>
+        <p:nvCxnSpPr>
+          <p:cNvPr id="17" name="Straight Arrow Connector 16">
+            <a:extLst>
+              <a:ext uri="{FF2B5EF4-FFF2-40B4-BE49-F238E27FC236}">
+                <a16:creationId xmlns:a16="http://schemas.microsoft.com/office/drawing/2014/main" id="{065CD862-FEB2-8116-2B32-982A7BA9566E}"/>
+              </a:ext>
+            </a:extLst>
+          </p:cNvPr>
+          <p:cNvCxnSpPr>
+            <a:cxnSpLocks/>
+            <a:stCxn id="16" idx="3"/>
+            <a:endCxn id="18" idx="1"/>
+          </p:cNvCxnSpPr>
+          <p:nvPr/>
+        </p:nvCxnSpPr>
+        <p:spPr>
+          <a:xfrm flipV="1">
+            <a:off x="7580720" y="2462241"/>
+            <a:ext cx="1029880" cy="813"/>
+          </a:xfrm>
+          <a:prstGeom prst="straightConnector1">
+            <a:avLst/>
+          </a:prstGeom>
+          <a:ln w="38100">
+            <a:solidFill>
+              <a:schemeClr val="tx1"/>
+            </a:solidFill>
+            <a:tailEnd type="triangle"/>
+          </a:ln>
+        </p:spPr>
+        <p:style>
+          <a:lnRef idx="2">
+            <a:schemeClr val="accent1"/>
+          </a:lnRef>
+          <a:fillRef idx="0">
+            <a:schemeClr val="accent1"/>
+          </a:fillRef>
+          <a:effectRef idx="1">
+            <a:schemeClr val="accent1"/>
+          </a:effectRef>
+          <a:fontRef idx="minor">
+            <a:schemeClr val="tx1"/>
+          </a:fontRef>
+        </p:style>
+      </p:cxnSp>
+      <p:sp>
+        <p:nvSpPr>
+          <p:cNvPr id="18" name="TextBox 17">
+            <a:extLst>
+              <a:ext uri="{FF2B5EF4-FFF2-40B4-BE49-F238E27FC236}">
+                <a16:creationId xmlns:a16="http://schemas.microsoft.com/office/drawing/2014/main" id="{81B6FCEA-EBD1-644D-7D7E-54CC51323D54}"/>
+              </a:ext>
+            </a:extLst>
+          </p:cNvPr>
+          <p:cNvSpPr txBox="1"/>
+          <p:nvPr/>
+        </p:nvSpPr>
+        <p:spPr>
+          <a:xfrm>
+            <a:off x="8610600" y="2277575"/>
+            <a:ext cx="2618575" cy="369332"/>
+          </a:xfrm>
+          <a:prstGeom prst="rect">
+            <a:avLst/>
+          </a:prstGeom>
+          <a:noFill/>
+          <a:ln>
+            <a:solidFill>
+              <a:schemeClr val="tx1"/>
+            </a:solidFill>
+          </a:ln>
+        </p:spPr>
+        <p:txBody>
+          <a:bodyPr wrap="square" rtlCol="0">
+            <a:spAutoFit/>
+          </a:bodyPr>
+          <a:lstStyle/>
+          <a:p>
+            <a:pPr algn="ctr"/>
+            <a:r>
+              <a:rPr lang="ro-RO" dirty="0">
+                <a:latin typeface="Bahnschrift" panose="020B0502040204020203" pitchFamily="34" charset="0"/>
+              </a:rPr>
+              <a:t>Detalii circut/Rezultate</a:t>
+            </a:r>
+            <a:endParaRPr lang="en-US" dirty="0">
+              <a:latin typeface="Bahnschrift" panose="020B0502040204020203" pitchFamily="34" charset="0"/>
+            </a:endParaRPr>
+          </a:p>
+        </p:txBody>
+      </p:sp>
+      <p:sp>
+        <p:nvSpPr>
+          <p:cNvPr id="19" name="TextBox 18">
+            <a:extLst>
+              <a:ext uri="{FF2B5EF4-FFF2-40B4-BE49-F238E27FC236}">
+                <a16:creationId xmlns:a16="http://schemas.microsoft.com/office/drawing/2014/main" id="{162758F3-BD36-FAF5-E692-816C82CB5A4A}"/>
+              </a:ext>
+            </a:extLst>
+          </p:cNvPr>
+          <p:cNvSpPr txBox="1"/>
+          <p:nvPr/>
+        </p:nvSpPr>
+        <p:spPr>
+          <a:xfrm>
+            <a:off x="2758440" y="3149817"/>
+            <a:ext cx="963168" cy="369332"/>
+          </a:xfrm>
+          <a:prstGeom prst="rect">
+            <a:avLst/>
+          </a:prstGeom>
+          <a:noFill/>
+          <a:ln>
+            <a:solidFill>
+              <a:schemeClr val="tx1"/>
+            </a:solidFill>
+          </a:ln>
+        </p:spPr>
+        <p:txBody>
+          <a:bodyPr wrap="square" rtlCol="0">
+            <a:spAutoFit/>
+          </a:bodyPr>
+          <a:lstStyle/>
+          <a:p>
+            <a:pPr algn="ctr"/>
+            <a:r>
+              <a:rPr lang="ro-RO" dirty="0">
+                <a:latin typeface="Bahnschrift" panose="020B0502040204020203" pitchFamily="34" charset="0"/>
+              </a:rPr>
+              <a:t>Drivers</a:t>
+            </a:r>
+            <a:endParaRPr lang="en-US" dirty="0">
+              <a:latin typeface="Bahnschrift" panose="020B0502040204020203" pitchFamily="34" charset="0"/>
+            </a:endParaRPr>
+          </a:p>
+        </p:txBody>
+      </p:sp>
+      <p:cxnSp>
+        <p:nvCxnSpPr>
+          <p:cNvPr id="20" name="Straight Arrow Connector 19">
+            <a:extLst>
+              <a:ext uri="{FF2B5EF4-FFF2-40B4-BE49-F238E27FC236}">
+                <a16:creationId xmlns:a16="http://schemas.microsoft.com/office/drawing/2014/main" id="{47BD0C95-3312-CCD0-10CE-18D7251DCA07}"/>
+              </a:ext>
+            </a:extLst>
+          </p:cNvPr>
+          <p:cNvCxnSpPr>
+            <a:cxnSpLocks/>
+            <a:stCxn id="19" idx="3"/>
+            <a:endCxn id="23" idx="1"/>
+          </p:cNvCxnSpPr>
+          <p:nvPr/>
+        </p:nvCxnSpPr>
+        <p:spPr>
+          <a:xfrm>
+            <a:off x="3721608" y="3334483"/>
+            <a:ext cx="1188719" cy="0"/>
+          </a:xfrm>
+          <a:prstGeom prst="straightConnector1">
+            <a:avLst/>
+          </a:prstGeom>
+          <a:ln w="38100">
+            <a:solidFill>
+              <a:schemeClr val="tx1"/>
+            </a:solidFill>
+            <a:tailEnd type="triangle"/>
+          </a:ln>
+        </p:spPr>
+        <p:style>
+          <a:lnRef idx="2">
+            <a:schemeClr val="accent1"/>
+          </a:lnRef>
+          <a:fillRef idx="0">
+            <a:schemeClr val="accent1"/>
+          </a:fillRef>
+          <a:effectRef idx="1">
+            <a:schemeClr val="accent1"/>
+          </a:effectRef>
+          <a:fontRef idx="minor">
+            <a:schemeClr val="tx1"/>
+          </a:fontRef>
+        </p:style>
+      </p:cxnSp>
+      <p:sp>
+        <p:nvSpPr>
+          <p:cNvPr id="23" name="TextBox 22">
+            <a:extLst>
+              <a:ext uri="{FF2B5EF4-FFF2-40B4-BE49-F238E27FC236}">
+                <a16:creationId xmlns:a16="http://schemas.microsoft.com/office/drawing/2014/main" id="{439F3A1B-35B3-191F-2184-A546B2C33E29}"/>
+              </a:ext>
+            </a:extLst>
+          </p:cNvPr>
+          <p:cNvSpPr txBox="1"/>
+          <p:nvPr/>
+        </p:nvSpPr>
+        <p:spPr>
+          <a:xfrm>
+            <a:off x="4910327" y="3149817"/>
+            <a:ext cx="1548384" cy="369332"/>
+          </a:xfrm>
+          <a:prstGeom prst="rect">
+            <a:avLst/>
+          </a:prstGeom>
+          <a:noFill/>
+          <a:ln>
+            <a:solidFill>
+              <a:schemeClr val="tx1"/>
+            </a:solidFill>
+          </a:ln>
+        </p:spPr>
+        <p:txBody>
+          <a:bodyPr wrap="square" rtlCol="0">
+            <a:spAutoFit/>
+          </a:bodyPr>
+          <a:lstStyle/>
+          <a:p>
+            <a:pPr algn="ctr"/>
+            <a:r>
+              <a:rPr lang="ro-RO" dirty="0">
+                <a:latin typeface="Bahnschrift" panose="020B0502040204020203" pitchFamily="34" charset="0"/>
+              </a:rPr>
+              <a:t>Nume pilot</a:t>
+            </a:r>
+            <a:endParaRPr lang="en-US" dirty="0">
+              <a:latin typeface="Bahnschrift" panose="020B0502040204020203" pitchFamily="34" charset="0"/>
+            </a:endParaRPr>
+          </a:p>
+        </p:txBody>
+      </p:sp>
+      <p:cxnSp>
+        <p:nvCxnSpPr>
+          <p:cNvPr id="24" name="Straight Arrow Connector 23">
+            <a:extLst>
+              <a:ext uri="{FF2B5EF4-FFF2-40B4-BE49-F238E27FC236}">
+                <a16:creationId xmlns:a16="http://schemas.microsoft.com/office/drawing/2014/main" id="{95A3A0DE-F076-47A9-230F-3185C92DFF26}"/>
+              </a:ext>
+            </a:extLst>
+          </p:cNvPr>
+          <p:cNvCxnSpPr>
+            <a:cxnSpLocks/>
+            <a:stCxn id="23" idx="3"/>
+            <a:endCxn id="27" idx="1"/>
+          </p:cNvCxnSpPr>
+          <p:nvPr/>
+        </p:nvCxnSpPr>
+        <p:spPr>
+          <a:xfrm flipV="1">
+            <a:off x="6458711" y="3326213"/>
+            <a:ext cx="1440008" cy="8270"/>
+          </a:xfrm>
+          <a:prstGeom prst="straightConnector1">
+            <a:avLst/>
+          </a:prstGeom>
+          <a:ln w="38100">
+            <a:solidFill>
+              <a:schemeClr val="tx1"/>
+            </a:solidFill>
+            <a:tailEnd type="triangle"/>
+          </a:ln>
+        </p:spPr>
+        <p:style>
+          <a:lnRef idx="2">
+            <a:schemeClr val="accent1"/>
+          </a:lnRef>
+          <a:fillRef idx="0">
+            <a:schemeClr val="accent1"/>
+          </a:fillRef>
+          <a:effectRef idx="1">
+            <a:schemeClr val="accent1"/>
+          </a:effectRef>
+          <a:fontRef idx="minor">
+            <a:schemeClr val="tx1"/>
+          </a:fontRef>
+        </p:style>
+      </p:cxnSp>
+      <p:sp>
+        <p:nvSpPr>
+          <p:cNvPr id="27" name="TextBox 26">
+            <a:extLst>
+              <a:ext uri="{FF2B5EF4-FFF2-40B4-BE49-F238E27FC236}">
+                <a16:creationId xmlns:a16="http://schemas.microsoft.com/office/drawing/2014/main" id="{33C4FCF7-7449-1C28-1F9B-46B13B3A38DE}"/>
+              </a:ext>
+            </a:extLst>
+          </p:cNvPr>
+          <p:cNvSpPr txBox="1"/>
+          <p:nvPr/>
+        </p:nvSpPr>
+        <p:spPr>
+          <a:xfrm>
+            <a:off x="7898719" y="3141547"/>
+            <a:ext cx="1423759" cy="369332"/>
+          </a:xfrm>
+          <a:prstGeom prst="rect">
+            <a:avLst/>
+          </a:prstGeom>
+          <a:noFill/>
+          <a:ln>
+            <a:solidFill>
+              <a:schemeClr val="tx1"/>
+            </a:solidFill>
+          </a:ln>
+        </p:spPr>
+        <p:txBody>
+          <a:bodyPr wrap="square" rtlCol="0">
+            <a:spAutoFit/>
+          </a:bodyPr>
+          <a:lstStyle/>
+          <a:p>
+            <a:pPr algn="ctr"/>
+            <a:r>
+              <a:rPr lang="ro-RO" dirty="0">
+                <a:latin typeface="Bahnschrift" panose="020B0502040204020203" pitchFamily="34" charset="0"/>
+              </a:rPr>
+              <a:t>Detalii pilot</a:t>
+            </a:r>
+            <a:endParaRPr lang="en-US" dirty="0">
+              <a:latin typeface="Bahnschrift" panose="020B0502040204020203" pitchFamily="34" charset="0"/>
+            </a:endParaRPr>
+          </a:p>
+        </p:txBody>
+      </p:sp>
+      <p:sp>
+        <p:nvSpPr>
+          <p:cNvPr id="29" name="TextBox 28">
+            <a:extLst>
+              <a:ext uri="{FF2B5EF4-FFF2-40B4-BE49-F238E27FC236}">
+                <a16:creationId xmlns:a16="http://schemas.microsoft.com/office/drawing/2014/main" id="{5EA2FAD8-0B8F-CC83-8978-B7A551E9BA3A}"/>
+              </a:ext>
+            </a:extLst>
+          </p:cNvPr>
+          <p:cNvSpPr txBox="1"/>
+          <p:nvPr/>
+        </p:nvSpPr>
+        <p:spPr>
+          <a:xfrm>
+            <a:off x="2758440" y="3831912"/>
+            <a:ext cx="871728" cy="369332"/>
+          </a:xfrm>
+          <a:prstGeom prst="rect">
+            <a:avLst/>
+          </a:prstGeom>
+          <a:noFill/>
+          <a:ln>
+            <a:solidFill>
+              <a:schemeClr val="tx1"/>
+            </a:solidFill>
+          </a:ln>
+        </p:spPr>
+        <p:txBody>
+          <a:bodyPr wrap="square" rtlCol="0">
+            <a:spAutoFit/>
+          </a:bodyPr>
+          <a:lstStyle/>
+          <a:p>
+            <a:pPr algn="ctr"/>
+            <a:r>
+              <a:rPr lang="ro-RO" dirty="0">
+                <a:latin typeface="Bahnschrift" panose="020B0502040204020203" pitchFamily="34" charset="0"/>
+              </a:rPr>
+              <a:t>Teams</a:t>
+            </a:r>
+            <a:endParaRPr lang="en-US" dirty="0">
+              <a:latin typeface="Bahnschrift" panose="020B0502040204020203" pitchFamily="34" charset="0"/>
+            </a:endParaRPr>
+          </a:p>
+        </p:txBody>
+      </p:sp>
+      <p:cxnSp>
+        <p:nvCxnSpPr>
+          <p:cNvPr id="30" name="Straight Arrow Connector 29">
+            <a:extLst>
+              <a:ext uri="{FF2B5EF4-FFF2-40B4-BE49-F238E27FC236}">
+                <a16:creationId xmlns:a16="http://schemas.microsoft.com/office/drawing/2014/main" id="{512CE221-4B58-CF5F-FA3F-4DA41B9F986A}"/>
+              </a:ext>
+            </a:extLst>
+          </p:cNvPr>
+          <p:cNvCxnSpPr>
+            <a:cxnSpLocks/>
+            <a:stCxn id="29" idx="3"/>
+            <a:endCxn id="31" idx="1"/>
+          </p:cNvCxnSpPr>
+          <p:nvPr/>
+        </p:nvCxnSpPr>
+        <p:spPr>
+          <a:xfrm>
+            <a:off x="3630168" y="4016578"/>
+            <a:ext cx="1280159" cy="9336"/>
+          </a:xfrm>
+          <a:prstGeom prst="straightConnector1">
+            <a:avLst/>
+          </a:prstGeom>
+          <a:ln w="38100">
+            <a:solidFill>
+              <a:schemeClr val="tx1"/>
+            </a:solidFill>
+            <a:tailEnd type="triangle"/>
+          </a:ln>
+        </p:spPr>
+        <p:style>
+          <a:lnRef idx="2">
+            <a:schemeClr val="accent1"/>
+          </a:lnRef>
+          <a:fillRef idx="0">
+            <a:schemeClr val="accent1"/>
+          </a:fillRef>
+          <a:effectRef idx="1">
+            <a:schemeClr val="accent1"/>
+          </a:effectRef>
+          <a:fontRef idx="minor">
+            <a:schemeClr val="tx1"/>
+          </a:fontRef>
+        </p:style>
+      </p:cxnSp>
+      <p:sp>
+        <p:nvSpPr>
+          <p:cNvPr id="31" name="TextBox 30">
+            <a:extLst>
+              <a:ext uri="{FF2B5EF4-FFF2-40B4-BE49-F238E27FC236}">
+                <a16:creationId xmlns:a16="http://schemas.microsoft.com/office/drawing/2014/main" id="{19058DF4-928F-7D6F-3675-FF428F61F8A1}"/>
+              </a:ext>
+            </a:extLst>
+          </p:cNvPr>
+          <p:cNvSpPr txBox="1"/>
+          <p:nvPr/>
+        </p:nvSpPr>
+        <p:spPr>
+          <a:xfrm>
+            <a:off x="4910327" y="3841248"/>
+            <a:ext cx="1548384" cy="369332"/>
+          </a:xfrm>
+          <a:prstGeom prst="rect">
+            <a:avLst/>
+          </a:prstGeom>
+          <a:noFill/>
+          <a:ln>
+            <a:solidFill>
+              <a:schemeClr val="tx1"/>
+            </a:solidFill>
+          </a:ln>
+        </p:spPr>
+        <p:txBody>
+          <a:bodyPr wrap="square" rtlCol="0">
+            <a:spAutoFit/>
+          </a:bodyPr>
+          <a:lstStyle/>
+          <a:p>
+            <a:pPr algn="ctr"/>
+            <a:r>
+              <a:rPr lang="ro-RO" dirty="0">
+                <a:latin typeface="Bahnschrift" panose="020B0502040204020203" pitchFamily="34" charset="0"/>
+              </a:rPr>
+              <a:t>Nume echipă</a:t>
+            </a:r>
+            <a:endParaRPr lang="en-US" dirty="0">
+              <a:latin typeface="Bahnschrift" panose="020B0502040204020203" pitchFamily="34" charset="0"/>
+            </a:endParaRPr>
+          </a:p>
+        </p:txBody>
+      </p:sp>
+      <p:cxnSp>
+        <p:nvCxnSpPr>
+          <p:cNvPr id="32" name="Straight Arrow Connector 31">
+            <a:extLst>
+              <a:ext uri="{FF2B5EF4-FFF2-40B4-BE49-F238E27FC236}">
+                <a16:creationId xmlns:a16="http://schemas.microsoft.com/office/drawing/2014/main" id="{FC2F1D2B-2B88-B9C1-3CBA-D8B1E131C13C}"/>
+              </a:ext>
+            </a:extLst>
+          </p:cNvPr>
+          <p:cNvCxnSpPr>
+            <a:cxnSpLocks/>
+            <a:stCxn id="31" idx="3"/>
+            <a:endCxn id="35" idx="1"/>
+          </p:cNvCxnSpPr>
+          <p:nvPr/>
+        </p:nvCxnSpPr>
+        <p:spPr>
+          <a:xfrm>
+            <a:off x="6458711" y="4025914"/>
+            <a:ext cx="1249680" cy="0"/>
+          </a:xfrm>
+          <a:prstGeom prst="straightConnector1">
+            <a:avLst/>
+          </a:prstGeom>
+          <a:ln w="38100">
+            <a:solidFill>
+              <a:schemeClr val="tx1"/>
+            </a:solidFill>
+            <a:tailEnd type="triangle"/>
+          </a:ln>
+        </p:spPr>
+        <p:style>
+          <a:lnRef idx="2">
+            <a:schemeClr val="accent1"/>
+          </a:lnRef>
+          <a:fillRef idx="0">
+            <a:schemeClr val="accent1"/>
+          </a:fillRef>
+          <a:effectRef idx="1">
+            <a:schemeClr val="accent1"/>
+          </a:effectRef>
+          <a:fontRef idx="minor">
+            <a:schemeClr val="tx1"/>
+          </a:fontRef>
+        </p:style>
+      </p:cxnSp>
+      <p:sp>
+        <p:nvSpPr>
+          <p:cNvPr id="35" name="TextBox 34">
+            <a:extLst>
+              <a:ext uri="{FF2B5EF4-FFF2-40B4-BE49-F238E27FC236}">
+                <a16:creationId xmlns:a16="http://schemas.microsoft.com/office/drawing/2014/main" id="{3AF84765-CB44-996D-BCB5-F7912F577D37}"/>
+              </a:ext>
+            </a:extLst>
+          </p:cNvPr>
+          <p:cNvSpPr txBox="1"/>
+          <p:nvPr/>
+        </p:nvSpPr>
+        <p:spPr>
+          <a:xfrm>
+            <a:off x="7708391" y="3841248"/>
+            <a:ext cx="1804417" cy="369332"/>
+          </a:xfrm>
+          <a:prstGeom prst="rect">
+            <a:avLst/>
+          </a:prstGeom>
+          <a:noFill/>
+          <a:ln>
+            <a:solidFill>
+              <a:schemeClr val="tx1"/>
+            </a:solidFill>
+          </a:ln>
+        </p:spPr>
+        <p:txBody>
+          <a:bodyPr wrap="square" rtlCol="0">
+            <a:spAutoFit/>
+          </a:bodyPr>
+          <a:lstStyle/>
+          <a:p>
+            <a:pPr algn="ctr"/>
+            <a:r>
+              <a:rPr lang="ro-RO" dirty="0">
+                <a:latin typeface="Bahnschrift" panose="020B0502040204020203" pitchFamily="34" charset="0"/>
+              </a:rPr>
+              <a:t>Detalii echipă</a:t>
+            </a:r>
+            <a:endParaRPr lang="en-US" dirty="0">
+              <a:latin typeface="Bahnschrift" panose="020B0502040204020203" pitchFamily="34" charset="0"/>
+            </a:endParaRPr>
+          </a:p>
+        </p:txBody>
+      </p:sp>
+      <p:sp>
+        <p:nvSpPr>
+          <p:cNvPr id="38" name="TextBox 37">
+            <a:extLst>
+              <a:ext uri="{FF2B5EF4-FFF2-40B4-BE49-F238E27FC236}">
+                <a16:creationId xmlns:a16="http://schemas.microsoft.com/office/drawing/2014/main" id="{E6BBAA8B-B216-60DF-423B-A7977592E7B3}"/>
+              </a:ext>
+            </a:extLst>
+          </p:cNvPr>
+          <p:cNvSpPr txBox="1"/>
+          <p:nvPr/>
+        </p:nvSpPr>
+        <p:spPr>
+          <a:xfrm>
+            <a:off x="2758440" y="4799275"/>
+            <a:ext cx="807720" cy="369332"/>
+          </a:xfrm>
+          <a:prstGeom prst="rect">
+            <a:avLst/>
+          </a:prstGeom>
+          <a:noFill/>
+          <a:ln>
+            <a:solidFill>
+              <a:schemeClr val="tx1"/>
+            </a:solidFill>
+          </a:ln>
+        </p:spPr>
+        <p:txBody>
+          <a:bodyPr wrap="square" rtlCol="0">
+            <a:spAutoFit/>
+          </a:bodyPr>
+          <a:lstStyle/>
+          <a:p>
+            <a:pPr algn="ctr"/>
+            <a:r>
+              <a:rPr lang="ro-RO" dirty="0">
+                <a:latin typeface="Bahnschrift" panose="020B0502040204020203" pitchFamily="34" charset="0"/>
+              </a:rPr>
+              <a:t>Users</a:t>
+            </a:r>
+            <a:endParaRPr lang="en-US" dirty="0">
+              <a:latin typeface="Bahnschrift" panose="020B0502040204020203" pitchFamily="34" charset="0"/>
+            </a:endParaRPr>
+          </a:p>
+        </p:txBody>
+      </p:sp>
+      <p:cxnSp>
+        <p:nvCxnSpPr>
+          <p:cNvPr id="39" name="Straight Arrow Connector 38">
+            <a:extLst>
+              <a:ext uri="{FF2B5EF4-FFF2-40B4-BE49-F238E27FC236}">
+                <a16:creationId xmlns:a16="http://schemas.microsoft.com/office/drawing/2014/main" id="{F7D62798-87A5-EF26-B374-FA695083905A}"/>
+              </a:ext>
+            </a:extLst>
+          </p:cNvPr>
+          <p:cNvCxnSpPr>
+            <a:cxnSpLocks/>
+            <a:stCxn id="38" idx="3"/>
+            <a:endCxn id="41" idx="1"/>
+          </p:cNvCxnSpPr>
+          <p:nvPr/>
+        </p:nvCxnSpPr>
+        <p:spPr>
+          <a:xfrm>
+            <a:off x="3566160" y="4983941"/>
+            <a:ext cx="792136" cy="1"/>
+          </a:xfrm>
+          <a:prstGeom prst="straightConnector1">
+            <a:avLst/>
+          </a:prstGeom>
+          <a:ln w="38100">
+            <a:solidFill>
+              <a:schemeClr val="tx1"/>
+            </a:solidFill>
+            <a:tailEnd type="triangle"/>
+          </a:ln>
+        </p:spPr>
+        <p:style>
+          <a:lnRef idx="2">
+            <a:schemeClr val="accent1"/>
+          </a:lnRef>
+          <a:fillRef idx="0">
+            <a:schemeClr val="accent1"/>
+          </a:fillRef>
+          <a:effectRef idx="1">
+            <a:schemeClr val="accent1"/>
+          </a:effectRef>
+          <a:fontRef idx="minor">
+            <a:schemeClr val="tx1"/>
+          </a:fontRef>
+        </p:style>
+      </p:cxnSp>
+      <p:sp>
+        <p:nvSpPr>
+          <p:cNvPr id="41" name="TextBox 40">
+            <a:extLst>
+              <a:ext uri="{FF2B5EF4-FFF2-40B4-BE49-F238E27FC236}">
+                <a16:creationId xmlns:a16="http://schemas.microsoft.com/office/drawing/2014/main" id="{B2683299-8CEE-BD3A-B62D-7B00F613B3A9}"/>
+              </a:ext>
+            </a:extLst>
+          </p:cNvPr>
+          <p:cNvSpPr txBox="1"/>
+          <p:nvPr/>
+        </p:nvSpPr>
+        <p:spPr>
+          <a:xfrm>
+            <a:off x="4358296" y="4660776"/>
+            <a:ext cx="2874608" cy="646331"/>
+          </a:xfrm>
+          <a:prstGeom prst="rect">
+            <a:avLst/>
+          </a:prstGeom>
+          <a:noFill/>
+          <a:ln>
+            <a:solidFill>
+              <a:schemeClr val="tx1"/>
+            </a:solidFill>
+          </a:ln>
+        </p:spPr>
+        <p:txBody>
+          <a:bodyPr wrap="square" rtlCol="0">
+            <a:spAutoFit/>
+          </a:bodyPr>
+          <a:lstStyle/>
+          <a:p>
+            <a:pPr algn="ctr"/>
+            <a:r>
+              <a:rPr lang="ro-RO" dirty="0">
+                <a:latin typeface="Bahnschrift" panose="020B0502040204020203" pitchFamily="34" charset="0"/>
+              </a:rPr>
+              <a:t>User urmat de numărul său</a:t>
+            </a:r>
+            <a:endParaRPr lang="en-US" dirty="0">
+              <a:latin typeface="Bahnschrift" panose="020B0502040204020203" pitchFamily="34" charset="0"/>
+            </a:endParaRPr>
+          </a:p>
+        </p:txBody>
+      </p:sp>
+      <p:sp>
+        <p:nvSpPr>
+          <p:cNvPr id="49" name="TextBox 48">
+            <a:extLst>
+              <a:ext uri="{FF2B5EF4-FFF2-40B4-BE49-F238E27FC236}">
+                <a16:creationId xmlns:a16="http://schemas.microsoft.com/office/drawing/2014/main" id="{21ECED76-86FB-CE19-FCDF-E88ADD3C6923}"/>
+              </a:ext>
+            </a:extLst>
+          </p:cNvPr>
+          <p:cNvSpPr txBox="1"/>
+          <p:nvPr/>
+        </p:nvSpPr>
+        <p:spPr>
+          <a:xfrm>
+            <a:off x="8016240" y="4799275"/>
+            <a:ext cx="2197606" cy="369332"/>
+          </a:xfrm>
+          <a:prstGeom prst="rect">
+            <a:avLst/>
+          </a:prstGeom>
+          <a:noFill/>
+          <a:ln>
+            <a:solidFill>
+              <a:schemeClr val="tx1"/>
+            </a:solidFill>
+          </a:ln>
+        </p:spPr>
+        <p:txBody>
+          <a:bodyPr wrap="square" rtlCol="0">
+            <a:spAutoFit/>
+          </a:bodyPr>
+          <a:lstStyle/>
+          <a:p>
+            <a:pPr algn="ctr"/>
+            <a:r>
+              <a:rPr lang="ro-RO" dirty="0">
+                <a:latin typeface="Bahnschrift" panose="020B0502040204020203" pitchFamily="34" charset="0"/>
+              </a:rPr>
+              <a:t>Detalii utilizator</a:t>
+            </a:r>
+            <a:endParaRPr lang="en-US" dirty="0">
+              <a:latin typeface="Bahnschrift" panose="020B0502040204020203" pitchFamily="34" charset="0"/>
+            </a:endParaRPr>
+          </a:p>
+        </p:txBody>
+      </p:sp>
+      <p:cxnSp>
+        <p:nvCxnSpPr>
+          <p:cNvPr id="50" name="Straight Arrow Connector 49">
+            <a:extLst>
+              <a:ext uri="{FF2B5EF4-FFF2-40B4-BE49-F238E27FC236}">
+                <a16:creationId xmlns:a16="http://schemas.microsoft.com/office/drawing/2014/main" id="{2F9FE29C-2579-3521-2C60-6A5B8EF9856C}"/>
+              </a:ext>
+            </a:extLst>
+          </p:cNvPr>
+          <p:cNvCxnSpPr>
+            <a:cxnSpLocks/>
+            <a:stCxn id="41" idx="3"/>
+            <a:endCxn id="49" idx="1"/>
+          </p:cNvCxnSpPr>
+          <p:nvPr/>
+        </p:nvCxnSpPr>
+        <p:spPr>
+          <a:xfrm flipV="1">
+            <a:off x="7232904" y="4983941"/>
+            <a:ext cx="783336" cy="1"/>
+          </a:xfrm>
+          <a:prstGeom prst="straightConnector1">
+            <a:avLst/>
+          </a:prstGeom>
+          <a:ln w="38100">
+            <a:solidFill>
+              <a:schemeClr val="tx1"/>
+            </a:solidFill>
+            <a:tailEnd type="triangle"/>
+          </a:ln>
+        </p:spPr>
+        <p:style>
+          <a:lnRef idx="2">
+            <a:schemeClr val="accent1"/>
+          </a:lnRef>
+          <a:fillRef idx="0">
+            <a:schemeClr val="accent1"/>
+          </a:fillRef>
+          <a:effectRef idx="1">
+            <a:schemeClr val="accent1"/>
+          </a:effectRef>
+          <a:fontRef idx="minor">
+            <a:schemeClr val="tx1"/>
+          </a:fontRef>
+        </p:style>
+      </p:cxnSp>
       <p:pic>
         <p:nvPicPr>
-          <p:cNvPr id="6" name="Picture 5" descr="A screenshot of a cell phone&#10;&#10;Description automatically generated">
-            <a:extLst>
-              <a:ext uri="{FF2B5EF4-FFF2-40B4-BE49-F238E27FC236}">
-                <a16:creationId xmlns:a16="http://schemas.microsoft.com/office/drawing/2014/main" id="{037A8927-D136-B919-353E-C6FF0C6FA8ED}"/>
+          <p:cNvPr id="88" name="Imagine 6" descr="O imagine care conține text, Font, Albastru electric, captură de ecran&#10;&#10;Descriere generată automat">
+            <a:extLst>
+              <a:ext uri="{FF2B5EF4-FFF2-40B4-BE49-F238E27FC236}">
+                <a16:creationId xmlns:a16="http://schemas.microsoft.com/office/drawing/2014/main" id="{544E46DD-AA3B-7070-169D-10FB97781A5C}"/>
               </a:ext>
             </a:extLst>
           </p:cNvPr>
@@ -9088,162 +8872,18 @@
         </p:blipFill>
         <p:spPr>
           <a:xfrm>
-            <a:off x="1923605" y="3093801"/>
-            <a:ext cx="1042416" cy="3260445"/>
+            <a:off x="9689982" y="191461"/>
+            <a:ext cx="2364858" cy="836445"/>
           </a:xfrm>
           <a:prstGeom prst="rect">
             <a:avLst/>
           </a:prstGeom>
         </p:spPr>
       </p:pic>
-      <p:sp>
-        <p:nvSpPr>
-          <p:cNvPr id="7" name="TextBox 6">
-            <a:extLst>
-              <a:ext uri="{FF2B5EF4-FFF2-40B4-BE49-F238E27FC236}">
-                <a16:creationId xmlns:a16="http://schemas.microsoft.com/office/drawing/2014/main" id="{36778496-731B-8E42-77DB-2222D4E84917}"/>
-              </a:ext>
-            </a:extLst>
-          </p:cNvPr>
-          <p:cNvSpPr txBox="1"/>
-          <p:nvPr/>
-        </p:nvSpPr>
-        <p:spPr>
-          <a:xfrm>
-            <a:off x="1300007" y="6354246"/>
-            <a:ext cx="2281394" cy="369332"/>
-          </a:xfrm>
-          <a:prstGeom prst="rect">
-            <a:avLst/>
-          </a:prstGeom>
-          <a:noFill/>
-        </p:spPr>
-        <p:txBody>
-          <a:bodyPr wrap="none" rtlCol="0">
-            <a:spAutoFit/>
-          </a:bodyPr>
-          <a:lstStyle/>
-          <a:p>
-            <a:r>
-              <a:rPr lang="ro-RO" dirty="0"/>
-              <a:t>Clasamentul piloților</a:t>
-            </a:r>
-            <a:endParaRPr lang="en-US" dirty="0"/>
-          </a:p>
-        </p:txBody>
-      </p:sp>
-      <p:pic>
-        <p:nvPicPr>
-          <p:cNvPr id="9" name="Picture 8" descr="A blue and black list with black text&#10;&#10;Description automatically generated">
-            <a:extLst>
-              <a:ext uri="{FF2B5EF4-FFF2-40B4-BE49-F238E27FC236}">
-                <a16:creationId xmlns:a16="http://schemas.microsoft.com/office/drawing/2014/main" id="{BD1F6037-4736-259B-A7E7-0FC132388725}"/>
-              </a:ext>
-            </a:extLst>
-          </p:cNvPr>
-          <p:cNvPicPr>
-            <a:picLocks noChangeAspect="1"/>
-          </p:cNvPicPr>
-          <p:nvPr/>
-        </p:nvPicPr>
-        <p:blipFill>
-          <a:blip r:embed="rId3">
-            <a:extLst>
-              <a:ext uri="{28A0092B-C50C-407E-A947-70E740481C1C}">
-                <a14:useLocalDpi xmlns:a14="http://schemas.microsoft.com/office/drawing/2010/main" val="0"/>
-              </a:ext>
-            </a:extLst>
-          </a:blip>
-          <a:stretch>
-            <a:fillRect/>
-          </a:stretch>
-        </p:blipFill>
-        <p:spPr>
-          <a:xfrm>
-            <a:off x="7551778" y="3128486"/>
-            <a:ext cx="1536192" cy="3243423"/>
-          </a:xfrm>
-          <a:prstGeom prst="rect">
-            <a:avLst/>
-          </a:prstGeom>
-        </p:spPr>
-      </p:pic>
-      <p:pic>
-        <p:nvPicPr>
-          <p:cNvPr id="11" name="Picture 10" descr="A close-up of a list&#10;&#10;Description automatically generated">
-            <a:extLst>
-              <a:ext uri="{FF2B5EF4-FFF2-40B4-BE49-F238E27FC236}">
-                <a16:creationId xmlns:a16="http://schemas.microsoft.com/office/drawing/2014/main" id="{36B6DB3E-6DB0-546B-F67C-F83D3E82172B}"/>
-              </a:ext>
-            </a:extLst>
-          </p:cNvPr>
-          <p:cNvPicPr>
-            <a:picLocks noChangeAspect="1"/>
-          </p:cNvPicPr>
-          <p:nvPr/>
-        </p:nvPicPr>
-        <p:blipFill>
-          <a:blip r:embed="rId4">
-            <a:extLst>
-              <a:ext uri="{28A0092B-C50C-407E-A947-70E740481C1C}">
-                <a14:useLocalDpi xmlns:a14="http://schemas.microsoft.com/office/drawing/2010/main" val="0"/>
-              </a:ext>
-            </a:extLst>
-          </a:blip>
-          <a:stretch>
-            <a:fillRect/>
-          </a:stretch>
-        </p:blipFill>
-        <p:spPr>
-          <a:xfrm>
-            <a:off x="9214104" y="3128485"/>
-            <a:ext cx="1536192" cy="3243424"/>
-          </a:xfrm>
-          <a:prstGeom prst="rect">
-            <a:avLst/>
-          </a:prstGeom>
-        </p:spPr>
-      </p:pic>
-      <p:sp>
-        <p:nvSpPr>
-          <p:cNvPr id="12" name="TextBox 11">
-            <a:extLst>
-              <a:ext uri="{FF2B5EF4-FFF2-40B4-BE49-F238E27FC236}">
-                <a16:creationId xmlns:a16="http://schemas.microsoft.com/office/drawing/2014/main" id="{F448CADC-EF05-4231-2A7E-04E06FEFE915}"/>
-              </a:ext>
-            </a:extLst>
-          </p:cNvPr>
-          <p:cNvSpPr txBox="1"/>
-          <p:nvPr/>
-        </p:nvSpPr>
-        <p:spPr>
-          <a:xfrm>
-            <a:off x="7726975" y="6382525"/>
-            <a:ext cx="3075137" cy="369332"/>
-          </a:xfrm>
-          <a:prstGeom prst="rect">
-            <a:avLst/>
-          </a:prstGeom>
-          <a:noFill/>
-        </p:spPr>
-        <p:txBody>
-          <a:bodyPr wrap="none" rtlCol="0">
-            <a:spAutoFit/>
-          </a:bodyPr>
-          <a:lstStyle/>
-          <a:p>
-            <a:r>
-              <a:rPr lang="ro-RO" dirty="0"/>
-              <a:t>Pagini individuale ale piloților</a:t>
-            </a:r>
-            <a:endParaRPr lang="en-US" dirty="0"/>
-          </a:p>
-        </p:txBody>
-      </p:sp>
     </p:spTree>
     <p:extLst>
       <p:ext uri="{BB962C8B-B14F-4D97-AF65-F5344CB8AC3E}">
-        <p14:creationId xmlns:p14="http://schemas.microsoft.com/office/powerpoint/2010/main" val="3104784948"/>
+        <p14:creationId xmlns:p14="http://schemas.microsoft.com/office/powerpoint/2010/main" val="1103383381"/>
       </p:ext>
     </p:extLst>
   </p:cSld>
@@ -9275,7 +8915,7 @@
           <p:cNvPr id="2" name="Title 1">
             <a:extLst>
               <a:ext uri="{FF2B5EF4-FFF2-40B4-BE49-F238E27FC236}">
-                <a16:creationId xmlns:a16="http://schemas.microsoft.com/office/drawing/2014/main" id="{951D33C8-4E8C-1D2F-B3BB-CDEE6D12CF11}"/>
+                <a16:creationId xmlns:a16="http://schemas.microsoft.com/office/drawing/2014/main" id="{8195CCED-333F-735B-1701-1663DC483553}"/>
               </a:ext>
             </a:extLst>
           </p:cNvPr>
@@ -9291,77 +8931,56 @@
           <a:bodyPr/>
           <a:lstStyle/>
           <a:p>
-            <a:r>
-              <a:rPr lang="en-US" dirty="0" err="1"/>
-              <a:t>Pagina</a:t>
-            </a:r>
-            <a:r>
-              <a:rPr lang="en-US" dirty="0"/>
-              <a:t> </a:t>
-            </a:r>
-            <a:r>
-              <a:rPr lang="en-US" dirty="0" err="1"/>
-              <a:t>echipelor</a:t>
-            </a:r>
-            <a:r>
-              <a:rPr lang="en-US" dirty="0"/>
-              <a:t>:</a:t>
-            </a:r>
-          </a:p>
-        </p:txBody>
-      </p:sp>
-      <p:sp>
-        <p:nvSpPr>
-          <p:cNvPr id="3" name="Content Placeholder 2">
-            <a:extLst>
-              <a:ext uri="{FF2B5EF4-FFF2-40B4-BE49-F238E27FC236}">
-                <a16:creationId xmlns:a16="http://schemas.microsoft.com/office/drawing/2014/main" id="{E758B2F7-A309-CEC9-0BBE-9714D93637F1}"/>
-              </a:ext>
-            </a:extLst>
-          </p:cNvPr>
-          <p:cNvSpPr>
-            <a:spLocks noGrp="1"/>
-          </p:cNvSpPr>
+            <a:pPr algn="ctr"/>
+            <a:r>
+              <a:rPr lang="ro-RO" dirty="0"/>
+              <a:t>Direcții de dezvoltare</a:t>
+            </a:r>
+            <a:endParaRPr lang="en-US" dirty="0"/>
+          </a:p>
+        </p:txBody>
+      </p:sp>
+      <p:pic>
+        <p:nvPicPr>
+          <p:cNvPr id="7" name="Content Placeholder 6" descr="A black and white video game controller&#10;&#10;Description automatically generated">
+            <a:extLst>
+              <a:ext uri="{FF2B5EF4-FFF2-40B4-BE49-F238E27FC236}">
+                <a16:creationId xmlns:a16="http://schemas.microsoft.com/office/drawing/2014/main" id="{5754F810-A340-B267-18AD-98E0C39962A5}"/>
+              </a:ext>
+            </a:extLst>
+          </p:cNvPr>
+          <p:cNvPicPr>
+            <a:picLocks noGrp="1" noChangeAspect="1"/>
+          </p:cNvPicPr>
           <p:nvPr>
             <p:ph idx="1"/>
           </p:nvPr>
-        </p:nvSpPr>
-        <p:spPr/>
-        <p:txBody>
-          <a:bodyPr/>
-          <a:lstStyle/>
-          <a:p>
-            <a:pPr marL="0" indent="0" algn="ctr">
-              <a:buNone/>
-            </a:pPr>
-            <a:r>
-              <a:rPr lang="ro-RO" sz="2700" dirty="0"/>
-              <a:t>Clasamentul constructorilor, iar dacă utilizatorul dorește să afle informații </a:t>
-            </a:r>
-            <a:r>
-              <a:rPr lang="ro-RO" dirty="0"/>
-              <a:t>suplimentare</a:t>
-            </a:r>
-            <a:r>
-              <a:rPr lang="ro-RO" sz="2700" dirty="0"/>
-              <a:t> despre o anumită echipă, poate face acest lucru prin apăsarea liniei corespunzătoare echipei respective.</a:t>
-            </a:r>
-            <a:endParaRPr lang="en-US" sz="2700" dirty="0"/>
-          </a:p>
-          <a:p>
-            <a:pPr marL="0" indent="0">
-              <a:buNone/>
-            </a:pPr>
-            <a:endParaRPr lang="en-US" dirty="0"/>
-          </a:p>
-        </p:txBody>
-      </p:sp>
+        </p:nvPicPr>
+        <p:blipFill>
+          <a:blip r:embed="rId2">
+            <a:extLst>
+              <a:ext uri="{28A0092B-C50C-407E-A947-70E740481C1C}">
+                <a14:useLocalDpi xmlns:a14="http://schemas.microsoft.com/office/drawing/2010/main" val="0"/>
+              </a:ext>
+            </a:extLst>
+          </a:blip>
+          <a:stretch>
+            <a:fillRect/>
+          </a:stretch>
+        </p:blipFill>
+        <p:spPr>
+          <a:xfrm>
+            <a:off x="926973" y="1864352"/>
+            <a:ext cx="1322451" cy="1030887"/>
+          </a:xfrm>
+        </p:spPr>
+      </p:pic>
       <p:sp>
         <p:nvSpPr>
           <p:cNvPr id="4" name="Slide Number Placeholder 3">
             <a:extLst>
               <a:ext uri="{FF2B5EF4-FFF2-40B4-BE49-F238E27FC236}">
-                <a16:creationId xmlns:a16="http://schemas.microsoft.com/office/drawing/2014/main" id="{E8E4410D-E756-4DA6-9056-4E413DCBE5E3}"/>
+                <a16:creationId xmlns:a16="http://schemas.microsoft.com/office/drawing/2014/main" id="{08A9FC35-3A5D-2BDF-D96B-42664B37F546}"/>
               </a:ext>
             </a:extLst>
           </p:cNvPr>
@@ -9387,10 +9006,10 @@
       </p:sp>
       <p:pic>
         <p:nvPicPr>
-          <p:cNvPr id="8" name="Picture 7" descr="A screenshot of a phone&#10;&#10;Description automatically generated">
-            <a:extLst>
-              <a:ext uri="{FF2B5EF4-FFF2-40B4-BE49-F238E27FC236}">
-                <a16:creationId xmlns:a16="http://schemas.microsoft.com/office/drawing/2014/main" id="{2B99AF44-2920-3C67-F11B-E762AA2F7516}"/>
+          <p:cNvPr id="5" name="Imagine 6" descr="O imagine care conține text, Font, Albastru electric, captură de ecran&#10;&#10;Descriere generată automat">
+            <a:extLst>
+              <a:ext uri="{FF2B5EF4-FFF2-40B4-BE49-F238E27FC236}">
+                <a16:creationId xmlns:a16="http://schemas.microsoft.com/office/drawing/2014/main" id="{836E5395-CFE4-8DDA-3943-4539ADFD102C}"/>
               </a:ext>
             </a:extLst>
           </p:cNvPr>
@@ -9400,7 +9019,7 @@
           <p:nvPr/>
         </p:nvPicPr>
         <p:blipFill>
-          <a:blip r:embed="rId2">
+          <a:blip r:embed="rId3">
             <a:extLst>
               <a:ext uri="{28A0092B-C50C-407E-A947-70E740481C1C}">
                 <a14:useLocalDpi xmlns:a14="http://schemas.microsoft.com/office/drawing/2010/main" val="0"/>
@@ -9413,8 +9032,8 @@
         </p:blipFill>
         <p:spPr>
           <a:xfrm>
-            <a:off x="1625360" y="3020061"/>
-            <a:ext cx="1536192" cy="3336289"/>
+            <a:off x="9689982" y="191461"/>
+            <a:ext cx="2364858" cy="836445"/>
           </a:xfrm>
           <a:prstGeom prst="rect">
             <a:avLst/>
@@ -9423,10 +9042,10 @@
       </p:pic>
       <p:sp>
         <p:nvSpPr>
-          <p:cNvPr id="9" name="TextBox 8">
-            <a:extLst>
-              <a:ext uri="{FF2B5EF4-FFF2-40B4-BE49-F238E27FC236}">
-                <a16:creationId xmlns:a16="http://schemas.microsoft.com/office/drawing/2014/main" id="{B48F1283-A729-6B0A-A125-3142893928BA}"/>
+          <p:cNvPr id="8" name="TextBox 7">
+            <a:extLst>
+              <a:ext uri="{FF2B5EF4-FFF2-40B4-BE49-F238E27FC236}">
+                <a16:creationId xmlns:a16="http://schemas.microsoft.com/office/drawing/2014/main" id="{12759AD4-A851-249B-54A6-3E3280991148}"/>
               </a:ext>
             </a:extLst>
           </p:cNvPr>
@@ -9435,8 +9054,8 @@
         </p:nvSpPr>
         <p:spPr>
           <a:xfrm>
-            <a:off x="1164594" y="6356350"/>
-            <a:ext cx="2457724" cy="369332"/>
+            <a:off x="2456134" y="2177325"/>
+            <a:ext cx="1428596" cy="400110"/>
           </a:xfrm>
           <a:prstGeom prst="rect">
             <a:avLst/>
@@ -9450,19 +9069,23 @@
           <a:lstStyle/>
           <a:p>
             <a:r>
-              <a:rPr lang="ro-RO" dirty="0"/>
-              <a:t>Clasamentul echipelor</a:t>
-            </a:r>
-            <a:endParaRPr lang="en-US" dirty="0"/>
+              <a:rPr lang="ro-RO" sz="2000" dirty="0">
+                <a:latin typeface="Bahnschrift" panose="020B0502040204020203" pitchFamily="34" charset="0"/>
+              </a:rPr>
+              <a:t>Gamificare</a:t>
+            </a:r>
+            <a:endParaRPr lang="en-US" sz="2000" dirty="0">
+              <a:latin typeface="Bahnschrift" panose="020B0502040204020203" pitchFamily="34" charset="0"/>
+            </a:endParaRPr>
           </a:p>
         </p:txBody>
       </p:sp>
       <p:pic>
         <p:nvPicPr>
-          <p:cNvPr id="10" name="Picture 9">
-            <a:extLst>
-              <a:ext uri="{FF2B5EF4-FFF2-40B4-BE49-F238E27FC236}">
-                <a16:creationId xmlns:a16="http://schemas.microsoft.com/office/drawing/2014/main" id="{902A5199-1BD5-0213-5198-F62717C9DA41}"/>
+          <p:cNvPr id="10" name="Picture 9" descr="A black and white logo&#10;&#10;Description automatically generated">
+            <a:extLst>
+              <a:ext uri="{FF2B5EF4-FFF2-40B4-BE49-F238E27FC236}">
+                <a16:creationId xmlns:a16="http://schemas.microsoft.com/office/drawing/2014/main" id="{EEC16C44-B40D-3EC5-CA45-17F0B674BC14}"/>
               </a:ext>
             </a:extLst>
           </p:cNvPr>
@@ -9472,38 +9095,73 @@
           <p:nvPr/>
         </p:nvPicPr>
         <p:blipFill>
-          <a:blip r:embed="rId3" cstate="print">
+          <a:blip r:embed="rId4">
             <a:extLst>
               <a:ext uri="{28A0092B-C50C-407E-A947-70E740481C1C}">
                 <a14:useLocalDpi xmlns:a14="http://schemas.microsoft.com/office/drawing/2010/main" val="0"/>
               </a:ext>
             </a:extLst>
           </a:blip>
-          <a:srcRect/>
           <a:stretch>
             <a:fillRect/>
           </a:stretch>
         </p:blipFill>
-        <p:spPr bwMode="auto">
-          <a:xfrm>
-            <a:off x="7482066" y="3065768"/>
-            <a:ext cx="1536192" cy="3296680"/>
+        <p:spPr>
+          <a:xfrm>
+            <a:off x="7196328" y="1570729"/>
+            <a:ext cx="1503997" cy="1503997"/>
           </a:xfrm>
           <a:prstGeom prst="rect">
             <a:avLst/>
           </a:prstGeom>
+        </p:spPr>
+      </p:pic>
+      <p:sp>
+        <p:nvSpPr>
+          <p:cNvPr id="11" name="TextBox 10">
+            <a:extLst>
+              <a:ext uri="{FF2B5EF4-FFF2-40B4-BE49-F238E27FC236}">
+                <a16:creationId xmlns:a16="http://schemas.microsoft.com/office/drawing/2014/main" id="{8561C293-9A18-3359-6D07-C8612C477480}"/>
+              </a:ext>
+            </a:extLst>
+          </p:cNvPr>
+          <p:cNvSpPr txBox="1"/>
+          <p:nvPr/>
+        </p:nvSpPr>
+        <p:spPr>
+          <a:xfrm>
+            <a:off x="8607552" y="2268608"/>
+            <a:ext cx="1952779" cy="400110"/>
+          </a:xfrm>
+          <a:prstGeom prst="rect">
+            <a:avLst/>
+          </a:prstGeom>
           <a:noFill/>
-          <a:ln>
-            <a:noFill/>
-          </a:ln>
-        </p:spPr>
-      </p:pic>
+        </p:spPr>
+        <p:txBody>
+          <a:bodyPr wrap="none" rtlCol="0">
+            <a:spAutoFit/>
+          </a:bodyPr>
+          <a:lstStyle/>
+          <a:p>
+            <a:r>
+              <a:rPr lang="ro-RO" sz="2000" dirty="0">
+                <a:latin typeface="Bahnschrift" panose="020B0502040204020203" pitchFamily="34" charset="0"/>
+              </a:rPr>
+              <a:t>Clasament Live</a:t>
+            </a:r>
+            <a:endParaRPr lang="en-US" sz="2000" dirty="0">
+              <a:latin typeface="Bahnschrift" panose="020B0502040204020203" pitchFamily="34" charset="0"/>
+            </a:endParaRPr>
+          </a:p>
+        </p:txBody>
+      </p:sp>
       <p:pic>
         <p:nvPicPr>
-          <p:cNvPr id="11" name="Picture 10">
-            <a:extLst>
-              <a:ext uri="{FF2B5EF4-FFF2-40B4-BE49-F238E27FC236}">
-                <a16:creationId xmlns:a16="http://schemas.microsoft.com/office/drawing/2014/main" id="{708A340D-6D53-AD7C-52BA-E6D3AC532C9E}"/>
+          <p:cNvPr id="13" name="Picture 12" descr="A logo with red and grey letters&#10;&#10;Description automatically generated">
+            <a:extLst>
+              <a:ext uri="{FF2B5EF4-FFF2-40B4-BE49-F238E27FC236}">
+                <a16:creationId xmlns:a16="http://schemas.microsoft.com/office/drawing/2014/main" id="{A1532934-7A8C-F378-5F8F-76F7FBE5B08B}"/>
               </a:ext>
             </a:extLst>
           </p:cNvPr>
@@ -9513,38 +9171,195 @@
           <p:nvPr/>
         </p:nvPicPr>
         <p:blipFill>
-          <a:blip r:embed="rId4" cstate="print">
-            <a:extLst>
+          <a:blip r:embed="rId5">
+            <a:extLst>
+              <a:ext uri="{BEBA8EAE-BF5A-486C-A8C5-ECC9F3942E4B}">
+                <a14:imgProps xmlns:a14="http://schemas.microsoft.com/office/drawing/2010/main">
+                  <a14:imgLayer r:embed="rId6">
+                    <a14:imgEffect>
+                      <a14:backgroundRemoval t="5500" b="97500" l="3596" r="98652">
+                        <a14:foregroundMark x1="86067" y1="33000" x2="86067" y2="33000"/>
+                        <a14:foregroundMark x1="88090" y1="24000" x2="85393" y2="44000"/>
+                        <a14:foregroundMark x1="88764" y1="28500" x2="91461" y2="15000"/>
+                        <a14:foregroundMark x1="94157" y1="15000" x2="94157" y2="15000"/>
+                        <a14:foregroundMark x1="99101" y1="5500" x2="99101" y2="5500"/>
+                        <a14:foregroundMark x1="49663" y1="10500" x2="49663" y2="10500"/>
+                        <a14:foregroundMark x1="29663" y1="39500" x2="29663" y2="39500"/>
+                        <a14:foregroundMark x1="32360" y1="33000" x2="32360" y2="33000"/>
+                        <a14:foregroundMark x1="53708" y1="94500" x2="53708" y2="94500"/>
+                        <a14:foregroundMark x1="31011" y1="80500" x2="73708" y2="79500"/>
+                        <a14:foregroundMark x1="73708" y1="79500" x2="14607" y2="82000"/>
+                        <a14:foregroundMark x1="75056" y1="88000" x2="10337" y2="90000"/>
+                        <a14:foregroundMark x1="10337" y1="90000" x2="59551" y2="98500"/>
+                        <a14:foregroundMark x1="59551" y1="98500" x2="20225" y2="83500"/>
+                        <a14:foregroundMark x1="20225" y1="83500" x2="66517" y2="79500"/>
+                        <a14:foregroundMark x1="66517" y1="79500" x2="8539" y2="93000"/>
+                        <a14:foregroundMark x1="8539" y1="93000" x2="82697" y2="97500"/>
+                        <a14:foregroundMark x1="82697" y1="97500" x2="94157" y2="97500"/>
+                        <a14:foregroundMark x1="8989" y1="85000" x2="55730" y2="85000"/>
+                        <a14:foregroundMark x1="55730" y1="85000" x2="62022" y2="83500"/>
+                        <a14:foregroundMark x1="23371" y1="50000" x2="28315" y2="30000"/>
+                        <a14:foregroundMark x1="13258" y1="83500" x2="3596" y2="93000"/>
+                        <a14:foregroundMark x1="84719" y1="85000" x2="80449" y2="77500"/>
+                        <a14:foregroundMark x1="86742" y1="36500" x2="76404" y2="62500"/>
+                      </a14:backgroundRemoval>
+                    </a14:imgEffect>
+                  </a14:imgLayer>
+                </a14:imgProps>
+              </a:ext>
               <a:ext uri="{28A0092B-C50C-407E-A947-70E740481C1C}">
                 <a14:useLocalDpi xmlns:a14="http://schemas.microsoft.com/office/drawing/2010/main" val="0"/>
               </a:ext>
             </a:extLst>
           </a:blip>
-          <a:srcRect/>
           <a:stretch>
             <a:fillRect/>
           </a:stretch>
         </p:blipFill>
-        <p:spPr bwMode="auto">
-          <a:xfrm>
-            <a:off x="9149322" y="3071867"/>
-            <a:ext cx="1536192" cy="3284483"/>
+        <p:spPr>
+          <a:xfrm>
+            <a:off x="1289239" y="4945594"/>
+            <a:ext cx="1157860" cy="520386"/>
           </a:xfrm>
           <a:prstGeom prst="rect">
             <a:avLst/>
           </a:prstGeom>
-          <a:noFill/>
-          <a:ln>
-            <a:noFill/>
-          </a:ln>
         </p:spPr>
       </p:pic>
-      <p:sp>
-        <p:nvSpPr>
-          <p:cNvPr id="12" name="TextBox 11">
-            <a:extLst>
-              <a:ext uri="{FF2B5EF4-FFF2-40B4-BE49-F238E27FC236}">
-                <a16:creationId xmlns:a16="http://schemas.microsoft.com/office/drawing/2014/main" id="{E45C3361-FD73-AF33-12EA-F67C0FF01A93}"/>
+      <p:pic>
+        <p:nvPicPr>
+          <p:cNvPr id="17" name="Picture 16" descr="A blue and black logo&#10;&#10;Description automatically generated">
+            <a:extLst>
+              <a:ext uri="{FF2B5EF4-FFF2-40B4-BE49-F238E27FC236}">
+                <a16:creationId xmlns:a16="http://schemas.microsoft.com/office/drawing/2014/main" id="{D77CD932-78B4-973E-ED63-172CFF2D1B01}"/>
+              </a:ext>
+            </a:extLst>
+          </p:cNvPr>
+          <p:cNvPicPr>
+            <a:picLocks noChangeAspect="1"/>
+          </p:cNvPicPr>
+          <p:nvPr/>
+        </p:nvPicPr>
+        <p:blipFill>
+          <a:blip r:embed="rId7">
+            <a:extLst>
+              <a:ext uri="{BEBA8EAE-BF5A-486C-A8C5-ECC9F3942E4B}">
+                <a14:imgProps xmlns:a14="http://schemas.microsoft.com/office/drawing/2010/main">
+                  <a14:imgLayer r:embed="rId8">
+                    <a14:imgEffect>
+                      <a14:backgroundRemoval t="9778" b="89778" l="4444" r="92889">
+                        <a14:foregroundMark x1="92889" y1="32444" x2="92889" y2="32444"/>
+                        <a14:foregroundMark x1="50222" y1="33333" x2="50222" y2="33333"/>
+                        <a14:foregroundMark x1="40000" y1="45333" x2="40000" y2="45333"/>
+                        <a14:foregroundMark x1="33778" y1="64889" x2="33778" y2="64889"/>
+                        <a14:foregroundMark x1="48889" y1="62667" x2="48889" y2="62667"/>
+                        <a14:foregroundMark x1="68444" y1="63556" x2="68444" y2="63556"/>
+                        <a14:foregroundMark x1="67556" y1="63556" x2="67556" y2="63556"/>
+                        <a14:foregroundMark x1="72444" y1="63556" x2="72444" y2="63556"/>
+                        <a14:foregroundMark x1="55556" y1="63556" x2="55556" y2="63556"/>
+                        <a14:foregroundMark x1="60444" y1="62667" x2="60444" y2="62667"/>
+                        <a14:foregroundMark x1="13778" y1="62667" x2="48000" y2="64000"/>
+                        <a14:foregroundMark x1="7556" y1="69778" x2="56000" y2="70667"/>
+                        <a14:foregroundMark x1="56000" y1="70667" x2="14222" y2="66222"/>
+                        <a14:foregroundMark x1="14222" y1="66222" x2="68444" y2="64000"/>
+                        <a14:foregroundMark x1="68444" y1="64000" x2="73333" y2="64000"/>
+                        <a14:foregroundMark x1="76889" y1="64889" x2="24000" y2="62667"/>
+                        <a14:foregroundMark x1="24000" y1="62667" x2="73333" y2="62222"/>
+                        <a14:foregroundMark x1="73333" y1="62222" x2="78667" y2="62667"/>
+                        <a14:foregroundMark x1="76889" y1="65778" x2="19556" y2="69333"/>
+                        <a14:foregroundMark x1="19556" y1="69333" x2="71111" y2="69333"/>
+                        <a14:foregroundMark x1="71111" y1="69333" x2="16000" y2="68889"/>
+                        <a14:foregroundMark x1="16000" y1="68889" x2="61333" y2="63111"/>
+                        <a14:foregroundMark x1="61333" y1="63111" x2="80444" y2="64889"/>
+                        <a14:foregroundMark x1="60444" y1="71111" x2="5778" y2="68000"/>
+                        <a14:foregroundMark x1="5778" y1="68000" x2="11556" y2="63556"/>
+                        <a14:foregroundMark x1="24000" y1="64000" x2="8444" y2="62667"/>
+                        <a14:foregroundMark x1="76444" y1="60444" x2="4444" y2="60889"/>
+                        <a14:foregroundMark x1="78667" y1="71111" x2="54222" y2="68000"/>
+                      </a14:backgroundRemoval>
+                    </a14:imgEffect>
+                  </a14:imgLayer>
+                </a14:imgProps>
+              </a:ext>
+              <a:ext uri="{28A0092B-C50C-407E-A947-70E740481C1C}">
+                <a14:useLocalDpi xmlns:a14="http://schemas.microsoft.com/office/drawing/2010/main" val="0"/>
+              </a:ext>
+            </a:extLst>
+          </a:blip>
+          <a:stretch>
+            <a:fillRect/>
+          </a:stretch>
+        </p:blipFill>
+        <p:spPr>
+          <a:xfrm>
+            <a:off x="430339" y="4587938"/>
+            <a:ext cx="1157859" cy="1157859"/>
+          </a:xfrm>
+          <a:prstGeom prst="rect">
+            <a:avLst/>
+          </a:prstGeom>
+        </p:spPr>
+      </p:pic>
+      <p:pic>
+        <p:nvPicPr>
+          <p:cNvPr id="19" name="Picture 18" descr="A black and pink checkered flag&#10;&#10;Description automatically generated">
+            <a:extLst>
+              <a:ext uri="{FF2B5EF4-FFF2-40B4-BE49-F238E27FC236}">
+                <a16:creationId xmlns:a16="http://schemas.microsoft.com/office/drawing/2014/main" id="{44672B93-AB28-7540-CE5B-1B0706E5C483}"/>
+              </a:ext>
+            </a:extLst>
+          </p:cNvPr>
+          <p:cNvPicPr>
+            <a:picLocks noChangeAspect="1"/>
+          </p:cNvPicPr>
+          <p:nvPr/>
+        </p:nvPicPr>
+        <p:blipFill>
+          <a:blip r:embed="rId9">
+            <a:extLst>
+              <a:ext uri="{BEBA8EAE-BF5A-486C-A8C5-ECC9F3942E4B}">
+                <a14:imgProps xmlns:a14="http://schemas.microsoft.com/office/drawing/2010/main">
+                  <a14:imgLayer r:embed="rId10">
+                    <a14:imgEffect>
+                      <a14:backgroundRemoval t="10000" b="90000" l="10000" r="90000">
+                        <a14:foregroundMark x1="54440" y1="44845" x2="54440" y2="44845"/>
+                        <a14:foregroundMark x1="44015" y1="41753" x2="44015" y2="41753"/>
+                        <a14:foregroundMark x1="62934" y1="34021" x2="62934" y2="34021"/>
+                        <a14:foregroundMark x1="40541" y1="71134" x2="40541" y2="71134"/>
+                        <a14:foregroundMark x1="47490" y1="55155" x2="60232" y2="52062"/>
+                        <a14:foregroundMark x1="76062" y1="52577" x2="56757" y2="55155"/>
+                        <a14:foregroundMark x1="56757" y1="55155" x2="62548" y2="55670"/>
+                        <a14:foregroundMark x1="76448" y1="54124" x2="73359" y2="56701"/>
+                      </a14:backgroundRemoval>
+                    </a14:imgEffect>
+                  </a14:imgLayer>
+                </a14:imgProps>
+              </a:ext>
+              <a:ext uri="{28A0092B-C50C-407E-A947-70E740481C1C}">
+                <a14:useLocalDpi xmlns:a14="http://schemas.microsoft.com/office/drawing/2010/main" val="0"/>
+              </a:ext>
+            </a:extLst>
+          </a:blip>
+          <a:stretch>
+            <a:fillRect/>
+          </a:stretch>
+        </p:blipFill>
+        <p:spPr>
+          <a:xfrm>
+            <a:off x="662921" y="5018687"/>
+            <a:ext cx="1448218" cy="1084766"/>
+          </a:xfrm>
+          <a:prstGeom prst="rect">
+            <a:avLst/>
+          </a:prstGeom>
+        </p:spPr>
+      </p:pic>
+      <p:sp>
+        <p:nvSpPr>
+          <p:cNvPr id="20" name="TextBox 19">
+            <a:extLst>
+              <a:ext uri="{FF2B5EF4-FFF2-40B4-BE49-F238E27FC236}">
+                <a16:creationId xmlns:a16="http://schemas.microsoft.com/office/drawing/2014/main" id="{4DCEE502-3B8D-BC27-FF1C-3D415B1B289D}"/>
               </a:ext>
             </a:extLst>
           </p:cNvPr>
@@ -9553,8 +9368,8 @@
         </p:nvSpPr>
         <p:spPr>
           <a:xfrm>
-            <a:off x="7523588" y="6362448"/>
-            <a:ext cx="3251468" cy="369332"/>
+            <a:off x="2530600" y="5005732"/>
+            <a:ext cx="3565400" cy="400110"/>
           </a:xfrm>
           <a:prstGeom prst="rect">
             <a:avLst/>
@@ -9568,17 +9383,179 @@
           <a:lstStyle/>
           <a:p>
             <a:r>
-              <a:rPr lang="ro-RO" dirty="0"/>
-              <a:t>Pagini individuale ale echipelor</a:t>
-            </a:r>
-            <a:endParaRPr lang="en-US" dirty="0"/>
+              <a:rPr lang="ro-RO" sz="2000" dirty="0">
+                <a:latin typeface="Bahnschrift" panose="020B0502040204020203" pitchFamily="34" charset="0"/>
+              </a:rPr>
+              <a:t>Integrarea altor motosporturi</a:t>
+            </a:r>
+            <a:endParaRPr lang="en-US" sz="2000" dirty="0">
+              <a:latin typeface="Bahnschrift" panose="020B0502040204020203" pitchFamily="34" charset="0"/>
+            </a:endParaRPr>
+          </a:p>
+        </p:txBody>
+      </p:sp>
+      <p:pic>
+        <p:nvPicPr>
+          <p:cNvPr id="22" name="Picture 21" descr="A black shopping cart with wheels&#10;&#10;Description automatically generated">
+            <a:extLst>
+              <a:ext uri="{FF2B5EF4-FFF2-40B4-BE49-F238E27FC236}">
+                <a16:creationId xmlns:a16="http://schemas.microsoft.com/office/drawing/2014/main" id="{11ACFE23-43B2-A681-8338-D31A5F0414D3}"/>
+              </a:ext>
+            </a:extLst>
+          </p:cNvPr>
+          <p:cNvPicPr>
+            <a:picLocks noChangeAspect="1"/>
+          </p:cNvPicPr>
+          <p:nvPr/>
+        </p:nvPicPr>
+        <p:blipFill>
+          <a:blip r:embed="rId11">
+            <a:extLst>
+              <a:ext uri="{BEBA8EAE-BF5A-486C-A8C5-ECC9F3942E4B}">
+                <a14:imgProps xmlns:a14="http://schemas.microsoft.com/office/drawing/2010/main">
+                  <a14:imgLayer r:embed="rId12">
+                    <a14:imgEffect>
+                      <a14:backgroundRemoval t="10000" b="90000" l="10000" r="90000">
+                        <a14:foregroundMark x1="40500" y1="77750" x2="40500" y2="77750"/>
+                        <a14:foregroundMark x1="66900" y1="77750" x2="61800" y2="78875"/>
+                      </a14:backgroundRemoval>
+                    </a14:imgEffect>
+                  </a14:imgLayer>
+                </a14:imgProps>
+              </a:ext>
+              <a:ext uri="{28A0092B-C50C-407E-A947-70E740481C1C}">
+                <a14:useLocalDpi xmlns:a14="http://schemas.microsoft.com/office/drawing/2010/main" val="0"/>
+              </a:ext>
+            </a:extLst>
+          </a:blip>
+          <a:stretch>
+            <a:fillRect/>
+          </a:stretch>
+        </p:blipFill>
+        <p:spPr>
+          <a:xfrm>
+            <a:off x="3627950" y="2895239"/>
+            <a:ext cx="1773936" cy="1419149"/>
+          </a:xfrm>
+          <a:prstGeom prst="rect">
+            <a:avLst/>
+          </a:prstGeom>
+        </p:spPr>
+      </p:pic>
+      <p:sp>
+        <p:nvSpPr>
+          <p:cNvPr id="23" name="TextBox 22">
+            <a:extLst>
+              <a:ext uri="{FF2B5EF4-FFF2-40B4-BE49-F238E27FC236}">
+                <a16:creationId xmlns:a16="http://schemas.microsoft.com/office/drawing/2014/main" id="{9A2EAA73-99E7-08A8-62D3-45557C4B26A9}"/>
+              </a:ext>
+            </a:extLst>
+          </p:cNvPr>
+          <p:cNvSpPr txBox="1"/>
+          <p:nvPr/>
+        </p:nvSpPr>
+        <p:spPr>
+          <a:xfrm>
+            <a:off x="5519202" y="3429000"/>
+            <a:ext cx="2244525" cy="400110"/>
+          </a:xfrm>
+          <a:prstGeom prst="rect">
+            <a:avLst/>
+          </a:prstGeom>
+          <a:noFill/>
+        </p:spPr>
+        <p:txBody>
+          <a:bodyPr wrap="none" rtlCol="0">
+            <a:spAutoFit/>
+          </a:bodyPr>
+          <a:lstStyle/>
+          <a:p>
+            <a:r>
+              <a:rPr lang="ro-RO" sz="2000" dirty="0">
+                <a:latin typeface="Bahnschrift" panose="020B0502040204020203" pitchFamily="34" charset="0"/>
+              </a:rPr>
+              <a:t>Comerț electronic</a:t>
+            </a:r>
+            <a:endParaRPr lang="en-US" sz="2000" dirty="0">
+              <a:latin typeface="Bahnschrift" panose="020B0502040204020203" pitchFamily="34" charset="0"/>
+            </a:endParaRPr>
+          </a:p>
+        </p:txBody>
+      </p:sp>
+      <p:pic>
+        <p:nvPicPr>
+          <p:cNvPr id="25" name="Picture 24">
+            <a:extLst>
+              <a:ext uri="{FF2B5EF4-FFF2-40B4-BE49-F238E27FC236}">
+                <a16:creationId xmlns:a16="http://schemas.microsoft.com/office/drawing/2014/main" id="{19D35F1E-991B-5C29-1CF5-8723A1D8EF23}"/>
+              </a:ext>
+            </a:extLst>
+          </p:cNvPr>
+          <p:cNvPicPr>
+            <a:picLocks noChangeAspect="1"/>
+          </p:cNvPicPr>
+          <p:nvPr/>
+        </p:nvPicPr>
+        <p:blipFill>
+          <a:blip r:embed="rId13"/>
+          <a:stretch>
+            <a:fillRect/>
+          </a:stretch>
+        </p:blipFill>
+        <p:spPr>
+          <a:xfrm>
+            <a:off x="6525832" y="4275150"/>
+            <a:ext cx="1724542" cy="1679489"/>
+          </a:xfrm>
+          <a:prstGeom prst="rect">
+            <a:avLst/>
+          </a:prstGeom>
+        </p:spPr>
+      </p:pic>
+      <p:sp>
+        <p:nvSpPr>
+          <p:cNvPr id="26" name="TextBox 25">
+            <a:extLst>
+              <a:ext uri="{FF2B5EF4-FFF2-40B4-BE49-F238E27FC236}">
+                <a16:creationId xmlns:a16="http://schemas.microsoft.com/office/drawing/2014/main" id="{081980E1-67DE-A258-00AF-E3B8A50128A3}"/>
+              </a:ext>
+            </a:extLst>
+          </p:cNvPr>
+          <p:cNvSpPr txBox="1"/>
+          <p:nvPr/>
+        </p:nvSpPr>
+        <p:spPr>
+          <a:xfrm>
+            <a:off x="8760551" y="4818632"/>
+            <a:ext cx="2443298" cy="400110"/>
+          </a:xfrm>
+          <a:prstGeom prst="rect">
+            <a:avLst/>
+          </a:prstGeom>
+          <a:noFill/>
+        </p:spPr>
+        <p:txBody>
+          <a:bodyPr wrap="none" rtlCol="0">
+            <a:spAutoFit/>
+          </a:bodyPr>
+          <a:lstStyle/>
+          <a:p>
+            <a:r>
+              <a:rPr lang="ro-RO" sz="2000" dirty="0">
+                <a:latin typeface="Bahnschrift" panose="020B0502040204020203" pitchFamily="34" charset="0"/>
+              </a:rPr>
+              <a:t>Interacțiune socială</a:t>
+            </a:r>
+            <a:endParaRPr lang="en-US" sz="2000" dirty="0">
+              <a:latin typeface="Bahnschrift" panose="020B0502040204020203" pitchFamily="34" charset="0"/>
+            </a:endParaRPr>
           </a:p>
         </p:txBody>
       </p:sp>
     </p:spTree>
     <p:extLst>
       <p:ext uri="{BB962C8B-B14F-4D97-AF65-F5344CB8AC3E}">
-        <p14:creationId xmlns:p14="http://schemas.microsoft.com/office/powerpoint/2010/main" val="1560087780"/>
+        <p14:creationId xmlns:p14="http://schemas.microsoft.com/office/powerpoint/2010/main" val="3097049210"/>
       </p:ext>
     </p:extLst>
   </p:cSld>
@@ -9610,7 +9587,7 @@
           <p:cNvPr id="2" name="Title 1">
             <a:extLst>
               <a:ext uri="{FF2B5EF4-FFF2-40B4-BE49-F238E27FC236}">
-                <a16:creationId xmlns:a16="http://schemas.microsoft.com/office/drawing/2014/main" id="{F0D9F79F-B117-6710-A596-B157DCA3D3FA}"/>
+                <a16:creationId xmlns:a16="http://schemas.microsoft.com/office/drawing/2014/main" id="{AB36C50B-E881-241D-9DE1-89337FB5A373}"/>
               </a:ext>
             </a:extLst>
           </p:cNvPr>
@@ -9621,69 +9598,20 @@
             <p:ph type="title"/>
           </p:nvPr>
         </p:nvSpPr>
-        <p:spPr/>
+        <p:spPr>
+          <a:xfrm>
+            <a:off x="838200" y="365125"/>
+            <a:ext cx="10515600" cy="6063107"/>
+          </a:xfrm>
+        </p:spPr>
         <p:txBody>
           <a:bodyPr/>
           <a:lstStyle/>
           <a:p>
-            <a:r>
-              <a:rPr lang="en-US" dirty="0" err="1"/>
-              <a:t>Pagina</a:t>
-            </a:r>
-            <a:r>
-              <a:rPr lang="en-US" dirty="0"/>
-              <a:t> calendar</a:t>
-            </a:r>
-            <a:r>
-              <a:rPr lang="ro-RO" dirty="0"/>
-              <a:t> și circuitele</a:t>
-            </a:r>
-            <a:r>
-              <a:rPr lang="en-US" dirty="0"/>
-              <a:t>:</a:t>
-            </a:r>
-          </a:p>
-        </p:txBody>
-      </p:sp>
-      <p:sp>
-        <p:nvSpPr>
-          <p:cNvPr id="3" name="Content Placeholder 2">
-            <a:extLst>
-              <a:ext uri="{FF2B5EF4-FFF2-40B4-BE49-F238E27FC236}">
-                <a16:creationId xmlns:a16="http://schemas.microsoft.com/office/drawing/2014/main" id="{82F18D43-C62A-8317-DA9E-32A5816E8BAF}"/>
-              </a:ext>
-            </a:extLst>
-          </p:cNvPr>
-          <p:cNvSpPr>
-            <a:spLocks noGrp="1"/>
-          </p:cNvSpPr>
-          <p:nvPr>
-            <p:ph idx="1"/>
-          </p:nvPr>
-        </p:nvSpPr>
-        <p:spPr/>
-        <p:txBody>
-          <a:bodyPr/>
-          <a:lstStyle/>
-          <a:p>
-            <a:pPr marL="0" indent="0" algn="ctr">
-              <a:buNone/>
-            </a:pPr>
-            <a:r>
-              <a:rPr lang="en-US" dirty="0" err="1"/>
-              <a:t>Calendarul</a:t>
-            </a:r>
-            <a:r>
-              <a:rPr lang="en-US" dirty="0"/>
-              <a:t> </a:t>
-            </a:r>
-            <a:r>
-              <a:rPr lang="en-US" dirty="0" err="1"/>
-              <a:t>competi</a:t>
-            </a:r>
-            <a:r>
-              <a:rPr lang="ro-RO" dirty="0"/>
-              <a:t>ției care permite și afișarea de date suplimentare pentru oricare dintre curse</a:t>
+            <a:pPr algn="ctr"/>
+            <a:r>
+              <a:rPr lang="ro-RO" sz="4400" dirty="0"/>
+              <a:t>Vă mulțumesc pentru atenție!</a:t>
             </a:r>
             <a:endParaRPr lang="en-US" dirty="0"/>
           </a:p>
@@ -9691,10 +9619,10 @@
       </p:sp>
       <p:sp>
         <p:nvSpPr>
-          <p:cNvPr id="4" name="Slide Number Placeholder 3">
-            <a:extLst>
-              <a:ext uri="{FF2B5EF4-FFF2-40B4-BE49-F238E27FC236}">
-                <a16:creationId xmlns:a16="http://schemas.microsoft.com/office/drawing/2014/main" id="{098FB31A-CAB8-403A-4CC5-626DA2C1125A}"/>
+          <p:cNvPr id="3" name="Slide Number Placeholder 2">
+            <a:extLst>
+              <a:ext uri="{FF2B5EF4-FFF2-40B4-BE49-F238E27FC236}">
+                <a16:creationId xmlns:a16="http://schemas.microsoft.com/office/drawing/2014/main" id="{D43935DF-10BC-250C-D7B0-C1643F86932D}"/>
               </a:ext>
             </a:extLst>
           </p:cNvPr>
@@ -9720,10 +9648,10 @@
       </p:sp>
       <p:pic>
         <p:nvPicPr>
-          <p:cNvPr id="5" name="Picture 4">
-            <a:extLst>
-              <a:ext uri="{FF2B5EF4-FFF2-40B4-BE49-F238E27FC236}">
-                <a16:creationId xmlns:a16="http://schemas.microsoft.com/office/drawing/2014/main" id="{0DC30A83-855D-D5DB-E08D-76CF58C1E9DC}"/>
+          <p:cNvPr id="4" name="Imagine 6" descr="O imagine care conține text, Font, Albastru electric, captură de ecran&#10;&#10;Descriere generată automat">
+            <a:extLst>
+              <a:ext uri="{FF2B5EF4-FFF2-40B4-BE49-F238E27FC236}">
+                <a16:creationId xmlns:a16="http://schemas.microsoft.com/office/drawing/2014/main" id="{EB636F53-63E8-6CA3-D08D-4604E0C11E91}"/>
               </a:ext>
             </a:extLst>
           </p:cNvPr>
@@ -9733,231 +9661,31 @@
           <p:nvPr/>
         </p:nvPicPr>
         <p:blipFill>
-          <a:blip r:embed="rId2" cstate="print">
+          <a:blip r:embed="rId2">
             <a:extLst>
               <a:ext uri="{28A0092B-C50C-407E-A947-70E740481C1C}">
                 <a14:useLocalDpi xmlns:a14="http://schemas.microsoft.com/office/drawing/2010/main" val="0"/>
               </a:ext>
             </a:extLst>
           </a:blip>
-          <a:srcRect/>
           <a:stretch>
             <a:fillRect/>
           </a:stretch>
         </p:blipFill>
-        <p:spPr bwMode="auto">
-          <a:xfrm>
-            <a:off x="838200" y="2422531"/>
-            <a:ext cx="878776" cy="3911258"/>
+        <p:spPr>
+          <a:xfrm>
+            <a:off x="9689982" y="191461"/>
+            <a:ext cx="2364858" cy="836445"/>
           </a:xfrm>
           <a:prstGeom prst="rect">
             <a:avLst/>
           </a:prstGeom>
-          <a:noFill/>
-          <a:ln>
-            <a:noFill/>
-          </a:ln>
         </p:spPr>
       </p:pic>
-      <p:sp>
-        <p:nvSpPr>
-          <p:cNvPr id="8" name="TextBox 7">
-            <a:extLst>
-              <a:ext uri="{FF2B5EF4-FFF2-40B4-BE49-F238E27FC236}">
-                <a16:creationId xmlns:a16="http://schemas.microsoft.com/office/drawing/2014/main" id="{0674A39D-4158-8E3C-8521-F916BCBCC7B8}"/>
-              </a:ext>
-            </a:extLst>
-          </p:cNvPr>
-          <p:cNvSpPr txBox="1"/>
-          <p:nvPr/>
-        </p:nvSpPr>
-        <p:spPr>
-          <a:xfrm>
-            <a:off x="40711" y="6333789"/>
-            <a:ext cx="2473754" cy="369332"/>
-          </a:xfrm>
-          <a:prstGeom prst="rect">
-            <a:avLst/>
-          </a:prstGeom>
-          <a:noFill/>
-        </p:spPr>
-        <p:txBody>
-          <a:bodyPr wrap="none" rtlCol="0">
-            <a:spAutoFit/>
-          </a:bodyPr>
-          <a:lstStyle/>
-          <a:p>
-            <a:r>
-              <a:rPr lang="ro-RO" dirty="0"/>
-              <a:t>Calendarul competiției</a:t>
-            </a:r>
-            <a:endParaRPr lang="en-US" dirty="0"/>
-          </a:p>
-        </p:txBody>
-      </p:sp>
-      <p:pic>
-        <p:nvPicPr>
-          <p:cNvPr id="10" name="Picture 9">
-            <a:extLst>
-              <a:ext uri="{FF2B5EF4-FFF2-40B4-BE49-F238E27FC236}">
-                <a16:creationId xmlns:a16="http://schemas.microsoft.com/office/drawing/2014/main" id="{3BD29BF3-73BC-DCC8-9BE2-FCBAD4D456E8}"/>
-              </a:ext>
-            </a:extLst>
-          </p:cNvPr>
-          <p:cNvPicPr>
-            <a:picLocks noChangeAspect="1"/>
-          </p:cNvPicPr>
-          <p:nvPr/>
-        </p:nvPicPr>
-        <p:blipFill>
-          <a:blip r:embed="rId3" cstate="print">
-            <a:extLst>
-              <a:ext uri="{28A0092B-C50C-407E-A947-70E740481C1C}">
-                <a14:useLocalDpi xmlns:a14="http://schemas.microsoft.com/office/drawing/2010/main" val="0"/>
-              </a:ext>
-            </a:extLst>
-          </a:blip>
-          <a:srcRect/>
-          <a:stretch>
-            <a:fillRect/>
-          </a:stretch>
-        </p:blipFill>
-        <p:spPr bwMode="auto">
-          <a:xfrm>
-            <a:off x="6925166" y="2648576"/>
-            <a:ext cx="1439545" cy="3607435"/>
-          </a:xfrm>
-          <a:prstGeom prst="rect">
-            <a:avLst/>
-          </a:prstGeom>
-          <a:noFill/>
-          <a:ln>
-            <a:noFill/>
-          </a:ln>
-        </p:spPr>
-      </p:pic>
-      <p:pic>
-        <p:nvPicPr>
-          <p:cNvPr id="11" name="Picture 10">
-            <a:extLst>
-              <a:ext uri="{FF2B5EF4-FFF2-40B4-BE49-F238E27FC236}">
-                <a16:creationId xmlns:a16="http://schemas.microsoft.com/office/drawing/2014/main" id="{5FC86E6F-6AB3-37E1-2386-C09343D2DD30}"/>
-              </a:ext>
-            </a:extLst>
-          </p:cNvPr>
-          <p:cNvPicPr>
-            <a:picLocks noChangeAspect="1"/>
-          </p:cNvPicPr>
-          <p:nvPr/>
-        </p:nvPicPr>
-        <p:blipFill>
-          <a:blip r:embed="rId4" cstate="print">
-            <a:extLst>
-              <a:ext uri="{28A0092B-C50C-407E-A947-70E740481C1C}">
-                <a14:useLocalDpi xmlns:a14="http://schemas.microsoft.com/office/drawing/2010/main" val="0"/>
-              </a:ext>
-            </a:extLst>
-          </a:blip>
-          <a:srcRect/>
-          <a:stretch>
-            <a:fillRect/>
-          </a:stretch>
-        </p:blipFill>
-        <p:spPr bwMode="auto">
-          <a:xfrm>
-            <a:off x="4997727" y="2648576"/>
-            <a:ext cx="1439545" cy="3606800"/>
-          </a:xfrm>
-          <a:prstGeom prst="rect">
-            <a:avLst/>
-          </a:prstGeom>
-          <a:noFill/>
-          <a:ln>
-            <a:noFill/>
-          </a:ln>
-        </p:spPr>
-      </p:pic>
-      <p:pic>
-        <p:nvPicPr>
-          <p:cNvPr id="12" name="Picture 11">
-            <a:extLst>
-              <a:ext uri="{FF2B5EF4-FFF2-40B4-BE49-F238E27FC236}">
-                <a16:creationId xmlns:a16="http://schemas.microsoft.com/office/drawing/2014/main" id="{9E0708D4-77EE-331D-BCAE-8391CE0F3FDE}"/>
-              </a:ext>
-            </a:extLst>
-          </p:cNvPr>
-          <p:cNvPicPr>
-            <a:picLocks noChangeAspect="1"/>
-          </p:cNvPicPr>
-          <p:nvPr/>
-        </p:nvPicPr>
-        <p:blipFill>
-          <a:blip r:embed="rId5" cstate="print">
-            <a:extLst>
-              <a:ext uri="{28A0092B-C50C-407E-A947-70E740481C1C}">
-                <a14:useLocalDpi xmlns:a14="http://schemas.microsoft.com/office/drawing/2010/main" val="0"/>
-              </a:ext>
-            </a:extLst>
-          </a:blip>
-          <a:srcRect/>
-          <a:stretch>
-            <a:fillRect/>
-          </a:stretch>
-        </p:blipFill>
-        <p:spPr bwMode="auto">
-          <a:xfrm>
-            <a:off x="8849557" y="2648576"/>
-            <a:ext cx="1439545" cy="3606800"/>
-          </a:xfrm>
-          <a:prstGeom prst="rect">
-            <a:avLst/>
-          </a:prstGeom>
-          <a:noFill/>
-          <a:ln>
-            <a:noFill/>
-          </a:ln>
-        </p:spPr>
-      </p:pic>
-      <p:sp>
-        <p:nvSpPr>
-          <p:cNvPr id="13" name="TextBox 12">
-            <a:extLst>
-              <a:ext uri="{FF2B5EF4-FFF2-40B4-BE49-F238E27FC236}">
-                <a16:creationId xmlns:a16="http://schemas.microsoft.com/office/drawing/2014/main" id="{969747CB-A8BA-9B4F-E332-A9572424308E}"/>
-              </a:ext>
-            </a:extLst>
-          </p:cNvPr>
-          <p:cNvSpPr txBox="1"/>
-          <p:nvPr/>
-        </p:nvSpPr>
-        <p:spPr>
-          <a:xfrm>
-            <a:off x="5227289" y="6277937"/>
-            <a:ext cx="4835298" cy="369332"/>
-          </a:xfrm>
-          <a:prstGeom prst="rect">
-            <a:avLst/>
-          </a:prstGeom>
-          <a:noFill/>
-        </p:spPr>
-        <p:txBody>
-          <a:bodyPr wrap="none" rtlCol="0">
-            <a:spAutoFit/>
-          </a:bodyPr>
-          <a:lstStyle/>
-          <a:p>
-            <a:r>
-              <a:rPr lang="ro-RO" dirty="0"/>
-              <a:t>Pagini individuale pentru diferite tipuri de curse</a:t>
-            </a:r>
-            <a:endParaRPr lang="en-US" dirty="0"/>
-          </a:p>
-        </p:txBody>
-      </p:sp>
     </p:spTree>
     <p:extLst>
       <p:ext uri="{BB962C8B-B14F-4D97-AF65-F5344CB8AC3E}">
-        <p14:creationId xmlns:p14="http://schemas.microsoft.com/office/powerpoint/2010/main" val="3910785294"/>
+        <p14:creationId xmlns:p14="http://schemas.microsoft.com/office/powerpoint/2010/main" val="3797409576"/>
       </p:ext>
     </p:extLst>
   </p:cSld>

--- a/Mihaly_Bogdan-Matei.pptx
+++ b/Mihaly_Bogdan-Matei.pptx
@@ -5,7 +5,7 @@
     <p:sldMasterId id="2147483648" r:id="rId1"/>
   </p:sldMasterIdLst>
   <p:notesMasterIdLst>
-    <p:notesMasterId r:id="rId11"/>
+    <p:notesMasterId r:id="rId12"/>
   </p:notesMasterIdLst>
   <p:sldIdLst>
     <p:sldId id="256" r:id="rId2"/>
@@ -15,8 +15,9 @@
     <p:sldId id="273" r:id="rId6"/>
     <p:sldId id="274" r:id="rId7"/>
     <p:sldId id="275" r:id="rId8"/>
-    <p:sldId id="276" r:id="rId9"/>
-    <p:sldId id="271" r:id="rId10"/>
+    <p:sldId id="277" r:id="rId9"/>
+    <p:sldId id="276" r:id="rId10"/>
+    <p:sldId id="271" r:id="rId11"/>
   </p:sldIdLst>
   <p:sldSz cx="12192000" cy="6858000"/>
   <p:notesSz cx="6858000" cy="9144000"/>
@@ -205,7 +206,7 @@
           <a:p>
             <a:fld id="{CAB6408B-C718-4C56-9786-3BEFBD2E5973}" type="datetimeFigureOut">
               <a:rPr lang="en-US" smtClean="0"/>
-              <a:t>6/21/2024</a:t>
+              <a:t>6/22/2024</a:t>
             </a:fld>
             <a:endParaRPr lang="en-US"/>
           </a:p>
@@ -619,7 +620,7 @@
           <a:p>
             <a:fld id="{4FA5A385-0843-4FF4-972F-53A92C023AD8}" type="datetime1">
               <a:rPr lang="en-US" smtClean="0"/>
-              <a:t>6/21/2024</a:t>
+              <a:t>6/22/2024</a:t>
             </a:fld>
             <a:endParaRPr lang="en-US"/>
           </a:p>
@@ -817,7 +818,7 @@
           <a:p>
             <a:fld id="{D284471D-B916-4CDB-BA6E-DF0E31883223}" type="datetime1">
               <a:rPr lang="en-US" smtClean="0"/>
-              <a:t>6/21/2024</a:t>
+              <a:t>6/22/2024</a:t>
             </a:fld>
             <a:endParaRPr lang="en-US"/>
           </a:p>
@@ -1025,7 +1026,7 @@
           <a:p>
             <a:fld id="{92FADB33-1227-41A4-9985-0EB00A7C04DB}" type="datetime1">
               <a:rPr lang="en-US" smtClean="0"/>
-              <a:t>6/21/2024</a:t>
+              <a:t>6/22/2024</a:t>
             </a:fld>
             <a:endParaRPr lang="en-US"/>
           </a:p>
@@ -1223,7 +1224,7 @@
           <a:p>
             <a:fld id="{DB0B7143-00CC-4882-8F1D-6E4F10AE796F}" type="datetime1">
               <a:rPr lang="en-US" smtClean="0"/>
-              <a:t>6/21/2024</a:t>
+              <a:t>6/22/2024</a:t>
             </a:fld>
             <a:endParaRPr lang="en-US"/>
           </a:p>
@@ -1498,7 +1499,7 @@
           <a:p>
             <a:fld id="{C173C1BA-9C3C-4BB5-AAE1-5B62254F01F1}" type="datetime1">
               <a:rPr lang="en-US" smtClean="0"/>
-              <a:t>6/21/2024</a:t>
+              <a:t>6/22/2024</a:t>
             </a:fld>
             <a:endParaRPr lang="en-US"/>
           </a:p>
@@ -1763,7 +1764,7 @@
           <a:p>
             <a:fld id="{F9BBFF1A-FD82-4271-80F9-E7553321FDB2}" type="datetime1">
               <a:rPr lang="en-US" smtClean="0"/>
-              <a:t>6/21/2024</a:t>
+              <a:t>6/22/2024</a:t>
             </a:fld>
             <a:endParaRPr lang="en-US"/>
           </a:p>
@@ -2175,7 +2176,7 @@
           <a:p>
             <a:fld id="{125CEAC4-3850-4D08-85E5-EF71665C38F2}" type="datetime1">
               <a:rPr lang="en-US" smtClean="0"/>
-              <a:t>6/21/2024</a:t>
+              <a:t>6/22/2024</a:t>
             </a:fld>
             <a:endParaRPr lang="en-US"/>
           </a:p>
@@ -2316,7 +2317,7 @@
           <a:p>
             <a:fld id="{5C8313FD-8E79-4C25-9B5B-434753565F80}" type="datetime1">
               <a:rPr lang="en-US" smtClean="0"/>
-              <a:t>6/21/2024</a:t>
+              <a:t>6/22/2024</a:t>
             </a:fld>
             <a:endParaRPr lang="en-US"/>
           </a:p>
@@ -2429,7 +2430,7 @@
           <a:p>
             <a:fld id="{D8C9A120-6923-4607-B302-0F6A31DA0B6D}" type="datetime1">
               <a:rPr lang="en-US" smtClean="0"/>
-              <a:t>6/21/2024</a:t>
+              <a:t>6/22/2024</a:t>
             </a:fld>
             <a:endParaRPr lang="en-US"/>
           </a:p>
@@ -2740,7 +2741,7 @@
           <a:p>
             <a:fld id="{551A71E9-6E65-4C95-BA1E-27C40310E02F}" type="datetime1">
               <a:rPr lang="en-US" smtClean="0"/>
-              <a:t>6/21/2024</a:t>
+              <a:t>6/22/2024</a:t>
             </a:fld>
             <a:endParaRPr lang="en-US"/>
           </a:p>
@@ -3028,7 +3029,7 @@
           <a:p>
             <a:fld id="{3B45EF61-01C7-4E9B-8332-76BD3393F103}" type="datetime1">
               <a:rPr lang="en-US" smtClean="0"/>
-              <a:t>6/21/2024</a:t>
+              <a:t>6/22/2024</a:t>
             </a:fld>
             <a:endParaRPr lang="en-US"/>
           </a:p>
@@ -3269,7 +3270,7 @@
           <a:p>
             <a:fld id="{A2AC2938-28C5-41A1-AD8F-D3BA47B379FA}" type="datetime1">
               <a:rPr lang="en-US" smtClean="0"/>
-              <a:t>6/21/2024</a:t>
+              <a:t>6/22/2024</a:t>
             </a:fld>
             <a:endParaRPr lang="en-US"/>
           </a:p>
@@ -4046,6 +4047,152 @@
 </p:sld>
 </file>
 
+<file path=ppt/slides/slide10.xml><?xml version="1.0" encoding="utf-8"?>
+<p:sld xmlns:a="http://schemas.openxmlformats.org/drawingml/2006/main" xmlns:r="http://schemas.openxmlformats.org/officeDocument/2006/relationships" xmlns:p="http://schemas.openxmlformats.org/presentationml/2006/main">
+  <p:cSld>
+    <p:spTree>
+      <p:nvGrpSpPr>
+        <p:cNvPr id="1" name=""/>
+        <p:cNvGrpSpPr/>
+        <p:nvPr/>
+      </p:nvGrpSpPr>
+      <p:grpSpPr>
+        <a:xfrm>
+          <a:off x="0" y="0"/>
+          <a:ext cx="0" cy="0"/>
+          <a:chOff x="0" y="0"/>
+          <a:chExt cx="0" cy="0"/>
+        </a:xfrm>
+      </p:grpSpPr>
+      <p:sp>
+        <p:nvSpPr>
+          <p:cNvPr id="2" name="Title 1">
+            <a:extLst>
+              <a:ext uri="{FF2B5EF4-FFF2-40B4-BE49-F238E27FC236}">
+                <a16:creationId xmlns:a16="http://schemas.microsoft.com/office/drawing/2014/main" id="{AB36C50B-E881-241D-9DE1-89337FB5A373}"/>
+              </a:ext>
+            </a:extLst>
+          </p:cNvPr>
+          <p:cNvSpPr>
+            <a:spLocks noGrp="1"/>
+          </p:cNvSpPr>
+          <p:nvPr>
+            <p:ph type="title"/>
+          </p:nvPr>
+        </p:nvSpPr>
+        <p:spPr>
+          <a:xfrm>
+            <a:off x="838200" y="365125"/>
+            <a:ext cx="10515600" cy="6063107"/>
+          </a:xfrm>
+        </p:spPr>
+        <p:txBody>
+          <a:bodyPr/>
+          <a:lstStyle/>
+          <a:p>
+            <a:pPr algn="ctr"/>
+            <a:r>
+              <a:rPr lang="ro-RO" sz="4400" dirty="0">
+                <a:latin typeface="Bahnschrift" panose="020B0502040204020203" pitchFamily="34" charset="0"/>
+              </a:rPr>
+              <a:t>Vă mulțumesc pentru atenție!</a:t>
+            </a:r>
+            <a:endParaRPr lang="en-US" dirty="0">
+              <a:latin typeface="Bahnschrift" panose="020B0502040204020203" pitchFamily="34" charset="0"/>
+            </a:endParaRPr>
+          </a:p>
+        </p:txBody>
+      </p:sp>
+      <p:sp>
+        <p:nvSpPr>
+          <p:cNvPr id="3" name="Slide Number Placeholder 2">
+            <a:extLst>
+              <a:ext uri="{FF2B5EF4-FFF2-40B4-BE49-F238E27FC236}">
+                <a16:creationId xmlns:a16="http://schemas.microsoft.com/office/drawing/2014/main" id="{D43935DF-10BC-250C-D7B0-C1643F86932D}"/>
+              </a:ext>
+            </a:extLst>
+          </p:cNvPr>
+          <p:cNvSpPr>
+            <a:spLocks noGrp="1"/>
+          </p:cNvSpPr>
+          <p:nvPr>
+            <p:ph type="sldNum" sz="quarter" idx="12"/>
+          </p:nvPr>
+        </p:nvSpPr>
+        <p:spPr/>
+        <p:txBody>
+          <a:bodyPr/>
+          <a:lstStyle/>
+          <a:p>
+            <a:fld id="{F8A5FA55-D9B8-4EF5-BE35-7AA8B0D8C041}" type="slidenum">
+              <a:rPr lang="en-US" smtClean="0"/>
+              <a:t>10</a:t>
+            </a:fld>
+            <a:endParaRPr lang="en-US"/>
+          </a:p>
+        </p:txBody>
+      </p:sp>
+      <p:pic>
+        <p:nvPicPr>
+          <p:cNvPr id="4" name="Imagine 6" descr="O imagine care conține text, Font, Albastru electric, captură de ecran&#10;&#10;Descriere generată automat">
+            <a:extLst>
+              <a:ext uri="{FF2B5EF4-FFF2-40B4-BE49-F238E27FC236}">
+                <a16:creationId xmlns:a16="http://schemas.microsoft.com/office/drawing/2014/main" id="{EB636F53-63E8-6CA3-D08D-4604E0C11E91}"/>
+              </a:ext>
+            </a:extLst>
+          </p:cNvPr>
+          <p:cNvPicPr>
+            <a:picLocks noChangeAspect="1"/>
+          </p:cNvPicPr>
+          <p:nvPr/>
+        </p:nvPicPr>
+        <p:blipFill>
+          <a:blip r:embed="rId2">
+            <a:extLst>
+              <a:ext uri="{28A0092B-C50C-407E-A947-70E740481C1C}">
+                <a14:useLocalDpi xmlns:a14="http://schemas.microsoft.com/office/drawing/2010/main" val="0"/>
+              </a:ext>
+            </a:extLst>
+          </a:blip>
+          <a:stretch>
+            <a:fillRect/>
+          </a:stretch>
+        </p:blipFill>
+        <p:spPr>
+          <a:xfrm>
+            <a:off x="9689982" y="191461"/>
+            <a:ext cx="2364858" cy="836445"/>
+          </a:xfrm>
+          <a:prstGeom prst="rect">
+            <a:avLst/>
+          </a:prstGeom>
+        </p:spPr>
+      </p:pic>
+    </p:spTree>
+    <p:extLst>
+      <p:ext uri="{BB962C8B-B14F-4D97-AF65-F5344CB8AC3E}">
+        <p14:creationId xmlns:p14="http://schemas.microsoft.com/office/powerpoint/2010/main" val="3797409576"/>
+      </p:ext>
+    </p:extLst>
+  </p:cSld>
+  <p:clrMapOvr>
+    <a:masterClrMapping/>
+  </p:clrMapOvr>
+  <mc:AlternateContent xmlns:mc="http://schemas.openxmlformats.org/markup-compatibility/2006">
+    <mc:Choice xmlns:p14="http://schemas.microsoft.com/office/powerpoint/2010/main" Requires="p14">
+      <p:transition spd="slow" p14:dur="800">
+        <p14:flythrough/>
+      </p:transition>
+    </mc:Choice>
+    <mc:Fallback>
+      <p:transition spd="slow">
+        <p:fade/>
+      </p:transition>
+    </mc:Fallback>
+  </mc:AlternateContent>
+</p:sld>
+</file>
+
 <file path=ppt/slides/slide2.xml><?xml version="1.0" encoding="utf-8"?>
 <p:sld xmlns:a="http://schemas.openxmlformats.org/drawingml/2006/main" xmlns:r="http://schemas.openxmlformats.org/officeDocument/2006/relationships" xmlns:p="http://schemas.openxmlformats.org/presentationml/2006/main">
   <p:cSld>
@@ -4086,18 +4233,26 @@
           <a:p>
             <a:pPr algn="ctr"/>
             <a:r>
-              <a:rPr lang="en-US" dirty="0" err="1"/>
-              <a:t>Obiectivul</a:t>
-            </a:r>
-            <a:r>
-              <a:rPr lang="en-US" dirty="0"/>
+              <a:rPr lang="en-US" dirty="0" err="1">
+                <a:latin typeface="Bahnschrift" panose="020B0502040204020203" pitchFamily="34" charset="0"/>
+              </a:rPr>
+              <a:t>Obiectivele</a:t>
+            </a:r>
+            <a:r>
+              <a:rPr lang="en-US" dirty="0">
+                <a:latin typeface="Bahnschrift" panose="020B0502040204020203" pitchFamily="34" charset="0"/>
+              </a:rPr>
               <a:t> </a:t>
             </a:r>
             <a:r>
-              <a:rPr lang="en-US" dirty="0" err="1"/>
+              <a:rPr lang="en-US" dirty="0" err="1">
+                <a:latin typeface="Bahnschrift" panose="020B0502040204020203" pitchFamily="34" charset="0"/>
+              </a:rPr>
               <a:t>proiectului</a:t>
             </a:r>
-            <a:endParaRPr lang="en-US" dirty="0"/>
+            <a:endParaRPr lang="en-US" dirty="0">
+              <a:latin typeface="Bahnschrift" panose="020B0502040204020203" pitchFamily="34" charset="0"/>
+            </a:endParaRPr>
           </a:p>
         </p:txBody>
       </p:sp>
@@ -4120,6 +4275,60 @@
         <p:blipFill>
           <a:blip r:embed="rId2">
             <a:extLst>
+              <a:ext uri="{BEBA8EAE-BF5A-486C-A8C5-ECC9F3942E4B}">
+                <a14:imgProps xmlns:a14="http://schemas.microsoft.com/office/drawing/2010/main">
+                  <a14:imgLayer r:embed="rId3">
+                    <a14:imgEffect>
+                      <a14:backgroundRemoval t="9961" b="89844" l="9473" r="94141">
+                        <a14:foregroundMark x1="30176" y1="86133" x2="30176" y2="86133"/>
+                        <a14:foregroundMark x1="32129" y1="76074" x2="32129" y2="76074"/>
+                        <a14:foregroundMark x1="43457" y1="88770" x2="43457" y2="88770"/>
+                        <a14:foregroundMark x1="51465" y1="88086" x2="51465" y2="88086"/>
+                        <a14:foregroundMark x1="58789" y1="88086" x2="58789" y2="88086"/>
+                        <a14:foregroundMark x1="70801" y1="76074" x2="70801" y2="76074"/>
+                        <a14:foregroundMark x1="78125" y1="82129" x2="78125" y2="82129"/>
+                        <a14:foregroundMark x1="90820" y1="73438" x2="90820" y2="73438"/>
+                        <a14:foregroundMark x1="92188" y1="66797" x2="92188" y2="66797"/>
+                        <a14:foregroundMark x1="88184" y1="76074" x2="88184" y2="76074"/>
+                        <a14:foregroundMark x1="90820" y1="59473" x2="90820" y2="59473"/>
+                        <a14:foregroundMark x1="93457" y1="62109" x2="93457" y2="62109"/>
+                        <a14:foregroundMark x1="94141" y1="56152" x2="94141" y2="56152"/>
+                        <a14:foregroundMark x1="94141" y1="61426" x2="94141" y2="61426"/>
+                        <a14:foregroundMark x1="91504" y1="66797" x2="91504" y2="66797"/>
+                        <a14:foregroundMark x1="87500" y1="50098" x2="87500" y2="50098"/>
+                        <a14:foregroundMark x1="93457" y1="49414" x2="93457" y2="49414"/>
+                        <a14:foregroundMark x1="81445" y1="49414" x2="81445" y2="49414"/>
+                        <a14:foregroundMark x1="76855" y1="49414" x2="76855" y2="49414"/>
+                        <a14:foregroundMark x1="61523" y1="57422" x2="61523" y2="57422"/>
+                        <a14:foregroundMark x1="43457" y1="57422" x2="43457" y2="57422"/>
+                        <a14:foregroundMark x1="32129" y1="77441" x2="32129" y2="77441"/>
+                        <a14:foregroundMark x1="18848" y1="59473" x2="18848" y2="59473"/>
+                        <a14:foregroundMark x1="13477" y1="66797" x2="13477" y2="66797"/>
+                        <a14:foregroundMark x1="9473" y1="54102" x2="9473" y2="54102"/>
+                        <a14:foregroundMark x1="9473" y1="47461" x2="9473" y2="47461"/>
+                        <a14:foregroundMark x1="20117" y1="50098" x2="20117" y2="50098"/>
+                        <a14:foregroundMark x1="32129" y1="31445" x2="32129" y2="31445"/>
+                        <a14:foregroundMark x1="14160" y1="34082" x2="14160" y2="34082"/>
+                        <a14:foregroundMark x1="46191" y1="16797" x2="46191" y2="16797"/>
+                        <a14:foregroundMark x1="45508" y1="30762" x2="45508" y2="30762"/>
+                        <a14:foregroundMark x1="46191" y1="26758" x2="46191" y2="26758"/>
+                        <a14:foregroundMark x1="40137" y1="28809" x2="40137" y2="28809"/>
+                        <a14:foregroundMark x1="52148" y1="35449" x2="52148" y2="35449"/>
+                        <a14:foregroundMark x1="60156" y1="25488" x2="60156" y2="25488"/>
+                        <a14:foregroundMark x1="81445" y1="23438" x2="81445" y2="23438"/>
+                        <a14:foregroundMark x1="80176" y1="28125" x2="80176" y2="28125"/>
+                        <a14:foregroundMark x1="78809" y1="34082" x2="78809" y2="34082"/>
+                        <a14:foregroundMark x1="74121" y1="28809" x2="74121" y2="28809"/>
+                        <a14:foregroundMark x1="74805" y1="28125" x2="74805" y2="28125"/>
+                        <a14:foregroundMark x1="90820" y1="40137" x2="90820" y2="40137"/>
+                        <a14:foregroundMark x1="78125" y1="50098" x2="78125" y2="50098"/>
+                        <a14:foregroundMark x1="15527" y1="70117" x2="15527" y2="70117"/>
+                        <a14:foregroundMark x1="10156" y1="61426" x2="10156" y2="61426"/>
+                      </a14:backgroundRemoval>
+                    </a14:imgEffect>
+                  </a14:imgLayer>
+                </a14:imgProps>
+              </a:ext>
               <a:ext uri="{28A0092B-C50C-407E-A947-70E740481C1C}">
                 <a14:useLocalDpi xmlns:a14="http://schemas.microsoft.com/office/drawing/2010/main" val="0"/>
               </a:ext>
@@ -4131,8 +4340,8 @@
         </p:blipFill>
         <p:spPr>
           <a:xfrm>
-            <a:off x="1286123" y="1787952"/>
-            <a:ext cx="1104251" cy="1104251"/>
+            <a:off x="1076846" y="1699132"/>
+            <a:ext cx="1371600" cy="1371600"/>
           </a:xfrm>
         </p:spPr>
       </p:pic>
@@ -4180,7 +4389,7 @@
           <p:nvPr/>
         </p:nvPicPr>
         <p:blipFill>
-          <a:blip r:embed="rId3">
+          <a:blip r:embed="rId4">
             <a:extLst>
               <a:ext uri="{28A0092B-C50C-407E-A947-70E740481C1C}">
                 <a14:useLocalDpi xmlns:a14="http://schemas.microsoft.com/office/drawing/2010/main" val="0"/>
@@ -4256,7 +4465,7 @@
           <p:nvPr/>
         </p:nvPicPr>
         <p:blipFill>
-          <a:blip r:embed="rId4">
+          <a:blip r:embed="rId5">
             <a:extLst>
               <a:ext uri="{28A0092B-C50C-407E-A947-70E740481C1C}">
                 <a14:useLocalDpi xmlns:a14="http://schemas.microsoft.com/office/drawing/2010/main" val="0"/>
@@ -4269,8 +4478,8 @@
         </p:blipFill>
         <p:spPr>
           <a:xfrm>
-            <a:off x="1286123" y="4710545"/>
-            <a:ext cx="1106424" cy="1106424"/>
+            <a:off x="1084534" y="4592437"/>
+            <a:ext cx="1371600" cy="1371600"/>
           </a:xfrm>
           <a:prstGeom prst="rect">
             <a:avLst/>
@@ -4332,8 +4541,17 @@
           <p:nvPr/>
         </p:nvPicPr>
         <p:blipFill>
-          <a:blip r:embed="rId5">
-            <a:extLst>
+          <a:blip r:embed="rId6">
+            <a:extLst>
+              <a:ext uri="{BEBA8EAE-BF5A-486C-A8C5-ECC9F3942E4B}">
+                <a14:imgProps xmlns:a14="http://schemas.microsoft.com/office/drawing/2010/main">
+                  <a14:imgLayer r:embed="rId7">
+                    <a14:imgEffect>
+                      <a14:backgroundRemoval t="10000" b="90000" l="10000" r="90000"/>
+                    </a14:imgEffect>
+                  </a14:imgLayer>
+                </a14:imgProps>
+              </a:ext>
               <a:ext uri="{28A0092B-C50C-407E-A947-70E740481C1C}">
                 <a14:useLocalDpi xmlns:a14="http://schemas.microsoft.com/office/drawing/2010/main" val="0"/>
               </a:ext>
@@ -4345,8 +4563,8 @@
         </p:blipFill>
         <p:spPr>
           <a:xfrm>
-            <a:off x="4989576" y="3129678"/>
-            <a:ext cx="1106424" cy="1106424"/>
+            <a:off x="4550664" y="3012479"/>
+            <a:ext cx="1371600" cy="1371600"/>
           </a:xfrm>
           <a:prstGeom prst="rect">
             <a:avLst/>
@@ -4367,7 +4585,7 @@
         </p:nvSpPr>
         <p:spPr>
           <a:xfrm>
-            <a:off x="6096000" y="3498224"/>
+            <a:off x="5922264" y="3498224"/>
             <a:ext cx="3332964" cy="400110"/>
           </a:xfrm>
           <a:prstGeom prst="rect">
@@ -4408,8 +4626,27 @@
           <p:nvPr/>
         </p:nvPicPr>
         <p:blipFill>
-          <a:blip r:embed="rId6">
-            <a:extLst>
+          <a:blip r:embed="rId8">
+            <a:extLst>
+              <a:ext uri="{BEBA8EAE-BF5A-486C-A8C5-ECC9F3942E4B}">
+                <a14:imgProps xmlns:a14="http://schemas.microsoft.com/office/drawing/2010/main">
+                  <a14:imgLayer r:embed="rId9">
+                    <a14:imgEffect>
+                      <a14:backgroundRemoval t="10000" b="90000" l="10000" r="90000">
+                        <a14:foregroundMark x1="64551" y1="39355" x2="64551" y2="39355"/>
+                        <a14:foregroundMark x1="39746" y1="28613" x2="39746" y2="28613"/>
+                        <a14:foregroundMark x1="35645" y1="17871" x2="35645" y2="17871"/>
+                        <a14:foregroundMark x1="32324" y1="34473" x2="32324" y2="34473"/>
+                        <a14:foregroundMark x1="33984" y1="50977" x2="33984" y2="50977"/>
+                        <a14:foregroundMark x1="36426" y1="65820" x2="36426" y2="65820"/>
+                        <a14:foregroundMark x1="39746" y1="57520" x2="39746" y2="57520"/>
+                        <a14:foregroundMark x1="48828" y1="66699" x2="48828" y2="66699"/>
+                        <a14:foregroundMark x1="20703" y1="65820" x2="20703" y2="65820"/>
+                      </a14:backgroundRemoval>
+                    </a14:imgEffect>
+                  </a14:imgLayer>
+                </a14:imgProps>
+              </a:ext>
               <a:ext uri="{28A0092B-C50C-407E-A947-70E740481C1C}">
                 <a14:useLocalDpi xmlns:a14="http://schemas.microsoft.com/office/drawing/2010/main" val="0"/>
               </a:ext>
@@ -4421,8 +4658,8 @@
         </p:blipFill>
         <p:spPr>
           <a:xfrm>
-            <a:off x="8445506" y="1824502"/>
-            <a:ext cx="1106424" cy="1106424"/>
+            <a:off x="7341858" y="1683489"/>
+            <a:ext cx="1371600" cy="1371600"/>
           </a:xfrm>
           <a:prstGeom prst="rect">
             <a:avLst/>
@@ -4443,7 +4680,7 @@
         </p:nvSpPr>
         <p:spPr>
           <a:xfrm>
-            <a:off x="9551930" y="2191815"/>
+            <a:off x="8713458" y="2145072"/>
             <a:ext cx="1728358" cy="400110"/>
           </a:xfrm>
           <a:prstGeom prst="rect">
@@ -4484,8 +4721,26 @@
           <p:nvPr/>
         </p:nvPicPr>
         <p:blipFill>
-          <a:blip r:embed="rId7">
-            <a:extLst>
+          <a:blip r:embed="rId10">
+            <a:extLst>
+              <a:ext uri="{BEBA8EAE-BF5A-486C-A8C5-ECC9F3942E4B}">
+                <a14:imgProps xmlns:a14="http://schemas.microsoft.com/office/drawing/2010/main">
+                  <a14:imgLayer r:embed="rId11">
+                    <a14:imgEffect>
+                      <a14:backgroundRemoval t="10000" b="90000" l="10000" r="90000">
+                        <a14:backgroundMark x1="30078" y1="77734" x2="30078" y2="77734"/>
+                        <a14:backgroundMark x1="51563" y1="76074" x2="51563" y2="76074"/>
+                        <a14:backgroundMark x1="32520" y1="34766" x2="32520" y2="34766"/>
+                        <a14:backgroundMark x1="40039" y1="79395" x2="40039" y2="79395"/>
+                        <a14:backgroundMark x1="45801" y1="77734" x2="45801" y2="77734"/>
+                        <a14:backgroundMark x1="58984" y1="76953" x2="58984" y2="76953"/>
+                        <a14:backgroundMark x1="31738" y1="76074" x2="31738" y2="76074"/>
+                        <a14:backgroundMark x1="25977" y1="73633" x2="25977" y2="73633"/>
+                      </a14:backgroundRemoval>
+                    </a14:imgEffect>
+                  </a14:imgLayer>
+                </a14:imgProps>
+              </a:ext>
               <a:ext uri="{28A0092B-C50C-407E-A947-70E740481C1C}">
                 <a14:useLocalDpi xmlns:a14="http://schemas.microsoft.com/office/drawing/2010/main" val="0"/>
               </a:ext>
@@ -4497,8 +4752,8 @@
         </p:blipFill>
         <p:spPr>
           <a:xfrm>
-            <a:off x="8445506" y="4699429"/>
-            <a:ext cx="1106424" cy="1106424"/>
+            <a:off x="7341858" y="4627421"/>
+            <a:ext cx="1371600" cy="1371600"/>
           </a:xfrm>
           <a:prstGeom prst="rect">
             <a:avLst/>
@@ -4519,8 +4774,8 @@
         </p:nvSpPr>
         <p:spPr>
           <a:xfrm>
-            <a:off x="9689982" y="5078182"/>
-            <a:ext cx="2116285" cy="400110"/>
+            <a:off x="8713458" y="5113166"/>
+            <a:ext cx="3145751" cy="400110"/>
           </a:xfrm>
           <a:prstGeom prst="rect">
             <a:avLst/>
@@ -4528,32 +4783,20 @@
           <a:noFill/>
         </p:spPr>
         <p:txBody>
-          <a:bodyPr wrap="none" rtlCol="0">
+          <a:bodyPr wrap="square" rtlCol="0">
             <a:spAutoFit/>
           </a:bodyPr>
           <a:lstStyle/>
           <a:p>
             <a:r>
-              <a:rPr lang="ro-RO" dirty="0">
-                <a:latin typeface="Bahnschrift" panose="020B0502040204020203" pitchFamily="34" charset="0"/>
-              </a:rPr>
-              <a:t>Notificări</a:t>
-            </a:r>
-            <a:r>
-              <a:rPr lang="ro-RO" dirty="0"/>
-              <a:t> </a:t>
-            </a:r>
-            <a:r>
               <a:rPr lang="ro-RO" sz="2000" dirty="0">
                 <a:latin typeface="Bahnschrift" panose="020B0502040204020203" pitchFamily="34" charset="0"/>
               </a:rPr>
-              <a:t>prin</a:t>
-            </a:r>
-            <a:r>
-              <a:rPr lang="ro-RO" dirty="0"/>
-              <a:t> mail</a:t>
-            </a:r>
-            <a:endParaRPr lang="en-US" dirty="0"/>
+              <a:t>Notificări prin mail</a:t>
+            </a:r>
+            <a:endParaRPr lang="en-US" sz="2000" dirty="0">
+              <a:latin typeface="Bahnschrift" panose="020B0502040204020203" pitchFamily="34" charset="0"/>
+            </a:endParaRPr>
           </a:p>
         </p:txBody>
       </p:sp>
@@ -4567,6 +4810,495 @@
   <p:clrMapOvr>
     <a:masterClrMapping/>
   </p:clrMapOvr>
+  <mc:AlternateContent xmlns:mc="http://schemas.openxmlformats.org/markup-compatibility/2006">
+    <mc:Choice xmlns:p14="http://schemas.microsoft.com/office/powerpoint/2010/main" Requires="p14">
+      <p:transition spd="slow" p14:dur="800">
+        <p14:flythrough/>
+      </p:transition>
+    </mc:Choice>
+    <mc:Fallback>
+      <p:transition spd="slow">
+        <p:fade/>
+      </p:transition>
+    </mc:Fallback>
+  </mc:AlternateContent>
+  <p:timing>
+    <p:tnLst>
+      <p:par>
+        <p:cTn id="1" dur="indefinite" restart="never" nodeType="tmRoot">
+          <p:childTnLst>
+            <p:seq concurrent="1" nextAc="seek">
+              <p:cTn id="2" dur="indefinite" nodeType="mainSeq">
+                <p:childTnLst>
+                  <p:par>
+                    <p:cTn id="3" fill="hold">
+                      <p:stCondLst>
+                        <p:cond delay="indefinite"/>
+                      </p:stCondLst>
+                      <p:childTnLst>
+                        <p:par>
+                          <p:cTn id="4" fill="hold">
+                            <p:stCondLst>
+                              <p:cond delay="0"/>
+                            </p:stCondLst>
+                            <p:childTnLst>
+                              <p:par>
+                                <p:cTn id="5" presetID="10" presetClass="entr" presetSubtype="0" fill="hold" grpId="0" nodeType="clickEffect">
+                                  <p:stCondLst>
+                                    <p:cond delay="0"/>
+                                  </p:stCondLst>
+                                  <p:childTnLst>
+                                    <p:set>
+                                      <p:cBhvr>
+                                        <p:cTn id="6" dur="1" fill="hold">
+                                          <p:stCondLst>
+                                            <p:cond delay="0"/>
+                                          </p:stCondLst>
+                                        </p:cTn>
+                                        <p:tgtEl>
+                                          <p:spTgt spid="8"/>
+                                        </p:tgtEl>
+                                        <p:attrNameLst>
+                                          <p:attrName>style.visibility</p:attrName>
+                                        </p:attrNameLst>
+                                      </p:cBhvr>
+                                      <p:to>
+                                        <p:strVal val="visible"/>
+                                      </p:to>
+                                    </p:set>
+                                    <p:animEffect transition="in" filter="fade">
+                                      <p:cBhvr>
+                                        <p:cTn id="7" dur="500"/>
+                                        <p:tgtEl>
+                                          <p:spTgt spid="8"/>
+                                        </p:tgtEl>
+                                      </p:cBhvr>
+                                    </p:animEffect>
+                                  </p:childTnLst>
+                                </p:cTn>
+                              </p:par>
+                              <p:par>
+                                <p:cTn id="8" presetID="10" presetClass="entr" presetSubtype="0" fill="hold" nodeType="withEffect">
+                                  <p:stCondLst>
+                                    <p:cond delay="0"/>
+                                  </p:stCondLst>
+                                  <p:childTnLst>
+                                    <p:set>
+                                      <p:cBhvr>
+                                        <p:cTn id="9" dur="1" fill="hold">
+                                          <p:stCondLst>
+                                            <p:cond delay="0"/>
+                                          </p:stCondLst>
+                                        </p:cTn>
+                                        <p:tgtEl>
+                                          <p:spTgt spid="7"/>
+                                        </p:tgtEl>
+                                        <p:attrNameLst>
+                                          <p:attrName>style.visibility</p:attrName>
+                                        </p:attrNameLst>
+                                      </p:cBhvr>
+                                      <p:to>
+                                        <p:strVal val="visible"/>
+                                      </p:to>
+                                    </p:set>
+                                    <p:animEffect transition="in" filter="fade">
+                                      <p:cBhvr>
+                                        <p:cTn id="10" dur="500"/>
+                                        <p:tgtEl>
+                                          <p:spTgt spid="7"/>
+                                        </p:tgtEl>
+                                      </p:cBhvr>
+                                    </p:animEffect>
+                                  </p:childTnLst>
+                                </p:cTn>
+                              </p:par>
+                            </p:childTnLst>
+                          </p:cTn>
+                        </p:par>
+                      </p:childTnLst>
+                    </p:cTn>
+                  </p:par>
+                  <p:par>
+                    <p:cTn id="11" fill="hold">
+                      <p:stCondLst>
+                        <p:cond delay="indefinite"/>
+                      </p:stCondLst>
+                      <p:childTnLst>
+                        <p:par>
+                          <p:cTn id="12" fill="hold">
+                            <p:stCondLst>
+                              <p:cond delay="0"/>
+                            </p:stCondLst>
+                            <p:childTnLst>
+                              <p:par>
+                                <p:cTn id="13" presetID="10" presetClass="entr" presetSubtype="0" fill="hold" nodeType="clickEffect">
+                                  <p:stCondLst>
+                                    <p:cond delay="0"/>
+                                  </p:stCondLst>
+                                  <p:childTnLst>
+                                    <p:set>
+                                      <p:cBhvr>
+                                        <p:cTn id="14" dur="1" fill="hold">
+                                          <p:stCondLst>
+                                            <p:cond delay="0"/>
+                                          </p:stCondLst>
+                                        </p:cTn>
+                                        <p:tgtEl>
+                                          <p:spTgt spid="16"/>
+                                        </p:tgtEl>
+                                        <p:attrNameLst>
+                                          <p:attrName>style.visibility</p:attrName>
+                                        </p:attrNameLst>
+                                      </p:cBhvr>
+                                      <p:to>
+                                        <p:strVal val="visible"/>
+                                      </p:to>
+                                    </p:set>
+                                    <p:animEffect transition="in" filter="fade">
+                                      <p:cBhvr>
+                                        <p:cTn id="15" dur="500"/>
+                                        <p:tgtEl>
+                                          <p:spTgt spid="16"/>
+                                        </p:tgtEl>
+                                      </p:cBhvr>
+                                    </p:animEffect>
+                                  </p:childTnLst>
+                                </p:cTn>
+                              </p:par>
+                              <p:par>
+                                <p:cTn id="16" presetID="10" presetClass="entr" presetSubtype="0" fill="hold" grpId="0" nodeType="withEffect">
+                                  <p:stCondLst>
+                                    <p:cond delay="0"/>
+                                  </p:stCondLst>
+                                  <p:childTnLst>
+                                    <p:set>
+                                      <p:cBhvr>
+                                        <p:cTn id="17" dur="1" fill="hold">
+                                          <p:stCondLst>
+                                            <p:cond delay="0"/>
+                                          </p:stCondLst>
+                                        </p:cTn>
+                                        <p:tgtEl>
+                                          <p:spTgt spid="17"/>
+                                        </p:tgtEl>
+                                        <p:attrNameLst>
+                                          <p:attrName>style.visibility</p:attrName>
+                                        </p:attrNameLst>
+                                      </p:cBhvr>
+                                      <p:to>
+                                        <p:strVal val="visible"/>
+                                      </p:to>
+                                    </p:set>
+                                    <p:animEffect transition="in" filter="fade">
+                                      <p:cBhvr>
+                                        <p:cTn id="18" dur="500"/>
+                                        <p:tgtEl>
+                                          <p:spTgt spid="17"/>
+                                        </p:tgtEl>
+                                      </p:cBhvr>
+                                    </p:animEffect>
+                                  </p:childTnLst>
+                                </p:cTn>
+                              </p:par>
+                            </p:childTnLst>
+                          </p:cTn>
+                        </p:par>
+                      </p:childTnLst>
+                    </p:cTn>
+                  </p:par>
+                  <p:par>
+                    <p:cTn id="19" fill="hold">
+                      <p:stCondLst>
+                        <p:cond delay="indefinite"/>
+                      </p:stCondLst>
+                      <p:childTnLst>
+                        <p:par>
+                          <p:cTn id="20" fill="hold">
+                            <p:stCondLst>
+                              <p:cond delay="0"/>
+                            </p:stCondLst>
+                            <p:childTnLst>
+                              <p:par>
+                                <p:cTn id="21" presetID="10" presetClass="entr" presetSubtype="0" fill="hold" nodeType="clickEffect">
+                                  <p:stCondLst>
+                                    <p:cond delay="0"/>
+                                  </p:stCondLst>
+                                  <p:childTnLst>
+                                    <p:set>
+                                      <p:cBhvr>
+                                        <p:cTn id="22" dur="1" fill="hold">
+                                          <p:stCondLst>
+                                            <p:cond delay="0"/>
+                                          </p:stCondLst>
+                                        </p:cTn>
+                                        <p:tgtEl>
+                                          <p:spTgt spid="13"/>
+                                        </p:tgtEl>
+                                        <p:attrNameLst>
+                                          <p:attrName>style.visibility</p:attrName>
+                                        </p:attrNameLst>
+                                      </p:cBhvr>
+                                      <p:to>
+                                        <p:strVal val="visible"/>
+                                      </p:to>
+                                    </p:set>
+                                    <p:animEffect transition="in" filter="fade">
+                                      <p:cBhvr>
+                                        <p:cTn id="23" dur="500"/>
+                                        <p:tgtEl>
+                                          <p:spTgt spid="13"/>
+                                        </p:tgtEl>
+                                      </p:cBhvr>
+                                    </p:animEffect>
+                                  </p:childTnLst>
+                                </p:cTn>
+                              </p:par>
+                              <p:par>
+                                <p:cTn id="24" presetID="10" presetClass="entr" presetSubtype="0" fill="hold" grpId="0" nodeType="withEffect">
+                                  <p:stCondLst>
+                                    <p:cond delay="0"/>
+                                  </p:stCondLst>
+                                  <p:childTnLst>
+                                    <p:set>
+                                      <p:cBhvr>
+                                        <p:cTn id="25" dur="1" fill="hold">
+                                          <p:stCondLst>
+                                            <p:cond delay="0"/>
+                                          </p:stCondLst>
+                                        </p:cTn>
+                                        <p:tgtEl>
+                                          <p:spTgt spid="14"/>
+                                        </p:tgtEl>
+                                        <p:attrNameLst>
+                                          <p:attrName>style.visibility</p:attrName>
+                                        </p:attrNameLst>
+                                      </p:cBhvr>
+                                      <p:to>
+                                        <p:strVal val="visible"/>
+                                      </p:to>
+                                    </p:set>
+                                    <p:animEffect transition="in" filter="fade">
+                                      <p:cBhvr>
+                                        <p:cTn id="26" dur="500"/>
+                                        <p:tgtEl>
+                                          <p:spTgt spid="14"/>
+                                        </p:tgtEl>
+                                      </p:cBhvr>
+                                    </p:animEffect>
+                                  </p:childTnLst>
+                                </p:cTn>
+                              </p:par>
+                            </p:childTnLst>
+                          </p:cTn>
+                        </p:par>
+                      </p:childTnLst>
+                    </p:cTn>
+                  </p:par>
+                  <p:par>
+                    <p:cTn id="27" fill="hold">
+                      <p:stCondLst>
+                        <p:cond delay="indefinite"/>
+                      </p:stCondLst>
+                      <p:childTnLst>
+                        <p:par>
+                          <p:cTn id="28" fill="hold">
+                            <p:stCondLst>
+                              <p:cond delay="0"/>
+                            </p:stCondLst>
+                            <p:childTnLst>
+                              <p:par>
+                                <p:cTn id="29" presetID="10" presetClass="entr" presetSubtype="0" fill="hold" nodeType="clickEffect">
+                                  <p:stCondLst>
+                                    <p:cond delay="0"/>
+                                  </p:stCondLst>
+                                  <p:childTnLst>
+                                    <p:set>
+                                      <p:cBhvr>
+                                        <p:cTn id="30" dur="1" fill="hold">
+                                          <p:stCondLst>
+                                            <p:cond delay="0"/>
+                                          </p:stCondLst>
+                                        </p:cTn>
+                                        <p:tgtEl>
+                                          <p:spTgt spid="10"/>
+                                        </p:tgtEl>
+                                        <p:attrNameLst>
+                                          <p:attrName>style.visibility</p:attrName>
+                                        </p:attrNameLst>
+                                      </p:cBhvr>
+                                      <p:to>
+                                        <p:strVal val="visible"/>
+                                      </p:to>
+                                    </p:set>
+                                    <p:animEffect transition="in" filter="fade">
+                                      <p:cBhvr>
+                                        <p:cTn id="31" dur="500"/>
+                                        <p:tgtEl>
+                                          <p:spTgt spid="10"/>
+                                        </p:tgtEl>
+                                      </p:cBhvr>
+                                    </p:animEffect>
+                                  </p:childTnLst>
+                                </p:cTn>
+                              </p:par>
+                              <p:par>
+                                <p:cTn id="32" presetID="10" presetClass="entr" presetSubtype="0" fill="hold" grpId="0" nodeType="withEffect">
+                                  <p:stCondLst>
+                                    <p:cond delay="0"/>
+                                  </p:stCondLst>
+                                  <p:childTnLst>
+                                    <p:set>
+                                      <p:cBhvr>
+                                        <p:cTn id="33" dur="1" fill="hold">
+                                          <p:stCondLst>
+                                            <p:cond delay="0"/>
+                                          </p:stCondLst>
+                                        </p:cTn>
+                                        <p:tgtEl>
+                                          <p:spTgt spid="11"/>
+                                        </p:tgtEl>
+                                        <p:attrNameLst>
+                                          <p:attrName>style.visibility</p:attrName>
+                                        </p:attrNameLst>
+                                      </p:cBhvr>
+                                      <p:to>
+                                        <p:strVal val="visible"/>
+                                      </p:to>
+                                    </p:set>
+                                    <p:animEffect transition="in" filter="fade">
+                                      <p:cBhvr>
+                                        <p:cTn id="34" dur="500"/>
+                                        <p:tgtEl>
+                                          <p:spTgt spid="11"/>
+                                        </p:tgtEl>
+                                      </p:cBhvr>
+                                    </p:animEffect>
+                                  </p:childTnLst>
+                                </p:cTn>
+                              </p:par>
+                            </p:childTnLst>
+                          </p:cTn>
+                        </p:par>
+                      </p:childTnLst>
+                    </p:cTn>
+                  </p:par>
+                  <p:par>
+                    <p:cTn id="35" fill="hold">
+                      <p:stCondLst>
+                        <p:cond delay="indefinite"/>
+                      </p:stCondLst>
+                      <p:childTnLst>
+                        <p:par>
+                          <p:cTn id="36" fill="hold">
+                            <p:stCondLst>
+                              <p:cond delay="0"/>
+                            </p:stCondLst>
+                            <p:childTnLst>
+                              <p:par>
+                                <p:cTn id="37" presetID="10" presetClass="entr" presetSubtype="0" fill="hold" nodeType="clickEffect">
+                                  <p:stCondLst>
+                                    <p:cond delay="0"/>
+                                  </p:stCondLst>
+                                  <p:childTnLst>
+                                    <p:set>
+                                      <p:cBhvr>
+                                        <p:cTn id="38" dur="1" fill="hold">
+                                          <p:stCondLst>
+                                            <p:cond delay="0"/>
+                                          </p:stCondLst>
+                                        </p:cTn>
+                                        <p:tgtEl>
+                                          <p:spTgt spid="19"/>
+                                        </p:tgtEl>
+                                        <p:attrNameLst>
+                                          <p:attrName>style.visibility</p:attrName>
+                                        </p:attrNameLst>
+                                      </p:cBhvr>
+                                      <p:to>
+                                        <p:strVal val="visible"/>
+                                      </p:to>
+                                    </p:set>
+                                    <p:animEffect transition="in" filter="fade">
+                                      <p:cBhvr>
+                                        <p:cTn id="39" dur="500"/>
+                                        <p:tgtEl>
+                                          <p:spTgt spid="19"/>
+                                        </p:tgtEl>
+                                      </p:cBhvr>
+                                    </p:animEffect>
+                                  </p:childTnLst>
+                                </p:cTn>
+                              </p:par>
+                              <p:par>
+                                <p:cTn id="40" presetID="10" presetClass="entr" presetSubtype="0" fill="hold" grpId="0" nodeType="withEffect">
+                                  <p:stCondLst>
+                                    <p:cond delay="0"/>
+                                  </p:stCondLst>
+                                  <p:childTnLst>
+                                    <p:set>
+                                      <p:cBhvr>
+                                        <p:cTn id="41" dur="1" fill="hold">
+                                          <p:stCondLst>
+                                            <p:cond delay="0"/>
+                                          </p:stCondLst>
+                                        </p:cTn>
+                                        <p:tgtEl>
+                                          <p:spTgt spid="20"/>
+                                        </p:tgtEl>
+                                        <p:attrNameLst>
+                                          <p:attrName>style.visibility</p:attrName>
+                                        </p:attrNameLst>
+                                      </p:cBhvr>
+                                      <p:to>
+                                        <p:strVal val="visible"/>
+                                      </p:to>
+                                    </p:set>
+                                    <p:animEffect transition="in" filter="fade">
+                                      <p:cBhvr>
+                                        <p:cTn id="42" dur="500"/>
+                                        <p:tgtEl>
+                                          <p:spTgt spid="20"/>
+                                        </p:tgtEl>
+                                      </p:cBhvr>
+                                    </p:animEffect>
+                                  </p:childTnLst>
+                                </p:cTn>
+                              </p:par>
+                            </p:childTnLst>
+                          </p:cTn>
+                        </p:par>
+                      </p:childTnLst>
+                    </p:cTn>
+                  </p:par>
+                </p:childTnLst>
+              </p:cTn>
+              <p:prevCondLst>
+                <p:cond evt="onPrev" delay="0">
+                  <p:tgtEl>
+                    <p:sldTgt/>
+                  </p:tgtEl>
+                </p:cond>
+              </p:prevCondLst>
+              <p:nextCondLst>
+                <p:cond evt="onNext" delay="0">
+                  <p:tgtEl>
+                    <p:sldTgt/>
+                  </p:tgtEl>
+                </p:cond>
+              </p:nextCondLst>
+            </p:seq>
+          </p:childTnLst>
+        </p:cTn>
+      </p:par>
+    </p:tnLst>
+    <p:bldLst>
+      <p:bldP spid="8" grpId="0"/>
+      <p:bldP spid="11" grpId="0"/>
+      <p:bldP spid="14" grpId="0"/>
+      <p:bldP spid="17" grpId="0"/>
+      <p:bldP spid="20" grpId="0"/>
+    </p:bldLst>
+  </p:timing>
 </p:sld>
 </file>
 
@@ -4610,51 +5342,26 @@
           <a:p>
             <a:pPr algn="ctr"/>
             <a:r>
-              <a:rPr lang="en-US" dirty="0" err="1"/>
+              <a:rPr lang="en-US" dirty="0" err="1">
+                <a:latin typeface="Bahnschrift" panose="020B0502040204020203" pitchFamily="34" charset="0"/>
+              </a:rPr>
               <a:t>Tehnologii</a:t>
             </a:r>
-            <a:r>
-              <a:rPr lang="en-US" dirty="0"/>
-              <a:t> </a:t>
-            </a:r>
-            <a:r>
-              <a:rPr lang="en-US" dirty="0" err="1"/>
-              <a:t>folosite</a:t>
-            </a:r>
-            <a:endParaRPr lang="en-US" dirty="0"/>
-          </a:p>
-        </p:txBody>
-      </p:sp>
-      <p:sp>
-        <p:nvSpPr>
-          <p:cNvPr id="3" name="Content Placeholder 2">
-            <a:extLst>
-              <a:ext uri="{FF2B5EF4-FFF2-40B4-BE49-F238E27FC236}">
-                <a16:creationId xmlns:a16="http://schemas.microsoft.com/office/drawing/2014/main" id="{99F7EE88-6491-4EDE-6F6B-7F89F0DCD852}"/>
-              </a:ext>
-            </a:extLst>
-          </p:cNvPr>
-          <p:cNvSpPr>
-            <a:spLocks noGrp="1"/>
-          </p:cNvSpPr>
-          <p:nvPr>
-            <p:ph idx="1"/>
-          </p:nvPr>
-        </p:nvSpPr>
-        <p:spPr/>
-        <p:txBody>
-          <a:bodyPr/>
-          <a:lstStyle/>
-          <a:p>
-            <a:pPr marL="0" indent="0">
-              <a:buNone/>
-            </a:pPr>
             <a:r>
               <a:rPr lang="en-US" dirty="0">
                 <a:latin typeface="Bahnschrift" panose="020B0502040204020203" pitchFamily="34" charset="0"/>
               </a:rPr>
-              <a:t>Python</a:t>
-            </a:r>
+              <a:t> </a:t>
+            </a:r>
+            <a:r>
+              <a:rPr lang="en-US" dirty="0" err="1">
+                <a:latin typeface="Bahnschrift" panose="020B0502040204020203" pitchFamily="34" charset="0"/>
+              </a:rPr>
+              <a:t>folosite</a:t>
+            </a:r>
+            <a:endParaRPr lang="en-US" dirty="0">
+              <a:latin typeface="Bahnschrift" panose="020B0502040204020203" pitchFamily="34" charset="0"/>
+            </a:endParaRPr>
           </a:p>
         </p:txBody>
       </p:sp>
@@ -5083,6 +5790,46 @@
           </a:prstGeom>
         </p:spPr>
       </p:pic>
+      <p:sp>
+        <p:nvSpPr>
+          <p:cNvPr id="17" name="TextBox 16">
+            <a:extLst>
+              <a:ext uri="{FF2B5EF4-FFF2-40B4-BE49-F238E27FC236}">
+                <a16:creationId xmlns:a16="http://schemas.microsoft.com/office/drawing/2014/main" id="{16A5FD52-E49E-DD7E-561C-5297ED9276E3}"/>
+              </a:ext>
+            </a:extLst>
+          </p:cNvPr>
+          <p:cNvSpPr txBox="1"/>
+          <p:nvPr/>
+        </p:nvSpPr>
+        <p:spPr>
+          <a:xfrm>
+            <a:off x="709527" y="1651059"/>
+            <a:ext cx="1447832" cy="584775"/>
+          </a:xfrm>
+          <a:prstGeom prst="rect">
+            <a:avLst/>
+          </a:prstGeom>
+          <a:noFill/>
+        </p:spPr>
+        <p:txBody>
+          <a:bodyPr wrap="none" rtlCol="0">
+            <a:spAutoFit/>
+          </a:bodyPr>
+          <a:lstStyle/>
+          <a:p>
+            <a:pPr marL="0" indent="0">
+              <a:buNone/>
+            </a:pPr>
+            <a:r>
+              <a:rPr lang="en-US" sz="3200" dirty="0">
+                <a:latin typeface="Bahnschrift" panose="020B0502040204020203" pitchFamily="34" charset="0"/>
+              </a:rPr>
+              <a:t>Python</a:t>
+            </a:r>
+          </a:p>
+        </p:txBody>
+      </p:sp>
     </p:spTree>
     <p:extLst>
       <p:ext uri="{BB962C8B-B14F-4D97-AF65-F5344CB8AC3E}">
@@ -5093,6 +5840,495 @@
   <p:clrMapOvr>
     <a:masterClrMapping/>
   </p:clrMapOvr>
+  <mc:AlternateContent xmlns:mc="http://schemas.openxmlformats.org/markup-compatibility/2006">
+    <mc:Choice xmlns:p14="http://schemas.microsoft.com/office/powerpoint/2010/main" Requires="p14">
+      <p:transition spd="slow" p14:dur="800">
+        <p14:flythrough/>
+      </p:transition>
+    </mc:Choice>
+    <mc:Fallback>
+      <p:transition spd="slow">
+        <p:fade/>
+      </p:transition>
+    </mc:Fallback>
+  </mc:AlternateContent>
+  <p:timing>
+    <p:tnLst>
+      <p:par>
+        <p:cTn id="1" dur="indefinite" restart="never" nodeType="tmRoot">
+          <p:childTnLst>
+            <p:seq concurrent="1" nextAc="seek">
+              <p:cTn id="2" dur="indefinite" nodeType="mainSeq">
+                <p:childTnLst>
+                  <p:par>
+                    <p:cTn id="3" fill="hold">
+                      <p:stCondLst>
+                        <p:cond delay="indefinite"/>
+                      </p:stCondLst>
+                      <p:childTnLst>
+                        <p:par>
+                          <p:cTn id="4" fill="hold">
+                            <p:stCondLst>
+                              <p:cond delay="0"/>
+                            </p:stCondLst>
+                            <p:childTnLst>
+                              <p:par>
+                                <p:cTn id="5" presetID="10" presetClass="entr" presetSubtype="0" fill="hold" grpId="0" nodeType="clickEffect">
+                                  <p:stCondLst>
+                                    <p:cond delay="0"/>
+                                  </p:stCondLst>
+                                  <p:childTnLst>
+                                    <p:set>
+                                      <p:cBhvr>
+                                        <p:cTn id="6" dur="1" fill="hold">
+                                          <p:stCondLst>
+                                            <p:cond delay="0"/>
+                                          </p:stCondLst>
+                                        </p:cTn>
+                                        <p:tgtEl>
+                                          <p:spTgt spid="17"/>
+                                        </p:tgtEl>
+                                        <p:attrNameLst>
+                                          <p:attrName>style.visibility</p:attrName>
+                                        </p:attrNameLst>
+                                      </p:cBhvr>
+                                      <p:to>
+                                        <p:strVal val="visible"/>
+                                      </p:to>
+                                    </p:set>
+                                    <p:animEffect transition="in" filter="fade">
+                                      <p:cBhvr>
+                                        <p:cTn id="7" dur="500"/>
+                                        <p:tgtEl>
+                                          <p:spTgt spid="17"/>
+                                        </p:tgtEl>
+                                      </p:cBhvr>
+                                    </p:animEffect>
+                                  </p:childTnLst>
+                                </p:cTn>
+                              </p:par>
+                              <p:par>
+                                <p:cTn id="8" presetID="10" presetClass="entr" presetSubtype="0" fill="hold" nodeType="withEffect">
+                                  <p:stCondLst>
+                                    <p:cond delay="0"/>
+                                  </p:stCondLst>
+                                  <p:childTnLst>
+                                    <p:set>
+                                      <p:cBhvr>
+                                        <p:cTn id="9" dur="1" fill="hold">
+                                          <p:stCondLst>
+                                            <p:cond delay="0"/>
+                                          </p:stCondLst>
+                                        </p:cTn>
+                                        <p:tgtEl>
+                                          <p:spTgt spid="6"/>
+                                        </p:tgtEl>
+                                        <p:attrNameLst>
+                                          <p:attrName>style.visibility</p:attrName>
+                                        </p:attrNameLst>
+                                      </p:cBhvr>
+                                      <p:to>
+                                        <p:strVal val="visible"/>
+                                      </p:to>
+                                    </p:set>
+                                    <p:animEffect transition="in" filter="fade">
+                                      <p:cBhvr>
+                                        <p:cTn id="10" dur="500"/>
+                                        <p:tgtEl>
+                                          <p:spTgt spid="6"/>
+                                        </p:tgtEl>
+                                      </p:cBhvr>
+                                    </p:animEffect>
+                                  </p:childTnLst>
+                                </p:cTn>
+                              </p:par>
+                            </p:childTnLst>
+                          </p:cTn>
+                        </p:par>
+                      </p:childTnLst>
+                    </p:cTn>
+                  </p:par>
+                  <p:par>
+                    <p:cTn id="11" fill="hold">
+                      <p:stCondLst>
+                        <p:cond delay="indefinite"/>
+                      </p:stCondLst>
+                      <p:childTnLst>
+                        <p:par>
+                          <p:cTn id="12" fill="hold">
+                            <p:stCondLst>
+                              <p:cond delay="0"/>
+                            </p:stCondLst>
+                            <p:childTnLst>
+                              <p:par>
+                                <p:cTn id="13" presetID="10" presetClass="entr" presetSubtype="0" fill="hold" grpId="0" nodeType="clickEffect">
+                                  <p:stCondLst>
+                                    <p:cond delay="0"/>
+                                  </p:stCondLst>
+                                  <p:childTnLst>
+                                    <p:set>
+                                      <p:cBhvr>
+                                        <p:cTn id="14" dur="1" fill="hold">
+                                          <p:stCondLst>
+                                            <p:cond delay="0"/>
+                                          </p:stCondLst>
+                                        </p:cTn>
+                                        <p:tgtEl>
+                                          <p:spTgt spid="7"/>
+                                        </p:tgtEl>
+                                        <p:attrNameLst>
+                                          <p:attrName>style.visibility</p:attrName>
+                                        </p:attrNameLst>
+                                      </p:cBhvr>
+                                      <p:to>
+                                        <p:strVal val="visible"/>
+                                      </p:to>
+                                    </p:set>
+                                    <p:animEffect transition="in" filter="fade">
+                                      <p:cBhvr>
+                                        <p:cTn id="15" dur="500"/>
+                                        <p:tgtEl>
+                                          <p:spTgt spid="7"/>
+                                        </p:tgtEl>
+                                      </p:cBhvr>
+                                    </p:animEffect>
+                                  </p:childTnLst>
+                                </p:cTn>
+                              </p:par>
+                              <p:par>
+                                <p:cTn id="16" presetID="10" presetClass="entr" presetSubtype="0" fill="hold" nodeType="withEffect">
+                                  <p:stCondLst>
+                                    <p:cond delay="0"/>
+                                  </p:stCondLst>
+                                  <p:childTnLst>
+                                    <p:set>
+                                      <p:cBhvr>
+                                        <p:cTn id="17" dur="1" fill="hold">
+                                          <p:stCondLst>
+                                            <p:cond delay="0"/>
+                                          </p:stCondLst>
+                                        </p:cTn>
+                                        <p:tgtEl>
+                                          <p:spTgt spid="8"/>
+                                        </p:tgtEl>
+                                        <p:attrNameLst>
+                                          <p:attrName>style.visibility</p:attrName>
+                                        </p:attrNameLst>
+                                      </p:cBhvr>
+                                      <p:to>
+                                        <p:strVal val="visible"/>
+                                      </p:to>
+                                    </p:set>
+                                    <p:animEffect transition="in" filter="fade">
+                                      <p:cBhvr>
+                                        <p:cTn id="18" dur="500"/>
+                                        <p:tgtEl>
+                                          <p:spTgt spid="8"/>
+                                        </p:tgtEl>
+                                      </p:cBhvr>
+                                    </p:animEffect>
+                                  </p:childTnLst>
+                                </p:cTn>
+                              </p:par>
+                            </p:childTnLst>
+                          </p:cTn>
+                        </p:par>
+                      </p:childTnLst>
+                    </p:cTn>
+                  </p:par>
+                  <p:par>
+                    <p:cTn id="19" fill="hold">
+                      <p:stCondLst>
+                        <p:cond delay="indefinite"/>
+                      </p:stCondLst>
+                      <p:childTnLst>
+                        <p:par>
+                          <p:cTn id="20" fill="hold">
+                            <p:stCondLst>
+                              <p:cond delay="0"/>
+                            </p:stCondLst>
+                            <p:childTnLst>
+                              <p:par>
+                                <p:cTn id="21" presetID="10" presetClass="entr" presetSubtype="0" fill="hold" grpId="0" nodeType="clickEffect">
+                                  <p:stCondLst>
+                                    <p:cond delay="0"/>
+                                  </p:stCondLst>
+                                  <p:childTnLst>
+                                    <p:set>
+                                      <p:cBhvr>
+                                        <p:cTn id="22" dur="1" fill="hold">
+                                          <p:stCondLst>
+                                            <p:cond delay="0"/>
+                                          </p:stCondLst>
+                                        </p:cTn>
+                                        <p:tgtEl>
+                                          <p:spTgt spid="9"/>
+                                        </p:tgtEl>
+                                        <p:attrNameLst>
+                                          <p:attrName>style.visibility</p:attrName>
+                                        </p:attrNameLst>
+                                      </p:cBhvr>
+                                      <p:to>
+                                        <p:strVal val="visible"/>
+                                      </p:to>
+                                    </p:set>
+                                    <p:animEffect transition="in" filter="fade">
+                                      <p:cBhvr>
+                                        <p:cTn id="23" dur="500"/>
+                                        <p:tgtEl>
+                                          <p:spTgt spid="9"/>
+                                        </p:tgtEl>
+                                      </p:cBhvr>
+                                    </p:animEffect>
+                                  </p:childTnLst>
+                                </p:cTn>
+                              </p:par>
+                              <p:par>
+                                <p:cTn id="24" presetID="10" presetClass="entr" presetSubtype="0" fill="hold" nodeType="withEffect">
+                                  <p:stCondLst>
+                                    <p:cond delay="0"/>
+                                  </p:stCondLst>
+                                  <p:childTnLst>
+                                    <p:set>
+                                      <p:cBhvr>
+                                        <p:cTn id="25" dur="1" fill="hold">
+                                          <p:stCondLst>
+                                            <p:cond delay="0"/>
+                                          </p:stCondLst>
+                                        </p:cTn>
+                                        <p:tgtEl>
+                                          <p:spTgt spid="10"/>
+                                        </p:tgtEl>
+                                        <p:attrNameLst>
+                                          <p:attrName>style.visibility</p:attrName>
+                                        </p:attrNameLst>
+                                      </p:cBhvr>
+                                      <p:to>
+                                        <p:strVal val="visible"/>
+                                      </p:to>
+                                    </p:set>
+                                    <p:animEffect transition="in" filter="fade">
+                                      <p:cBhvr>
+                                        <p:cTn id="26" dur="500"/>
+                                        <p:tgtEl>
+                                          <p:spTgt spid="10"/>
+                                        </p:tgtEl>
+                                      </p:cBhvr>
+                                    </p:animEffect>
+                                  </p:childTnLst>
+                                </p:cTn>
+                              </p:par>
+                            </p:childTnLst>
+                          </p:cTn>
+                        </p:par>
+                      </p:childTnLst>
+                    </p:cTn>
+                  </p:par>
+                  <p:par>
+                    <p:cTn id="27" fill="hold">
+                      <p:stCondLst>
+                        <p:cond delay="indefinite"/>
+                      </p:stCondLst>
+                      <p:childTnLst>
+                        <p:par>
+                          <p:cTn id="28" fill="hold">
+                            <p:stCondLst>
+                              <p:cond delay="0"/>
+                            </p:stCondLst>
+                            <p:childTnLst>
+                              <p:par>
+                                <p:cTn id="29" presetID="10" presetClass="entr" presetSubtype="0" fill="hold" nodeType="clickEffect">
+                                  <p:stCondLst>
+                                    <p:cond delay="0"/>
+                                  </p:stCondLst>
+                                  <p:childTnLst>
+                                    <p:set>
+                                      <p:cBhvr>
+                                        <p:cTn id="30" dur="1" fill="hold">
+                                          <p:stCondLst>
+                                            <p:cond delay="0"/>
+                                          </p:stCondLst>
+                                        </p:cTn>
+                                        <p:tgtEl>
+                                          <p:spTgt spid="12"/>
+                                        </p:tgtEl>
+                                        <p:attrNameLst>
+                                          <p:attrName>style.visibility</p:attrName>
+                                        </p:attrNameLst>
+                                      </p:cBhvr>
+                                      <p:to>
+                                        <p:strVal val="visible"/>
+                                      </p:to>
+                                    </p:set>
+                                    <p:animEffect transition="in" filter="fade">
+                                      <p:cBhvr>
+                                        <p:cTn id="31" dur="500"/>
+                                        <p:tgtEl>
+                                          <p:spTgt spid="12"/>
+                                        </p:tgtEl>
+                                      </p:cBhvr>
+                                    </p:animEffect>
+                                  </p:childTnLst>
+                                </p:cTn>
+                              </p:par>
+                              <p:par>
+                                <p:cTn id="32" presetID="10" presetClass="entr" presetSubtype="0" fill="hold" grpId="0" nodeType="withEffect">
+                                  <p:stCondLst>
+                                    <p:cond delay="0"/>
+                                  </p:stCondLst>
+                                  <p:childTnLst>
+                                    <p:set>
+                                      <p:cBhvr>
+                                        <p:cTn id="33" dur="1" fill="hold">
+                                          <p:stCondLst>
+                                            <p:cond delay="0"/>
+                                          </p:stCondLst>
+                                        </p:cTn>
+                                        <p:tgtEl>
+                                          <p:spTgt spid="11"/>
+                                        </p:tgtEl>
+                                        <p:attrNameLst>
+                                          <p:attrName>style.visibility</p:attrName>
+                                        </p:attrNameLst>
+                                      </p:cBhvr>
+                                      <p:to>
+                                        <p:strVal val="visible"/>
+                                      </p:to>
+                                    </p:set>
+                                    <p:animEffect transition="in" filter="fade">
+                                      <p:cBhvr>
+                                        <p:cTn id="34" dur="500"/>
+                                        <p:tgtEl>
+                                          <p:spTgt spid="11"/>
+                                        </p:tgtEl>
+                                      </p:cBhvr>
+                                    </p:animEffect>
+                                  </p:childTnLst>
+                                </p:cTn>
+                              </p:par>
+                            </p:childTnLst>
+                          </p:cTn>
+                        </p:par>
+                      </p:childTnLst>
+                    </p:cTn>
+                  </p:par>
+                  <p:par>
+                    <p:cTn id="35" fill="hold">
+                      <p:stCondLst>
+                        <p:cond delay="indefinite"/>
+                      </p:stCondLst>
+                      <p:childTnLst>
+                        <p:par>
+                          <p:cTn id="36" fill="hold">
+                            <p:stCondLst>
+                              <p:cond delay="0"/>
+                            </p:stCondLst>
+                            <p:childTnLst>
+                              <p:par>
+                                <p:cTn id="37" presetID="10" presetClass="entr" presetSubtype="0" fill="hold" nodeType="clickEffect">
+                                  <p:stCondLst>
+                                    <p:cond delay="0"/>
+                                  </p:stCondLst>
+                                  <p:childTnLst>
+                                    <p:set>
+                                      <p:cBhvr>
+                                        <p:cTn id="38" dur="1" fill="hold">
+                                          <p:stCondLst>
+                                            <p:cond delay="0"/>
+                                          </p:stCondLst>
+                                        </p:cTn>
+                                        <p:tgtEl>
+                                          <p:spTgt spid="13"/>
+                                        </p:tgtEl>
+                                        <p:attrNameLst>
+                                          <p:attrName>style.visibility</p:attrName>
+                                        </p:attrNameLst>
+                                      </p:cBhvr>
+                                      <p:to>
+                                        <p:strVal val="visible"/>
+                                      </p:to>
+                                    </p:set>
+                                    <p:animEffect transition="in" filter="fade">
+                                      <p:cBhvr>
+                                        <p:cTn id="39" dur="500"/>
+                                        <p:tgtEl>
+                                          <p:spTgt spid="13"/>
+                                        </p:tgtEl>
+                                      </p:cBhvr>
+                                    </p:animEffect>
+                                  </p:childTnLst>
+                                </p:cTn>
+                              </p:par>
+                              <p:par>
+                                <p:cTn id="40" presetID="10" presetClass="entr" presetSubtype="0" fill="hold" grpId="0" nodeType="withEffect">
+                                  <p:stCondLst>
+                                    <p:cond delay="0"/>
+                                  </p:stCondLst>
+                                  <p:childTnLst>
+                                    <p:set>
+                                      <p:cBhvr>
+                                        <p:cTn id="41" dur="1" fill="hold">
+                                          <p:stCondLst>
+                                            <p:cond delay="0"/>
+                                          </p:stCondLst>
+                                        </p:cTn>
+                                        <p:tgtEl>
+                                          <p:spTgt spid="14"/>
+                                        </p:tgtEl>
+                                        <p:attrNameLst>
+                                          <p:attrName>style.visibility</p:attrName>
+                                        </p:attrNameLst>
+                                      </p:cBhvr>
+                                      <p:to>
+                                        <p:strVal val="visible"/>
+                                      </p:to>
+                                    </p:set>
+                                    <p:animEffect transition="in" filter="fade">
+                                      <p:cBhvr>
+                                        <p:cTn id="42" dur="500"/>
+                                        <p:tgtEl>
+                                          <p:spTgt spid="14"/>
+                                        </p:tgtEl>
+                                      </p:cBhvr>
+                                    </p:animEffect>
+                                  </p:childTnLst>
+                                </p:cTn>
+                              </p:par>
+                            </p:childTnLst>
+                          </p:cTn>
+                        </p:par>
+                      </p:childTnLst>
+                    </p:cTn>
+                  </p:par>
+                </p:childTnLst>
+              </p:cTn>
+              <p:prevCondLst>
+                <p:cond evt="onPrev" delay="0">
+                  <p:tgtEl>
+                    <p:sldTgt/>
+                  </p:tgtEl>
+                </p:cond>
+              </p:prevCondLst>
+              <p:nextCondLst>
+                <p:cond evt="onNext" delay="0">
+                  <p:tgtEl>
+                    <p:sldTgt/>
+                  </p:tgtEl>
+                </p:cond>
+              </p:nextCondLst>
+            </p:seq>
+          </p:childTnLst>
+        </p:cTn>
+      </p:par>
+    </p:tnLst>
+    <p:bldLst>
+      <p:bldP spid="7" grpId="0"/>
+      <p:bldP spid="9" grpId="0"/>
+      <p:bldP spid="11" grpId="0"/>
+      <p:bldP spid="14" grpId="0"/>
+      <p:bldP spid="17" grpId="0"/>
+    </p:bldLst>
+  </p:timing>
 </p:sld>
 </file>
 
@@ -5136,18 +6372,26 @@
           <a:p>
             <a:pPr algn="ctr"/>
             <a:r>
-              <a:rPr lang="en-US" dirty="0" err="1"/>
+              <a:rPr lang="en-US" dirty="0" err="1">
+                <a:latin typeface="Bahnschrift" panose="020B0502040204020203" pitchFamily="34" charset="0"/>
+              </a:rPr>
               <a:t>Arhitectura</a:t>
             </a:r>
             <a:r>
-              <a:rPr lang="en-US" dirty="0"/>
+              <a:rPr lang="en-US" dirty="0">
+                <a:latin typeface="Bahnschrift" panose="020B0502040204020203" pitchFamily="34" charset="0"/>
+              </a:rPr>
               <a:t> </a:t>
             </a:r>
             <a:r>
-              <a:rPr lang="en-US" dirty="0" err="1"/>
+              <a:rPr lang="en-US" dirty="0" err="1">
+                <a:latin typeface="Bahnschrift" panose="020B0502040204020203" pitchFamily="34" charset="0"/>
+              </a:rPr>
               <a:t>sistemului</a:t>
             </a:r>
-            <a:endParaRPr lang="en-US" dirty="0"/>
+            <a:endParaRPr lang="en-US" dirty="0">
+              <a:latin typeface="Bahnschrift" panose="020B0502040204020203" pitchFamily="34" charset="0"/>
+            </a:endParaRPr>
           </a:p>
         </p:txBody>
       </p:sp>
@@ -6012,6 +7256,724 @@
   <p:clrMapOvr>
     <a:masterClrMapping/>
   </p:clrMapOvr>
+  <mc:AlternateContent xmlns:mc="http://schemas.openxmlformats.org/markup-compatibility/2006">
+    <mc:Choice xmlns:p14="http://schemas.microsoft.com/office/powerpoint/2010/main" Requires="p14">
+      <p:transition spd="slow" p14:dur="800">
+        <p14:flythrough/>
+      </p:transition>
+    </mc:Choice>
+    <mc:Fallback>
+      <p:transition spd="slow">
+        <p:fade/>
+      </p:transition>
+    </mc:Fallback>
+  </mc:AlternateContent>
+  <p:timing>
+    <p:tnLst>
+      <p:par>
+        <p:cTn id="1" dur="indefinite" restart="never" nodeType="tmRoot">
+          <p:childTnLst>
+            <p:seq concurrent="1" nextAc="seek">
+              <p:cTn id="2" dur="indefinite" nodeType="mainSeq">
+                <p:childTnLst>
+                  <p:par>
+                    <p:cTn id="3" fill="hold">
+                      <p:stCondLst>
+                        <p:cond delay="indefinite"/>
+                      </p:stCondLst>
+                      <p:childTnLst>
+                        <p:par>
+                          <p:cTn id="4" fill="hold">
+                            <p:stCondLst>
+                              <p:cond delay="0"/>
+                            </p:stCondLst>
+                            <p:childTnLst>
+                              <p:par>
+                                <p:cTn id="5" presetID="10" presetClass="entr" presetSubtype="0" fill="hold" nodeType="clickEffect">
+                                  <p:stCondLst>
+                                    <p:cond delay="0"/>
+                                  </p:stCondLst>
+                                  <p:childTnLst>
+                                    <p:set>
+                                      <p:cBhvr>
+                                        <p:cTn id="6" dur="1" fill="hold">
+                                          <p:stCondLst>
+                                            <p:cond delay="0"/>
+                                          </p:stCondLst>
+                                        </p:cTn>
+                                        <p:tgtEl>
+                                          <p:spTgt spid="26"/>
+                                        </p:tgtEl>
+                                        <p:attrNameLst>
+                                          <p:attrName>style.visibility</p:attrName>
+                                        </p:attrNameLst>
+                                      </p:cBhvr>
+                                      <p:to>
+                                        <p:strVal val="visible"/>
+                                      </p:to>
+                                    </p:set>
+                                    <p:animEffect transition="in" filter="fade">
+                                      <p:cBhvr>
+                                        <p:cTn id="7" dur="500"/>
+                                        <p:tgtEl>
+                                          <p:spTgt spid="26"/>
+                                        </p:tgtEl>
+                                      </p:cBhvr>
+                                    </p:animEffect>
+                                  </p:childTnLst>
+                                </p:cTn>
+                              </p:par>
+                              <p:par>
+                                <p:cTn id="8" presetID="10" presetClass="entr" presetSubtype="0" fill="hold" grpId="0" nodeType="withEffect">
+                                  <p:stCondLst>
+                                    <p:cond delay="0"/>
+                                  </p:stCondLst>
+                                  <p:childTnLst>
+                                    <p:set>
+                                      <p:cBhvr>
+                                        <p:cTn id="9" dur="1" fill="hold">
+                                          <p:stCondLst>
+                                            <p:cond delay="0"/>
+                                          </p:stCondLst>
+                                        </p:cTn>
+                                        <p:tgtEl>
+                                          <p:spTgt spid="41"/>
+                                        </p:tgtEl>
+                                        <p:attrNameLst>
+                                          <p:attrName>style.visibility</p:attrName>
+                                        </p:attrNameLst>
+                                      </p:cBhvr>
+                                      <p:to>
+                                        <p:strVal val="visible"/>
+                                      </p:to>
+                                    </p:set>
+                                    <p:animEffect transition="in" filter="fade">
+                                      <p:cBhvr>
+                                        <p:cTn id="10" dur="500"/>
+                                        <p:tgtEl>
+                                          <p:spTgt spid="41"/>
+                                        </p:tgtEl>
+                                      </p:cBhvr>
+                                    </p:animEffect>
+                                  </p:childTnLst>
+                                </p:cTn>
+                              </p:par>
+                              <p:par>
+                                <p:cTn id="11" presetID="10" presetClass="entr" presetSubtype="0" fill="hold" nodeType="withEffect">
+                                  <p:stCondLst>
+                                    <p:cond delay="0"/>
+                                  </p:stCondLst>
+                                  <p:childTnLst>
+                                    <p:set>
+                                      <p:cBhvr>
+                                        <p:cTn id="12" dur="1" fill="hold">
+                                          <p:stCondLst>
+                                            <p:cond delay="0"/>
+                                          </p:stCondLst>
+                                        </p:cTn>
+                                        <p:tgtEl>
+                                          <p:spTgt spid="11"/>
+                                        </p:tgtEl>
+                                        <p:attrNameLst>
+                                          <p:attrName>style.visibility</p:attrName>
+                                        </p:attrNameLst>
+                                      </p:cBhvr>
+                                      <p:to>
+                                        <p:strVal val="visible"/>
+                                      </p:to>
+                                    </p:set>
+                                    <p:animEffect transition="in" filter="fade">
+                                      <p:cBhvr>
+                                        <p:cTn id="13" dur="500"/>
+                                        <p:tgtEl>
+                                          <p:spTgt spid="11"/>
+                                        </p:tgtEl>
+                                      </p:cBhvr>
+                                    </p:animEffect>
+                                  </p:childTnLst>
+                                </p:cTn>
+                              </p:par>
+                            </p:childTnLst>
+                          </p:cTn>
+                        </p:par>
+                      </p:childTnLst>
+                    </p:cTn>
+                  </p:par>
+                  <p:par>
+                    <p:cTn id="14" fill="hold">
+                      <p:stCondLst>
+                        <p:cond delay="indefinite"/>
+                      </p:stCondLst>
+                      <p:childTnLst>
+                        <p:par>
+                          <p:cTn id="15" fill="hold">
+                            <p:stCondLst>
+                              <p:cond delay="0"/>
+                            </p:stCondLst>
+                            <p:childTnLst>
+                              <p:par>
+                                <p:cTn id="16" presetID="10" presetClass="entr" presetSubtype="0" fill="hold" grpId="0" nodeType="clickEffect">
+                                  <p:stCondLst>
+                                    <p:cond delay="0"/>
+                                  </p:stCondLst>
+                                  <p:childTnLst>
+                                    <p:set>
+                                      <p:cBhvr>
+                                        <p:cTn id="17" dur="1" fill="hold">
+                                          <p:stCondLst>
+                                            <p:cond delay="0"/>
+                                          </p:stCondLst>
+                                        </p:cTn>
+                                        <p:tgtEl>
+                                          <p:spTgt spid="39"/>
+                                        </p:tgtEl>
+                                        <p:attrNameLst>
+                                          <p:attrName>style.visibility</p:attrName>
+                                        </p:attrNameLst>
+                                      </p:cBhvr>
+                                      <p:to>
+                                        <p:strVal val="visible"/>
+                                      </p:to>
+                                    </p:set>
+                                    <p:animEffect transition="in" filter="fade">
+                                      <p:cBhvr>
+                                        <p:cTn id="18" dur="500"/>
+                                        <p:tgtEl>
+                                          <p:spTgt spid="39"/>
+                                        </p:tgtEl>
+                                      </p:cBhvr>
+                                    </p:animEffect>
+                                  </p:childTnLst>
+                                </p:cTn>
+                              </p:par>
+                              <p:par>
+                                <p:cTn id="19" presetID="10" presetClass="entr" presetSubtype="0" fill="hold" nodeType="withEffect">
+                                  <p:stCondLst>
+                                    <p:cond delay="0"/>
+                                  </p:stCondLst>
+                                  <p:childTnLst>
+                                    <p:set>
+                                      <p:cBhvr>
+                                        <p:cTn id="20" dur="1" fill="hold">
+                                          <p:stCondLst>
+                                            <p:cond delay="0"/>
+                                          </p:stCondLst>
+                                        </p:cTn>
+                                        <p:tgtEl>
+                                          <p:spTgt spid="19"/>
+                                        </p:tgtEl>
+                                        <p:attrNameLst>
+                                          <p:attrName>style.visibility</p:attrName>
+                                        </p:attrNameLst>
+                                      </p:cBhvr>
+                                      <p:to>
+                                        <p:strVal val="visible"/>
+                                      </p:to>
+                                    </p:set>
+                                    <p:animEffect transition="in" filter="fade">
+                                      <p:cBhvr>
+                                        <p:cTn id="21" dur="500"/>
+                                        <p:tgtEl>
+                                          <p:spTgt spid="19"/>
+                                        </p:tgtEl>
+                                      </p:cBhvr>
+                                    </p:animEffect>
+                                  </p:childTnLst>
+                                </p:cTn>
+                              </p:par>
+                              <p:par>
+                                <p:cTn id="22" presetID="10" presetClass="entr" presetSubtype="0" fill="hold" nodeType="withEffect">
+                                  <p:stCondLst>
+                                    <p:cond delay="0"/>
+                                  </p:stCondLst>
+                                  <p:childTnLst>
+                                    <p:set>
+                                      <p:cBhvr>
+                                        <p:cTn id="23" dur="1" fill="hold">
+                                          <p:stCondLst>
+                                            <p:cond delay="0"/>
+                                          </p:stCondLst>
+                                        </p:cTn>
+                                        <p:tgtEl>
+                                          <p:spTgt spid="13"/>
+                                        </p:tgtEl>
+                                        <p:attrNameLst>
+                                          <p:attrName>style.visibility</p:attrName>
+                                        </p:attrNameLst>
+                                      </p:cBhvr>
+                                      <p:to>
+                                        <p:strVal val="visible"/>
+                                      </p:to>
+                                    </p:set>
+                                    <p:animEffect transition="in" filter="fade">
+                                      <p:cBhvr>
+                                        <p:cTn id="24" dur="500"/>
+                                        <p:tgtEl>
+                                          <p:spTgt spid="13"/>
+                                        </p:tgtEl>
+                                      </p:cBhvr>
+                                    </p:animEffect>
+                                  </p:childTnLst>
+                                </p:cTn>
+                              </p:par>
+                            </p:childTnLst>
+                          </p:cTn>
+                        </p:par>
+                      </p:childTnLst>
+                    </p:cTn>
+                  </p:par>
+                  <p:par>
+                    <p:cTn id="25" fill="hold">
+                      <p:stCondLst>
+                        <p:cond delay="indefinite"/>
+                      </p:stCondLst>
+                      <p:childTnLst>
+                        <p:par>
+                          <p:cTn id="26" fill="hold">
+                            <p:stCondLst>
+                              <p:cond delay="0"/>
+                            </p:stCondLst>
+                            <p:childTnLst>
+                              <p:par>
+                                <p:cTn id="27" presetID="10" presetClass="entr" presetSubtype="0" fill="hold" grpId="0" nodeType="clickEffect">
+                                  <p:stCondLst>
+                                    <p:cond delay="0"/>
+                                  </p:stCondLst>
+                                  <p:childTnLst>
+                                    <p:set>
+                                      <p:cBhvr>
+                                        <p:cTn id="28" dur="1" fill="hold">
+                                          <p:stCondLst>
+                                            <p:cond delay="0"/>
+                                          </p:stCondLst>
+                                        </p:cTn>
+                                        <p:tgtEl>
+                                          <p:spTgt spid="40"/>
+                                        </p:tgtEl>
+                                        <p:attrNameLst>
+                                          <p:attrName>style.visibility</p:attrName>
+                                        </p:attrNameLst>
+                                      </p:cBhvr>
+                                      <p:to>
+                                        <p:strVal val="visible"/>
+                                      </p:to>
+                                    </p:set>
+                                    <p:animEffect transition="in" filter="fade">
+                                      <p:cBhvr>
+                                        <p:cTn id="29" dur="500"/>
+                                        <p:tgtEl>
+                                          <p:spTgt spid="40"/>
+                                        </p:tgtEl>
+                                      </p:cBhvr>
+                                    </p:animEffect>
+                                  </p:childTnLst>
+                                </p:cTn>
+                              </p:par>
+                              <p:par>
+                                <p:cTn id="30" presetID="10" presetClass="entr" presetSubtype="0" fill="hold" nodeType="withEffect">
+                                  <p:stCondLst>
+                                    <p:cond delay="0"/>
+                                  </p:stCondLst>
+                                  <p:childTnLst>
+                                    <p:set>
+                                      <p:cBhvr>
+                                        <p:cTn id="31" dur="1" fill="hold">
+                                          <p:stCondLst>
+                                            <p:cond delay="0"/>
+                                          </p:stCondLst>
+                                        </p:cTn>
+                                        <p:tgtEl>
+                                          <p:spTgt spid="21"/>
+                                        </p:tgtEl>
+                                        <p:attrNameLst>
+                                          <p:attrName>style.visibility</p:attrName>
+                                        </p:attrNameLst>
+                                      </p:cBhvr>
+                                      <p:to>
+                                        <p:strVal val="visible"/>
+                                      </p:to>
+                                    </p:set>
+                                    <p:animEffect transition="in" filter="fade">
+                                      <p:cBhvr>
+                                        <p:cTn id="32" dur="500"/>
+                                        <p:tgtEl>
+                                          <p:spTgt spid="21"/>
+                                        </p:tgtEl>
+                                      </p:cBhvr>
+                                    </p:animEffect>
+                                  </p:childTnLst>
+                                </p:cTn>
+                              </p:par>
+                            </p:childTnLst>
+                          </p:cTn>
+                        </p:par>
+                      </p:childTnLst>
+                    </p:cTn>
+                  </p:par>
+                  <p:par>
+                    <p:cTn id="33" fill="hold">
+                      <p:stCondLst>
+                        <p:cond delay="indefinite"/>
+                      </p:stCondLst>
+                      <p:childTnLst>
+                        <p:par>
+                          <p:cTn id="34" fill="hold">
+                            <p:stCondLst>
+                              <p:cond delay="0"/>
+                            </p:stCondLst>
+                            <p:childTnLst>
+                              <p:par>
+                                <p:cTn id="35" presetID="10" presetClass="entr" presetSubtype="0" fill="hold" grpId="0" nodeType="clickEffect">
+                                  <p:stCondLst>
+                                    <p:cond delay="0"/>
+                                  </p:stCondLst>
+                                  <p:childTnLst>
+                                    <p:set>
+                                      <p:cBhvr>
+                                        <p:cTn id="36" dur="1" fill="hold">
+                                          <p:stCondLst>
+                                            <p:cond delay="0"/>
+                                          </p:stCondLst>
+                                        </p:cTn>
+                                        <p:tgtEl>
+                                          <p:spTgt spid="42"/>
+                                        </p:tgtEl>
+                                        <p:attrNameLst>
+                                          <p:attrName>style.visibility</p:attrName>
+                                        </p:attrNameLst>
+                                      </p:cBhvr>
+                                      <p:to>
+                                        <p:strVal val="visible"/>
+                                      </p:to>
+                                    </p:set>
+                                    <p:animEffect transition="in" filter="fade">
+                                      <p:cBhvr>
+                                        <p:cTn id="37" dur="500"/>
+                                        <p:tgtEl>
+                                          <p:spTgt spid="42"/>
+                                        </p:tgtEl>
+                                      </p:cBhvr>
+                                    </p:animEffect>
+                                  </p:childTnLst>
+                                </p:cTn>
+                              </p:par>
+                              <p:par>
+                                <p:cTn id="38" presetID="10" presetClass="entr" presetSubtype="0" fill="hold" nodeType="withEffect">
+                                  <p:stCondLst>
+                                    <p:cond delay="0"/>
+                                  </p:stCondLst>
+                                  <p:childTnLst>
+                                    <p:set>
+                                      <p:cBhvr>
+                                        <p:cTn id="39" dur="1" fill="hold">
+                                          <p:stCondLst>
+                                            <p:cond delay="0"/>
+                                          </p:stCondLst>
+                                        </p:cTn>
+                                        <p:tgtEl>
+                                          <p:spTgt spid="28"/>
+                                        </p:tgtEl>
+                                        <p:attrNameLst>
+                                          <p:attrName>style.visibility</p:attrName>
+                                        </p:attrNameLst>
+                                      </p:cBhvr>
+                                      <p:to>
+                                        <p:strVal val="visible"/>
+                                      </p:to>
+                                    </p:set>
+                                    <p:animEffect transition="in" filter="fade">
+                                      <p:cBhvr>
+                                        <p:cTn id="40" dur="500"/>
+                                        <p:tgtEl>
+                                          <p:spTgt spid="28"/>
+                                        </p:tgtEl>
+                                      </p:cBhvr>
+                                    </p:animEffect>
+                                  </p:childTnLst>
+                                </p:cTn>
+                              </p:par>
+                              <p:par>
+                                <p:cTn id="41" presetID="10" presetClass="entr" presetSubtype="0" fill="hold" nodeType="withEffect">
+                                  <p:stCondLst>
+                                    <p:cond delay="0"/>
+                                  </p:stCondLst>
+                                  <p:childTnLst>
+                                    <p:set>
+                                      <p:cBhvr>
+                                        <p:cTn id="42" dur="1" fill="hold">
+                                          <p:stCondLst>
+                                            <p:cond delay="0"/>
+                                          </p:stCondLst>
+                                        </p:cTn>
+                                        <p:tgtEl>
+                                          <p:spTgt spid="17"/>
+                                        </p:tgtEl>
+                                        <p:attrNameLst>
+                                          <p:attrName>style.visibility</p:attrName>
+                                        </p:attrNameLst>
+                                      </p:cBhvr>
+                                      <p:to>
+                                        <p:strVal val="visible"/>
+                                      </p:to>
+                                    </p:set>
+                                    <p:animEffect transition="in" filter="fade">
+                                      <p:cBhvr>
+                                        <p:cTn id="43" dur="500"/>
+                                        <p:tgtEl>
+                                          <p:spTgt spid="17"/>
+                                        </p:tgtEl>
+                                      </p:cBhvr>
+                                    </p:animEffect>
+                                  </p:childTnLst>
+                                </p:cTn>
+                              </p:par>
+                            </p:childTnLst>
+                          </p:cTn>
+                        </p:par>
+                      </p:childTnLst>
+                    </p:cTn>
+                  </p:par>
+                  <p:par>
+                    <p:cTn id="44" fill="hold">
+                      <p:stCondLst>
+                        <p:cond delay="indefinite"/>
+                      </p:stCondLst>
+                      <p:childTnLst>
+                        <p:par>
+                          <p:cTn id="45" fill="hold">
+                            <p:stCondLst>
+                              <p:cond delay="0"/>
+                            </p:stCondLst>
+                            <p:childTnLst>
+                              <p:par>
+                                <p:cTn id="46" presetID="10" presetClass="entr" presetSubtype="0" fill="hold" nodeType="clickEffect">
+                                  <p:stCondLst>
+                                    <p:cond delay="0"/>
+                                  </p:stCondLst>
+                                  <p:childTnLst>
+                                    <p:set>
+                                      <p:cBhvr>
+                                        <p:cTn id="47" dur="1" fill="hold">
+                                          <p:stCondLst>
+                                            <p:cond delay="0"/>
+                                          </p:stCondLst>
+                                        </p:cTn>
+                                        <p:tgtEl>
+                                          <p:spTgt spid="29"/>
+                                        </p:tgtEl>
+                                        <p:attrNameLst>
+                                          <p:attrName>style.visibility</p:attrName>
+                                        </p:attrNameLst>
+                                      </p:cBhvr>
+                                      <p:to>
+                                        <p:strVal val="visible"/>
+                                      </p:to>
+                                    </p:set>
+                                    <p:animEffect transition="in" filter="fade">
+                                      <p:cBhvr>
+                                        <p:cTn id="48" dur="500"/>
+                                        <p:tgtEl>
+                                          <p:spTgt spid="29"/>
+                                        </p:tgtEl>
+                                      </p:cBhvr>
+                                    </p:animEffect>
+                                  </p:childTnLst>
+                                </p:cTn>
+                              </p:par>
+                              <p:par>
+                                <p:cTn id="49" presetID="10" presetClass="entr" presetSubtype="0" fill="hold" grpId="0" nodeType="withEffect">
+                                  <p:stCondLst>
+                                    <p:cond delay="0"/>
+                                  </p:stCondLst>
+                                  <p:childTnLst>
+                                    <p:set>
+                                      <p:cBhvr>
+                                        <p:cTn id="50" dur="1" fill="hold">
+                                          <p:stCondLst>
+                                            <p:cond delay="0"/>
+                                          </p:stCondLst>
+                                        </p:cTn>
+                                        <p:tgtEl>
+                                          <p:spTgt spid="43"/>
+                                        </p:tgtEl>
+                                        <p:attrNameLst>
+                                          <p:attrName>style.visibility</p:attrName>
+                                        </p:attrNameLst>
+                                      </p:cBhvr>
+                                      <p:to>
+                                        <p:strVal val="visible"/>
+                                      </p:to>
+                                    </p:set>
+                                    <p:animEffect transition="in" filter="fade">
+                                      <p:cBhvr>
+                                        <p:cTn id="51" dur="500"/>
+                                        <p:tgtEl>
+                                          <p:spTgt spid="43"/>
+                                        </p:tgtEl>
+                                      </p:cBhvr>
+                                    </p:animEffect>
+                                  </p:childTnLst>
+                                </p:cTn>
+                              </p:par>
+                            </p:childTnLst>
+                          </p:cTn>
+                        </p:par>
+                      </p:childTnLst>
+                    </p:cTn>
+                  </p:par>
+                  <p:par>
+                    <p:cTn id="52" fill="hold">
+                      <p:stCondLst>
+                        <p:cond delay="indefinite"/>
+                      </p:stCondLst>
+                      <p:childTnLst>
+                        <p:par>
+                          <p:cTn id="53" fill="hold">
+                            <p:stCondLst>
+                              <p:cond delay="0"/>
+                            </p:stCondLst>
+                            <p:childTnLst>
+                              <p:par>
+                                <p:cTn id="54" presetID="10" presetClass="entr" presetSubtype="0" fill="hold" grpId="0" nodeType="clickEffect">
+                                  <p:stCondLst>
+                                    <p:cond delay="0"/>
+                                  </p:stCondLst>
+                                  <p:childTnLst>
+                                    <p:set>
+                                      <p:cBhvr>
+                                        <p:cTn id="55" dur="1" fill="hold">
+                                          <p:stCondLst>
+                                            <p:cond delay="0"/>
+                                          </p:stCondLst>
+                                        </p:cTn>
+                                        <p:tgtEl>
+                                          <p:spTgt spid="44"/>
+                                        </p:tgtEl>
+                                        <p:attrNameLst>
+                                          <p:attrName>style.visibility</p:attrName>
+                                        </p:attrNameLst>
+                                      </p:cBhvr>
+                                      <p:to>
+                                        <p:strVal val="visible"/>
+                                      </p:to>
+                                    </p:set>
+                                    <p:animEffect transition="in" filter="fade">
+                                      <p:cBhvr>
+                                        <p:cTn id="56" dur="500"/>
+                                        <p:tgtEl>
+                                          <p:spTgt spid="44"/>
+                                        </p:tgtEl>
+                                      </p:cBhvr>
+                                    </p:animEffect>
+                                  </p:childTnLst>
+                                </p:cTn>
+                              </p:par>
+                              <p:par>
+                                <p:cTn id="57" presetID="10" presetClass="entr" presetSubtype="0" fill="hold" nodeType="withEffect">
+                                  <p:stCondLst>
+                                    <p:cond delay="0"/>
+                                  </p:stCondLst>
+                                  <p:childTnLst>
+                                    <p:set>
+                                      <p:cBhvr>
+                                        <p:cTn id="58" dur="1" fill="hold">
+                                          <p:stCondLst>
+                                            <p:cond delay="0"/>
+                                          </p:stCondLst>
+                                        </p:cTn>
+                                        <p:tgtEl>
+                                          <p:spTgt spid="34"/>
+                                        </p:tgtEl>
+                                        <p:attrNameLst>
+                                          <p:attrName>style.visibility</p:attrName>
+                                        </p:attrNameLst>
+                                      </p:cBhvr>
+                                      <p:to>
+                                        <p:strVal val="visible"/>
+                                      </p:to>
+                                    </p:set>
+                                    <p:animEffect transition="in" filter="fade">
+                                      <p:cBhvr>
+                                        <p:cTn id="59" dur="500"/>
+                                        <p:tgtEl>
+                                          <p:spTgt spid="34"/>
+                                        </p:tgtEl>
+                                      </p:cBhvr>
+                                    </p:animEffect>
+                                  </p:childTnLst>
+                                </p:cTn>
+                              </p:par>
+                              <p:par>
+                                <p:cTn id="60" presetID="10" presetClass="entr" presetSubtype="0" fill="hold" nodeType="withEffect">
+                                  <p:stCondLst>
+                                    <p:cond delay="0"/>
+                                  </p:stCondLst>
+                                  <p:childTnLst>
+                                    <p:set>
+                                      <p:cBhvr>
+                                        <p:cTn id="61" dur="1" fill="hold">
+                                          <p:stCondLst>
+                                            <p:cond delay="0"/>
+                                          </p:stCondLst>
+                                        </p:cTn>
+                                        <p:tgtEl>
+                                          <p:spTgt spid="15"/>
+                                        </p:tgtEl>
+                                        <p:attrNameLst>
+                                          <p:attrName>style.visibility</p:attrName>
+                                        </p:attrNameLst>
+                                      </p:cBhvr>
+                                      <p:to>
+                                        <p:strVal val="visible"/>
+                                      </p:to>
+                                    </p:set>
+                                    <p:animEffect transition="in" filter="fade">
+                                      <p:cBhvr>
+                                        <p:cTn id="62" dur="500"/>
+                                        <p:tgtEl>
+                                          <p:spTgt spid="15"/>
+                                        </p:tgtEl>
+                                      </p:cBhvr>
+                                    </p:animEffect>
+                                  </p:childTnLst>
+                                </p:cTn>
+                              </p:par>
+                            </p:childTnLst>
+                          </p:cTn>
+                        </p:par>
+                      </p:childTnLst>
+                    </p:cTn>
+                  </p:par>
+                </p:childTnLst>
+              </p:cTn>
+              <p:prevCondLst>
+                <p:cond evt="onPrev" delay="0">
+                  <p:tgtEl>
+                    <p:sldTgt/>
+                  </p:tgtEl>
+                </p:cond>
+              </p:prevCondLst>
+              <p:nextCondLst>
+                <p:cond evt="onNext" delay="0">
+                  <p:tgtEl>
+                    <p:sldTgt/>
+                  </p:tgtEl>
+                </p:cond>
+              </p:nextCondLst>
+            </p:seq>
+          </p:childTnLst>
+        </p:cTn>
+      </p:par>
+    </p:tnLst>
+    <p:bldLst>
+      <p:bldP spid="39" grpId="0"/>
+      <p:bldP spid="40" grpId="0"/>
+      <p:bldP spid="41" grpId="0"/>
+      <p:bldP spid="42" grpId="0"/>
+      <p:bldP spid="43" grpId="0"/>
+      <p:bldP spid="44" grpId="0"/>
+    </p:bldLst>
+  </p:timing>
 </p:sld>
 </file>
 
@@ -6055,10 +8017,14 @@
           <a:p>
             <a:pPr algn="ctr"/>
             <a:r>
-              <a:rPr lang="ro-RO" dirty="0"/>
+              <a:rPr lang="ro-RO" dirty="0">
+                <a:latin typeface="Bahnschrift" panose="020B0502040204020203" pitchFamily="34" charset="0"/>
+              </a:rPr>
               <a:t>Arhitectura aplicației</a:t>
             </a:r>
-            <a:endParaRPr lang="en-US" dirty="0"/>
+            <a:endParaRPr lang="en-US" dirty="0">
+              <a:latin typeface="Bahnschrift" panose="020B0502040204020203" pitchFamily="34" charset="0"/>
+            </a:endParaRPr>
           </a:p>
         </p:txBody>
       </p:sp>
@@ -6177,7 +8143,7 @@
         <p:spPr>
           <a:xfrm>
             <a:off x="2134941" y="5769864"/>
-            <a:ext cx="2313647" cy="369332"/>
+            <a:ext cx="2478564" cy="369332"/>
           </a:xfrm>
           <a:prstGeom prst="rect">
             <a:avLst/>
@@ -6196,10 +8162,14 @@
           <a:lstStyle/>
           <a:p>
             <a:r>
-              <a:rPr lang="ro-RO" dirty="0"/>
+              <a:rPr lang="ro-RO" dirty="0">
+                <a:latin typeface="Bahnschrift" panose="020B0502040204020203" pitchFamily="34" charset="0"/>
+              </a:rPr>
               <a:t>Pagina de înregistrare</a:t>
             </a:r>
-            <a:endParaRPr lang="en-US" dirty="0"/>
+            <a:endParaRPr lang="en-US" dirty="0">
+              <a:latin typeface="Bahnschrift" panose="020B0502040204020203" pitchFamily="34" charset="0"/>
+            </a:endParaRPr>
           </a:p>
         </p:txBody>
       </p:sp>
@@ -6218,7 +8188,7 @@
         <p:spPr>
           <a:xfrm>
             <a:off x="2454370" y="3244334"/>
-            <a:ext cx="1810367" cy="369332"/>
+            <a:ext cx="1914307" cy="369332"/>
           </a:xfrm>
           <a:prstGeom prst="rect">
             <a:avLst/>
@@ -6237,10 +8207,14 @@
           <a:lstStyle/>
           <a:p>
             <a:r>
-              <a:rPr lang="ro-RO" dirty="0"/>
+              <a:rPr lang="ro-RO" dirty="0">
+                <a:latin typeface="Bahnschrift" panose="020B0502040204020203" pitchFamily="34" charset="0"/>
+              </a:rPr>
               <a:t>Pagina de logare</a:t>
             </a:r>
-            <a:endParaRPr lang="en-US" dirty="0"/>
+            <a:endParaRPr lang="en-US" dirty="0">
+              <a:latin typeface="Bahnschrift" panose="020B0502040204020203" pitchFamily="34" charset="0"/>
+            </a:endParaRPr>
           </a:p>
         </p:txBody>
       </p:sp>
@@ -6259,7 +8233,7 @@
         <p:spPr>
           <a:xfrm>
             <a:off x="296000" y="3947547"/>
-            <a:ext cx="1084399" cy="369332"/>
+            <a:ext cx="1128835" cy="369332"/>
           </a:xfrm>
           <a:prstGeom prst="rect">
             <a:avLst/>
@@ -6273,10 +8247,14 @@
           <a:lstStyle/>
           <a:p>
             <a:r>
-              <a:rPr lang="ro-RO" dirty="0"/>
+              <a:rPr lang="ro-RO" dirty="0">
+                <a:latin typeface="Bahnschrift" panose="020B0502040204020203" pitchFamily="34" charset="0"/>
+              </a:rPr>
               <a:t>Utilizator</a:t>
             </a:r>
-            <a:endParaRPr lang="en-US" dirty="0"/>
+            <a:endParaRPr lang="en-US" dirty="0">
+              <a:latin typeface="Bahnschrift" panose="020B0502040204020203" pitchFamily="34" charset="0"/>
+            </a:endParaRPr>
           </a:p>
         </p:txBody>
       </p:sp>
@@ -6298,8 +8276,8 @@
         </p:nvCxnSpPr>
         <p:spPr>
           <a:xfrm>
-            <a:off x="1380399" y="4132213"/>
-            <a:ext cx="754542" cy="1822317"/>
+            <a:off x="1424835" y="4132213"/>
+            <a:ext cx="710106" cy="1822317"/>
           </a:xfrm>
           <a:prstGeom prst="straightConnector1">
             <a:avLst/>
@@ -6356,10 +8334,14 @@
           <a:p>
             <a:pPr algn="ctr"/>
             <a:r>
-              <a:rPr lang="ro-RO" dirty="0"/>
+              <a:rPr lang="ro-RO" dirty="0">
+                <a:latin typeface="Bahnschrift" panose="020B0502040204020203" pitchFamily="34" charset="0"/>
+              </a:rPr>
               <a:t>Completare formular</a:t>
             </a:r>
-            <a:endParaRPr lang="en-US" dirty="0"/>
+            <a:endParaRPr lang="en-US" dirty="0">
+              <a:latin typeface="Bahnschrift" panose="020B0502040204020203" pitchFamily="34" charset="0"/>
+            </a:endParaRPr>
           </a:p>
         </p:txBody>
       </p:sp>
@@ -6393,17 +8375,23 @@
           <a:p>
             <a:pPr algn="ctr"/>
             <a:r>
-              <a:rPr lang="ro-RO" dirty="0"/>
+              <a:rPr lang="ro-RO" dirty="0">
+                <a:latin typeface="Bahnschrift" panose="020B0502040204020203" pitchFamily="34" charset="0"/>
+              </a:rPr>
               <a:t>Completare</a:t>
             </a:r>
           </a:p>
           <a:p>
             <a:pPr algn="ctr"/>
             <a:r>
-              <a:rPr lang="ro-RO" dirty="0"/>
+              <a:rPr lang="ro-RO" dirty="0">
+                <a:latin typeface="Bahnschrift" panose="020B0502040204020203" pitchFamily="34" charset="0"/>
+              </a:rPr>
               <a:t>date</a:t>
             </a:r>
-            <a:endParaRPr lang="en-US" dirty="0"/>
+            <a:endParaRPr lang="en-US" dirty="0">
+              <a:latin typeface="Bahnschrift" panose="020B0502040204020203" pitchFamily="34" charset="0"/>
+            </a:endParaRPr>
           </a:p>
         </p:txBody>
       </p:sp>
@@ -6468,7 +8456,7 @@
         <p:spPr>
           <a:xfrm>
             <a:off x="5526333" y="1570863"/>
-            <a:ext cx="2244845" cy="369332"/>
+            <a:ext cx="2347117" cy="369332"/>
           </a:xfrm>
           <a:prstGeom prst="rect">
             <a:avLst/>
@@ -6487,10 +8475,14 @@
           <a:lstStyle/>
           <a:p>
             <a:r>
-              <a:rPr lang="ro-RO" dirty="0"/>
+              <a:rPr lang="ro-RO" dirty="0">
+                <a:latin typeface="Bahnschrift" panose="020B0502040204020203" pitchFamily="34" charset="0"/>
+              </a:rPr>
               <a:t>Pagină personalizată</a:t>
             </a:r>
-            <a:endParaRPr lang="en-US" dirty="0"/>
+            <a:endParaRPr lang="en-US" dirty="0">
+              <a:latin typeface="Bahnschrift" panose="020B0502040204020203" pitchFamily="34" charset="0"/>
+            </a:endParaRPr>
           </a:p>
         </p:txBody>
       </p:sp>
@@ -6508,8 +8500,8 @@
         </p:nvSpPr>
         <p:spPr>
           <a:xfrm>
-            <a:off x="5542803" y="2394108"/>
-            <a:ext cx="1830950" cy="369332"/>
+            <a:off x="5559273" y="2065758"/>
+            <a:ext cx="1854995" cy="369332"/>
           </a:xfrm>
           <a:prstGeom prst="rect">
             <a:avLst/>
@@ -6528,10 +8520,14 @@
           <a:lstStyle/>
           <a:p>
             <a:r>
-              <a:rPr lang="ro-RO" dirty="0"/>
+              <a:rPr lang="ro-RO" dirty="0">
+                <a:latin typeface="Bahnschrift" panose="020B0502040204020203" pitchFamily="34" charset="0"/>
+              </a:rPr>
               <a:t>Clasament piloți</a:t>
             </a:r>
-            <a:endParaRPr lang="en-US" dirty="0"/>
+            <a:endParaRPr lang="en-US" dirty="0">
+              <a:latin typeface="Bahnschrift" panose="020B0502040204020203" pitchFamily="34" charset="0"/>
+            </a:endParaRPr>
           </a:p>
         </p:txBody>
       </p:sp>
@@ -6549,7 +8545,7 @@
         </p:nvSpPr>
         <p:spPr>
           <a:xfrm>
-            <a:off x="5542803" y="3215640"/>
+            <a:off x="5905081" y="4797530"/>
             <a:ext cx="2007281" cy="369332"/>
           </a:xfrm>
           <a:prstGeom prst="rect">
@@ -6569,10 +8565,14 @@
           <a:lstStyle/>
           <a:p>
             <a:r>
-              <a:rPr lang="ro-RO" dirty="0"/>
+              <a:rPr lang="ro-RO" dirty="0">
+                <a:latin typeface="Bahnschrift" panose="020B0502040204020203" pitchFamily="34" charset="0"/>
+              </a:rPr>
               <a:t>Clasament echipe</a:t>
             </a:r>
-            <a:endParaRPr lang="en-US" dirty="0"/>
+            <a:endParaRPr lang="en-US" dirty="0">
+              <a:latin typeface="Bahnschrift" panose="020B0502040204020203" pitchFamily="34" charset="0"/>
+            </a:endParaRPr>
           </a:p>
         </p:txBody>
       </p:sp>
@@ -6590,7 +8590,7 @@
         </p:nvSpPr>
         <p:spPr>
           <a:xfrm>
-            <a:off x="5643697" y="4035460"/>
+            <a:off x="5905081" y="5396375"/>
             <a:ext cx="1106393" cy="369332"/>
           </a:xfrm>
           <a:prstGeom prst="rect">
@@ -6610,10 +8610,14 @@
           <a:lstStyle/>
           <a:p>
             <a:r>
-              <a:rPr lang="ro-RO" dirty="0"/>
+              <a:rPr lang="ro-RO" dirty="0">
+                <a:latin typeface="Bahnschrift" panose="020B0502040204020203" pitchFamily="34" charset="0"/>
+              </a:rPr>
               <a:t>Calendar</a:t>
             </a:r>
-            <a:endParaRPr lang="en-US" dirty="0"/>
+            <a:endParaRPr lang="en-US" dirty="0">
+              <a:latin typeface="Bahnschrift" panose="020B0502040204020203" pitchFamily="34" charset="0"/>
+            </a:endParaRPr>
           </a:p>
         </p:txBody>
       </p:sp>
@@ -6631,8 +8635,8 @@
         </p:nvSpPr>
         <p:spPr>
           <a:xfrm>
-            <a:off x="5542803" y="4858705"/>
-            <a:ext cx="2345001" cy="369332"/>
+            <a:off x="5285777" y="5855401"/>
+            <a:ext cx="2414444" cy="369332"/>
           </a:xfrm>
           <a:prstGeom prst="rect">
             <a:avLst/>
@@ -6651,10 +8655,14 @@
           <a:lstStyle/>
           <a:p>
             <a:r>
-              <a:rPr lang="ro-RO" dirty="0"/>
+              <a:rPr lang="ro-RO" dirty="0">
+                <a:latin typeface="Bahnschrift" panose="020B0502040204020203" pitchFamily="34" charset="0"/>
+              </a:rPr>
               <a:t>Statistici piloți/echipe</a:t>
             </a:r>
-            <a:endParaRPr lang="en-US" dirty="0"/>
+            <a:endParaRPr lang="en-US" dirty="0">
+              <a:latin typeface="Bahnschrift" panose="020B0502040204020203" pitchFamily="34" charset="0"/>
+            </a:endParaRPr>
           </a:p>
         </p:txBody>
       </p:sp>
@@ -6676,8 +8684,8 @@
         </p:nvCxnSpPr>
         <p:spPr>
           <a:xfrm flipV="1">
-            <a:off x="4264737" y="1755529"/>
-            <a:ext cx="1261596" cy="1673471"/>
+            <a:off x="4368677" y="1755529"/>
+            <a:ext cx="1157656" cy="1673471"/>
           </a:xfrm>
           <a:prstGeom prst="straightConnector1">
             <a:avLst/>
@@ -6722,8 +8730,8 @@
         </p:nvCxnSpPr>
         <p:spPr>
           <a:xfrm flipV="1">
-            <a:off x="4264737" y="2578774"/>
-            <a:ext cx="1278066" cy="850226"/>
+            <a:off x="4368677" y="2250424"/>
+            <a:ext cx="1190596" cy="1178576"/>
           </a:xfrm>
           <a:prstGeom prst="straightConnector1">
             <a:avLst/>
@@ -6767,9 +8775,9 @@
           <p:nvPr/>
         </p:nvCxnSpPr>
         <p:spPr>
-          <a:xfrm flipV="1">
-            <a:off x="4264737" y="3400306"/>
-            <a:ext cx="1278066" cy="28694"/>
+          <a:xfrm>
+            <a:off x="4368677" y="3429000"/>
+            <a:ext cx="1536404" cy="1553196"/>
           </a:xfrm>
           <a:prstGeom prst="straightConnector1">
             <a:avLst/>
@@ -6814,8 +8822,8 @@
         </p:nvCxnSpPr>
         <p:spPr>
           <a:xfrm>
-            <a:off x="4264737" y="3429000"/>
-            <a:ext cx="1378960" cy="791126"/>
+            <a:off x="4368677" y="3429000"/>
+            <a:ext cx="1536404" cy="2152041"/>
           </a:xfrm>
           <a:prstGeom prst="straightConnector1">
             <a:avLst/>
@@ -6860,8 +8868,8 @@
         </p:nvCxnSpPr>
         <p:spPr>
           <a:xfrm>
-            <a:off x="4264737" y="3429000"/>
-            <a:ext cx="1278066" cy="1614371"/>
+            <a:off x="4368677" y="3429000"/>
+            <a:ext cx="917100" cy="2611067"/>
           </a:xfrm>
           <a:prstGeom prst="straightConnector1">
             <a:avLst/>
@@ -6903,7 +8911,7 @@
         <p:spPr>
           <a:xfrm>
             <a:off x="8814939" y="1571935"/>
-            <a:ext cx="2889381" cy="369332"/>
+            <a:ext cx="3017173" cy="369332"/>
           </a:xfrm>
           <a:prstGeom prst="rect">
             <a:avLst/>
@@ -6922,10 +8930,14 @@
           <a:lstStyle/>
           <a:p>
             <a:r>
-              <a:rPr lang="ro-RO" dirty="0"/>
+              <a:rPr lang="ro-RO" dirty="0">
+                <a:latin typeface="Bahnschrift" panose="020B0502040204020203" pitchFamily="34" charset="0"/>
+              </a:rPr>
               <a:t>Predicție următoarea cursă</a:t>
             </a:r>
-            <a:endParaRPr lang="en-US" dirty="0"/>
+            <a:endParaRPr lang="en-US" dirty="0">
+              <a:latin typeface="Bahnschrift" panose="020B0502040204020203" pitchFamily="34" charset="0"/>
+            </a:endParaRPr>
           </a:p>
         </p:txBody>
       </p:sp>
@@ -6947,8 +8959,8 @@
         </p:nvCxnSpPr>
         <p:spPr>
           <a:xfrm>
-            <a:off x="7771178" y="1755529"/>
-            <a:ext cx="1043761" cy="1072"/>
+            <a:off x="7873450" y="1755529"/>
+            <a:ext cx="941489" cy="1072"/>
           </a:xfrm>
           <a:prstGeom prst="straightConnector1">
             <a:avLst/>
@@ -6989,8 +9001,8 @@
         </p:nvSpPr>
         <p:spPr>
           <a:xfrm>
-            <a:off x="8814938" y="2394108"/>
-            <a:ext cx="3182538" cy="369332"/>
+            <a:off x="8814939" y="2059837"/>
+            <a:ext cx="3304110" cy="369332"/>
           </a:xfrm>
           <a:prstGeom prst="rect">
             <a:avLst/>
@@ -7009,10 +9021,14 @@
           <a:lstStyle/>
           <a:p>
             <a:r>
-              <a:rPr lang="ro-RO" dirty="0"/>
+              <a:rPr lang="ro-RO" dirty="0">
+                <a:latin typeface="Bahnschrift" panose="020B0502040204020203" pitchFamily="34" charset="0"/>
+              </a:rPr>
               <a:t>Pagină individuală pentru pilot</a:t>
             </a:r>
-            <a:endParaRPr lang="en-US" dirty="0"/>
+            <a:endParaRPr lang="en-US" dirty="0">
+              <a:latin typeface="Bahnschrift" panose="020B0502040204020203" pitchFamily="34" charset="0"/>
+            </a:endParaRPr>
           </a:p>
         </p:txBody>
       </p:sp>
@@ -7027,14 +9043,15 @@
           </p:cNvPr>
           <p:cNvCxnSpPr>
             <a:cxnSpLocks/>
+            <a:stCxn id="28" idx="3"/>
             <a:endCxn id="53" idx="1"/>
           </p:cNvCxnSpPr>
           <p:nvPr/>
         </p:nvCxnSpPr>
         <p:spPr>
           <a:xfrm flipV="1">
-            <a:off x="7390223" y="2578774"/>
-            <a:ext cx="1424715" cy="13490"/>
+            <a:off x="7414268" y="2244503"/>
+            <a:ext cx="1400671" cy="5921"/>
           </a:xfrm>
           <a:prstGeom prst="straightConnector1">
             <a:avLst/>
@@ -7075,8 +9092,8 @@
         </p:nvSpPr>
         <p:spPr>
           <a:xfrm>
-            <a:off x="8698720" y="3203399"/>
-            <a:ext cx="3414974" cy="369332"/>
+            <a:off x="8698720" y="4791221"/>
+            <a:ext cx="3526928" cy="369332"/>
           </a:xfrm>
           <a:prstGeom prst="rect">
             <a:avLst/>
@@ -7095,10 +9112,14 @@
           <a:lstStyle/>
           <a:p>
             <a:r>
-              <a:rPr lang="ro-RO" dirty="0"/>
+              <a:rPr lang="ro-RO" dirty="0">
+                <a:latin typeface="Bahnschrift" panose="020B0502040204020203" pitchFamily="34" charset="0"/>
+              </a:rPr>
               <a:t>Pagină individuală pentru echipă</a:t>
             </a:r>
-            <a:endParaRPr lang="en-US" dirty="0"/>
+            <a:endParaRPr lang="en-US" dirty="0">
+              <a:latin typeface="Bahnschrift" panose="020B0502040204020203" pitchFamily="34" charset="0"/>
+            </a:endParaRPr>
           </a:p>
         </p:txBody>
       </p:sp>
@@ -7120,8 +9141,8 @@
         </p:nvCxnSpPr>
         <p:spPr>
           <a:xfrm flipV="1">
-            <a:off x="7550084" y="3388065"/>
-            <a:ext cx="1148636" cy="12241"/>
+            <a:off x="7912362" y="4975887"/>
+            <a:ext cx="786358" cy="6309"/>
           </a:xfrm>
           <a:prstGeom prst="straightConnector1">
             <a:avLst/>
@@ -7162,8 +9183,8 @@
         </p:nvSpPr>
         <p:spPr>
           <a:xfrm>
-            <a:off x="7447696" y="4035460"/>
-            <a:ext cx="1821653" cy="369332"/>
+            <a:off x="7715448" y="5396375"/>
+            <a:ext cx="1887055" cy="369332"/>
           </a:xfrm>
           <a:prstGeom prst="rect">
             <a:avLst/>
@@ -7182,10 +9203,14 @@
           <a:lstStyle/>
           <a:p>
             <a:r>
-              <a:rPr lang="ro-RO" dirty="0"/>
+              <a:rPr lang="ro-RO" dirty="0">
+                <a:latin typeface="Bahnschrift" panose="020B0502040204020203" pitchFamily="34" charset="0"/>
+              </a:rPr>
               <a:t>Informații circuit</a:t>
             </a:r>
-            <a:endParaRPr lang="en-US" dirty="0"/>
+            <a:endParaRPr lang="en-US" dirty="0">
+              <a:latin typeface="Bahnschrift" panose="020B0502040204020203" pitchFamily="34" charset="0"/>
+            </a:endParaRPr>
           </a:p>
         </p:txBody>
       </p:sp>
@@ -7207,8 +9232,8 @@
         </p:nvCxnSpPr>
         <p:spPr>
           <a:xfrm>
-            <a:off x="6750090" y="4220126"/>
-            <a:ext cx="697606" cy="0"/>
+            <a:off x="7011474" y="5581041"/>
+            <a:ext cx="703974" cy="0"/>
           </a:xfrm>
           <a:prstGeom prst="straightConnector1">
             <a:avLst/>
@@ -7249,8 +9274,8 @@
         </p:nvSpPr>
         <p:spPr>
           <a:xfrm>
-            <a:off x="10026458" y="4035460"/>
-            <a:ext cx="1891223" cy="369332"/>
+            <a:off x="10026458" y="5402379"/>
+            <a:ext cx="1928733" cy="369332"/>
           </a:xfrm>
           <a:prstGeom prst="rect">
             <a:avLst/>
@@ -7269,10 +9294,14 @@
           <a:lstStyle/>
           <a:p>
             <a:r>
-              <a:rPr lang="ro-RO" dirty="0"/>
+              <a:rPr lang="ro-RO" dirty="0">
+                <a:latin typeface="Bahnschrift" panose="020B0502040204020203" pitchFamily="34" charset="0"/>
+              </a:rPr>
               <a:t>Clasament cursă</a:t>
             </a:r>
-            <a:endParaRPr lang="en-US" dirty="0"/>
+            <a:endParaRPr lang="en-US" dirty="0">
+              <a:latin typeface="Bahnschrift" panose="020B0502040204020203" pitchFamily="34" charset="0"/>
+            </a:endParaRPr>
           </a:p>
         </p:txBody>
       </p:sp>
@@ -7294,8 +9323,8 @@
         </p:nvCxnSpPr>
         <p:spPr>
           <a:xfrm>
-            <a:off x="9269349" y="4220126"/>
-            <a:ext cx="757109" cy="0"/>
+            <a:off x="9602503" y="5581041"/>
+            <a:ext cx="423955" cy="6004"/>
           </a:xfrm>
           <a:prstGeom prst="straightConnector1">
             <a:avLst/>
@@ -7322,6 +9351,78 @@
           </a:fontRef>
         </p:style>
       </p:cxnSp>
+      <p:pic>
+        <p:nvPicPr>
+          <p:cNvPr id="26" name="Picture 25" descr="A screenshot of a cell phone&#10;&#10;Description automatically generated">
+            <a:extLst>
+              <a:ext uri="{FF2B5EF4-FFF2-40B4-BE49-F238E27FC236}">
+                <a16:creationId xmlns:a16="http://schemas.microsoft.com/office/drawing/2014/main" id="{06B9244C-A4B4-DAB4-B6D1-55A9101C76A4}"/>
+              </a:ext>
+            </a:extLst>
+          </p:cNvPr>
+          <p:cNvPicPr>
+            <a:picLocks noChangeAspect="1"/>
+          </p:cNvPicPr>
+          <p:nvPr/>
+        </p:nvPicPr>
+        <p:blipFill>
+          <a:blip r:embed="rId4">
+            <a:extLst>
+              <a:ext uri="{28A0092B-C50C-407E-A947-70E740481C1C}">
+                <a14:useLocalDpi xmlns:a14="http://schemas.microsoft.com/office/drawing/2010/main" val="0"/>
+              </a:ext>
+            </a:extLst>
+          </a:blip>
+          <a:stretch>
+            <a:fillRect/>
+          </a:stretch>
+        </p:blipFill>
+        <p:spPr>
+          <a:xfrm>
+            <a:off x="5983842" y="2520517"/>
+            <a:ext cx="1027632" cy="2169681"/>
+          </a:xfrm>
+          <a:prstGeom prst="rect">
+            <a:avLst/>
+          </a:prstGeom>
+        </p:spPr>
+      </p:pic>
+      <p:pic>
+        <p:nvPicPr>
+          <p:cNvPr id="38" name="Picture 37" descr="A blue and black list with black text&#10;&#10;Description automatically generated">
+            <a:extLst>
+              <a:ext uri="{FF2B5EF4-FFF2-40B4-BE49-F238E27FC236}">
+                <a16:creationId xmlns:a16="http://schemas.microsoft.com/office/drawing/2014/main" id="{DCE58EB9-B660-B983-53B6-7A33FB2C1E83}"/>
+              </a:ext>
+            </a:extLst>
+          </p:cNvPr>
+          <p:cNvPicPr>
+            <a:picLocks noChangeAspect="1"/>
+          </p:cNvPicPr>
+          <p:nvPr/>
+        </p:nvPicPr>
+        <p:blipFill>
+          <a:blip r:embed="rId5">
+            <a:extLst>
+              <a:ext uri="{28A0092B-C50C-407E-A947-70E740481C1C}">
+                <a14:useLocalDpi xmlns:a14="http://schemas.microsoft.com/office/drawing/2010/main" val="0"/>
+              </a:ext>
+            </a:extLst>
+          </a:blip>
+          <a:stretch>
+            <a:fillRect/>
+          </a:stretch>
+        </p:blipFill>
+        <p:spPr>
+          <a:xfrm>
+            <a:off x="9892995" y="2495835"/>
+            <a:ext cx="1026423" cy="2167128"/>
+          </a:xfrm>
+          <a:prstGeom prst="rect">
+            <a:avLst/>
+          </a:prstGeom>
+        </p:spPr>
+      </p:pic>
     </p:spTree>
     <p:extLst>
       <p:ext uri="{BB962C8B-B14F-4D97-AF65-F5344CB8AC3E}">
@@ -7332,6 +9433,298 @@
   <p:clrMapOvr>
     <a:masterClrMapping/>
   </p:clrMapOvr>
+  <mc:AlternateContent xmlns:mc="http://schemas.openxmlformats.org/markup-compatibility/2006">
+    <mc:Choice xmlns:p14="http://schemas.microsoft.com/office/powerpoint/2010/main" Requires="p14">
+      <p:transition spd="slow" p14:dur="800">
+        <p14:flythrough/>
+      </p:transition>
+    </mc:Choice>
+    <mc:Fallback>
+      <p:transition spd="slow">
+        <p:fade/>
+      </p:transition>
+    </mc:Fallback>
+  </mc:AlternateContent>
+  <p:timing>
+    <p:tnLst>
+      <p:par>
+        <p:cTn id="1" dur="indefinite" restart="never" nodeType="tmRoot">
+          <p:childTnLst>
+            <p:seq concurrent="1" nextAc="seek">
+              <p:cTn id="2" dur="indefinite" nodeType="mainSeq">
+                <p:childTnLst>
+                  <p:par>
+                    <p:cTn id="3" fill="hold">
+                      <p:stCondLst>
+                        <p:cond delay="indefinite"/>
+                      </p:stCondLst>
+                      <p:childTnLst>
+                        <p:par>
+                          <p:cTn id="4" fill="hold">
+                            <p:stCondLst>
+                              <p:cond delay="0"/>
+                            </p:stCondLst>
+                            <p:childTnLst>
+                              <p:par>
+                                <p:cTn id="5" presetID="10" presetClass="entr" presetSubtype="0" fill="hold" nodeType="clickEffect">
+                                  <p:stCondLst>
+                                    <p:cond delay="0"/>
+                                  </p:stCondLst>
+                                  <p:childTnLst>
+                                    <p:set>
+                                      <p:cBhvr>
+                                        <p:cTn id="6" dur="1" fill="hold">
+                                          <p:stCondLst>
+                                            <p:cond delay="0"/>
+                                          </p:stCondLst>
+                                        </p:cTn>
+                                        <p:tgtEl>
+                                          <p:spTgt spid="36"/>
+                                        </p:tgtEl>
+                                        <p:attrNameLst>
+                                          <p:attrName>style.visibility</p:attrName>
+                                        </p:attrNameLst>
+                                      </p:cBhvr>
+                                      <p:to>
+                                        <p:strVal val="visible"/>
+                                      </p:to>
+                                    </p:set>
+                                    <p:animEffect transition="in" filter="fade">
+                                      <p:cBhvr>
+                                        <p:cTn id="7" dur="500"/>
+                                        <p:tgtEl>
+                                          <p:spTgt spid="36"/>
+                                        </p:tgtEl>
+                                      </p:cBhvr>
+                                    </p:animEffect>
+                                  </p:childTnLst>
+                                </p:cTn>
+                              </p:par>
+                              <p:par>
+                                <p:cTn id="8" presetID="10" presetClass="entr" presetSubtype="0" fill="hold" grpId="0" nodeType="withEffect">
+                                  <p:stCondLst>
+                                    <p:cond delay="0"/>
+                                  </p:stCondLst>
+                                  <p:childTnLst>
+                                    <p:set>
+                                      <p:cBhvr>
+                                        <p:cTn id="9" dur="1" fill="hold">
+                                          <p:stCondLst>
+                                            <p:cond delay="0"/>
+                                          </p:stCondLst>
+                                        </p:cTn>
+                                        <p:tgtEl>
+                                          <p:spTgt spid="28"/>
+                                        </p:tgtEl>
+                                        <p:attrNameLst>
+                                          <p:attrName>style.visibility</p:attrName>
+                                        </p:attrNameLst>
+                                      </p:cBhvr>
+                                      <p:to>
+                                        <p:strVal val="visible"/>
+                                      </p:to>
+                                    </p:set>
+                                    <p:animEffect transition="in" filter="fade">
+                                      <p:cBhvr>
+                                        <p:cTn id="10" dur="500"/>
+                                        <p:tgtEl>
+                                          <p:spTgt spid="28"/>
+                                        </p:tgtEl>
+                                      </p:cBhvr>
+                                    </p:animEffect>
+                                  </p:childTnLst>
+                                </p:cTn>
+                              </p:par>
+                              <p:par>
+                                <p:cTn id="11" presetID="10" presetClass="entr" presetSubtype="0" fill="hold" nodeType="withEffect">
+                                  <p:stCondLst>
+                                    <p:cond delay="0"/>
+                                  </p:stCondLst>
+                                  <p:childTnLst>
+                                    <p:set>
+                                      <p:cBhvr>
+                                        <p:cTn id="12" dur="1" fill="hold">
+                                          <p:stCondLst>
+                                            <p:cond delay="0"/>
+                                          </p:stCondLst>
+                                        </p:cTn>
+                                        <p:tgtEl>
+                                          <p:spTgt spid="26"/>
+                                        </p:tgtEl>
+                                        <p:attrNameLst>
+                                          <p:attrName>style.visibility</p:attrName>
+                                        </p:attrNameLst>
+                                      </p:cBhvr>
+                                      <p:to>
+                                        <p:strVal val="visible"/>
+                                      </p:to>
+                                    </p:set>
+                                    <p:animEffect transition="in" filter="fade">
+                                      <p:cBhvr>
+                                        <p:cTn id="13" dur="500"/>
+                                        <p:tgtEl>
+                                          <p:spTgt spid="26"/>
+                                        </p:tgtEl>
+                                      </p:cBhvr>
+                                    </p:animEffect>
+                                  </p:childTnLst>
+                                </p:cTn>
+                              </p:par>
+                            </p:childTnLst>
+                          </p:cTn>
+                        </p:par>
+                      </p:childTnLst>
+                    </p:cTn>
+                  </p:par>
+                  <p:par>
+                    <p:cTn id="14" fill="hold">
+                      <p:stCondLst>
+                        <p:cond delay="indefinite"/>
+                      </p:stCondLst>
+                      <p:childTnLst>
+                        <p:par>
+                          <p:cTn id="15" fill="hold">
+                            <p:stCondLst>
+                              <p:cond delay="0"/>
+                            </p:stCondLst>
+                            <p:childTnLst>
+                              <p:par>
+                                <p:cTn id="16" presetID="10" presetClass="entr" presetSubtype="0" fill="hold" nodeType="clickEffect">
+                                  <p:stCondLst>
+                                    <p:cond delay="0"/>
+                                  </p:stCondLst>
+                                  <p:childTnLst>
+                                    <p:set>
+                                      <p:cBhvr>
+                                        <p:cTn id="17" dur="1" fill="hold">
+                                          <p:stCondLst>
+                                            <p:cond delay="0"/>
+                                          </p:stCondLst>
+                                        </p:cTn>
+                                        <p:tgtEl>
+                                          <p:spTgt spid="54"/>
+                                        </p:tgtEl>
+                                        <p:attrNameLst>
+                                          <p:attrName>style.visibility</p:attrName>
+                                        </p:attrNameLst>
+                                      </p:cBhvr>
+                                      <p:to>
+                                        <p:strVal val="visible"/>
+                                      </p:to>
+                                    </p:set>
+                                    <p:animEffect transition="in" filter="fade">
+                                      <p:cBhvr>
+                                        <p:cTn id="18" dur="500"/>
+                                        <p:tgtEl>
+                                          <p:spTgt spid="54"/>
+                                        </p:tgtEl>
+                                      </p:cBhvr>
+                                    </p:animEffect>
+                                  </p:childTnLst>
+                                </p:cTn>
+                              </p:par>
+                              <p:par>
+                                <p:cTn id="19" presetID="10" presetClass="entr" presetSubtype="0" fill="hold" grpId="0" nodeType="withEffect">
+                                  <p:stCondLst>
+                                    <p:cond delay="0"/>
+                                  </p:stCondLst>
+                                  <p:childTnLst>
+                                    <p:set>
+                                      <p:cBhvr>
+                                        <p:cTn id="20" dur="1" fill="hold">
+                                          <p:stCondLst>
+                                            <p:cond delay="0"/>
+                                          </p:stCondLst>
+                                        </p:cTn>
+                                        <p:tgtEl>
+                                          <p:spTgt spid="53"/>
+                                        </p:tgtEl>
+                                        <p:attrNameLst>
+                                          <p:attrName>style.visibility</p:attrName>
+                                        </p:attrNameLst>
+                                      </p:cBhvr>
+                                      <p:to>
+                                        <p:strVal val="visible"/>
+                                      </p:to>
+                                    </p:set>
+                                    <p:animEffect transition="in" filter="fade">
+                                      <p:cBhvr>
+                                        <p:cTn id="21" dur="500"/>
+                                        <p:tgtEl>
+                                          <p:spTgt spid="53"/>
+                                        </p:tgtEl>
+                                      </p:cBhvr>
+                                    </p:animEffect>
+                                  </p:childTnLst>
+                                </p:cTn>
+                              </p:par>
+                              <p:par>
+                                <p:cTn id="22" presetID="10" presetClass="entr" presetSubtype="0" fill="hold" nodeType="withEffect">
+                                  <p:stCondLst>
+                                    <p:cond delay="0"/>
+                                  </p:stCondLst>
+                                  <p:childTnLst>
+                                    <p:set>
+                                      <p:cBhvr>
+                                        <p:cTn id="23" dur="1" fill="hold">
+                                          <p:stCondLst>
+                                            <p:cond delay="0"/>
+                                          </p:stCondLst>
+                                        </p:cTn>
+                                        <p:tgtEl>
+                                          <p:spTgt spid="38"/>
+                                        </p:tgtEl>
+                                        <p:attrNameLst>
+                                          <p:attrName>style.visibility</p:attrName>
+                                        </p:attrNameLst>
+                                      </p:cBhvr>
+                                      <p:to>
+                                        <p:strVal val="visible"/>
+                                      </p:to>
+                                    </p:set>
+                                    <p:animEffect transition="in" filter="fade">
+                                      <p:cBhvr>
+                                        <p:cTn id="24" dur="500"/>
+                                        <p:tgtEl>
+                                          <p:spTgt spid="38"/>
+                                        </p:tgtEl>
+                                      </p:cBhvr>
+                                    </p:animEffect>
+                                  </p:childTnLst>
+                                </p:cTn>
+                              </p:par>
+                            </p:childTnLst>
+                          </p:cTn>
+                        </p:par>
+                      </p:childTnLst>
+                    </p:cTn>
+                  </p:par>
+                </p:childTnLst>
+              </p:cTn>
+              <p:prevCondLst>
+                <p:cond evt="onPrev" delay="0">
+                  <p:tgtEl>
+                    <p:sldTgt/>
+                  </p:tgtEl>
+                </p:cond>
+              </p:prevCondLst>
+              <p:nextCondLst>
+                <p:cond evt="onNext" delay="0">
+                  <p:tgtEl>
+                    <p:sldTgt/>
+                  </p:tgtEl>
+                </p:cond>
+              </p:nextCondLst>
+            </p:seq>
+          </p:childTnLst>
+        </p:cTn>
+      </p:par>
+    </p:tnLst>
+    <p:bldLst>
+      <p:bldP spid="28" grpId="0" animBg="1"/>
+      <p:bldP spid="53" grpId="0" animBg="1"/>
+    </p:bldLst>
+  </p:timing>
 </p:sld>
 </file>
 
@@ -7375,78 +9768,14 @@
           <a:p>
             <a:pPr algn="ctr"/>
             <a:r>
-              <a:rPr lang="ro-RO" dirty="0"/>
+              <a:rPr lang="ro-RO" dirty="0">
+                <a:latin typeface="Bahnschrift" panose="020B0502040204020203" pitchFamily="34" charset="0"/>
+              </a:rPr>
               <a:t>Formatul mailului</a:t>
             </a:r>
-            <a:endParaRPr lang="en-US" dirty="0"/>
-          </a:p>
-        </p:txBody>
-      </p:sp>
-      <p:sp>
-        <p:nvSpPr>
-          <p:cNvPr id="3" name="Content Placeholder 2">
-            <a:extLst>
-              <a:ext uri="{FF2B5EF4-FFF2-40B4-BE49-F238E27FC236}">
-                <a16:creationId xmlns:a16="http://schemas.microsoft.com/office/drawing/2014/main" id="{5B20770A-05DD-5619-2C32-C6F598F449C2}"/>
-              </a:ext>
-            </a:extLst>
-          </p:cNvPr>
-          <p:cNvSpPr>
-            <a:spLocks noGrp="1"/>
-          </p:cNvSpPr>
-          <p:nvPr>
-            <p:ph idx="1"/>
-          </p:nvPr>
-        </p:nvSpPr>
-        <p:spPr/>
-        <p:txBody>
-          <a:bodyPr/>
-          <a:lstStyle/>
-          <a:p>
-            <a:pPr marL="0" indent="0">
-              <a:buNone/>
-            </a:pPr>
-            <a:r>
-              <a:rPr lang="ro-RO" dirty="0"/>
-              <a:t>Subiect</a:t>
-            </a:r>
-            <a:r>
-              <a:rPr lang="en-US" dirty="0"/>
-              <a:t>: </a:t>
-            </a:r>
-            <a:r>
-              <a:rPr lang="en-US" dirty="0" err="1"/>
-              <a:t>numele</a:t>
-            </a:r>
-            <a:r>
-              <a:rPr lang="en-US" dirty="0"/>
-              <a:t> </a:t>
-            </a:r>
-            <a:r>
-              <a:rPr lang="en-US" dirty="0" err="1"/>
-              <a:t>cursei</a:t>
-            </a:r>
-            <a:r>
-              <a:rPr lang="en-US" dirty="0"/>
-              <a:t> + R</a:t>
-            </a:r>
-            <a:r>
-              <a:rPr lang="ro-RO" dirty="0"/>
-              <a:t>esults</a:t>
-            </a:r>
-          </a:p>
-          <a:p>
-            <a:pPr marL="0" indent="0">
-              <a:buNone/>
-            </a:pPr>
-            <a:r>
-              <a:rPr lang="en-US" dirty="0" err="1"/>
-              <a:t>Corpul</a:t>
-            </a:r>
-            <a:r>
-              <a:rPr lang="en-US" dirty="0"/>
-              <a:t>:</a:t>
-            </a:r>
+            <a:endParaRPr lang="en-US" dirty="0">
+              <a:latin typeface="Bahnschrift" panose="020B0502040204020203" pitchFamily="34" charset="0"/>
+            </a:endParaRPr>
           </a:p>
         </p:txBody>
       </p:sp>
@@ -7501,7 +9830,7 @@
         </p:blipFill>
         <p:spPr>
           <a:xfrm>
-            <a:off x="6299229" y="1890689"/>
+            <a:off x="5364534" y="1972463"/>
             <a:ext cx="1571844" cy="333422"/>
           </a:xfrm>
           <a:prstGeom prst="rect">
@@ -7743,6 +10072,131 @@
           </a:prstGeom>
         </p:spPr>
       </p:pic>
+      <p:sp>
+        <p:nvSpPr>
+          <p:cNvPr id="9" name="TextBox 8">
+            <a:extLst>
+              <a:ext uri="{FF2B5EF4-FFF2-40B4-BE49-F238E27FC236}">
+                <a16:creationId xmlns:a16="http://schemas.microsoft.com/office/drawing/2014/main" id="{3DC6455E-F131-42F9-37E4-7D5334B414E5}"/>
+              </a:ext>
+            </a:extLst>
+          </p:cNvPr>
+          <p:cNvSpPr txBox="1"/>
+          <p:nvPr/>
+        </p:nvSpPr>
+        <p:spPr>
+          <a:xfrm>
+            <a:off x="838200" y="1890689"/>
+            <a:ext cx="4026408" cy="400110"/>
+          </a:xfrm>
+          <a:prstGeom prst="rect">
+            <a:avLst/>
+          </a:prstGeom>
+          <a:noFill/>
+        </p:spPr>
+        <p:txBody>
+          <a:bodyPr wrap="square" rtlCol="0">
+            <a:spAutoFit/>
+          </a:bodyPr>
+          <a:lstStyle/>
+          <a:p>
+            <a:r>
+              <a:rPr lang="ro-RO" sz="2000" dirty="0">
+                <a:latin typeface="Bahnschrift" panose="020B0502040204020203" pitchFamily="34" charset="0"/>
+              </a:rPr>
+              <a:t>Subiect</a:t>
+            </a:r>
+            <a:r>
+              <a:rPr lang="en-US" sz="2000" dirty="0">
+                <a:latin typeface="Bahnschrift" panose="020B0502040204020203" pitchFamily="34" charset="0"/>
+              </a:rPr>
+              <a:t>: </a:t>
+            </a:r>
+            <a:r>
+              <a:rPr lang="en-US" sz="2000" dirty="0" err="1">
+                <a:latin typeface="Bahnschrift" panose="020B0502040204020203" pitchFamily="34" charset="0"/>
+              </a:rPr>
+              <a:t>numele</a:t>
+            </a:r>
+            <a:r>
+              <a:rPr lang="en-US" sz="2000" dirty="0">
+                <a:latin typeface="Bahnschrift" panose="020B0502040204020203" pitchFamily="34" charset="0"/>
+              </a:rPr>
+              <a:t> </a:t>
+            </a:r>
+            <a:r>
+              <a:rPr lang="en-US" sz="2000" dirty="0" err="1">
+                <a:latin typeface="Bahnschrift" panose="020B0502040204020203" pitchFamily="34" charset="0"/>
+              </a:rPr>
+              <a:t>cursei</a:t>
+            </a:r>
+            <a:r>
+              <a:rPr lang="en-US" sz="2000" dirty="0">
+                <a:latin typeface="Bahnschrift" panose="020B0502040204020203" pitchFamily="34" charset="0"/>
+              </a:rPr>
+              <a:t> + R</a:t>
+            </a:r>
+            <a:r>
+              <a:rPr lang="ro-RO" sz="2000" dirty="0">
+                <a:latin typeface="Bahnschrift" panose="020B0502040204020203" pitchFamily="34" charset="0"/>
+              </a:rPr>
+              <a:t>esults</a:t>
+            </a:r>
+          </a:p>
+        </p:txBody>
+      </p:sp>
+      <p:sp>
+        <p:nvSpPr>
+          <p:cNvPr id="19" name="TextBox 18">
+            <a:extLst>
+              <a:ext uri="{FF2B5EF4-FFF2-40B4-BE49-F238E27FC236}">
+                <a16:creationId xmlns:a16="http://schemas.microsoft.com/office/drawing/2014/main" id="{4AA4BEEB-3542-B26C-D3D1-A3AE88C61C19}"/>
+              </a:ext>
+            </a:extLst>
+          </p:cNvPr>
+          <p:cNvSpPr txBox="1"/>
+          <p:nvPr/>
+        </p:nvSpPr>
+        <p:spPr>
+          <a:xfrm>
+            <a:off x="838200" y="2406663"/>
+            <a:ext cx="1930337" cy="400110"/>
+          </a:xfrm>
+          <a:prstGeom prst="rect">
+            <a:avLst/>
+          </a:prstGeom>
+          <a:noFill/>
+        </p:spPr>
+        <p:txBody>
+          <a:bodyPr wrap="none" rtlCol="0">
+            <a:spAutoFit/>
+          </a:bodyPr>
+          <a:lstStyle/>
+          <a:p>
+            <a:r>
+              <a:rPr lang="en-US" sz="2000" dirty="0" err="1">
+                <a:latin typeface="Bahnschrift" panose="020B0502040204020203" pitchFamily="34" charset="0"/>
+              </a:rPr>
+              <a:t>Corpul</a:t>
+            </a:r>
+            <a:r>
+              <a:rPr lang="en-US" sz="2000" dirty="0">
+                <a:latin typeface="Bahnschrift" panose="020B0502040204020203" pitchFamily="34" charset="0"/>
+              </a:rPr>
+              <a:t> </a:t>
+            </a:r>
+            <a:r>
+              <a:rPr lang="en-US" sz="2000" dirty="0" err="1">
+                <a:latin typeface="Bahnschrift" panose="020B0502040204020203" pitchFamily="34" charset="0"/>
+              </a:rPr>
+              <a:t>mailului</a:t>
+            </a:r>
+            <a:endParaRPr lang="en-US" sz="2000" dirty="0">
+              <a:latin typeface="Bahnschrift" panose="020B0502040204020203" pitchFamily="34" charset="0"/>
+            </a:endParaRPr>
+          </a:p>
+        </p:txBody>
+      </p:sp>
     </p:spTree>
     <p:extLst>
       <p:ext uri="{BB962C8B-B14F-4D97-AF65-F5344CB8AC3E}">
@@ -7753,6 +10207,442 @@
   <p:clrMapOvr>
     <a:masterClrMapping/>
   </p:clrMapOvr>
+  <mc:AlternateContent xmlns:mc="http://schemas.openxmlformats.org/markup-compatibility/2006">
+    <mc:Choice xmlns:p14="http://schemas.microsoft.com/office/powerpoint/2010/main" Requires="p14">
+      <p:transition spd="slow" p14:dur="800">
+        <p14:flythrough/>
+      </p:transition>
+    </mc:Choice>
+    <mc:Fallback>
+      <p:transition spd="slow">
+        <p:fade/>
+      </p:transition>
+    </mc:Fallback>
+  </mc:AlternateContent>
+  <p:timing>
+    <p:tnLst>
+      <p:par>
+        <p:cTn id="1" dur="indefinite" restart="never" nodeType="tmRoot">
+          <p:childTnLst>
+            <p:seq concurrent="1" nextAc="seek">
+              <p:cTn id="2" dur="indefinite" nodeType="mainSeq">
+                <p:childTnLst>
+                  <p:par>
+                    <p:cTn id="3" fill="hold">
+                      <p:stCondLst>
+                        <p:cond delay="indefinite"/>
+                      </p:stCondLst>
+                      <p:childTnLst>
+                        <p:par>
+                          <p:cTn id="4" fill="hold">
+                            <p:stCondLst>
+                              <p:cond delay="0"/>
+                            </p:stCondLst>
+                            <p:childTnLst>
+                              <p:par>
+                                <p:cTn id="5" presetID="10" presetClass="entr" presetSubtype="0" fill="hold" grpId="0" nodeType="clickEffect">
+                                  <p:stCondLst>
+                                    <p:cond delay="0"/>
+                                  </p:stCondLst>
+                                  <p:childTnLst>
+                                    <p:set>
+                                      <p:cBhvr>
+                                        <p:cTn id="6" dur="1" fill="hold">
+                                          <p:stCondLst>
+                                            <p:cond delay="0"/>
+                                          </p:stCondLst>
+                                        </p:cTn>
+                                        <p:tgtEl>
+                                          <p:spTgt spid="9"/>
+                                        </p:tgtEl>
+                                        <p:attrNameLst>
+                                          <p:attrName>style.visibility</p:attrName>
+                                        </p:attrNameLst>
+                                      </p:cBhvr>
+                                      <p:to>
+                                        <p:strVal val="visible"/>
+                                      </p:to>
+                                    </p:set>
+                                    <p:animEffect transition="in" filter="fade">
+                                      <p:cBhvr>
+                                        <p:cTn id="7" dur="500"/>
+                                        <p:tgtEl>
+                                          <p:spTgt spid="9"/>
+                                        </p:tgtEl>
+                                      </p:cBhvr>
+                                    </p:animEffect>
+                                  </p:childTnLst>
+                                </p:cTn>
+                              </p:par>
+                              <p:par>
+                                <p:cTn id="8" presetID="10" presetClass="entr" presetSubtype="0" fill="hold" nodeType="withEffect">
+                                  <p:stCondLst>
+                                    <p:cond delay="0"/>
+                                  </p:stCondLst>
+                                  <p:childTnLst>
+                                    <p:set>
+                                      <p:cBhvr>
+                                        <p:cTn id="9" dur="1" fill="hold">
+                                          <p:stCondLst>
+                                            <p:cond delay="0"/>
+                                          </p:stCondLst>
+                                        </p:cTn>
+                                        <p:tgtEl>
+                                          <p:spTgt spid="8"/>
+                                        </p:tgtEl>
+                                        <p:attrNameLst>
+                                          <p:attrName>style.visibility</p:attrName>
+                                        </p:attrNameLst>
+                                      </p:cBhvr>
+                                      <p:to>
+                                        <p:strVal val="visible"/>
+                                      </p:to>
+                                    </p:set>
+                                    <p:animEffect transition="in" filter="fade">
+                                      <p:cBhvr>
+                                        <p:cTn id="10" dur="500"/>
+                                        <p:tgtEl>
+                                          <p:spTgt spid="8"/>
+                                        </p:tgtEl>
+                                      </p:cBhvr>
+                                    </p:animEffect>
+                                  </p:childTnLst>
+                                </p:cTn>
+                              </p:par>
+                            </p:childTnLst>
+                          </p:cTn>
+                        </p:par>
+                      </p:childTnLst>
+                    </p:cTn>
+                  </p:par>
+                  <p:par>
+                    <p:cTn id="11" fill="hold">
+                      <p:stCondLst>
+                        <p:cond delay="indefinite"/>
+                      </p:stCondLst>
+                      <p:childTnLst>
+                        <p:par>
+                          <p:cTn id="12" fill="hold">
+                            <p:stCondLst>
+                              <p:cond delay="0"/>
+                            </p:stCondLst>
+                            <p:childTnLst>
+                              <p:par>
+                                <p:cTn id="13" presetID="10" presetClass="entr" presetSubtype="0" fill="hold" grpId="0" nodeType="clickEffect">
+                                  <p:stCondLst>
+                                    <p:cond delay="0"/>
+                                  </p:stCondLst>
+                                  <p:childTnLst>
+                                    <p:set>
+                                      <p:cBhvr>
+                                        <p:cTn id="14" dur="1" fill="hold">
+                                          <p:stCondLst>
+                                            <p:cond delay="0"/>
+                                          </p:stCondLst>
+                                        </p:cTn>
+                                        <p:tgtEl>
+                                          <p:spTgt spid="19"/>
+                                        </p:tgtEl>
+                                        <p:attrNameLst>
+                                          <p:attrName>style.visibility</p:attrName>
+                                        </p:attrNameLst>
+                                      </p:cBhvr>
+                                      <p:to>
+                                        <p:strVal val="visible"/>
+                                      </p:to>
+                                    </p:set>
+                                    <p:animEffect transition="in" filter="fade">
+                                      <p:cBhvr>
+                                        <p:cTn id="15" dur="500"/>
+                                        <p:tgtEl>
+                                          <p:spTgt spid="19"/>
+                                        </p:tgtEl>
+                                      </p:cBhvr>
+                                    </p:animEffect>
+                                  </p:childTnLst>
+                                </p:cTn>
+                              </p:par>
+                              <p:par>
+                                <p:cTn id="16" presetID="10" presetClass="entr" presetSubtype="0" fill="hold" nodeType="withEffect">
+                                  <p:stCondLst>
+                                    <p:cond delay="0"/>
+                                  </p:stCondLst>
+                                  <p:childTnLst>
+                                    <p:set>
+                                      <p:cBhvr>
+                                        <p:cTn id="17" dur="1" fill="hold">
+                                          <p:stCondLst>
+                                            <p:cond delay="0"/>
+                                          </p:stCondLst>
+                                        </p:cTn>
+                                        <p:tgtEl>
+                                          <p:spTgt spid="10"/>
+                                        </p:tgtEl>
+                                        <p:attrNameLst>
+                                          <p:attrName>style.visibility</p:attrName>
+                                        </p:attrNameLst>
+                                      </p:cBhvr>
+                                      <p:to>
+                                        <p:strVal val="visible"/>
+                                      </p:to>
+                                    </p:set>
+                                    <p:animEffect transition="in" filter="fade">
+                                      <p:cBhvr>
+                                        <p:cTn id="18" dur="500"/>
+                                        <p:tgtEl>
+                                          <p:spTgt spid="10"/>
+                                        </p:tgtEl>
+                                      </p:cBhvr>
+                                    </p:animEffect>
+                                  </p:childTnLst>
+                                </p:cTn>
+                              </p:par>
+                              <p:par>
+                                <p:cTn id="19" presetID="10" presetClass="entr" presetSubtype="0" fill="hold" grpId="0" nodeType="withEffect">
+                                  <p:stCondLst>
+                                    <p:cond delay="0"/>
+                                  </p:stCondLst>
+                                  <p:childTnLst>
+                                    <p:set>
+                                      <p:cBhvr>
+                                        <p:cTn id="20" dur="1" fill="hold">
+                                          <p:stCondLst>
+                                            <p:cond delay="0"/>
+                                          </p:stCondLst>
+                                        </p:cTn>
+                                        <p:tgtEl>
+                                          <p:spTgt spid="11"/>
+                                        </p:tgtEl>
+                                        <p:attrNameLst>
+                                          <p:attrName>style.visibility</p:attrName>
+                                        </p:attrNameLst>
+                                      </p:cBhvr>
+                                      <p:to>
+                                        <p:strVal val="visible"/>
+                                      </p:to>
+                                    </p:set>
+                                    <p:animEffect transition="in" filter="fade">
+                                      <p:cBhvr>
+                                        <p:cTn id="21" dur="500"/>
+                                        <p:tgtEl>
+                                          <p:spTgt spid="11"/>
+                                        </p:tgtEl>
+                                      </p:cBhvr>
+                                    </p:animEffect>
+                                  </p:childTnLst>
+                                </p:cTn>
+                              </p:par>
+                            </p:childTnLst>
+                          </p:cTn>
+                        </p:par>
+                      </p:childTnLst>
+                    </p:cTn>
+                  </p:par>
+                  <p:par>
+                    <p:cTn id="22" fill="hold">
+                      <p:stCondLst>
+                        <p:cond delay="indefinite"/>
+                      </p:stCondLst>
+                      <p:childTnLst>
+                        <p:par>
+                          <p:cTn id="23" fill="hold">
+                            <p:stCondLst>
+                              <p:cond delay="0"/>
+                            </p:stCondLst>
+                            <p:childTnLst>
+                              <p:par>
+                                <p:cTn id="24" presetID="10" presetClass="entr" presetSubtype="0" fill="hold" nodeType="clickEffect">
+                                  <p:stCondLst>
+                                    <p:cond delay="0"/>
+                                  </p:stCondLst>
+                                  <p:childTnLst>
+                                    <p:set>
+                                      <p:cBhvr>
+                                        <p:cTn id="25" dur="1" fill="hold">
+                                          <p:stCondLst>
+                                            <p:cond delay="0"/>
+                                          </p:stCondLst>
+                                        </p:cTn>
+                                        <p:tgtEl>
+                                          <p:spTgt spid="13"/>
+                                        </p:tgtEl>
+                                        <p:attrNameLst>
+                                          <p:attrName>style.visibility</p:attrName>
+                                        </p:attrNameLst>
+                                      </p:cBhvr>
+                                      <p:to>
+                                        <p:strVal val="visible"/>
+                                      </p:to>
+                                    </p:set>
+                                    <p:animEffect transition="in" filter="fade">
+                                      <p:cBhvr>
+                                        <p:cTn id="26" dur="500"/>
+                                        <p:tgtEl>
+                                          <p:spTgt spid="13"/>
+                                        </p:tgtEl>
+                                      </p:cBhvr>
+                                    </p:animEffect>
+                                  </p:childTnLst>
+                                </p:cTn>
+                              </p:par>
+                              <p:par>
+                                <p:cTn id="27" presetID="10" presetClass="entr" presetSubtype="0" fill="hold" grpId="0" nodeType="withEffect">
+                                  <p:stCondLst>
+                                    <p:cond delay="0"/>
+                                  </p:stCondLst>
+                                  <p:childTnLst>
+                                    <p:set>
+                                      <p:cBhvr>
+                                        <p:cTn id="28" dur="1" fill="hold">
+                                          <p:stCondLst>
+                                            <p:cond delay="0"/>
+                                          </p:stCondLst>
+                                        </p:cTn>
+                                        <p:tgtEl>
+                                          <p:spTgt spid="14"/>
+                                        </p:tgtEl>
+                                        <p:attrNameLst>
+                                          <p:attrName>style.visibility</p:attrName>
+                                        </p:attrNameLst>
+                                      </p:cBhvr>
+                                      <p:to>
+                                        <p:strVal val="visible"/>
+                                      </p:to>
+                                    </p:set>
+                                    <p:animEffect transition="in" filter="fade">
+                                      <p:cBhvr>
+                                        <p:cTn id="29" dur="500"/>
+                                        <p:tgtEl>
+                                          <p:spTgt spid="14"/>
+                                        </p:tgtEl>
+                                      </p:cBhvr>
+                                    </p:animEffect>
+                                  </p:childTnLst>
+                                </p:cTn>
+                              </p:par>
+                            </p:childTnLst>
+                          </p:cTn>
+                        </p:par>
+                      </p:childTnLst>
+                    </p:cTn>
+                  </p:par>
+                  <p:par>
+                    <p:cTn id="30" fill="hold">
+                      <p:stCondLst>
+                        <p:cond delay="indefinite"/>
+                      </p:stCondLst>
+                      <p:childTnLst>
+                        <p:par>
+                          <p:cTn id="31" fill="hold">
+                            <p:stCondLst>
+                              <p:cond delay="0"/>
+                            </p:stCondLst>
+                            <p:childTnLst>
+                              <p:par>
+                                <p:cTn id="32" presetID="10" presetClass="entr" presetSubtype="0" fill="hold" nodeType="clickEffect">
+                                  <p:stCondLst>
+                                    <p:cond delay="0"/>
+                                  </p:stCondLst>
+                                  <p:childTnLst>
+                                    <p:set>
+                                      <p:cBhvr>
+                                        <p:cTn id="33" dur="1" fill="hold">
+                                          <p:stCondLst>
+                                            <p:cond delay="0"/>
+                                          </p:stCondLst>
+                                        </p:cTn>
+                                        <p:tgtEl>
+                                          <p:spTgt spid="16"/>
+                                        </p:tgtEl>
+                                        <p:attrNameLst>
+                                          <p:attrName>style.visibility</p:attrName>
+                                        </p:attrNameLst>
+                                      </p:cBhvr>
+                                      <p:to>
+                                        <p:strVal val="visible"/>
+                                      </p:to>
+                                    </p:set>
+                                    <p:animEffect transition="in" filter="fade">
+                                      <p:cBhvr>
+                                        <p:cTn id="34" dur="500"/>
+                                        <p:tgtEl>
+                                          <p:spTgt spid="16"/>
+                                        </p:tgtEl>
+                                      </p:cBhvr>
+                                    </p:animEffect>
+                                  </p:childTnLst>
+                                </p:cTn>
+                              </p:par>
+                              <p:par>
+                                <p:cTn id="35" presetID="10" presetClass="entr" presetSubtype="0" fill="hold" grpId="0" nodeType="withEffect">
+                                  <p:stCondLst>
+                                    <p:cond delay="0"/>
+                                  </p:stCondLst>
+                                  <p:childTnLst>
+                                    <p:set>
+                                      <p:cBhvr>
+                                        <p:cTn id="36" dur="1" fill="hold">
+                                          <p:stCondLst>
+                                            <p:cond delay="0"/>
+                                          </p:stCondLst>
+                                        </p:cTn>
+                                        <p:tgtEl>
+                                          <p:spTgt spid="17"/>
+                                        </p:tgtEl>
+                                        <p:attrNameLst>
+                                          <p:attrName>style.visibility</p:attrName>
+                                        </p:attrNameLst>
+                                      </p:cBhvr>
+                                      <p:to>
+                                        <p:strVal val="visible"/>
+                                      </p:to>
+                                    </p:set>
+                                    <p:animEffect transition="in" filter="fade">
+                                      <p:cBhvr>
+                                        <p:cTn id="37" dur="500"/>
+                                        <p:tgtEl>
+                                          <p:spTgt spid="17"/>
+                                        </p:tgtEl>
+                                      </p:cBhvr>
+                                    </p:animEffect>
+                                  </p:childTnLst>
+                                </p:cTn>
+                              </p:par>
+                            </p:childTnLst>
+                          </p:cTn>
+                        </p:par>
+                      </p:childTnLst>
+                    </p:cTn>
+                  </p:par>
+                </p:childTnLst>
+              </p:cTn>
+              <p:prevCondLst>
+                <p:cond evt="onPrev" delay="0">
+                  <p:tgtEl>
+                    <p:sldTgt/>
+                  </p:tgtEl>
+                </p:cond>
+              </p:prevCondLst>
+              <p:nextCondLst>
+                <p:cond evt="onNext" delay="0">
+                  <p:tgtEl>
+                    <p:sldTgt/>
+                  </p:tgtEl>
+                </p:cond>
+              </p:nextCondLst>
+            </p:seq>
+          </p:childTnLst>
+        </p:cTn>
+      </p:par>
+    </p:tnLst>
+    <p:bldLst>
+      <p:bldP spid="11" grpId="0"/>
+      <p:bldP spid="14" grpId="0"/>
+      <p:bldP spid="17" grpId="0"/>
+      <p:bldP spid="9" grpId="0"/>
+      <p:bldP spid="19" grpId="0"/>
+    </p:bldLst>
+  </p:timing>
 </p:sld>
 </file>
 
@@ -7796,10 +10686,14 @@
           <a:p>
             <a:pPr algn="ctr"/>
             <a:r>
-              <a:rPr lang="ro-RO" dirty="0"/>
+              <a:rPr lang="ro-RO" dirty="0">
+                <a:latin typeface="Bahnschrift" panose="020B0502040204020203" pitchFamily="34" charset="0"/>
+              </a:rPr>
               <a:t>Baza de date</a:t>
             </a:r>
-            <a:endParaRPr lang="en-US" dirty="0"/>
+            <a:endParaRPr lang="en-US" dirty="0">
+              <a:latin typeface="Bahnschrift" panose="020B0502040204020203" pitchFamily="34" charset="0"/>
+            </a:endParaRPr>
           </a:p>
         </p:txBody>
       </p:sp>
@@ -8890,6 +11784,905 @@
   <p:clrMapOvr>
     <a:masterClrMapping/>
   </p:clrMapOvr>
+  <mc:AlternateContent xmlns:mc="http://schemas.openxmlformats.org/markup-compatibility/2006">
+    <mc:Choice xmlns:p14="http://schemas.microsoft.com/office/powerpoint/2010/main" Requires="p14">
+      <p:transition spd="slow" p14:dur="800">
+        <p14:flythrough/>
+      </p:transition>
+    </mc:Choice>
+    <mc:Fallback>
+      <p:transition spd="slow">
+        <p:fade/>
+      </p:transition>
+    </mc:Fallback>
+  </mc:AlternateContent>
+  <p:timing>
+    <p:tnLst>
+      <p:par>
+        <p:cTn id="1" dur="indefinite" restart="never" nodeType="tmRoot">
+          <p:childTnLst>
+            <p:seq concurrent="1" nextAc="seek">
+              <p:cTn id="2" dur="indefinite" nodeType="mainSeq">
+                <p:childTnLst>
+                  <p:par>
+                    <p:cTn id="3" fill="hold">
+                      <p:stCondLst>
+                        <p:cond delay="indefinite"/>
+                      </p:stCondLst>
+                      <p:childTnLst>
+                        <p:par>
+                          <p:cTn id="4" fill="hold">
+                            <p:stCondLst>
+                              <p:cond delay="0"/>
+                            </p:stCondLst>
+                            <p:childTnLst>
+                              <p:par>
+                                <p:cTn id="5" presetID="10" presetClass="entr" presetSubtype="0" fill="hold" grpId="0" nodeType="clickEffect">
+                                  <p:stCondLst>
+                                    <p:cond delay="0"/>
+                                  </p:stCondLst>
+                                  <p:childTnLst>
+                                    <p:set>
+                                      <p:cBhvr>
+                                        <p:cTn id="6" dur="1" fill="hold">
+                                          <p:stCondLst>
+                                            <p:cond delay="0"/>
+                                          </p:stCondLst>
+                                        </p:cTn>
+                                        <p:tgtEl>
+                                          <p:spTgt spid="8"/>
+                                        </p:tgtEl>
+                                        <p:attrNameLst>
+                                          <p:attrName>style.visibility</p:attrName>
+                                        </p:attrNameLst>
+                                      </p:cBhvr>
+                                      <p:to>
+                                        <p:strVal val="visible"/>
+                                      </p:to>
+                                    </p:set>
+                                    <p:animEffect transition="in" filter="fade">
+                                      <p:cBhvr>
+                                        <p:cTn id="7" dur="500"/>
+                                        <p:tgtEl>
+                                          <p:spTgt spid="8"/>
+                                        </p:tgtEl>
+                                      </p:cBhvr>
+                                    </p:animEffect>
+                                  </p:childTnLst>
+                                </p:cTn>
+                              </p:par>
+                              <p:par>
+                                <p:cTn id="8" presetID="10" presetClass="entr" presetSubtype="0" fill="hold" nodeType="withEffect">
+                                  <p:stCondLst>
+                                    <p:cond delay="0"/>
+                                  </p:stCondLst>
+                                  <p:childTnLst>
+                                    <p:set>
+                                      <p:cBhvr>
+                                        <p:cTn id="9" dur="1" fill="hold">
+                                          <p:stCondLst>
+                                            <p:cond delay="0"/>
+                                          </p:stCondLst>
+                                        </p:cTn>
+                                        <p:tgtEl>
+                                          <p:spTgt spid="9"/>
+                                        </p:tgtEl>
+                                        <p:attrNameLst>
+                                          <p:attrName>style.visibility</p:attrName>
+                                        </p:attrNameLst>
+                                      </p:cBhvr>
+                                      <p:to>
+                                        <p:strVal val="visible"/>
+                                      </p:to>
+                                    </p:set>
+                                    <p:animEffect transition="in" filter="fade">
+                                      <p:cBhvr>
+                                        <p:cTn id="10" dur="500"/>
+                                        <p:tgtEl>
+                                          <p:spTgt spid="9"/>
+                                        </p:tgtEl>
+                                      </p:cBhvr>
+                                    </p:animEffect>
+                                  </p:childTnLst>
+                                </p:cTn>
+                              </p:par>
+                              <p:par>
+                                <p:cTn id="11" presetID="10" presetClass="entr" presetSubtype="0" fill="hold" grpId="0" nodeType="withEffect">
+                                  <p:stCondLst>
+                                    <p:cond delay="0"/>
+                                  </p:stCondLst>
+                                  <p:childTnLst>
+                                    <p:set>
+                                      <p:cBhvr>
+                                        <p:cTn id="12" dur="1" fill="hold">
+                                          <p:stCondLst>
+                                            <p:cond delay="0"/>
+                                          </p:stCondLst>
+                                        </p:cTn>
+                                        <p:tgtEl>
+                                          <p:spTgt spid="10"/>
+                                        </p:tgtEl>
+                                        <p:attrNameLst>
+                                          <p:attrName>style.visibility</p:attrName>
+                                        </p:attrNameLst>
+                                      </p:cBhvr>
+                                      <p:to>
+                                        <p:strVal val="visible"/>
+                                      </p:to>
+                                    </p:set>
+                                    <p:animEffect transition="in" filter="fade">
+                                      <p:cBhvr>
+                                        <p:cTn id="13" dur="500"/>
+                                        <p:tgtEl>
+                                          <p:spTgt spid="10"/>
+                                        </p:tgtEl>
+                                      </p:cBhvr>
+                                    </p:animEffect>
+                                  </p:childTnLst>
+                                </p:cTn>
+                              </p:par>
+                              <p:par>
+                                <p:cTn id="14" presetID="10" presetClass="entr" presetSubtype="0" fill="hold" nodeType="withEffect">
+                                  <p:stCondLst>
+                                    <p:cond delay="0"/>
+                                  </p:stCondLst>
+                                  <p:childTnLst>
+                                    <p:set>
+                                      <p:cBhvr>
+                                        <p:cTn id="15" dur="1" fill="hold">
+                                          <p:stCondLst>
+                                            <p:cond delay="0"/>
+                                          </p:stCondLst>
+                                        </p:cTn>
+                                        <p:tgtEl>
+                                          <p:spTgt spid="15"/>
+                                        </p:tgtEl>
+                                        <p:attrNameLst>
+                                          <p:attrName>style.visibility</p:attrName>
+                                        </p:attrNameLst>
+                                      </p:cBhvr>
+                                      <p:to>
+                                        <p:strVal val="visible"/>
+                                      </p:to>
+                                    </p:set>
+                                    <p:animEffect transition="in" filter="fade">
+                                      <p:cBhvr>
+                                        <p:cTn id="16" dur="500"/>
+                                        <p:tgtEl>
+                                          <p:spTgt spid="15"/>
+                                        </p:tgtEl>
+                                      </p:cBhvr>
+                                    </p:animEffect>
+                                  </p:childTnLst>
+                                </p:cTn>
+                              </p:par>
+                              <p:par>
+                                <p:cTn id="17" presetID="10" presetClass="entr" presetSubtype="0" fill="hold" grpId="0" nodeType="withEffect">
+                                  <p:stCondLst>
+                                    <p:cond delay="0"/>
+                                  </p:stCondLst>
+                                  <p:childTnLst>
+                                    <p:set>
+                                      <p:cBhvr>
+                                        <p:cTn id="18" dur="1" fill="hold">
+                                          <p:stCondLst>
+                                            <p:cond delay="0"/>
+                                          </p:stCondLst>
+                                        </p:cTn>
+                                        <p:tgtEl>
+                                          <p:spTgt spid="16"/>
+                                        </p:tgtEl>
+                                        <p:attrNameLst>
+                                          <p:attrName>style.visibility</p:attrName>
+                                        </p:attrNameLst>
+                                      </p:cBhvr>
+                                      <p:to>
+                                        <p:strVal val="visible"/>
+                                      </p:to>
+                                    </p:set>
+                                    <p:animEffect transition="in" filter="fade">
+                                      <p:cBhvr>
+                                        <p:cTn id="19" dur="500"/>
+                                        <p:tgtEl>
+                                          <p:spTgt spid="16"/>
+                                        </p:tgtEl>
+                                      </p:cBhvr>
+                                    </p:animEffect>
+                                  </p:childTnLst>
+                                </p:cTn>
+                              </p:par>
+                              <p:par>
+                                <p:cTn id="20" presetID="10" presetClass="entr" presetSubtype="0" fill="hold" nodeType="withEffect">
+                                  <p:stCondLst>
+                                    <p:cond delay="0"/>
+                                  </p:stCondLst>
+                                  <p:childTnLst>
+                                    <p:set>
+                                      <p:cBhvr>
+                                        <p:cTn id="21" dur="1" fill="hold">
+                                          <p:stCondLst>
+                                            <p:cond delay="0"/>
+                                          </p:stCondLst>
+                                        </p:cTn>
+                                        <p:tgtEl>
+                                          <p:spTgt spid="17"/>
+                                        </p:tgtEl>
+                                        <p:attrNameLst>
+                                          <p:attrName>style.visibility</p:attrName>
+                                        </p:attrNameLst>
+                                      </p:cBhvr>
+                                      <p:to>
+                                        <p:strVal val="visible"/>
+                                      </p:to>
+                                    </p:set>
+                                    <p:animEffect transition="in" filter="fade">
+                                      <p:cBhvr>
+                                        <p:cTn id="22" dur="500"/>
+                                        <p:tgtEl>
+                                          <p:spTgt spid="17"/>
+                                        </p:tgtEl>
+                                      </p:cBhvr>
+                                    </p:animEffect>
+                                  </p:childTnLst>
+                                </p:cTn>
+                              </p:par>
+                              <p:par>
+                                <p:cTn id="23" presetID="10" presetClass="entr" presetSubtype="0" fill="hold" grpId="0" nodeType="withEffect">
+                                  <p:stCondLst>
+                                    <p:cond delay="0"/>
+                                  </p:stCondLst>
+                                  <p:childTnLst>
+                                    <p:set>
+                                      <p:cBhvr>
+                                        <p:cTn id="24" dur="1" fill="hold">
+                                          <p:stCondLst>
+                                            <p:cond delay="0"/>
+                                          </p:stCondLst>
+                                        </p:cTn>
+                                        <p:tgtEl>
+                                          <p:spTgt spid="18"/>
+                                        </p:tgtEl>
+                                        <p:attrNameLst>
+                                          <p:attrName>style.visibility</p:attrName>
+                                        </p:attrNameLst>
+                                      </p:cBhvr>
+                                      <p:to>
+                                        <p:strVal val="visible"/>
+                                      </p:to>
+                                    </p:set>
+                                    <p:animEffect transition="in" filter="fade">
+                                      <p:cBhvr>
+                                        <p:cTn id="25" dur="500"/>
+                                        <p:tgtEl>
+                                          <p:spTgt spid="18"/>
+                                        </p:tgtEl>
+                                      </p:cBhvr>
+                                    </p:animEffect>
+                                  </p:childTnLst>
+                                </p:cTn>
+                              </p:par>
+                            </p:childTnLst>
+                          </p:cTn>
+                        </p:par>
+                      </p:childTnLst>
+                    </p:cTn>
+                  </p:par>
+                  <p:par>
+                    <p:cTn id="26" fill="hold">
+                      <p:stCondLst>
+                        <p:cond delay="indefinite"/>
+                      </p:stCondLst>
+                      <p:childTnLst>
+                        <p:par>
+                          <p:cTn id="27" fill="hold">
+                            <p:stCondLst>
+                              <p:cond delay="0"/>
+                            </p:stCondLst>
+                            <p:childTnLst>
+                              <p:par>
+                                <p:cTn id="28" presetID="10" presetClass="entr" presetSubtype="0" fill="hold" grpId="0" nodeType="clickEffect">
+                                  <p:stCondLst>
+                                    <p:cond delay="0"/>
+                                  </p:stCondLst>
+                                  <p:childTnLst>
+                                    <p:set>
+                                      <p:cBhvr>
+                                        <p:cTn id="29" dur="1" fill="hold">
+                                          <p:stCondLst>
+                                            <p:cond delay="0"/>
+                                          </p:stCondLst>
+                                        </p:cTn>
+                                        <p:tgtEl>
+                                          <p:spTgt spid="19"/>
+                                        </p:tgtEl>
+                                        <p:attrNameLst>
+                                          <p:attrName>style.visibility</p:attrName>
+                                        </p:attrNameLst>
+                                      </p:cBhvr>
+                                      <p:to>
+                                        <p:strVal val="visible"/>
+                                      </p:to>
+                                    </p:set>
+                                    <p:animEffect transition="in" filter="fade">
+                                      <p:cBhvr>
+                                        <p:cTn id="30" dur="500"/>
+                                        <p:tgtEl>
+                                          <p:spTgt spid="19"/>
+                                        </p:tgtEl>
+                                      </p:cBhvr>
+                                    </p:animEffect>
+                                  </p:childTnLst>
+                                </p:cTn>
+                              </p:par>
+                              <p:par>
+                                <p:cTn id="31" presetID="10" presetClass="entr" presetSubtype="0" fill="hold" nodeType="withEffect">
+                                  <p:stCondLst>
+                                    <p:cond delay="0"/>
+                                  </p:stCondLst>
+                                  <p:childTnLst>
+                                    <p:set>
+                                      <p:cBhvr>
+                                        <p:cTn id="32" dur="1" fill="hold">
+                                          <p:stCondLst>
+                                            <p:cond delay="0"/>
+                                          </p:stCondLst>
+                                        </p:cTn>
+                                        <p:tgtEl>
+                                          <p:spTgt spid="20"/>
+                                        </p:tgtEl>
+                                        <p:attrNameLst>
+                                          <p:attrName>style.visibility</p:attrName>
+                                        </p:attrNameLst>
+                                      </p:cBhvr>
+                                      <p:to>
+                                        <p:strVal val="visible"/>
+                                      </p:to>
+                                    </p:set>
+                                    <p:animEffect transition="in" filter="fade">
+                                      <p:cBhvr>
+                                        <p:cTn id="33" dur="500"/>
+                                        <p:tgtEl>
+                                          <p:spTgt spid="20"/>
+                                        </p:tgtEl>
+                                      </p:cBhvr>
+                                    </p:animEffect>
+                                  </p:childTnLst>
+                                </p:cTn>
+                              </p:par>
+                              <p:par>
+                                <p:cTn id="34" presetID="10" presetClass="entr" presetSubtype="0" fill="hold" grpId="0" nodeType="withEffect">
+                                  <p:stCondLst>
+                                    <p:cond delay="0"/>
+                                  </p:stCondLst>
+                                  <p:childTnLst>
+                                    <p:set>
+                                      <p:cBhvr>
+                                        <p:cTn id="35" dur="1" fill="hold">
+                                          <p:stCondLst>
+                                            <p:cond delay="0"/>
+                                          </p:stCondLst>
+                                        </p:cTn>
+                                        <p:tgtEl>
+                                          <p:spTgt spid="23"/>
+                                        </p:tgtEl>
+                                        <p:attrNameLst>
+                                          <p:attrName>style.visibility</p:attrName>
+                                        </p:attrNameLst>
+                                      </p:cBhvr>
+                                      <p:to>
+                                        <p:strVal val="visible"/>
+                                      </p:to>
+                                    </p:set>
+                                    <p:animEffect transition="in" filter="fade">
+                                      <p:cBhvr>
+                                        <p:cTn id="36" dur="500"/>
+                                        <p:tgtEl>
+                                          <p:spTgt spid="23"/>
+                                        </p:tgtEl>
+                                      </p:cBhvr>
+                                    </p:animEffect>
+                                  </p:childTnLst>
+                                </p:cTn>
+                              </p:par>
+                              <p:par>
+                                <p:cTn id="37" presetID="10" presetClass="entr" presetSubtype="0" fill="hold" nodeType="withEffect">
+                                  <p:stCondLst>
+                                    <p:cond delay="0"/>
+                                  </p:stCondLst>
+                                  <p:childTnLst>
+                                    <p:set>
+                                      <p:cBhvr>
+                                        <p:cTn id="38" dur="1" fill="hold">
+                                          <p:stCondLst>
+                                            <p:cond delay="0"/>
+                                          </p:stCondLst>
+                                        </p:cTn>
+                                        <p:tgtEl>
+                                          <p:spTgt spid="24"/>
+                                        </p:tgtEl>
+                                        <p:attrNameLst>
+                                          <p:attrName>style.visibility</p:attrName>
+                                        </p:attrNameLst>
+                                      </p:cBhvr>
+                                      <p:to>
+                                        <p:strVal val="visible"/>
+                                      </p:to>
+                                    </p:set>
+                                    <p:animEffect transition="in" filter="fade">
+                                      <p:cBhvr>
+                                        <p:cTn id="39" dur="500"/>
+                                        <p:tgtEl>
+                                          <p:spTgt spid="24"/>
+                                        </p:tgtEl>
+                                      </p:cBhvr>
+                                    </p:animEffect>
+                                  </p:childTnLst>
+                                </p:cTn>
+                              </p:par>
+                              <p:par>
+                                <p:cTn id="40" presetID="10" presetClass="entr" presetSubtype="0" fill="hold" grpId="0" nodeType="withEffect">
+                                  <p:stCondLst>
+                                    <p:cond delay="0"/>
+                                  </p:stCondLst>
+                                  <p:childTnLst>
+                                    <p:set>
+                                      <p:cBhvr>
+                                        <p:cTn id="41" dur="1" fill="hold">
+                                          <p:stCondLst>
+                                            <p:cond delay="0"/>
+                                          </p:stCondLst>
+                                        </p:cTn>
+                                        <p:tgtEl>
+                                          <p:spTgt spid="27"/>
+                                        </p:tgtEl>
+                                        <p:attrNameLst>
+                                          <p:attrName>style.visibility</p:attrName>
+                                        </p:attrNameLst>
+                                      </p:cBhvr>
+                                      <p:to>
+                                        <p:strVal val="visible"/>
+                                      </p:to>
+                                    </p:set>
+                                    <p:animEffect transition="in" filter="fade">
+                                      <p:cBhvr>
+                                        <p:cTn id="42" dur="500"/>
+                                        <p:tgtEl>
+                                          <p:spTgt spid="27"/>
+                                        </p:tgtEl>
+                                      </p:cBhvr>
+                                    </p:animEffect>
+                                  </p:childTnLst>
+                                </p:cTn>
+                              </p:par>
+                            </p:childTnLst>
+                          </p:cTn>
+                        </p:par>
+                      </p:childTnLst>
+                    </p:cTn>
+                  </p:par>
+                  <p:par>
+                    <p:cTn id="43" fill="hold">
+                      <p:stCondLst>
+                        <p:cond delay="indefinite"/>
+                      </p:stCondLst>
+                      <p:childTnLst>
+                        <p:par>
+                          <p:cTn id="44" fill="hold">
+                            <p:stCondLst>
+                              <p:cond delay="0"/>
+                            </p:stCondLst>
+                            <p:childTnLst>
+                              <p:par>
+                                <p:cTn id="45" presetID="10" presetClass="entr" presetSubtype="0" fill="hold" grpId="0" nodeType="clickEffect">
+                                  <p:stCondLst>
+                                    <p:cond delay="0"/>
+                                  </p:stCondLst>
+                                  <p:childTnLst>
+                                    <p:set>
+                                      <p:cBhvr>
+                                        <p:cTn id="46" dur="1" fill="hold">
+                                          <p:stCondLst>
+                                            <p:cond delay="0"/>
+                                          </p:stCondLst>
+                                        </p:cTn>
+                                        <p:tgtEl>
+                                          <p:spTgt spid="29"/>
+                                        </p:tgtEl>
+                                        <p:attrNameLst>
+                                          <p:attrName>style.visibility</p:attrName>
+                                        </p:attrNameLst>
+                                      </p:cBhvr>
+                                      <p:to>
+                                        <p:strVal val="visible"/>
+                                      </p:to>
+                                    </p:set>
+                                    <p:animEffect transition="in" filter="fade">
+                                      <p:cBhvr>
+                                        <p:cTn id="47" dur="500"/>
+                                        <p:tgtEl>
+                                          <p:spTgt spid="29"/>
+                                        </p:tgtEl>
+                                      </p:cBhvr>
+                                    </p:animEffect>
+                                  </p:childTnLst>
+                                </p:cTn>
+                              </p:par>
+                              <p:par>
+                                <p:cTn id="48" presetID="10" presetClass="entr" presetSubtype="0" fill="hold" nodeType="withEffect">
+                                  <p:stCondLst>
+                                    <p:cond delay="0"/>
+                                  </p:stCondLst>
+                                  <p:childTnLst>
+                                    <p:set>
+                                      <p:cBhvr>
+                                        <p:cTn id="49" dur="1" fill="hold">
+                                          <p:stCondLst>
+                                            <p:cond delay="0"/>
+                                          </p:stCondLst>
+                                        </p:cTn>
+                                        <p:tgtEl>
+                                          <p:spTgt spid="30"/>
+                                        </p:tgtEl>
+                                        <p:attrNameLst>
+                                          <p:attrName>style.visibility</p:attrName>
+                                        </p:attrNameLst>
+                                      </p:cBhvr>
+                                      <p:to>
+                                        <p:strVal val="visible"/>
+                                      </p:to>
+                                    </p:set>
+                                    <p:animEffect transition="in" filter="fade">
+                                      <p:cBhvr>
+                                        <p:cTn id="50" dur="500"/>
+                                        <p:tgtEl>
+                                          <p:spTgt spid="30"/>
+                                        </p:tgtEl>
+                                      </p:cBhvr>
+                                    </p:animEffect>
+                                  </p:childTnLst>
+                                </p:cTn>
+                              </p:par>
+                              <p:par>
+                                <p:cTn id="51" presetID="10" presetClass="entr" presetSubtype="0" fill="hold" grpId="0" nodeType="withEffect">
+                                  <p:stCondLst>
+                                    <p:cond delay="0"/>
+                                  </p:stCondLst>
+                                  <p:childTnLst>
+                                    <p:set>
+                                      <p:cBhvr>
+                                        <p:cTn id="52" dur="1" fill="hold">
+                                          <p:stCondLst>
+                                            <p:cond delay="0"/>
+                                          </p:stCondLst>
+                                        </p:cTn>
+                                        <p:tgtEl>
+                                          <p:spTgt spid="31"/>
+                                        </p:tgtEl>
+                                        <p:attrNameLst>
+                                          <p:attrName>style.visibility</p:attrName>
+                                        </p:attrNameLst>
+                                      </p:cBhvr>
+                                      <p:to>
+                                        <p:strVal val="visible"/>
+                                      </p:to>
+                                    </p:set>
+                                    <p:animEffect transition="in" filter="fade">
+                                      <p:cBhvr>
+                                        <p:cTn id="53" dur="500"/>
+                                        <p:tgtEl>
+                                          <p:spTgt spid="31"/>
+                                        </p:tgtEl>
+                                      </p:cBhvr>
+                                    </p:animEffect>
+                                  </p:childTnLst>
+                                </p:cTn>
+                              </p:par>
+                              <p:par>
+                                <p:cTn id="54" presetID="10" presetClass="entr" presetSubtype="0" fill="hold" nodeType="withEffect">
+                                  <p:stCondLst>
+                                    <p:cond delay="0"/>
+                                  </p:stCondLst>
+                                  <p:childTnLst>
+                                    <p:set>
+                                      <p:cBhvr>
+                                        <p:cTn id="55" dur="1" fill="hold">
+                                          <p:stCondLst>
+                                            <p:cond delay="0"/>
+                                          </p:stCondLst>
+                                        </p:cTn>
+                                        <p:tgtEl>
+                                          <p:spTgt spid="32"/>
+                                        </p:tgtEl>
+                                        <p:attrNameLst>
+                                          <p:attrName>style.visibility</p:attrName>
+                                        </p:attrNameLst>
+                                      </p:cBhvr>
+                                      <p:to>
+                                        <p:strVal val="visible"/>
+                                      </p:to>
+                                    </p:set>
+                                    <p:animEffect transition="in" filter="fade">
+                                      <p:cBhvr>
+                                        <p:cTn id="56" dur="500"/>
+                                        <p:tgtEl>
+                                          <p:spTgt spid="32"/>
+                                        </p:tgtEl>
+                                      </p:cBhvr>
+                                    </p:animEffect>
+                                  </p:childTnLst>
+                                </p:cTn>
+                              </p:par>
+                              <p:par>
+                                <p:cTn id="57" presetID="10" presetClass="entr" presetSubtype="0" fill="hold" grpId="0" nodeType="withEffect">
+                                  <p:stCondLst>
+                                    <p:cond delay="0"/>
+                                  </p:stCondLst>
+                                  <p:childTnLst>
+                                    <p:set>
+                                      <p:cBhvr>
+                                        <p:cTn id="58" dur="1" fill="hold">
+                                          <p:stCondLst>
+                                            <p:cond delay="0"/>
+                                          </p:stCondLst>
+                                        </p:cTn>
+                                        <p:tgtEl>
+                                          <p:spTgt spid="35"/>
+                                        </p:tgtEl>
+                                        <p:attrNameLst>
+                                          <p:attrName>style.visibility</p:attrName>
+                                        </p:attrNameLst>
+                                      </p:cBhvr>
+                                      <p:to>
+                                        <p:strVal val="visible"/>
+                                      </p:to>
+                                    </p:set>
+                                    <p:animEffect transition="in" filter="fade">
+                                      <p:cBhvr>
+                                        <p:cTn id="59" dur="500"/>
+                                        <p:tgtEl>
+                                          <p:spTgt spid="35"/>
+                                        </p:tgtEl>
+                                      </p:cBhvr>
+                                    </p:animEffect>
+                                  </p:childTnLst>
+                                </p:cTn>
+                              </p:par>
+                            </p:childTnLst>
+                          </p:cTn>
+                        </p:par>
+                      </p:childTnLst>
+                    </p:cTn>
+                  </p:par>
+                  <p:par>
+                    <p:cTn id="60" fill="hold">
+                      <p:stCondLst>
+                        <p:cond delay="indefinite"/>
+                      </p:stCondLst>
+                      <p:childTnLst>
+                        <p:par>
+                          <p:cTn id="61" fill="hold">
+                            <p:stCondLst>
+                              <p:cond delay="0"/>
+                            </p:stCondLst>
+                            <p:childTnLst>
+                              <p:par>
+                                <p:cTn id="62" presetID="10" presetClass="entr" presetSubtype="0" fill="hold" grpId="0" nodeType="clickEffect">
+                                  <p:stCondLst>
+                                    <p:cond delay="0"/>
+                                  </p:stCondLst>
+                                  <p:childTnLst>
+                                    <p:set>
+                                      <p:cBhvr>
+                                        <p:cTn id="63" dur="1" fill="hold">
+                                          <p:stCondLst>
+                                            <p:cond delay="0"/>
+                                          </p:stCondLst>
+                                        </p:cTn>
+                                        <p:tgtEl>
+                                          <p:spTgt spid="38"/>
+                                        </p:tgtEl>
+                                        <p:attrNameLst>
+                                          <p:attrName>style.visibility</p:attrName>
+                                        </p:attrNameLst>
+                                      </p:cBhvr>
+                                      <p:to>
+                                        <p:strVal val="visible"/>
+                                      </p:to>
+                                    </p:set>
+                                    <p:animEffect transition="in" filter="fade">
+                                      <p:cBhvr>
+                                        <p:cTn id="64" dur="500"/>
+                                        <p:tgtEl>
+                                          <p:spTgt spid="38"/>
+                                        </p:tgtEl>
+                                      </p:cBhvr>
+                                    </p:animEffect>
+                                  </p:childTnLst>
+                                </p:cTn>
+                              </p:par>
+                              <p:par>
+                                <p:cTn id="65" presetID="10" presetClass="entr" presetSubtype="0" fill="hold" nodeType="withEffect">
+                                  <p:stCondLst>
+                                    <p:cond delay="0"/>
+                                  </p:stCondLst>
+                                  <p:childTnLst>
+                                    <p:set>
+                                      <p:cBhvr>
+                                        <p:cTn id="66" dur="1" fill="hold">
+                                          <p:stCondLst>
+                                            <p:cond delay="0"/>
+                                          </p:stCondLst>
+                                        </p:cTn>
+                                        <p:tgtEl>
+                                          <p:spTgt spid="39"/>
+                                        </p:tgtEl>
+                                        <p:attrNameLst>
+                                          <p:attrName>style.visibility</p:attrName>
+                                        </p:attrNameLst>
+                                      </p:cBhvr>
+                                      <p:to>
+                                        <p:strVal val="visible"/>
+                                      </p:to>
+                                    </p:set>
+                                    <p:animEffect transition="in" filter="fade">
+                                      <p:cBhvr>
+                                        <p:cTn id="67" dur="500"/>
+                                        <p:tgtEl>
+                                          <p:spTgt spid="39"/>
+                                        </p:tgtEl>
+                                      </p:cBhvr>
+                                    </p:animEffect>
+                                  </p:childTnLst>
+                                </p:cTn>
+                              </p:par>
+                              <p:par>
+                                <p:cTn id="68" presetID="10" presetClass="entr" presetSubtype="0" fill="hold" grpId="0" nodeType="withEffect">
+                                  <p:stCondLst>
+                                    <p:cond delay="0"/>
+                                  </p:stCondLst>
+                                  <p:childTnLst>
+                                    <p:set>
+                                      <p:cBhvr>
+                                        <p:cTn id="69" dur="1" fill="hold">
+                                          <p:stCondLst>
+                                            <p:cond delay="0"/>
+                                          </p:stCondLst>
+                                        </p:cTn>
+                                        <p:tgtEl>
+                                          <p:spTgt spid="41"/>
+                                        </p:tgtEl>
+                                        <p:attrNameLst>
+                                          <p:attrName>style.visibility</p:attrName>
+                                        </p:attrNameLst>
+                                      </p:cBhvr>
+                                      <p:to>
+                                        <p:strVal val="visible"/>
+                                      </p:to>
+                                    </p:set>
+                                    <p:animEffect transition="in" filter="fade">
+                                      <p:cBhvr>
+                                        <p:cTn id="70" dur="500"/>
+                                        <p:tgtEl>
+                                          <p:spTgt spid="41"/>
+                                        </p:tgtEl>
+                                      </p:cBhvr>
+                                    </p:animEffect>
+                                  </p:childTnLst>
+                                </p:cTn>
+                              </p:par>
+                              <p:par>
+                                <p:cTn id="71" presetID="10" presetClass="entr" presetSubtype="0" fill="hold" nodeType="withEffect">
+                                  <p:stCondLst>
+                                    <p:cond delay="0"/>
+                                  </p:stCondLst>
+                                  <p:childTnLst>
+                                    <p:set>
+                                      <p:cBhvr>
+                                        <p:cTn id="72" dur="1" fill="hold">
+                                          <p:stCondLst>
+                                            <p:cond delay="0"/>
+                                          </p:stCondLst>
+                                        </p:cTn>
+                                        <p:tgtEl>
+                                          <p:spTgt spid="50"/>
+                                        </p:tgtEl>
+                                        <p:attrNameLst>
+                                          <p:attrName>style.visibility</p:attrName>
+                                        </p:attrNameLst>
+                                      </p:cBhvr>
+                                      <p:to>
+                                        <p:strVal val="visible"/>
+                                      </p:to>
+                                    </p:set>
+                                    <p:animEffect transition="in" filter="fade">
+                                      <p:cBhvr>
+                                        <p:cTn id="73" dur="500"/>
+                                        <p:tgtEl>
+                                          <p:spTgt spid="50"/>
+                                        </p:tgtEl>
+                                      </p:cBhvr>
+                                    </p:animEffect>
+                                  </p:childTnLst>
+                                </p:cTn>
+                              </p:par>
+                              <p:par>
+                                <p:cTn id="74" presetID="10" presetClass="entr" presetSubtype="0" fill="hold" grpId="0" nodeType="withEffect">
+                                  <p:stCondLst>
+                                    <p:cond delay="0"/>
+                                  </p:stCondLst>
+                                  <p:childTnLst>
+                                    <p:set>
+                                      <p:cBhvr>
+                                        <p:cTn id="75" dur="1" fill="hold">
+                                          <p:stCondLst>
+                                            <p:cond delay="0"/>
+                                          </p:stCondLst>
+                                        </p:cTn>
+                                        <p:tgtEl>
+                                          <p:spTgt spid="49"/>
+                                        </p:tgtEl>
+                                        <p:attrNameLst>
+                                          <p:attrName>style.visibility</p:attrName>
+                                        </p:attrNameLst>
+                                      </p:cBhvr>
+                                      <p:to>
+                                        <p:strVal val="visible"/>
+                                      </p:to>
+                                    </p:set>
+                                    <p:animEffect transition="in" filter="fade">
+                                      <p:cBhvr>
+                                        <p:cTn id="76" dur="500"/>
+                                        <p:tgtEl>
+                                          <p:spTgt spid="49"/>
+                                        </p:tgtEl>
+                                      </p:cBhvr>
+                                    </p:animEffect>
+                                  </p:childTnLst>
+                                </p:cTn>
+                              </p:par>
+                            </p:childTnLst>
+                          </p:cTn>
+                        </p:par>
+                      </p:childTnLst>
+                    </p:cTn>
+                  </p:par>
+                </p:childTnLst>
+              </p:cTn>
+              <p:prevCondLst>
+                <p:cond evt="onPrev" delay="0">
+                  <p:tgtEl>
+                    <p:sldTgt/>
+                  </p:tgtEl>
+                </p:cond>
+              </p:prevCondLst>
+              <p:nextCondLst>
+                <p:cond evt="onNext" delay="0">
+                  <p:tgtEl>
+                    <p:sldTgt/>
+                  </p:tgtEl>
+                </p:cond>
+              </p:nextCondLst>
+            </p:seq>
+          </p:childTnLst>
+        </p:cTn>
+      </p:par>
+    </p:tnLst>
+    <p:bldLst>
+      <p:bldP spid="8" grpId="0" animBg="1"/>
+      <p:bldP spid="10" grpId="0" animBg="1"/>
+      <p:bldP spid="16" grpId="0" animBg="1"/>
+      <p:bldP spid="18" grpId="0" animBg="1"/>
+      <p:bldP spid="19" grpId="0" animBg="1"/>
+      <p:bldP spid="23" grpId="0" animBg="1"/>
+      <p:bldP spid="27" grpId="0" animBg="1"/>
+      <p:bldP spid="29" grpId="0" animBg="1"/>
+      <p:bldP spid="31" grpId="0" animBg="1"/>
+      <p:bldP spid="35" grpId="0" animBg="1"/>
+      <p:bldP spid="38" grpId="0" animBg="1"/>
+      <p:bldP spid="41" grpId="0" animBg="1"/>
+      <p:bldP spid="49" grpId="0" animBg="1"/>
+    </p:bldLst>
+  </p:timing>
 </p:sld>
 </file>
 
@@ -8915,7 +12708,7 @@
           <p:cNvPr id="2" name="Title 1">
             <a:extLst>
               <a:ext uri="{FF2B5EF4-FFF2-40B4-BE49-F238E27FC236}">
-                <a16:creationId xmlns:a16="http://schemas.microsoft.com/office/drawing/2014/main" id="{8195CCED-333F-735B-1701-1663DC483553}"/>
+                <a16:creationId xmlns:a16="http://schemas.microsoft.com/office/drawing/2014/main" id="{2EA837C7-4857-6F56-91D0-C4DBC7937E35}"/>
               </a:ext>
             </a:extLst>
           </p:cNvPr>
@@ -8933,54 +12726,403 @@
           <a:p>
             <a:pPr algn="ctr"/>
             <a:r>
-              <a:rPr lang="ro-RO" dirty="0"/>
-              <a:t>Direcții de dezvoltare</a:t>
-            </a:r>
-            <a:endParaRPr lang="en-US" dirty="0"/>
+              <a:rPr lang="en-US" dirty="0" err="1">
+                <a:latin typeface="Bahnschrift" panose="020B0502040204020203" pitchFamily="34" charset="0"/>
+              </a:rPr>
+              <a:t>Concluzie</a:t>
+            </a:r>
+            <a:endParaRPr lang="en-US" dirty="0">
+              <a:latin typeface="Bahnschrift" panose="020B0502040204020203" pitchFamily="34" charset="0"/>
+            </a:endParaRPr>
           </a:p>
         </p:txBody>
       </p:sp>
-      <p:pic>
-        <p:nvPicPr>
-          <p:cNvPr id="7" name="Content Placeholder 6" descr="A black and white video game controller&#10;&#10;Description automatically generated">
-            <a:extLst>
-              <a:ext uri="{FF2B5EF4-FFF2-40B4-BE49-F238E27FC236}">
-                <a16:creationId xmlns:a16="http://schemas.microsoft.com/office/drawing/2014/main" id="{5754F810-A340-B267-18AD-98E0C39962A5}"/>
-              </a:ext>
-            </a:extLst>
-          </p:cNvPr>
-          <p:cNvPicPr>
-            <a:picLocks noGrp="1" noChangeAspect="1"/>
-          </p:cNvPicPr>
+      <p:sp>
+        <p:nvSpPr>
+          <p:cNvPr id="3" name="Content Placeholder 2">
+            <a:extLst>
+              <a:ext uri="{FF2B5EF4-FFF2-40B4-BE49-F238E27FC236}">
+                <a16:creationId xmlns:a16="http://schemas.microsoft.com/office/drawing/2014/main" id="{CD1EBEE4-D1E0-8001-D1B2-2C7619E14988}"/>
+              </a:ext>
+            </a:extLst>
+          </p:cNvPr>
+          <p:cNvSpPr>
+            <a:spLocks noGrp="1"/>
+          </p:cNvSpPr>
           <p:nvPr>
             <p:ph idx="1"/>
           </p:nvPr>
-        </p:nvPicPr>
-        <p:blipFill>
-          <a:blip r:embed="rId2">
-            <a:extLst>
-              <a:ext uri="{28A0092B-C50C-407E-A947-70E740481C1C}">
-                <a14:useLocalDpi xmlns:a14="http://schemas.microsoft.com/office/drawing/2010/main" val="0"/>
-              </a:ext>
-            </a:extLst>
-          </a:blip>
-          <a:stretch>
-            <a:fillRect/>
-          </a:stretch>
-        </p:blipFill>
-        <p:spPr>
-          <a:xfrm>
-            <a:off x="926973" y="1864352"/>
-            <a:ext cx="1322451" cy="1030887"/>
-          </a:xfrm>
-        </p:spPr>
-      </p:pic>
+        </p:nvSpPr>
+        <p:spPr/>
+        <p:txBody>
+          <a:bodyPr/>
+          <a:lstStyle/>
+          <a:p>
+            <a:pPr algn="just"/>
+            <a:r>
+              <a:rPr lang="en-US" dirty="0" err="1"/>
+              <a:t>Aplicația</a:t>
+            </a:r>
+            <a:r>
+              <a:rPr lang="en-US" dirty="0"/>
+              <a:t> </a:t>
+            </a:r>
+            <a:r>
+              <a:rPr lang="en-US" dirty="0" err="1"/>
+              <a:t>oferă</a:t>
+            </a:r>
+            <a:r>
+              <a:rPr lang="en-US" dirty="0"/>
+              <a:t> o </a:t>
+            </a:r>
+            <a:r>
+              <a:rPr lang="en-US" dirty="0" err="1"/>
+              <a:t>experiență</a:t>
+            </a:r>
+            <a:r>
+              <a:rPr lang="en-US" dirty="0"/>
+              <a:t> </a:t>
+            </a:r>
+            <a:r>
+              <a:rPr lang="en-US" dirty="0" err="1"/>
+              <a:t>captivantă</a:t>
+            </a:r>
+            <a:r>
+              <a:rPr lang="en-US" dirty="0"/>
+              <a:t> </a:t>
+            </a:r>
+            <a:r>
+              <a:rPr lang="en-US" dirty="0" err="1"/>
+              <a:t>și</a:t>
+            </a:r>
+            <a:r>
+              <a:rPr lang="en-US" dirty="0"/>
+              <a:t> </a:t>
+            </a:r>
+            <a:r>
+              <a:rPr lang="en-US" dirty="0" err="1"/>
+              <a:t>informativă</a:t>
+            </a:r>
+            <a:r>
+              <a:rPr lang="en-US" dirty="0"/>
+              <a:t> </a:t>
+            </a:r>
+            <a:r>
+              <a:rPr lang="en-US" dirty="0" err="1"/>
+              <a:t>pentru</a:t>
+            </a:r>
+            <a:r>
+              <a:rPr lang="en-US" dirty="0"/>
+              <a:t> </a:t>
+            </a:r>
+            <a:r>
+              <a:rPr lang="en-US" dirty="0" err="1"/>
+              <a:t>fanii</a:t>
+            </a:r>
+            <a:r>
+              <a:rPr lang="en-US" dirty="0"/>
+              <a:t> Formula 1, </a:t>
+            </a:r>
+            <a:r>
+              <a:rPr lang="en-US" dirty="0" err="1"/>
+              <a:t>acoperind</a:t>
+            </a:r>
+            <a:r>
+              <a:rPr lang="en-US" dirty="0"/>
+              <a:t> </a:t>
+            </a:r>
+            <a:r>
+              <a:rPr lang="en-US" dirty="0" err="1"/>
+              <a:t>performanțele</a:t>
+            </a:r>
+            <a:r>
+              <a:rPr lang="en-US" dirty="0"/>
+              <a:t> </a:t>
+            </a:r>
+            <a:r>
+              <a:rPr lang="en-US" dirty="0" err="1"/>
+              <a:t>piloților</a:t>
+            </a:r>
+            <a:r>
+              <a:rPr lang="en-US" dirty="0"/>
+              <a:t> </a:t>
+            </a:r>
+            <a:r>
+              <a:rPr lang="en-US" dirty="0" err="1"/>
+              <a:t>și</a:t>
+            </a:r>
+            <a:r>
+              <a:rPr lang="en-US" dirty="0"/>
+              <a:t> </a:t>
+            </a:r>
+            <a:r>
+              <a:rPr lang="en-US" dirty="0" err="1"/>
+              <a:t>echipelor</a:t>
+            </a:r>
+            <a:r>
+              <a:rPr lang="en-US" dirty="0"/>
+              <a:t>, </a:t>
+            </a:r>
+            <a:r>
+              <a:rPr lang="en-US" dirty="0" err="1"/>
+              <a:t>analizele</a:t>
+            </a:r>
+            <a:r>
+              <a:rPr lang="en-US" dirty="0"/>
+              <a:t> </a:t>
+            </a:r>
+            <a:r>
+              <a:rPr lang="en-US" dirty="0" err="1"/>
+              <a:t>circuitelor</a:t>
+            </a:r>
+            <a:r>
+              <a:rPr lang="en-US" dirty="0"/>
+              <a:t> </a:t>
+            </a:r>
+            <a:r>
+              <a:rPr lang="en-US" dirty="0" err="1"/>
+              <a:t>și</a:t>
+            </a:r>
+            <a:r>
+              <a:rPr lang="en-US" dirty="0"/>
+              <a:t> </a:t>
+            </a:r>
+            <a:r>
+              <a:rPr lang="en-US" dirty="0" err="1"/>
+              <a:t>sesiunilor</a:t>
+            </a:r>
+            <a:r>
+              <a:rPr lang="en-US" dirty="0"/>
+              <a:t> de curs</a:t>
+            </a:r>
+            <a:r>
+              <a:rPr lang="ro-RO" dirty="0"/>
+              <a:t>ă</a:t>
+            </a:r>
+            <a:r>
+              <a:rPr lang="en-US" dirty="0"/>
+              <a:t>. </a:t>
+            </a:r>
+          </a:p>
+          <a:p>
+            <a:pPr algn="just"/>
+            <a:r>
+              <a:rPr lang="en-US" dirty="0" err="1"/>
+              <a:t>Modulul</a:t>
+            </a:r>
+            <a:r>
+              <a:rPr lang="en-US" dirty="0"/>
+              <a:t> </a:t>
+            </a:r>
+            <a:r>
+              <a:rPr lang="en-US" dirty="0" err="1"/>
+              <a:t>dedicat</a:t>
+            </a:r>
+            <a:r>
+              <a:rPr lang="en-US" dirty="0"/>
+              <a:t> </a:t>
+            </a:r>
+            <a:r>
+              <a:rPr lang="en-US" dirty="0" err="1"/>
+              <a:t>piloților</a:t>
+            </a:r>
+            <a:r>
+              <a:rPr lang="en-US" dirty="0"/>
+              <a:t> </a:t>
+            </a:r>
+            <a:r>
+              <a:rPr lang="en-US" dirty="0" err="1"/>
+              <a:t>furnizează</a:t>
+            </a:r>
+            <a:r>
+              <a:rPr lang="en-US" dirty="0"/>
+              <a:t> </a:t>
+            </a:r>
+            <a:r>
+              <a:rPr lang="en-US" dirty="0" err="1"/>
+              <a:t>informații</a:t>
+            </a:r>
+            <a:r>
+              <a:rPr lang="en-US" dirty="0"/>
+              <a:t> </a:t>
+            </a:r>
+            <a:r>
+              <a:rPr lang="en-US" dirty="0" err="1"/>
+              <a:t>detaliate</a:t>
+            </a:r>
+            <a:r>
+              <a:rPr lang="en-US" dirty="0"/>
+              <a:t> </a:t>
+            </a:r>
+            <a:r>
+              <a:rPr lang="en-US" dirty="0" err="1"/>
+              <a:t>despre</a:t>
+            </a:r>
+            <a:r>
+              <a:rPr lang="en-US" dirty="0"/>
+              <a:t> </a:t>
+            </a:r>
+            <a:r>
+              <a:rPr lang="en-US" dirty="0" err="1"/>
+              <a:t>fiecare</a:t>
+            </a:r>
+            <a:r>
+              <a:rPr lang="en-US" dirty="0"/>
+              <a:t> pilot, </a:t>
+            </a:r>
+            <a:r>
+              <a:rPr lang="en-US" dirty="0" err="1"/>
+              <a:t>inclusiv</a:t>
+            </a:r>
+            <a:r>
+              <a:rPr lang="en-US" dirty="0"/>
+              <a:t> </a:t>
+            </a:r>
+            <a:r>
+              <a:rPr lang="en-US" dirty="0" err="1"/>
+              <a:t>statistici</a:t>
+            </a:r>
+            <a:r>
+              <a:rPr lang="en-US" dirty="0"/>
+              <a:t>, </a:t>
+            </a:r>
+            <a:r>
+              <a:rPr lang="en-US" dirty="0" err="1"/>
+              <a:t>poziția</a:t>
+            </a:r>
+            <a:r>
+              <a:rPr lang="en-US" dirty="0"/>
+              <a:t> </a:t>
+            </a:r>
+            <a:r>
+              <a:rPr lang="en-US" dirty="0" err="1"/>
+              <a:t>în</a:t>
+            </a:r>
+            <a:r>
+              <a:rPr lang="en-US" dirty="0"/>
+              <a:t> </a:t>
+            </a:r>
+            <a:r>
+              <a:rPr lang="en-US" dirty="0" err="1"/>
+              <a:t>clasament</a:t>
+            </a:r>
+            <a:r>
+              <a:rPr lang="en-US" dirty="0"/>
+              <a:t> </a:t>
+            </a:r>
+            <a:r>
+              <a:rPr lang="en-US" dirty="0" err="1"/>
+              <a:t>și</a:t>
+            </a:r>
+            <a:r>
+              <a:rPr lang="en-US" dirty="0"/>
+              <a:t> </a:t>
+            </a:r>
+            <a:r>
+              <a:rPr lang="en-US" dirty="0" err="1"/>
+              <a:t>evoluția</a:t>
+            </a:r>
+            <a:r>
+              <a:rPr lang="en-US" dirty="0"/>
+              <a:t> </a:t>
+            </a:r>
+            <a:r>
+              <a:rPr lang="en-US" dirty="0" err="1"/>
+              <a:t>în</a:t>
+            </a:r>
+            <a:r>
+              <a:rPr lang="en-US" dirty="0"/>
+              <a:t> curse, precum </a:t>
+            </a:r>
+            <a:r>
+              <a:rPr lang="en-US" dirty="0" err="1"/>
+              <a:t>și</a:t>
+            </a:r>
+            <a:r>
+              <a:rPr lang="en-US" dirty="0"/>
+              <a:t> </a:t>
+            </a:r>
+            <a:r>
+              <a:rPr lang="en-US" dirty="0" err="1"/>
+              <a:t>previziuni</a:t>
+            </a:r>
+            <a:r>
+              <a:rPr lang="en-US" dirty="0"/>
+              <a:t> </a:t>
+            </a:r>
+            <a:r>
+              <a:rPr lang="en-US" dirty="0" err="1"/>
+              <a:t>pentru</a:t>
+            </a:r>
+            <a:r>
+              <a:rPr lang="en-US" dirty="0"/>
+              <a:t> </a:t>
+            </a:r>
+            <a:r>
+              <a:rPr lang="en-US" dirty="0" err="1"/>
+              <a:t>cursele</a:t>
+            </a:r>
+            <a:r>
+              <a:rPr lang="en-US" dirty="0"/>
+              <a:t> </a:t>
+            </a:r>
+            <a:r>
+              <a:rPr lang="en-US" dirty="0" err="1"/>
+              <a:t>viitoare</a:t>
+            </a:r>
+            <a:r>
+              <a:rPr lang="en-US" dirty="0"/>
+              <a:t>, </a:t>
+            </a:r>
+            <a:r>
+              <a:rPr lang="en-US" dirty="0" err="1"/>
+              <a:t>sporind</a:t>
+            </a:r>
+            <a:r>
+              <a:rPr lang="en-US" dirty="0"/>
+              <a:t> </a:t>
+            </a:r>
+            <a:r>
+              <a:rPr lang="en-US" dirty="0" err="1"/>
+              <a:t>entuziasmul</a:t>
+            </a:r>
+            <a:r>
+              <a:rPr lang="en-US" dirty="0"/>
+              <a:t> </a:t>
+            </a:r>
+            <a:r>
+              <a:rPr lang="en-US" dirty="0" err="1"/>
+              <a:t>și</a:t>
+            </a:r>
+            <a:r>
+              <a:rPr lang="en-US" dirty="0"/>
+              <a:t> </a:t>
+            </a:r>
+            <a:r>
+              <a:rPr lang="en-US" dirty="0" err="1"/>
+              <a:t>anticipația</a:t>
+            </a:r>
+            <a:r>
+              <a:rPr lang="en-US" dirty="0"/>
+              <a:t> </a:t>
+            </a:r>
+            <a:r>
+              <a:rPr lang="en-US" dirty="0" err="1"/>
+              <a:t>fanilor</a:t>
+            </a:r>
+            <a:r>
+              <a:rPr lang="en-US" dirty="0"/>
+              <a:t>.</a:t>
+            </a:r>
+          </a:p>
+        </p:txBody>
+      </p:sp>
       <p:sp>
         <p:nvSpPr>
           <p:cNvPr id="4" name="Slide Number Placeholder 3">
             <a:extLst>
               <a:ext uri="{FF2B5EF4-FFF2-40B4-BE49-F238E27FC236}">
-                <a16:creationId xmlns:a16="http://schemas.microsoft.com/office/drawing/2014/main" id="{08A9FC35-3A5D-2BDF-D96B-42664B37F546}"/>
+                <a16:creationId xmlns:a16="http://schemas.microsoft.com/office/drawing/2014/main" id="{C3EECE0A-C464-20B2-23D1-7EEF223AB5B2}"/>
               </a:ext>
             </a:extLst>
           </p:cNvPr>
@@ -8999,6 +13141,289 @@
             <a:fld id="{F8A5FA55-D9B8-4EF5-BE35-7AA8B0D8C041}" type="slidenum">
               <a:rPr lang="en-US" smtClean="0"/>
               <a:t>8</a:t>
+            </a:fld>
+            <a:endParaRPr lang="en-US"/>
+          </a:p>
+        </p:txBody>
+      </p:sp>
+    </p:spTree>
+    <p:extLst>
+      <p:ext uri="{BB962C8B-B14F-4D97-AF65-F5344CB8AC3E}">
+        <p14:creationId xmlns:p14="http://schemas.microsoft.com/office/powerpoint/2010/main" val="382588517"/>
+      </p:ext>
+    </p:extLst>
+  </p:cSld>
+  <p:clrMapOvr>
+    <a:masterClrMapping/>
+  </p:clrMapOvr>
+  <p:timing>
+    <p:tnLst>
+      <p:par>
+        <p:cTn id="1" dur="indefinite" restart="never" nodeType="tmRoot">
+          <p:childTnLst>
+            <p:seq concurrent="1" nextAc="seek">
+              <p:cTn id="2" dur="indefinite" nodeType="mainSeq">
+                <p:childTnLst>
+                  <p:par>
+                    <p:cTn id="3" fill="hold">
+                      <p:stCondLst>
+                        <p:cond delay="indefinite"/>
+                      </p:stCondLst>
+                      <p:childTnLst>
+                        <p:par>
+                          <p:cTn id="4" fill="hold">
+                            <p:stCondLst>
+                              <p:cond delay="0"/>
+                            </p:stCondLst>
+                            <p:childTnLst>
+                              <p:par>
+                                <p:cTn id="5" presetID="10" presetClass="entr" presetSubtype="0" fill="hold" grpId="0" nodeType="clickEffect">
+                                  <p:stCondLst>
+                                    <p:cond delay="0"/>
+                                  </p:stCondLst>
+                                  <p:childTnLst>
+                                    <p:set>
+                                      <p:cBhvr>
+                                        <p:cTn id="6" dur="1" fill="hold">
+                                          <p:stCondLst>
+                                            <p:cond delay="0"/>
+                                          </p:stCondLst>
+                                        </p:cTn>
+                                        <p:tgtEl>
+                                          <p:spTgt spid="3">
+                                            <p:txEl>
+                                              <p:pRg st="0" end="0"/>
+                                            </p:txEl>
+                                          </p:spTgt>
+                                        </p:tgtEl>
+                                        <p:attrNameLst>
+                                          <p:attrName>style.visibility</p:attrName>
+                                        </p:attrNameLst>
+                                      </p:cBhvr>
+                                      <p:to>
+                                        <p:strVal val="visible"/>
+                                      </p:to>
+                                    </p:set>
+                                    <p:animEffect transition="in" filter="fade">
+                                      <p:cBhvr>
+                                        <p:cTn id="7" dur="500"/>
+                                        <p:tgtEl>
+                                          <p:spTgt spid="3">
+                                            <p:txEl>
+                                              <p:pRg st="0" end="0"/>
+                                            </p:txEl>
+                                          </p:spTgt>
+                                        </p:tgtEl>
+                                      </p:cBhvr>
+                                    </p:animEffect>
+                                  </p:childTnLst>
+                                </p:cTn>
+                              </p:par>
+                            </p:childTnLst>
+                          </p:cTn>
+                        </p:par>
+                      </p:childTnLst>
+                    </p:cTn>
+                  </p:par>
+                  <p:par>
+                    <p:cTn id="8" fill="hold">
+                      <p:stCondLst>
+                        <p:cond delay="indefinite"/>
+                      </p:stCondLst>
+                      <p:childTnLst>
+                        <p:par>
+                          <p:cTn id="9" fill="hold">
+                            <p:stCondLst>
+                              <p:cond delay="0"/>
+                            </p:stCondLst>
+                            <p:childTnLst>
+                              <p:par>
+                                <p:cTn id="10" presetID="10" presetClass="entr" presetSubtype="0" fill="hold" grpId="0" nodeType="clickEffect">
+                                  <p:stCondLst>
+                                    <p:cond delay="0"/>
+                                  </p:stCondLst>
+                                  <p:childTnLst>
+                                    <p:set>
+                                      <p:cBhvr>
+                                        <p:cTn id="11" dur="1" fill="hold">
+                                          <p:stCondLst>
+                                            <p:cond delay="0"/>
+                                          </p:stCondLst>
+                                        </p:cTn>
+                                        <p:tgtEl>
+                                          <p:spTgt spid="3">
+                                            <p:txEl>
+                                              <p:pRg st="1" end="1"/>
+                                            </p:txEl>
+                                          </p:spTgt>
+                                        </p:tgtEl>
+                                        <p:attrNameLst>
+                                          <p:attrName>style.visibility</p:attrName>
+                                        </p:attrNameLst>
+                                      </p:cBhvr>
+                                      <p:to>
+                                        <p:strVal val="visible"/>
+                                      </p:to>
+                                    </p:set>
+                                    <p:animEffect transition="in" filter="fade">
+                                      <p:cBhvr>
+                                        <p:cTn id="12" dur="500"/>
+                                        <p:tgtEl>
+                                          <p:spTgt spid="3">
+                                            <p:txEl>
+                                              <p:pRg st="1" end="1"/>
+                                            </p:txEl>
+                                          </p:spTgt>
+                                        </p:tgtEl>
+                                      </p:cBhvr>
+                                    </p:animEffect>
+                                  </p:childTnLst>
+                                </p:cTn>
+                              </p:par>
+                            </p:childTnLst>
+                          </p:cTn>
+                        </p:par>
+                      </p:childTnLst>
+                    </p:cTn>
+                  </p:par>
+                </p:childTnLst>
+              </p:cTn>
+              <p:prevCondLst>
+                <p:cond evt="onPrev" delay="0">
+                  <p:tgtEl>
+                    <p:sldTgt/>
+                  </p:tgtEl>
+                </p:cond>
+              </p:prevCondLst>
+              <p:nextCondLst>
+                <p:cond evt="onNext" delay="0">
+                  <p:tgtEl>
+                    <p:sldTgt/>
+                  </p:tgtEl>
+                </p:cond>
+              </p:nextCondLst>
+            </p:seq>
+          </p:childTnLst>
+        </p:cTn>
+      </p:par>
+    </p:tnLst>
+    <p:bldLst>
+      <p:bldP spid="3" grpId="0" build="p"/>
+    </p:bldLst>
+  </p:timing>
+</p:sld>
+</file>
+
+<file path=ppt/slides/slide9.xml><?xml version="1.0" encoding="utf-8"?>
+<p:sld xmlns:a="http://schemas.openxmlformats.org/drawingml/2006/main" xmlns:r="http://schemas.openxmlformats.org/officeDocument/2006/relationships" xmlns:p="http://schemas.openxmlformats.org/presentationml/2006/main">
+  <p:cSld>
+    <p:spTree>
+      <p:nvGrpSpPr>
+        <p:cNvPr id="1" name=""/>
+        <p:cNvGrpSpPr/>
+        <p:nvPr/>
+      </p:nvGrpSpPr>
+      <p:grpSpPr>
+        <a:xfrm>
+          <a:off x="0" y="0"/>
+          <a:ext cx="0" cy="0"/>
+          <a:chOff x="0" y="0"/>
+          <a:chExt cx="0" cy="0"/>
+        </a:xfrm>
+      </p:grpSpPr>
+      <p:sp>
+        <p:nvSpPr>
+          <p:cNvPr id="2" name="Title 1">
+            <a:extLst>
+              <a:ext uri="{FF2B5EF4-FFF2-40B4-BE49-F238E27FC236}">
+                <a16:creationId xmlns:a16="http://schemas.microsoft.com/office/drawing/2014/main" id="{8195CCED-333F-735B-1701-1663DC483553}"/>
+              </a:ext>
+            </a:extLst>
+          </p:cNvPr>
+          <p:cNvSpPr>
+            <a:spLocks noGrp="1"/>
+          </p:cNvSpPr>
+          <p:nvPr>
+            <p:ph type="title"/>
+          </p:nvPr>
+        </p:nvSpPr>
+        <p:spPr/>
+        <p:txBody>
+          <a:bodyPr/>
+          <a:lstStyle/>
+          <a:p>
+            <a:pPr algn="ctr"/>
+            <a:r>
+              <a:rPr lang="ro-RO" dirty="0">
+                <a:latin typeface="Bahnschrift" panose="020B0502040204020203" pitchFamily="34" charset="0"/>
+              </a:rPr>
+              <a:t>Direcții de dezvoltare</a:t>
+            </a:r>
+            <a:endParaRPr lang="en-US" dirty="0">
+              <a:latin typeface="Bahnschrift" panose="020B0502040204020203" pitchFamily="34" charset="0"/>
+            </a:endParaRPr>
+          </a:p>
+        </p:txBody>
+      </p:sp>
+      <p:pic>
+        <p:nvPicPr>
+          <p:cNvPr id="7" name="Content Placeholder 6" descr="A black and white video game controller&#10;&#10;Description automatically generated">
+            <a:extLst>
+              <a:ext uri="{FF2B5EF4-FFF2-40B4-BE49-F238E27FC236}">
+                <a16:creationId xmlns:a16="http://schemas.microsoft.com/office/drawing/2014/main" id="{5754F810-A340-B267-18AD-98E0C39962A5}"/>
+              </a:ext>
+            </a:extLst>
+          </p:cNvPr>
+          <p:cNvPicPr>
+            <a:picLocks noGrp="1" noChangeAspect="1"/>
+          </p:cNvPicPr>
+          <p:nvPr>
+            <p:ph idx="1"/>
+          </p:nvPr>
+        </p:nvPicPr>
+        <p:blipFill>
+          <a:blip r:embed="rId2">
+            <a:extLst>
+              <a:ext uri="{28A0092B-C50C-407E-A947-70E740481C1C}">
+                <a14:useLocalDpi xmlns:a14="http://schemas.microsoft.com/office/drawing/2010/main" val="0"/>
+              </a:ext>
+            </a:extLst>
+          </a:blip>
+          <a:stretch>
+            <a:fillRect/>
+          </a:stretch>
+        </p:blipFill>
+        <p:spPr>
+          <a:xfrm>
+            <a:off x="926973" y="1864352"/>
+            <a:ext cx="1322451" cy="1030887"/>
+          </a:xfrm>
+        </p:spPr>
+      </p:pic>
+      <p:sp>
+        <p:nvSpPr>
+          <p:cNvPr id="4" name="Slide Number Placeholder 3">
+            <a:extLst>
+              <a:ext uri="{FF2B5EF4-FFF2-40B4-BE49-F238E27FC236}">
+                <a16:creationId xmlns:a16="http://schemas.microsoft.com/office/drawing/2014/main" id="{08A9FC35-3A5D-2BDF-D96B-42664B37F546}"/>
+              </a:ext>
+            </a:extLst>
+          </p:cNvPr>
+          <p:cNvSpPr>
+            <a:spLocks noGrp="1"/>
+          </p:cNvSpPr>
+          <p:nvPr>
+            <p:ph type="sldNum" sz="quarter" idx="12"/>
+          </p:nvPr>
+        </p:nvSpPr>
+        <p:spPr/>
+        <p:txBody>
+          <a:bodyPr/>
+          <a:lstStyle/>
+          <a:p>
+            <a:fld id="{F8A5FA55-D9B8-4EF5-BE35-7AA8B0D8C041}" type="slidenum">
+              <a:rPr lang="en-US" smtClean="0"/>
+              <a:t>9</a:t>
             </a:fld>
             <a:endParaRPr lang="en-US"/>
           </a:p>
@@ -9562,136 +13987,565 @@
   <p:clrMapOvr>
     <a:masterClrMapping/>
   </p:clrMapOvr>
-</p:sld>
-</file>
-
-<file path=ppt/slides/slide9.xml><?xml version="1.0" encoding="utf-8"?>
-<p:sld xmlns:a="http://schemas.openxmlformats.org/drawingml/2006/main" xmlns:r="http://schemas.openxmlformats.org/officeDocument/2006/relationships" xmlns:p="http://schemas.openxmlformats.org/presentationml/2006/main">
-  <p:cSld>
-    <p:spTree>
-      <p:nvGrpSpPr>
-        <p:cNvPr id="1" name=""/>
-        <p:cNvGrpSpPr/>
-        <p:nvPr/>
-      </p:nvGrpSpPr>
-      <p:grpSpPr>
-        <a:xfrm>
-          <a:off x="0" y="0"/>
-          <a:ext cx="0" cy="0"/>
-          <a:chOff x="0" y="0"/>
-          <a:chExt cx="0" cy="0"/>
-        </a:xfrm>
-      </p:grpSpPr>
-      <p:sp>
-        <p:nvSpPr>
-          <p:cNvPr id="2" name="Title 1">
-            <a:extLst>
-              <a:ext uri="{FF2B5EF4-FFF2-40B4-BE49-F238E27FC236}">
-                <a16:creationId xmlns:a16="http://schemas.microsoft.com/office/drawing/2014/main" id="{AB36C50B-E881-241D-9DE1-89337FB5A373}"/>
-              </a:ext>
-            </a:extLst>
-          </p:cNvPr>
-          <p:cNvSpPr>
-            <a:spLocks noGrp="1"/>
-          </p:cNvSpPr>
-          <p:nvPr>
-            <p:ph type="title"/>
-          </p:nvPr>
-        </p:nvSpPr>
-        <p:spPr>
-          <a:xfrm>
-            <a:off x="838200" y="365125"/>
-            <a:ext cx="10515600" cy="6063107"/>
-          </a:xfrm>
-        </p:spPr>
-        <p:txBody>
-          <a:bodyPr/>
-          <a:lstStyle/>
-          <a:p>
-            <a:pPr algn="ctr"/>
-            <a:r>
-              <a:rPr lang="ro-RO" sz="4400" dirty="0"/>
-              <a:t>Vă mulțumesc pentru atenție!</a:t>
-            </a:r>
-            <a:endParaRPr lang="en-US" dirty="0"/>
-          </a:p>
-        </p:txBody>
-      </p:sp>
-      <p:sp>
-        <p:nvSpPr>
-          <p:cNvPr id="3" name="Slide Number Placeholder 2">
-            <a:extLst>
-              <a:ext uri="{FF2B5EF4-FFF2-40B4-BE49-F238E27FC236}">
-                <a16:creationId xmlns:a16="http://schemas.microsoft.com/office/drawing/2014/main" id="{D43935DF-10BC-250C-D7B0-C1643F86932D}"/>
-              </a:ext>
-            </a:extLst>
-          </p:cNvPr>
-          <p:cNvSpPr>
-            <a:spLocks noGrp="1"/>
-          </p:cNvSpPr>
-          <p:nvPr>
-            <p:ph type="sldNum" sz="quarter" idx="12"/>
-          </p:nvPr>
-        </p:nvSpPr>
-        <p:spPr/>
-        <p:txBody>
-          <a:bodyPr/>
-          <a:lstStyle/>
-          <a:p>
-            <a:fld id="{F8A5FA55-D9B8-4EF5-BE35-7AA8B0D8C041}" type="slidenum">
-              <a:rPr lang="en-US" smtClean="0"/>
-              <a:t>9</a:t>
-            </a:fld>
-            <a:endParaRPr lang="en-US"/>
-          </a:p>
-        </p:txBody>
-      </p:sp>
-      <p:pic>
-        <p:nvPicPr>
-          <p:cNvPr id="4" name="Imagine 6" descr="O imagine care conține text, Font, Albastru electric, captură de ecran&#10;&#10;Descriere generată automat">
-            <a:extLst>
-              <a:ext uri="{FF2B5EF4-FFF2-40B4-BE49-F238E27FC236}">
-                <a16:creationId xmlns:a16="http://schemas.microsoft.com/office/drawing/2014/main" id="{EB636F53-63E8-6CA3-D08D-4604E0C11E91}"/>
-              </a:ext>
-            </a:extLst>
-          </p:cNvPr>
-          <p:cNvPicPr>
-            <a:picLocks noChangeAspect="1"/>
-          </p:cNvPicPr>
-          <p:nvPr/>
-        </p:nvPicPr>
-        <p:blipFill>
-          <a:blip r:embed="rId2">
-            <a:extLst>
-              <a:ext uri="{28A0092B-C50C-407E-A947-70E740481C1C}">
-                <a14:useLocalDpi xmlns:a14="http://schemas.microsoft.com/office/drawing/2010/main" val="0"/>
-              </a:ext>
-            </a:extLst>
-          </a:blip>
-          <a:stretch>
-            <a:fillRect/>
-          </a:stretch>
-        </p:blipFill>
-        <p:spPr>
-          <a:xfrm>
-            <a:off x="9689982" y="191461"/>
-            <a:ext cx="2364858" cy="836445"/>
-          </a:xfrm>
-          <a:prstGeom prst="rect">
-            <a:avLst/>
-          </a:prstGeom>
-        </p:spPr>
-      </p:pic>
-    </p:spTree>
-    <p:extLst>
-      <p:ext uri="{BB962C8B-B14F-4D97-AF65-F5344CB8AC3E}">
-        <p14:creationId xmlns:p14="http://schemas.microsoft.com/office/powerpoint/2010/main" val="3797409576"/>
-      </p:ext>
-    </p:extLst>
-  </p:cSld>
-  <p:clrMapOvr>
-    <a:masterClrMapping/>
-  </p:clrMapOvr>
+  <mc:AlternateContent xmlns:mc="http://schemas.openxmlformats.org/markup-compatibility/2006">
+    <mc:Choice xmlns:p14="http://schemas.microsoft.com/office/powerpoint/2010/main" Requires="p14">
+      <p:transition spd="slow" p14:dur="800">
+        <p14:flythrough/>
+      </p:transition>
+    </mc:Choice>
+    <mc:Fallback>
+      <p:transition spd="slow">
+        <p:fade/>
+      </p:transition>
+    </mc:Fallback>
+  </mc:AlternateContent>
+  <p:timing>
+    <p:tnLst>
+      <p:par>
+        <p:cTn id="1" dur="indefinite" restart="never" nodeType="tmRoot">
+          <p:childTnLst>
+            <p:seq concurrent="1" nextAc="seek">
+              <p:cTn id="2" dur="indefinite" nodeType="mainSeq">
+                <p:childTnLst>
+                  <p:par>
+                    <p:cTn id="3" fill="hold">
+                      <p:stCondLst>
+                        <p:cond delay="indefinite"/>
+                      </p:stCondLst>
+                      <p:childTnLst>
+                        <p:par>
+                          <p:cTn id="4" fill="hold">
+                            <p:stCondLst>
+                              <p:cond delay="0"/>
+                            </p:stCondLst>
+                            <p:childTnLst>
+                              <p:par>
+                                <p:cTn id="5" presetID="10" presetClass="entr" presetSubtype="0" fill="hold" nodeType="clickEffect">
+                                  <p:stCondLst>
+                                    <p:cond delay="0"/>
+                                  </p:stCondLst>
+                                  <p:childTnLst>
+                                    <p:set>
+                                      <p:cBhvr>
+                                        <p:cTn id="6" dur="1" fill="hold">
+                                          <p:stCondLst>
+                                            <p:cond delay="0"/>
+                                          </p:stCondLst>
+                                        </p:cTn>
+                                        <p:tgtEl>
+                                          <p:spTgt spid="7"/>
+                                        </p:tgtEl>
+                                        <p:attrNameLst>
+                                          <p:attrName>style.visibility</p:attrName>
+                                        </p:attrNameLst>
+                                      </p:cBhvr>
+                                      <p:to>
+                                        <p:strVal val="visible"/>
+                                      </p:to>
+                                    </p:set>
+                                    <p:animEffect transition="in" filter="fade">
+                                      <p:cBhvr>
+                                        <p:cTn id="7" dur="500"/>
+                                        <p:tgtEl>
+                                          <p:spTgt spid="7"/>
+                                        </p:tgtEl>
+                                      </p:cBhvr>
+                                    </p:animEffect>
+                                  </p:childTnLst>
+                                </p:cTn>
+                              </p:par>
+                              <p:par>
+                                <p:cTn id="8" presetID="10" presetClass="entr" presetSubtype="0" fill="hold" grpId="0" nodeType="withEffect">
+                                  <p:stCondLst>
+                                    <p:cond delay="0"/>
+                                  </p:stCondLst>
+                                  <p:childTnLst>
+                                    <p:set>
+                                      <p:cBhvr>
+                                        <p:cTn id="9" dur="1" fill="hold">
+                                          <p:stCondLst>
+                                            <p:cond delay="0"/>
+                                          </p:stCondLst>
+                                        </p:cTn>
+                                        <p:tgtEl>
+                                          <p:spTgt spid="8"/>
+                                        </p:tgtEl>
+                                        <p:attrNameLst>
+                                          <p:attrName>style.visibility</p:attrName>
+                                        </p:attrNameLst>
+                                      </p:cBhvr>
+                                      <p:to>
+                                        <p:strVal val="visible"/>
+                                      </p:to>
+                                    </p:set>
+                                    <p:animEffect transition="in" filter="fade">
+                                      <p:cBhvr>
+                                        <p:cTn id="10" dur="500"/>
+                                        <p:tgtEl>
+                                          <p:spTgt spid="8"/>
+                                        </p:tgtEl>
+                                      </p:cBhvr>
+                                    </p:animEffect>
+                                  </p:childTnLst>
+                                </p:cTn>
+                              </p:par>
+                            </p:childTnLst>
+                          </p:cTn>
+                        </p:par>
+                      </p:childTnLst>
+                    </p:cTn>
+                  </p:par>
+                  <p:par>
+                    <p:cTn id="11" fill="hold">
+                      <p:stCondLst>
+                        <p:cond delay="indefinite"/>
+                      </p:stCondLst>
+                      <p:childTnLst>
+                        <p:par>
+                          <p:cTn id="12" fill="hold">
+                            <p:stCondLst>
+                              <p:cond delay="0"/>
+                            </p:stCondLst>
+                            <p:childTnLst>
+                              <p:par>
+                                <p:cTn id="13" presetID="10" presetClass="entr" presetSubtype="0" fill="hold" nodeType="clickEffect">
+                                  <p:stCondLst>
+                                    <p:cond delay="0"/>
+                                  </p:stCondLst>
+                                  <p:childTnLst>
+                                    <p:set>
+                                      <p:cBhvr>
+                                        <p:cTn id="14" dur="1" fill="hold">
+                                          <p:stCondLst>
+                                            <p:cond delay="0"/>
+                                          </p:stCondLst>
+                                        </p:cTn>
+                                        <p:tgtEl>
+                                          <p:spTgt spid="10"/>
+                                        </p:tgtEl>
+                                        <p:attrNameLst>
+                                          <p:attrName>style.visibility</p:attrName>
+                                        </p:attrNameLst>
+                                      </p:cBhvr>
+                                      <p:to>
+                                        <p:strVal val="visible"/>
+                                      </p:to>
+                                    </p:set>
+                                    <p:animEffect transition="in" filter="fade">
+                                      <p:cBhvr>
+                                        <p:cTn id="15" dur="500"/>
+                                        <p:tgtEl>
+                                          <p:spTgt spid="10"/>
+                                        </p:tgtEl>
+                                      </p:cBhvr>
+                                    </p:animEffect>
+                                  </p:childTnLst>
+                                </p:cTn>
+                              </p:par>
+                              <p:par>
+                                <p:cTn id="16" presetID="10" presetClass="entr" presetSubtype="0" fill="hold" grpId="0" nodeType="withEffect">
+                                  <p:stCondLst>
+                                    <p:cond delay="0"/>
+                                  </p:stCondLst>
+                                  <p:childTnLst>
+                                    <p:set>
+                                      <p:cBhvr>
+                                        <p:cTn id="17" dur="1" fill="hold">
+                                          <p:stCondLst>
+                                            <p:cond delay="0"/>
+                                          </p:stCondLst>
+                                        </p:cTn>
+                                        <p:tgtEl>
+                                          <p:spTgt spid="11"/>
+                                        </p:tgtEl>
+                                        <p:attrNameLst>
+                                          <p:attrName>style.visibility</p:attrName>
+                                        </p:attrNameLst>
+                                      </p:cBhvr>
+                                      <p:to>
+                                        <p:strVal val="visible"/>
+                                      </p:to>
+                                    </p:set>
+                                    <p:animEffect transition="in" filter="fade">
+                                      <p:cBhvr>
+                                        <p:cTn id="18" dur="500"/>
+                                        <p:tgtEl>
+                                          <p:spTgt spid="11"/>
+                                        </p:tgtEl>
+                                      </p:cBhvr>
+                                    </p:animEffect>
+                                  </p:childTnLst>
+                                </p:cTn>
+                              </p:par>
+                            </p:childTnLst>
+                          </p:cTn>
+                        </p:par>
+                      </p:childTnLst>
+                    </p:cTn>
+                  </p:par>
+                  <p:par>
+                    <p:cTn id="19" fill="hold">
+                      <p:stCondLst>
+                        <p:cond delay="indefinite"/>
+                      </p:stCondLst>
+                      <p:childTnLst>
+                        <p:par>
+                          <p:cTn id="20" fill="hold">
+                            <p:stCondLst>
+                              <p:cond delay="0"/>
+                            </p:stCondLst>
+                            <p:childTnLst>
+                              <p:par>
+                                <p:cTn id="21" presetID="10" presetClass="entr" presetSubtype="0" fill="hold" nodeType="clickEffect">
+                                  <p:stCondLst>
+                                    <p:cond delay="0"/>
+                                  </p:stCondLst>
+                                  <p:childTnLst>
+                                    <p:set>
+                                      <p:cBhvr>
+                                        <p:cTn id="22" dur="1" fill="hold">
+                                          <p:stCondLst>
+                                            <p:cond delay="0"/>
+                                          </p:stCondLst>
+                                        </p:cTn>
+                                        <p:tgtEl>
+                                          <p:spTgt spid="22"/>
+                                        </p:tgtEl>
+                                        <p:attrNameLst>
+                                          <p:attrName>style.visibility</p:attrName>
+                                        </p:attrNameLst>
+                                      </p:cBhvr>
+                                      <p:to>
+                                        <p:strVal val="visible"/>
+                                      </p:to>
+                                    </p:set>
+                                    <p:animEffect transition="in" filter="fade">
+                                      <p:cBhvr>
+                                        <p:cTn id="23" dur="500"/>
+                                        <p:tgtEl>
+                                          <p:spTgt spid="22"/>
+                                        </p:tgtEl>
+                                      </p:cBhvr>
+                                    </p:animEffect>
+                                  </p:childTnLst>
+                                </p:cTn>
+                              </p:par>
+                              <p:par>
+                                <p:cTn id="24" presetID="10" presetClass="entr" presetSubtype="0" fill="hold" grpId="0" nodeType="withEffect">
+                                  <p:stCondLst>
+                                    <p:cond delay="0"/>
+                                  </p:stCondLst>
+                                  <p:childTnLst>
+                                    <p:set>
+                                      <p:cBhvr>
+                                        <p:cTn id="25" dur="1" fill="hold">
+                                          <p:stCondLst>
+                                            <p:cond delay="0"/>
+                                          </p:stCondLst>
+                                        </p:cTn>
+                                        <p:tgtEl>
+                                          <p:spTgt spid="23"/>
+                                        </p:tgtEl>
+                                        <p:attrNameLst>
+                                          <p:attrName>style.visibility</p:attrName>
+                                        </p:attrNameLst>
+                                      </p:cBhvr>
+                                      <p:to>
+                                        <p:strVal val="visible"/>
+                                      </p:to>
+                                    </p:set>
+                                    <p:animEffect transition="in" filter="fade">
+                                      <p:cBhvr>
+                                        <p:cTn id="26" dur="500"/>
+                                        <p:tgtEl>
+                                          <p:spTgt spid="23"/>
+                                        </p:tgtEl>
+                                      </p:cBhvr>
+                                    </p:animEffect>
+                                  </p:childTnLst>
+                                </p:cTn>
+                              </p:par>
+                            </p:childTnLst>
+                          </p:cTn>
+                        </p:par>
+                      </p:childTnLst>
+                    </p:cTn>
+                  </p:par>
+                  <p:par>
+                    <p:cTn id="27" fill="hold">
+                      <p:stCondLst>
+                        <p:cond delay="indefinite"/>
+                      </p:stCondLst>
+                      <p:childTnLst>
+                        <p:par>
+                          <p:cTn id="28" fill="hold">
+                            <p:stCondLst>
+                              <p:cond delay="0"/>
+                            </p:stCondLst>
+                            <p:childTnLst>
+                              <p:par>
+                                <p:cTn id="29" presetID="10" presetClass="entr" presetSubtype="0" fill="hold" nodeType="clickEffect">
+                                  <p:stCondLst>
+                                    <p:cond delay="0"/>
+                                  </p:stCondLst>
+                                  <p:childTnLst>
+                                    <p:set>
+                                      <p:cBhvr>
+                                        <p:cTn id="30" dur="1" fill="hold">
+                                          <p:stCondLst>
+                                            <p:cond delay="0"/>
+                                          </p:stCondLst>
+                                        </p:cTn>
+                                        <p:tgtEl>
+                                          <p:spTgt spid="13"/>
+                                        </p:tgtEl>
+                                        <p:attrNameLst>
+                                          <p:attrName>style.visibility</p:attrName>
+                                        </p:attrNameLst>
+                                      </p:cBhvr>
+                                      <p:to>
+                                        <p:strVal val="visible"/>
+                                      </p:to>
+                                    </p:set>
+                                    <p:animEffect transition="in" filter="fade">
+                                      <p:cBhvr>
+                                        <p:cTn id="31" dur="500"/>
+                                        <p:tgtEl>
+                                          <p:spTgt spid="13"/>
+                                        </p:tgtEl>
+                                      </p:cBhvr>
+                                    </p:animEffect>
+                                  </p:childTnLst>
+                                </p:cTn>
+                              </p:par>
+                              <p:par>
+                                <p:cTn id="32" presetID="10" presetClass="entr" presetSubtype="0" fill="hold" grpId="0" nodeType="withEffect">
+                                  <p:stCondLst>
+                                    <p:cond delay="0"/>
+                                  </p:stCondLst>
+                                  <p:childTnLst>
+                                    <p:set>
+                                      <p:cBhvr>
+                                        <p:cTn id="33" dur="1" fill="hold">
+                                          <p:stCondLst>
+                                            <p:cond delay="0"/>
+                                          </p:stCondLst>
+                                        </p:cTn>
+                                        <p:tgtEl>
+                                          <p:spTgt spid="20"/>
+                                        </p:tgtEl>
+                                        <p:attrNameLst>
+                                          <p:attrName>style.visibility</p:attrName>
+                                        </p:attrNameLst>
+                                      </p:cBhvr>
+                                      <p:to>
+                                        <p:strVal val="visible"/>
+                                      </p:to>
+                                    </p:set>
+                                    <p:animEffect transition="in" filter="fade">
+                                      <p:cBhvr>
+                                        <p:cTn id="34" dur="500"/>
+                                        <p:tgtEl>
+                                          <p:spTgt spid="20"/>
+                                        </p:tgtEl>
+                                      </p:cBhvr>
+                                    </p:animEffect>
+                                  </p:childTnLst>
+                                </p:cTn>
+                              </p:par>
+                              <p:par>
+                                <p:cTn id="35" presetID="10" presetClass="entr" presetSubtype="0" fill="hold" nodeType="withEffect">
+                                  <p:stCondLst>
+                                    <p:cond delay="0"/>
+                                  </p:stCondLst>
+                                  <p:childTnLst>
+                                    <p:set>
+                                      <p:cBhvr>
+                                        <p:cTn id="36" dur="1" fill="hold">
+                                          <p:stCondLst>
+                                            <p:cond delay="0"/>
+                                          </p:stCondLst>
+                                        </p:cTn>
+                                        <p:tgtEl>
+                                          <p:spTgt spid="19"/>
+                                        </p:tgtEl>
+                                        <p:attrNameLst>
+                                          <p:attrName>style.visibility</p:attrName>
+                                        </p:attrNameLst>
+                                      </p:cBhvr>
+                                      <p:to>
+                                        <p:strVal val="visible"/>
+                                      </p:to>
+                                    </p:set>
+                                    <p:animEffect transition="in" filter="fade">
+                                      <p:cBhvr>
+                                        <p:cTn id="37" dur="500"/>
+                                        <p:tgtEl>
+                                          <p:spTgt spid="19"/>
+                                        </p:tgtEl>
+                                      </p:cBhvr>
+                                    </p:animEffect>
+                                  </p:childTnLst>
+                                </p:cTn>
+                              </p:par>
+                              <p:par>
+                                <p:cTn id="38" presetID="10" presetClass="entr" presetSubtype="0" fill="hold" nodeType="withEffect">
+                                  <p:stCondLst>
+                                    <p:cond delay="0"/>
+                                  </p:stCondLst>
+                                  <p:childTnLst>
+                                    <p:set>
+                                      <p:cBhvr>
+                                        <p:cTn id="39" dur="1" fill="hold">
+                                          <p:stCondLst>
+                                            <p:cond delay="0"/>
+                                          </p:stCondLst>
+                                        </p:cTn>
+                                        <p:tgtEl>
+                                          <p:spTgt spid="17"/>
+                                        </p:tgtEl>
+                                        <p:attrNameLst>
+                                          <p:attrName>style.visibility</p:attrName>
+                                        </p:attrNameLst>
+                                      </p:cBhvr>
+                                      <p:to>
+                                        <p:strVal val="visible"/>
+                                      </p:to>
+                                    </p:set>
+                                    <p:animEffect transition="in" filter="fade">
+                                      <p:cBhvr>
+                                        <p:cTn id="40" dur="500"/>
+                                        <p:tgtEl>
+                                          <p:spTgt spid="17"/>
+                                        </p:tgtEl>
+                                      </p:cBhvr>
+                                    </p:animEffect>
+                                  </p:childTnLst>
+                                </p:cTn>
+                              </p:par>
+                            </p:childTnLst>
+                          </p:cTn>
+                        </p:par>
+                      </p:childTnLst>
+                    </p:cTn>
+                  </p:par>
+                  <p:par>
+                    <p:cTn id="41" fill="hold">
+                      <p:stCondLst>
+                        <p:cond delay="indefinite"/>
+                      </p:stCondLst>
+                      <p:childTnLst>
+                        <p:par>
+                          <p:cTn id="42" fill="hold">
+                            <p:stCondLst>
+                              <p:cond delay="0"/>
+                            </p:stCondLst>
+                            <p:childTnLst>
+                              <p:par>
+                                <p:cTn id="43" presetID="10" presetClass="entr" presetSubtype="0" fill="hold" nodeType="clickEffect">
+                                  <p:stCondLst>
+                                    <p:cond delay="0"/>
+                                  </p:stCondLst>
+                                  <p:childTnLst>
+                                    <p:set>
+                                      <p:cBhvr>
+                                        <p:cTn id="44" dur="1" fill="hold">
+                                          <p:stCondLst>
+                                            <p:cond delay="0"/>
+                                          </p:stCondLst>
+                                        </p:cTn>
+                                        <p:tgtEl>
+                                          <p:spTgt spid="25"/>
+                                        </p:tgtEl>
+                                        <p:attrNameLst>
+                                          <p:attrName>style.visibility</p:attrName>
+                                        </p:attrNameLst>
+                                      </p:cBhvr>
+                                      <p:to>
+                                        <p:strVal val="visible"/>
+                                      </p:to>
+                                    </p:set>
+                                    <p:animEffect transition="in" filter="fade">
+                                      <p:cBhvr>
+                                        <p:cTn id="45" dur="500"/>
+                                        <p:tgtEl>
+                                          <p:spTgt spid="25"/>
+                                        </p:tgtEl>
+                                      </p:cBhvr>
+                                    </p:animEffect>
+                                  </p:childTnLst>
+                                </p:cTn>
+                              </p:par>
+                              <p:par>
+                                <p:cTn id="46" presetID="10" presetClass="entr" presetSubtype="0" fill="hold" grpId="0" nodeType="withEffect">
+                                  <p:stCondLst>
+                                    <p:cond delay="0"/>
+                                  </p:stCondLst>
+                                  <p:childTnLst>
+                                    <p:set>
+                                      <p:cBhvr>
+                                        <p:cTn id="47" dur="1" fill="hold">
+                                          <p:stCondLst>
+                                            <p:cond delay="0"/>
+                                          </p:stCondLst>
+                                        </p:cTn>
+                                        <p:tgtEl>
+                                          <p:spTgt spid="26"/>
+                                        </p:tgtEl>
+                                        <p:attrNameLst>
+                                          <p:attrName>style.visibility</p:attrName>
+                                        </p:attrNameLst>
+                                      </p:cBhvr>
+                                      <p:to>
+                                        <p:strVal val="visible"/>
+                                      </p:to>
+                                    </p:set>
+                                    <p:animEffect transition="in" filter="fade">
+                                      <p:cBhvr>
+                                        <p:cTn id="48" dur="500"/>
+                                        <p:tgtEl>
+                                          <p:spTgt spid="26"/>
+                                        </p:tgtEl>
+                                      </p:cBhvr>
+                                    </p:animEffect>
+                                  </p:childTnLst>
+                                </p:cTn>
+                              </p:par>
+                            </p:childTnLst>
+                          </p:cTn>
+                        </p:par>
+                      </p:childTnLst>
+                    </p:cTn>
+                  </p:par>
+                </p:childTnLst>
+              </p:cTn>
+              <p:prevCondLst>
+                <p:cond evt="onPrev" delay="0">
+                  <p:tgtEl>
+                    <p:sldTgt/>
+                  </p:tgtEl>
+                </p:cond>
+              </p:prevCondLst>
+              <p:nextCondLst>
+                <p:cond evt="onNext" delay="0">
+                  <p:tgtEl>
+                    <p:sldTgt/>
+                  </p:tgtEl>
+                </p:cond>
+              </p:nextCondLst>
+            </p:seq>
+          </p:childTnLst>
+        </p:cTn>
+      </p:par>
+    </p:tnLst>
+    <p:bldLst>
+      <p:bldP spid="8" grpId="0"/>
+      <p:bldP spid="11" grpId="0"/>
+      <p:bldP spid="20" grpId="0"/>
+      <p:bldP spid="23" grpId="0"/>
+      <p:bldP spid="26" grpId="0"/>
+    </p:bldLst>
+  </p:timing>
 </p:sld>
 </file>
 

--- a/Mihaly_Bogdan-Matei.pptx
+++ b/Mihaly_Bogdan-Matei.pptx
@@ -206,7 +206,7 @@
           <a:p>
             <a:fld id="{CAB6408B-C718-4C56-9786-3BEFBD2E5973}" type="datetimeFigureOut">
               <a:rPr lang="en-US" smtClean="0"/>
-              <a:t>6/22/2024</a:t>
+              <a:t>6/23/2024</a:t>
             </a:fld>
             <a:endParaRPr lang="en-US"/>
           </a:p>
@@ -620,7 +620,7 @@
           <a:p>
             <a:fld id="{4FA5A385-0843-4FF4-972F-53A92C023AD8}" type="datetime1">
               <a:rPr lang="en-US" smtClean="0"/>
-              <a:t>6/22/2024</a:t>
+              <a:t>6/23/2024</a:t>
             </a:fld>
             <a:endParaRPr lang="en-US"/>
           </a:p>
@@ -818,7 +818,7 @@
           <a:p>
             <a:fld id="{D284471D-B916-4CDB-BA6E-DF0E31883223}" type="datetime1">
               <a:rPr lang="en-US" smtClean="0"/>
-              <a:t>6/22/2024</a:t>
+              <a:t>6/23/2024</a:t>
             </a:fld>
             <a:endParaRPr lang="en-US"/>
           </a:p>
@@ -1026,7 +1026,7 @@
           <a:p>
             <a:fld id="{92FADB33-1227-41A4-9985-0EB00A7C04DB}" type="datetime1">
               <a:rPr lang="en-US" smtClean="0"/>
-              <a:t>6/22/2024</a:t>
+              <a:t>6/23/2024</a:t>
             </a:fld>
             <a:endParaRPr lang="en-US"/>
           </a:p>
@@ -1224,7 +1224,7 @@
           <a:p>
             <a:fld id="{DB0B7143-00CC-4882-8F1D-6E4F10AE796F}" type="datetime1">
               <a:rPr lang="en-US" smtClean="0"/>
-              <a:t>6/22/2024</a:t>
+              <a:t>6/23/2024</a:t>
             </a:fld>
             <a:endParaRPr lang="en-US"/>
           </a:p>
@@ -1499,7 +1499,7 @@
           <a:p>
             <a:fld id="{C173C1BA-9C3C-4BB5-AAE1-5B62254F01F1}" type="datetime1">
               <a:rPr lang="en-US" smtClean="0"/>
-              <a:t>6/22/2024</a:t>
+              <a:t>6/23/2024</a:t>
             </a:fld>
             <a:endParaRPr lang="en-US"/>
           </a:p>
@@ -1764,7 +1764,7 @@
           <a:p>
             <a:fld id="{F9BBFF1A-FD82-4271-80F9-E7553321FDB2}" type="datetime1">
               <a:rPr lang="en-US" smtClean="0"/>
-              <a:t>6/22/2024</a:t>
+              <a:t>6/23/2024</a:t>
             </a:fld>
             <a:endParaRPr lang="en-US"/>
           </a:p>
@@ -2176,7 +2176,7 @@
           <a:p>
             <a:fld id="{125CEAC4-3850-4D08-85E5-EF71665C38F2}" type="datetime1">
               <a:rPr lang="en-US" smtClean="0"/>
-              <a:t>6/22/2024</a:t>
+              <a:t>6/23/2024</a:t>
             </a:fld>
             <a:endParaRPr lang="en-US"/>
           </a:p>
@@ -2317,7 +2317,7 @@
           <a:p>
             <a:fld id="{5C8313FD-8E79-4C25-9B5B-434753565F80}" type="datetime1">
               <a:rPr lang="en-US" smtClean="0"/>
-              <a:t>6/22/2024</a:t>
+              <a:t>6/23/2024</a:t>
             </a:fld>
             <a:endParaRPr lang="en-US"/>
           </a:p>
@@ -2430,7 +2430,7 @@
           <a:p>
             <a:fld id="{D8C9A120-6923-4607-B302-0F6A31DA0B6D}" type="datetime1">
               <a:rPr lang="en-US" smtClean="0"/>
-              <a:t>6/22/2024</a:t>
+              <a:t>6/23/2024</a:t>
             </a:fld>
             <a:endParaRPr lang="en-US"/>
           </a:p>
@@ -2741,7 +2741,7 @@
           <a:p>
             <a:fld id="{551A71E9-6E65-4C95-BA1E-27C40310E02F}" type="datetime1">
               <a:rPr lang="en-US" smtClean="0"/>
-              <a:t>6/22/2024</a:t>
+              <a:t>6/23/2024</a:t>
             </a:fld>
             <a:endParaRPr lang="en-US"/>
           </a:p>
@@ -3029,7 +3029,7 @@
           <a:p>
             <a:fld id="{3B45EF61-01C7-4E9B-8332-76BD3393F103}" type="datetime1">
               <a:rPr lang="en-US" smtClean="0"/>
-              <a:t>6/22/2024</a:t>
+              <a:t>6/23/2024</a:t>
             </a:fld>
             <a:endParaRPr lang="en-US"/>
           </a:p>
@@ -3270,7 +3270,7 @@
           <a:p>
             <a:fld id="{A2AC2938-28C5-41A1-AD8F-D3BA47B379FA}" type="datetime1">
               <a:rPr lang="en-US" smtClean="0"/>
-              <a:t>6/22/2024</a:t>
+              <a:t>6/23/2024</a:t>
             </a:fld>
             <a:endParaRPr lang="en-US"/>
           </a:p>
@@ -4178,13 +4178,13 @@
   <p:clrMapOvr>
     <a:masterClrMapping/>
   </p:clrMapOvr>
-  <mc:AlternateContent xmlns:mc="http://schemas.openxmlformats.org/markup-compatibility/2006">
-    <mc:Choice xmlns:p14="http://schemas.microsoft.com/office/powerpoint/2010/main" Requires="p14">
+  <mc:AlternateContent xmlns:mc="http://schemas.openxmlformats.org/markup-compatibility/2006" xmlns:p14="http://schemas.microsoft.com/office/powerpoint/2010/main">
+    <mc:Choice Requires="p14">
       <p:transition spd="slow" p14:dur="800">
         <p14:flythrough/>
       </p:transition>
     </mc:Choice>
-    <mc:Fallback>
+    <mc:Fallback xmlns="">
       <p:transition spd="slow">
         <p:fade/>
       </p:transition>
@@ -4810,13 +4810,13 @@
   <p:clrMapOvr>
     <a:masterClrMapping/>
   </p:clrMapOvr>
-  <mc:AlternateContent xmlns:mc="http://schemas.openxmlformats.org/markup-compatibility/2006">
-    <mc:Choice xmlns:p14="http://schemas.microsoft.com/office/powerpoint/2010/main" Requires="p14">
+  <mc:AlternateContent xmlns:mc="http://schemas.openxmlformats.org/markup-compatibility/2006" xmlns:p14="http://schemas.microsoft.com/office/powerpoint/2010/main">
+    <mc:Choice Requires="p14">
       <p:transition spd="slow" p14:dur="800">
         <p14:flythrough/>
       </p:transition>
     </mc:Choice>
-    <mc:Fallback>
+    <mc:Fallback xmlns="">
       <p:transition spd="slow">
         <p:fade/>
       </p:transition>
@@ -5840,13 +5840,13 @@
   <p:clrMapOvr>
     <a:masterClrMapping/>
   </p:clrMapOvr>
-  <mc:AlternateContent xmlns:mc="http://schemas.openxmlformats.org/markup-compatibility/2006">
-    <mc:Choice xmlns:p14="http://schemas.microsoft.com/office/powerpoint/2010/main" Requires="p14">
+  <mc:AlternateContent xmlns:mc="http://schemas.openxmlformats.org/markup-compatibility/2006" xmlns:p14="http://schemas.microsoft.com/office/powerpoint/2010/main">
+    <mc:Choice Requires="p14">
       <p:transition spd="slow" p14:dur="800">
         <p14:flythrough/>
       </p:transition>
     </mc:Choice>
-    <mc:Fallback>
+    <mc:Fallback xmlns="">
       <p:transition spd="slow">
         <p:fade/>
       </p:transition>
@@ -7256,13 +7256,13 @@
   <p:clrMapOvr>
     <a:masterClrMapping/>
   </p:clrMapOvr>
-  <mc:AlternateContent xmlns:mc="http://schemas.openxmlformats.org/markup-compatibility/2006">
-    <mc:Choice xmlns:p14="http://schemas.microsoft.com/office/powerpoint/2010/main" Requires="p14">
+  <mc:AlternateContent xmlns:mc="http://schemas.openxmlformats.org/markup-compatibility/2006" xmlns:p14="http://schemas.microsoft.com/office/powerpoint/2010/main">
+    <mc:Choice Requires="p14">
       <p:transition spd="slow" p14:dur="800">
         <p14:flythrough/>
       </p:transition>
     </mc:Choice>
-    <mc:Fallback>
+    <mc:Fallback xmlns="">
       <p:transition spd="slow">
         <p:fade/>
       </p:transition>
@@ -9433,13 +9433,13 @@
   <p:clrMapOvr>
     <a:masterClrMapping/>
   </p:clrMapOvr>
-  <mc:AlternateContent xmlns:mc="http://schemas.openxmlformats.org/markup-compatibility/2006">
-    <mc:Choice xmlns:p14="http://schemas.microsoft.com/office/powerpoint/2010/main" Requires="p14">
+  <mc:AlternateContent xmlns:mc="http://schemas.openxmlformats.org/markup-compatibility/2006" xmlns:p14="http://schemas.microsoft.com/office/powerpoint/2010/main">
+    <mc:Choice Requires="p14">
       <p:transition spd="slow" p14:dur="800">
         <p14:flythrough/>
       </p:transition>
     </mc:Choice>
-    <mc:Fallback>
+    <mc:Fallback xmlns="">
       <p:transition spd="slow">
         <p:fade/>
       </p:transition>
@@ -10207,13 +10207,13 @@
   <p:clrMapOvr>
     <a:masterClrMapping/>
   </p:clrMapOvr>
-  <mc:AlternateContent xmlns:mc="http://schemas.openxmlformats.org/markup-compatibility/2006">
-    <mc:Choice xmlns:p14="http://schemas.microsoft.com/office/powerpoint/2010/main" Requires="p14">
+  <mc:AlternateContent xmlns:mc="http://schemas.openxmlformats.org/markup-compatibility/2006" xmlns:p14="http://schemas.microsoft.com/office/powerpoint/2010/main">
+    <mc:Choice Requires="p14">
       <p:transition spd="slow" p14:dur="800">
         <p14:flythrough/>
       </p:transition>
     </mc:Choice>
-    <mc:Fallback>
+    <mc:Fallback xmlns="">
       <p:transition spd="slow">
         <p:fade/>
       </p:transition>
@@ -11784,13 +11784,13 @@
   <p:clrMapOvr>
     <a:masterClrMapping/>
   </p:clrMapOvr>
-  <mc:AlternateContent xmlns:mc="http://schemas.openxmlformats.org/markup-compatibility/2006">
-    <mc:Choice xmlns:p14="http://schemas.microsoft.com/office/powerpoint/2010/main" Requires="p14">
+  <mc:AlternateContent xmlns:mc="http://schemas.openxmlformats.org/markup-compatibility/2006" xmlns:p14="http://schemas.microsoft.com/office/powerpoint/2010/main">
+    <mc:Choice Requires="p14">
       <p:transition spd="slow" p14:dur="800">
         <p14:flythrough/>
       </p:transition>
     </mc:Choice>
-    <mc:Fallback>
+    <mc:Fallback xmlns="">
       <p:transition spd="slow">
         <p:fade/>
       </p:transition>
@@ -12761,23 +12761,15 @@
             <a:pPr algn="just"/>
             <a:r>
               <a:rPr lang="en-US" dirty="0" err="1"/>
-              <a:t>Aplicația</a:t>
+              <a:t>Experiență</a:t>
             </a:r>
             <a:r>
               <a:rPr lang="en-US" dirty="0"/>
               <a:t> </a:t>
             </a:r>
             <a:r>
-              <a:rPr lang="en-US" dirty="0" err="1"/>
-              <a:t>oferă</a:t>
-            </a:r>
-            <a:r>
-              <a:rPr lang="en-US" dirty="0"/>
-              <a:t> o </a:t>
-            </a:r>
-            <a:r>
-              <a:rPr lang="en-US" dirty="0" err="1"/>
-              <a:t>experiență</a:t>
+              <a:rPr lang="ro-RO" dirty="0"/>
+              <a:t>personalizată</a:t>
             </a:r>
             <a:r>
               <a:rPr lang="en-US" dirty="0"/>
@@ -12785,7 +12777,7 @@
             </a:r>
             <a:r>
               <a:rPr lang="en-US" dirty="0" err="1"/>
-              <a:t>captivantă</a:t>
+              <a:t>și</a:t>
             </a:r>
             <a:r>
               <a:rPr lang="en-US" dirty="0"/>
@@ -12793,7 +12785,7 @@
             </a:r>
             <a:r>
               <a:rPr lang="en-US" dirty="0" err="1"/>
-              <a:t>și</a:t>
+              <a:t>informativă</a:t>
             </a:r>
             <a:r>
               <a:rPr lang="en-US" dirty="0"/>
@@ -12801,7 +12793,7 @@
             </a:r>
             <a:r>
               <a:rPr lang="en-US" dirty="0" err="1"/>
-              <a:t>informativă</a:t>
+              <a:t>pentru</a:t>
             </a:r>
             <a:r>
               <a:rPr lang="en-US" dirty="0"/>
@@ -12809,7 +12801,18 @@
             </a:r>
             <a:r>
               <a:rPr lang="en-US" dirty="0" err="1"/>
-              <a:t>pentru</a:t>
+              <a:t>fanii</a:t>
+            </a:r>
+            <a:r>
+              <a:rPr lang="en-US" dirty="0"/>
+              <a:t> Formula 1</a:t>
+            </a:r>
+          </a:p>
+          <a:p>
+            <a:pPr algn="just"/>
+            <a:r>
+              <a:rPr lang="en-US" dirty="0" err="1"/>
+              <a:t>Informații</a:t>
             </a:r>
             <a:r>
               <a:rPr lang="en-US" dirty="0"/>
@@ -12817,15 +12820,7 @@
             </a:r>
             <a:r>
               <a:rPr lang="en-US" dirty="0" err="1"/>
-              <a:t>fanii</a:t>
-            </a:r>
-            <a:r>
-              <a:rPr lang="en-US" dirty="0"/>
-              <a:t> Formula 1, </a:t>
-            </a:r>
-            <a:r>
-              <a:rPr lang="en-US" dirty="0" err="1"/>
-              <a:t>acoperind</a:t>
+              <a:t>detaliate</a:t>
             </a:r>
             <a:r>
               <a:rPr lang="en-US" dirty="0"/>
@@ -12833,7 +12828,7 @@
             </a:r>
             <a:r>
               <a:rPr lang="en-US" dirty="0" err="1"/>
-              <a:t>performanțele</a:t>
+              <a:t>despre</a:t>
             </a:r>
             <a:r>
               <a:rPr lang="en-US" dirty="0"/>
@@ -12841,7 +12836,15 @@
             </a:r>
             <a:r>
               <a:rPr lang="en-US" dirty="0" err="1"/>
-              <a:t>piloților</a:t>
+              <a:t>fiecare</a:t>
+            </a:r>
+            <a:r>
+              <a:rPr lang="en-US" dirty="0"/>
+              <a:t> pilot, </a:t>
+            </a:r>
+            <a:r>
+              <a:rPr lang="en-US" dirty="0" err="1"/>
+              <a:t>inclusiv</a:t>
             </a:r>
             <a:r>
               <a:rPr lang="en-US" dirty="0"/>
@@ -12849,7 +12852,23 @@
             </a:r>
             <a:r>
               <a:rPr lang="en-US" dirty="0" err="1"/>
-              <a:t>și</a:t>
+              <a:t>statistici</a:t>
+            </a:r>
+            <a:endParaRPr lang="ro-RO" dirty="0"/>
+          </a:p>
+          <a:p>
+            <a:pPr algn="just"/>
+            <a:r>
+              <a:rPr lang="ro-RO" dirty="0"/>
+              <a:t>Informații despre circuite și rezultate</a:t>
+            </a:r>
+            <a:endParaRPr lang="en-US" dirty="0"/>
+          </a:p>
+          <a:p>
+            <a:pPr algn="just"/>
+            <a:r>
+              <a:rPr lang="en-US" dirty="0" err="1"/>
+              <a:t>Previziuni</a:t>
             </a:r>
             <a:r>
               <a:rPr lang="en-US" dirty="0"/>
@@ -12857,15 +12876,7 @@
             </a:r>
             <a:r>
               <a:rPr lang="en-US" dirty="0" err="1"/>
-              <a:t>echipelor</a:t>
-            </a:r>
-            <a:r>
-              <a:rPr lang="en-US" dirty="0"/>
-              <a:t>, </a:t>
-            </a:r>
-            <a:r>
-              <a:rPr lang="en-US" dirty="0" err="1"/>
-              <a:t>analizele</a:t>
+              <a:t>pentru</a:t>
             </a:r>
             <a:r>
               <a:rPr lang="en-US" dirty="0"/>
@@ -12873,7 +12884,7 @@
             </a:r>
             <a:r>
               <a:rPr lang="en-US" dirty="0" err="1"/>
-              <a:t>circuitelor</a:t>
+              <a:t>cursa</a:t>
             </a:r>
             <a:r>
               <a:rPr lang="en-US" dirty="0"/>
@@ -12881,239 +12892,35 @@
             </a:r>
             <a:r>
               <a:rPr lang="en-US" dirty="0" err="1"/>
-              <a:t>și</a:t>
-            </a:r>
-            <a:r>
-              <a:rPr lang="en-US" dirty="0"/>
-              <a:t> </a:t>
-            </a:r>
+              <a:t>viitoare</a:t>
+            </a:r>
+            <a:endParaRPr lang="en-US" dirty="0"/>
+          </a:p>
+          <a:p>
+            <a:pPr algn="just"/>
             <a:r>
               <a:rPr lang="en-US" dirty="0" err="1"/>
-              <a:t>sesiunilor</a:t>
-            </a:r>
-            <a:r>
-              <a:rPr lang="en-US" dirty="0"/>
-              <a:t> de curs</a:t>
+              <a:t>Notific</a:t>
             </a:r>
             <a:r>
               <a:rPr lang="ro-RO" dirty="0"/>
-              <a:t>ă</a:t>
-            </a:r>
-            <a:r>
-              <a:rPr lang="en-US" dirty="0"/>
-              <a:t>. </a:t>
+              <a:t>ări pentru utilizatori</a:t>
             </a:r>
           </a:p>
           <a:p>
             <a:pPr algn="just"/>
             <a:r>
-              <a:rPr lang="en-US" dirty="0" err="1"/>
-              <a:t>Modulul</a:t>
-            </a:r>
-            <a:r>
-              <a:rPr lang="en-US" dirty="0"/>
-              <a:t> </a:t>
-            </a:r>
-            <a:r>
-              <a:rPr lang="en-US" dirty="0" err="1"/>
-              <a:t>dedicat</a:t>
-            </a:r>
-            <a:r>
-              <a:rPr lang="en-US" dirty="0"/>
-              <a:t> </a:t>
-            </a:r>
-            <a:r>
-              <a:rPr lang="en-US" dirty="0" err="1"/>
-              <a:t>piloților</a:t>
-            </a:r>
-            <a:r>
-              <a:rPr lang="en-US" dirty="0"/>
-              <a:t> </a:t>
-            </a:r>
-            <a:r>
-              <a:rPr lang="en-US" dirty="0" err="1"/>
-              <a:t>furnizează</a:t>
-            </a:r>
-            <a:r>
-              <a:rPr lang="en-US" dirty="0"/>
-              <a:t> </a:t>
-            </a:r>
-            <a:r>
-              <a:rPr lang="en-US" dirty="0" err="1"/>
-              <a:t>informații</a:t>
-            </a:r>
-            <a:r>
-              <a:rPr lang="en-US" dirty="0"/>
-              <a:t> </a:t>
-            </a:r>
-            <a:r>
-              <a:rPr lang="en-US" dirty="0" err="1"/>
-              <a:t>detaliate</a:t>
-            </a:r>
-            <a:r>
-              <a:rPr lang="en-US" dirty="0"/>
-              <a:t> </a:t>
-            </a:r>
-            <a:r>
-              <a:rPr lang="en-US" dirty="0" err="1"/>
-              <a:t>despre</a:t>
-            </a:r>
-            <a:r>
-              <a:rPr lang="en-US" dirty="0"/>
-              <a:t> </a:t>
-            </a:r>
-            <a:r>
-              <a:rPr lang="en-US" dirty="0" err="1"/>
-              <a:t>fiecare</a:t>
-            </a:r>
-            <a:r>
-              <a:rPr lang="en-US" dirty="0"/>
-              <a:t> pilot, </a:t>
-            </a:r>
-            <a:r>
-              <a:rPr lang="en-US" dirty="0" err="1"/>
-              <a:t>inclusiv</a:t>
-            </a:r>
-            <a:r>
-              <a:rPr lang="en-US" dirty="0"/>
-              <a:t> </a:t>
-            </a:r>
-            <a:r>
-              <a:rPr lang="en-US" dirty="0" err="1"/>
-              <a:t>statistici</a:t>
-            </a:r>
-            <a:r>
-              <a:rPr lang="en-US" dirty="0"/>
-              <a:t>, </a:t>
-            </a:r>
-            <a:r>
-              <a:rPr lang="en-US" dirty="0" err="1"/>
-              <a:t>poziția</a:t>
-            </a:r>
-            <a:r>
-              <a:rPr lang="en-US" dirty="0"/>
-              <a:t> </a:t>
-            </a:r>
-            <a:r>
-              <a:rPr lang="en-US" dirty="0" err="1"/>
-              <a:t>în</a:t>
-            </a:r>
-            <a:r>
-              <a:rPr lang="en-US" dirty="0"/>
-              <a:t> </a:t>
-            </a:r>
-            <a:r>
-              <a:rPr lang="en-US" dirty="0" err="1"/>
-              <a:t>clasament</a:t>
-            </a:r>
-            <a:r>
-              <a:rPr lang="en-US" dirty="0"/>
-              <a:t> </a:t>
-            </a:r>
-            <a:r>
-              <a:rPr lang="en-US" dirty="0" err="1"/>
-              <a:t>și</a:t>
-            </a:r>
-            <a:r>
-              <a:rPr lang="en-US" dirty="0"/>
-              <a:t> </a:t>
-            </a:r>
-            <a:r>
-              <a:rPr lang="en-US" dirty="0" err="1"/>
-              <a:t>evoluția</a:t>
-            </a:r>
-            <a:r>
-              <a:rPr lang="en-US" dirty="0"/>
-              <a:t> </a:t>
-            </a:r>
-            <a:r>
-              <a:rPr lang="en-US" dirty="0" err="1"/>
-              <a:t>în</a:t>
-            </a:r>
-            <a:r>
-              <a:rPr lang="en-US" dirty="0"/>
-              <a:t> curse, precum </a:t>
-            </a:r>
-            <a:r>
-              <a:rPr lang="en-US" dirty="0" err="1"/>
-              <a:t>și</a:t>
-            </a:r>
-            <a:r>
-              <a:rPr lang="en-US" dirty="0"/>
-              <a:t> </a:t>
-            </a:r>
-            <a:r>
-              <a:rPr lang="en-US" dirty="0" err="1"/>
-              <a:t>previziuni</a:t>
-            </a:r>
-            <a:r>
-              <a:rPr lang="en-US" dirty="0"/>
-              <a:t> </a:t>
-            </a:r>
-            <a:r>
-              <a:rPr lang="en-US" dirty="0" err="1"/>
-              <a:t>pentru</a:t>
-            </a:r>
-            <a:r>
-              <a:rPr lang="en-US" dirty="0"/>
-              <a:t> </a:t>
-            </a:r>
-            <a:r>
-              <a:rPr lang="en-US" dirty="0" err="1"/>
-              <a:t>cursele</a:t>
-            </a:r>
-            <a:r>
-              <a:rPr lang="en-US" dirty="0"/>
-              <a:t> </a:t>
-            </a:r>
-            <a:r>
-              <a:rPr lang="en-US" dirty="0" err="1"/>
-              <a:t>viitoare</a:t>
-            </a:r>
-            <a:r>
-              <a:rPr lang="en-US" dirty="0"/>
-              <a:t>, </a:t>
-            </a:r>
-            <a:r>
-              <a:rPr lang="en-US" dirty="0" err="1"/>
-              <a:t>sporind</a:t>
-            </a:r>
-            <a:r>
-              <a:rPr lang="en-US" dirty="0"/>
-              <a:t> </a:t>
-            </a:r>
-            <a:r>
-              <a:rPr lang="en-US" dirty="0" err="1"/>
-              <a:t>entuziasmul</a:t>
-            </a:r>
-            <a:r>
-              <a:rPr lang="en-US" dirty="0"/>
-              <a:t> </a:t>
-            </a:r>
-            <a:r>
-              <a:rPr lang="en-US" dirty="0" err="1"/>
-              <a:t>și</a:t>
-            </a:r>
-            <a:r>
-              <a:rPr lang="en-US" dirty="0"/>
-              <a:t> </a:t>
-            </a:r>
-            <a:r>
-              <a:rPr lang="en-US" dirty="0" err="1"/>
-              <a:t>anticipația</a:t>
-            </a:r>
-            <a:r>
-              <a:rPr lang="en-US" dirty="0"/>
-              <a:t> </a:t>
-            </a:r>
-            <a:r>
-              <a:rPr lang="en-US" dirty="0" err="1"/>
-              <a:t>fanilor</a:t>
-            </a:r>
-            <a:r>
-              <a:rPr lang="en-US" dirty="0"/>
-              <a:t>.</a:t>
-            </a:r>
+              <a:rPr lang="ro-RO" dirty="0"/>
+              <a:t>Automatizarea procesului de colectare a datelor</a:t>
+            </a:r>
+          </a:p>
+          <a:p>
+            <a:pPr algn="just"/>
+            <a:endParaRPr lang="ro-RO" dirty="0"/>
+          </a:p>
+          <a:p>
+            <a:pPr algn="just"/>
+            <a:endParaRPr lang="en-US" dirty="0"/>
           </a:p>
         </p:txBody>
       </p:sp>
@@ -13272,6 +13079,250 @@
                                           <p:spTgt spid="3">
                                             <p:txEl>
                                               <p:pRg st="1" end="1"/>
+                                            </p:txEl>
+                                          </p:spTgt>
+                                        </p:tgtEl>
+                                      </p:cBhvr>
+                                    </p:animEffect>
+                                  </p:childTnLst>
+                                </p:cTn>
+                              </p:par>
+                            </p:childTnLst>
+                          </p:cTn>
+                        </p:par>
+                      </p:childTnLst>
+                    </p:cTn>
+                  </p:par>
+                  <p:par>
+                    <p:cTn id="13" fill="hold">
+                      <p:stCondLst>
+                        <p:cond delay="indefinite"/>
+                      </p:stCondLst>
+                      <p:childTnLst>
+                        <p:par>
+                          <p:cTn id="14" fill="hold">
+                            <p:stCondLst>
+                              <p:cond delay="0"/>
+                            </p:stCondLst>
+                            <p:childTnLst>
+                              <p:par>
+                                <p:cTn id="15" presetID="10" presetClass="entr" presetSubtype="0" fill="hold" grpId="0" nodeType="clickEffect">
+                                  <p:stCondLst>
+                                    <p:cond delay="0"/>
+                                  </p:stCondLst>
+                                  <p:childTnLst>
+                                    <p:set>
+                                      <p:cBhvr>
+                                        <p:cTn id="16" dur="1" fill="hold">
+                                          <p:stCondLst>
+                                            <p:cond delay="0"/>
+                                          </p:stCondLst>
+                                        </p:cTn>
+                                        <p:tgtEl>
+                                          <p:spTgt spid="3">
+                                            <p:txEl>
+                                              <p:pRg st="2" end="2"/>
+                                            </p:txEl>
+                                          </p:spTgt>
+                                        </p:tgtEl>
+                                        <p:attrNameLst>
+                                          <p:attrName>style.visibility</p:attrName>
+                                        </p:attrNameLst>
+                                      </p:cBhvr>
+                                      <p:to>
+                                        <p:strVal val="visible"/>
+                                      </p:to>
+                                    </p:set>
+                                    <p:animEffect transition="in" filter="fade">
+                                      <p:cBhvr>
+                                        <p:cTn id="17" dur="500"/>
+                                        <p:tgtEl>
+                                          <p:spTgt spid="3">
+                                            <p:txEl>
+                                              <p:pRg st="2" end="2"/>
+                                            </p:txEl>
+                                          </p:spTgt>
+                                        </p:tgtEl>
+                                      </p:cBhvr>
+                                    </p:animEffect>
+                                  </p:childTnLst>
+                                </p:cTn>
+                              </p:par>
+                            </p:childTnLst>
+                          </p:cTn>
+                        </p:par>
+                      </p:childTnLst>
+                    </p:cTn>
+                  </p:par>
+                  <p:par>
+                    <p:cTn id="18" fill="hold">
+                      <p:stCondLst>
+                        <p:cond delay="indefinite"/>
+                      </p:stCondLst>
+                      <p:childTnLst>
+                        <p:par>
+                          <p:cTn id="19" fill="hold">
+                            <p:stCondLst>
+                              <p:cond delay="0"/>
+                            </p:stCondLst>
+                            <p:childTnLst>
+                              <p:par>
+                                <p:cTn id="20" presetID="10" presetClass="entr" presetSubtype="0" fill="hold" grpId="0" nodeType="clickEffect">
+                                  <p:stCondLst>
+                                    <p:cond delay="0"/>
+                                  </p:stCondLst>
+                                  <p:childTnLst>
+                                    <p:set>
+                                      <p:cBhvr>
+                                        <p:cTn id="21" dur="1" fill="hold">
+                                          <p:stCondLst>
+                                            <p:cond delay="0"/>
+                                          </p:stCondLst>
+                                        </p:cTn>
+                                        <p:tgtEl>
+                                          <p:spTgt spid="3">
+                                            <p:txEl>
+                                              <p:pRg st="3" end="3"/>
+                                            </p:txEl>
+                                          </p:spTgt>
+                                        </p:tgtEl>
+                                        <p:attrNameLst>
+                                          <p:attrName>style.visibility</p:attrName>
+                                        </p:attrNameLst>
+                                      </p:cBhvr>
+                                      <p:to>
+                                        <p:strVal val="visible"/>
+                                      </p:to>
+                                    </p:set>
+                                    <p:animEffect transition="in" filter="fade">
+                                      <p:cBhvr>
+                                        <p:cTn id="22" dur="500"/>
+                                        <p:tgtEl>
+                                          <p:spTgt spid="3">
+                                            <p:txEl>
+                                              <p:pRg st="3" end="3"/>
+                                            </p:txEl>
+                                          </p:spTgt>
+                                        </p:tgtEl>
+                                      </p:cBhvr>
+                                    </p:animEffect>
+                                  </p:childTnLst>
+                                </p:cTn>
+                              </p:par>
+                            </p:childTnLst>
+                          </p:cTn>
+                        </p:par>
+                      </p:childTnLst>
+                    </p:cTn>
+                  </p:par>
+                  <p:par>
+                    <p:cTn id="23" fill="hold">
+                      <p:stCondLst>
+                        <p:cond delay="indefinite"/>
+                      </p:stCondLst>
+                      <p:childTnLst>
+                        <p:par>
+                          <p:cTn id="24" fill="hold">
+                            <p:stCondLst>
+                              <p:cond delay="0"/>
+                            </p:stCondLst>
+                            <p:childTnLst>
+                              <p:par>
+                                <p:cTn id="25" presetID="10" presetClass="entr" presetSubtype="0" fill="hold" grpId="0" nodeType="clickEffect">
+                                  <p:stCondLst>
+                                    <p:cond delay="0"/>
+                                  </p:stCondLst>
+                                  <p:childTnLst>
+                                    <p:set>
+                                      <p:cBhvr>
+                                        <p:cTn id="26" dur="1" fill="hold">
+                                          <p:stCondLst>
+                                            <p:cond delay="0"/>
+                                          </p:stCondLst>
+                                        </p:cTn>
+                                        <p:tgtEl>
+                                          <p:spTgt spid="3">
+                                            <p:txEl>
+                                              <p:pRg st="4" end="4"/>
+                                            </p:txEl>
+                                          </p:spTgt>
+                                        </p:tgtEl>
+                                        <p:attrNameLst>
+                                          <p:attrName>style.visibility</p:attrName>
+                                        </p:attrNameLst>
+                                      </p:cBhvr>
+                                      <p:to>
+                                        <p:strVal val="visible"/>
+                                      </p:to>
+                                    </p:set>
+                                    <p:animEffect transition="in" filter="fade">
+                                      <p:cBhvr>
+                                        <p:cTn id="27" dur="500"/>
+                                        <p:tgtEl>
+                                          <p:spTgt spid="3">
+                                            <p:txEl>
+                                              <p:pRg st="4" end="4"/>
+                                            </p:txEl>
+                                          </p:spTgt>
+                                        </p:tgtEl>
+                                      </p:cBhvr>
+                                    </p:animEffect>
+                                  </p:childTnLst>
+                                </p:cTn>
+                              </p:par>
+                            </p:childTnLst>
+                          </p:cTn>
+                        </p:par>
+                      </p:childTnLst>
+                    </p:cTn>
+                  </p:par>
+                  <p:par>
+                    <p:cTn id="28" fill="hold">
+                      <p:stCondLst>
+                        <p:cond delay="indefinite"/>
+                      </p:stCondLst>
+                      <p:childTnLst>
+                        <p:par>
+                          <p:cTn id="29" fill="hold">
+                            <p:stCondLst>
+                              <p:cond delay="0"/>
+                            </p:stCondLst>
+                            <p:childTnLst>
+                              <p:par>
+                                <p:cTn id="30" presetID="10" presetClass="entr" presetSubtype="0" fill="hold" grpId="0" nodeType="clickEffect">
+                                  <p:stCondLst>
+                                    <p:cond delay="0"/>
+                                  </p:stCondLst>
+                                  <p:childTnLst>
+                                    <p:set>
+                                      <p:cBhvr>
+                                        <p:cTn id="31" dur="1" fill="hold">
+                                          <p:stCondLst>
+                                            <p:cond delay="0"/>
+                                          </p:stCondLst>
+                                        </p:cTn>
+                                        <p:tgtEl>
+                                          <p:spTgt spid="3">
+                                            <p:txEl>
+                                              <p:pRg st="5" end="5"/>
+                                            </p:txEl>
+                                          </p:spTgt>
+                                        </p:tgtEl>
+                                        <p:attrNameLst>
+                                          <p:attrName>style.visibility</p:attrName>
+                                        </p:attrNameLst>
+                                      </p:cBhvr>
+                                      <p:to>
+                                        <p:strVal val="visible"/>
+                                      </p:to>
+                                    </p:set>
+                                    <p:animEffect transition="in" filter="fade">
+                                      <p:cBhvr>
+                                        <p:cTn id="32" dur="500"/>
+                                        <p:tgtEl>
+                                          <p:spTgt spid="3">
+                                            <p:txEl>
+                                              <p:pRg st="5" end="5"/>
                                             </p:txEl>
                                           </p:spTgt>
                                         </p:tgtEl>
@@ -13987,13 +14038,13 @@
   <p:clrMapOvr>
     <a:masterClrMapping/>
   </p:clrMapOvr>
-  <mc:AlternateContent xmlns:mc="http://schemas.openxmlformats.org/markup-compatibility/2006">
-    <mc:Choice xmlns:p14="http://schemas.microsoft.com/office/powerpoint/2010/main" Requires="p14">
+  <mc:AlternateContent xmlns:mc="http://schemas.openxmlformats.org/markup-compatibility/2006" xmlns:p14="http://schemas.microsoft.com/office/powerpoint/2010/main">
+    <mc:Choice Requires="p14">
       <p:transition spd="slow" p14:dur="800">
         <p14:flythrough/>
       </p:transition>
     </mc:Choice>
-    <mc:Fallback>
+    <mc:Fallback xmlns="">
       <p:transition spd="slow">
         <p:fade/>
       </p:transition>
